--- a/diagramas.pptx
+++ b/diagramas.pptx
@@ -7,6 +7,8 @@
   <p:sldIdLst>
     <p:sldId id="256" r:id="rId2"/>
     <p:sldId id="257" r:id="rId3"/>
+    <p:sldId id="258" r:id="rId4"/>
+    <p:sldId id="259" r:id="rId5"/>
   </p:sldIdLst>
   <p:sldSz cx="12192000" cy="6858000"/>
   <p:notesSz cx="6858000" cy="9144000"/>
@@ -272,7 +274,7 @@
           <a:p>
             <a:fld id="{01F862B5-5039-4432-9E1B-8160DCC90A15}" type="datetimeFigureOut">
               <a:rPr lang="en-US" smtClean="0"/>
-              <a:t>10/5/2019</a:t>
+              <a:t>10/20/2019</a:t>
             </a:fld>
             <a:endParaRPr lang="en-US"/>
           </a:p>
@@ -470,7 +472,7 @@
           <a:p>
             <a:fld id="{01F862B5-5039-4432-9E1B-8160DCC90A15}" type="datetimeFigureOut">
               <a:rPr lang="en-US" smtClean="0"/>
-              <a:t>10/5/2019</a:t>
+              <a:t>10/20/2019</a:t>
             </a:fld>
             <a:endParaRPr lang="en-US"/>
           </a:p>
@@ -678,7 +680,7 @@
           <a:p>
             <a:fld id="{01F862B5-5039-4432-9E1B-8160DCC90A15}" type="datetimeFigureOut">
               <a:rPr lang="en-US" smtClean="0"/>
-              <a:t>10/5/2019</a:t>
+              <a:t>10/20/2019</a:t>
             </a:fld>
             <a:endParaRPr lang="en-US"/>
           </a:p>
@@ -876,7 +878,7 @@
           <a:p>
             <a:fld id="{01F862B5-5039-4432-9E1B-8160DCC90A15}" type="datetimeFigureOut">
               <a:rPr lang="en-US" smtClean="0"/>
-              <a:t>10/5/2019</a:t>
+              <a:t>10/20/2019</a:t>
             </a:fld>
             <a:endParaRPr lang="en-US"/>
           </a:p>
@@ -1151,7 +1153,7 @@
           <a:p>
             <a:fld id="{01F862B5-5039-4432-9E1B-8160DCC90A15}" type="datetimeFigureOut">
               <a:rPr lang="en-US" smtClean="0"/>
-              <a:t>10/5/2019</a:t>
+              <a:t>10/20/2019</a:t>
             </a:fld>
             <a:endParaRPr lang="en-US"/>
           </a:p>
@@ -1416,7 +1418,7 @@
           <a:p>
             <a:fld id="{01F862B5-5039-4432-9E1B-8160DCC90A15}" type="datetimeFigureOut">
               <a:rPr lang="en-US" smtClean="0"/>
-              <a:t>10/5/2019</a:t>
+              <a:t>10/20/2019</a:t>
             </a:fld>
             <a:endParaRPr lang="en-US"/>
           </a:p>
@@ -1828,7 +1830,7 @@
           <a:p>
             <a:fld id="{01F862B5-5039-4432-9E1B-8160DCC90A15}" type="datetimeFigureOut">
               <a:rPr lang="en-US" smtClean="0"/>
-              <a:t>10/5/2019</a:t>
+              <a:t>10/20/2019</a:t>
             </a:fld>
             <a:endParaRPr lang="en-US"/>
           </a:p>
@@ -1969,7 +1971,7 @@
           <a:p>
             <a:fld id="{01F862B5-5039-4432-9E1B-8160DCC90A15}" type="datetimeFigureOut">
               <a:rPr lang="en-US" smtClean="0"/>
-              <a:t>10/5/2019</a:t>
+              <a:t>10/20/2019</a:t>
             </a:fld>
             <a:endParaRPr lang="en-US"/>
           </a:p>
@@ -2082,7 +2084,7 @@
           <a:p>
             <a:fld id="{01F862B5-5039-4432-9E1B-8160DCC90A15}" type="datetimeFigureOut">
               <a:rPr lang="en-US" smtClean="0"/>
-              <a:t>10/5/2019</a:t>
+              <a:t>10/20/2019</a:t>
             </a:fld>
             <a:endParaRPr lang="en-US"/>
           </a:p>
@@ -2393,7 +2395,7 @@
           <a:p>
             <a:fld id="{01F862B5-5039-4432-9E1B-8160DCC90A15}" type="datetimeFigureOut">
               <a:rPr lang="en-US" smtClean="0"/>
-              <a:t>10/5/2019</a:t>
+              <a:t>10/20/2019</a:t>
             </a:fld>
             <a:endParaRPr lang="en-US"/>
           </a:p>
@@ -2681,7 +2683,7 @@
           <a:p>
             <a:fld id="{01F862B5-5039-4432-9E1B-8160DCC90A15}" type="datetimeFigureOut">
               <a:rPr lang="en-US" smtClean="0"/>
-              <a:t>10/5/2019</a:t>
+              <a:t>10/20/2019</a:t>
             </a:fld>
             <a:endParaRPr lang="en-US"/>
           </a:p>
@@ -2922,7 +2924,7 @@
           <a:p>
             <a:fld id="{01F862B5-5039-4432-9E1B-8160DCC90A15}" type="datetimeFigureOut">
               <a:rPr lang="en-US" smtClean="0"/>
-              <a:t>10/5/2019</a:t>
+              <a:t>10/20/2019</a:t>
             </a:fld>
             <a:endParaRPr lang="en-US"/>
           </a:p>
@@ -23657,6 +23659,2556 @@
 </p:sld>
 </file>
 
+<file path=ppt/slides/slide3.xml><?xml version="1.0" encoding="utf-8"?>
+<p:sld xmlns:a="http://schemas.openxmlformats.org/drawingml/2006/main" xmlns:r="http://schemas.openxmlformats.org/officeDocument/2006/relationships" xmlns:p="http://schemas.openxmlformats.org/presentationml/2006/main">
+  <p:cSld>
+    <p:spTree>
+      <p:nvGrpSpPr>
+        <p:cNvPr id="1" name=""/>
+        <p:cNvGrpSpPr/>
+        <p:nvPr/>
+      </p:nvGrpSpPr>
+      <p:grpSpPr>
+        <a:xfrm>
+          <a:off x="0" y="0"/>
+          <a:ext cx="0" cy="0"/>
+          <a:chOff x="0" y="0"/>
+          <a:chExt cx="0" cy="0"/>
+        </a:xfrm>
+      </p:grpSpPr>
+      <p:pic>
+        <p:nvPicPr>
+          <p:cNvPr id="1026" name="Picture 2">
+            <a:extLst>
+              <a:ext uri="{FF2B5EF4-FFF2-40B4-BE49-F238E27FC236}">
+                <a16:creationId xmlns:a16="http://schemas.microsoft.com/office/drawing/2014/main" id="{B86AB571-E7B7-4653-83FB-10A712FEE4DC}"/>
+              </a:ext>
+            </a:extLst>
+          </p:cNvPr>
+          <p:cNvPicPr>
+            <a:picLocks noChangeAspect="1" noChangeArrowheads="1"/>
+          </p:cNvPicPr>
+          <p:nvPr/>
+        </p:nvPicPr>
+        <p:blipFill>
+          <a:blip r:embed="rId2">
+            <a:extLst>
+              <a:ext uri="{28A0092B-C50C-407E-A947-70E740481C1C}">
+                <a14:useLocalDpi xmlns:a14="http://schemas.microsoft.com/office/drawing/2010/main" val="0"/>
+              </a:ext>
+            </a:extLst>
+          </a:blip>
+          <a:srcRect/>
+          <a:stretch>
+            <a:fillRect/>
+          </a:stretch>
+        </p:blipFill>
+        <p:spPr bwMode="auto">
+          <a:xfrm>
+            <a:off x="-151855" y="-1"/>
+            <a:ext cx="12343855" cy="6951971"/>
+          </a:xfrm>
+          <a:prstGeom prst="rect">
+            <a:avLst/>
+          </a:prstGeom>
+          <a:noFill/>
+          <a:extLst>
+            <a:ext uri="{909E8E84-426E-40DD-AFC4-6F175D3DCCD1}">
+              <a14:hiddenFill xmlns:a14="http://schemas.microsoft.com/office/drawing/2010/main">
+                <a:solidFill>
+                  <a:srgbClr val="FFFFFF"/>
+                </a:solidFill>
+              </a14:hiddenFill>
+            </a:ext>
+          </a:extLst>
+        </p:spPr>
+      </p:pic>
+    </p:spTree>
+    <p:extLst>
+      <p:ext uri="{BB962C8B-B14F-4D97-AF65-F5344CB8AC3E}">
+        <p14:creationId xmlns:p14="http://schemas.microsoft.com/office/powerpoint/2010/main" val="846155905"/>
+      </p:ext>
+    </p:extLst>
+  </p:cSld>
+  <p:clrMapOvr>
+    <a:masterClrMapping/>
+  </p:clrMapOvr>
+</p:sld>
+</file>
+
+<file path=ppt/slides/slide4.xml><?xml version="1.0" encoding="utf-8"?>
+<p:sld xmlns:a="http://schemas.openxmlformats.org/drawingml/2006/main" xmlns:r="http://schemas.openxmlformats.org/officeDocument/2006/relationships" xmlns:p="http://schemas.openxmlformats.org/presentationml/2006/main">
+  <p:cSld>
+    <p:spTree>
+      <p:nvGrpSpPr>
+        <p:cNvPr id="1" name=""/>
+        <p:cNvGrpSpPr/>
+        <p:nvPr/>
+      </p:nvGrpSpPr>
+      <p:grpSpPr>
+        <a:xfrm>
+          <a:off x="0" y="0"/>
+          <a:ext cx="0" cy="0"/>
+          <a:chOff x="0" y="0"/>
+          <a:chExt cx="0" cy="0"/>
+        </a:xfrm>
+      </p:grpSpPr>
+      <p:sp>
+        <p:nvSpPr>
+          <p:cNvPr id="2" name="Rectangle: Rounded Corners 1">
+            <a:extLst>
+              <a:ext uri="{FF2B5EF4-FFF2-40B4-BE49-F238E27FC236}">
+                <a16:creationId xmlns:a16="http://schemas.microsoft.com/office/drawing/2014/main" id="{1EAB44AD-F11B-49B9-BA3A-21A509556DF0}"/>
+              </a:ext>
+            </a:extLst>
+          </p:cNvPr>
+          <p:cNvSpPr/>
+          <p:nvPr/>
+        </p:nvSpPr>
+        <p:spPr>
+          <a:xfrm>
+            <a:off x="1614543" y="1603373"/>
+            <a:ext cx="923461" cy="702108"/>
+          </a:xfrm>
+          <a:prstGeom prst="roundRect">
+            <a:avLst/>
+          </a:prstGeom>
+          <a:solidFill>
+            <a:schemeClr val="tx2">
+              <a:lumMod val="20000"/>
+              <a:lumOff val="80000"/>
+            </a:schemeClr>
+          </a:solidFill>
+          <a:ln>
+            <a:solidFill>
+              <a:schemeClr val="tx1">
+                <a:lumMod val="95000"/>
+                <a:lumOff val="5000"/>
+              </a:schemeClr>
+            </a:solidFill>
+          </a:ln>
+        </p:spPr>
+        <p:style>
+          <a:lnRef idx="2">
+            <a:schemeClr val="accent1">
+              <a:shade val="50000"/>
+            </a:schemeClr>
+          </a:lnRef>
+          <a:fillRef idx="1">
+            <a:schemeClr val="accent1"/>
+          </a:fillRef>
+          <a:effectRef idx="0">
+            <a:schemeClr val="accent1"/>
+          </a:effectRef>
+          <a:fontRef idx="minor">
+            <a:schemeClr val="lt1"/>
+          </a:fontRef>
+        </p:style>
+        <p:txBody>
+          <a:bodyPr rtlCol="0" anchor="ctr"/>
+          <a:lstStyle/>
+          <a:p>
+            <a:pPr algn="ctr"/>
+            <a:r>
+              <a:rPr lang="en-US" sz="1600" dirty="0">
+                <a:solidFill>
+                  <a:schemeClr val="tx1"/>
+                </a:solidFill>
+              </a:rPr>
+              <a:t>50 MHz </a:t>
+            </a:r>
+            <a:r>
+              <a:rPr lang="en-US" sz="1600" dirty="0" err="1">
+                <a:solidFill>
+                  <a:schemeClr val="tx1"/>
+                </a:solidFill>
+              </a:rPr>
+              <a:t>Clk</a:t>
+            </a:r>
+            <a:endParaRPr lang="en-US" sz="1600" dirty="0">
+              <a:solidFill>
+                <a:schemeClr val="tx1"/>
+              </a:solidFill>
+            </a:endParaRPr>
+          </a:p>
+        </p:txBody>
+      </p:sp>
+      <p:sp>
+        <p:nvSpPr>
+          <p:cNvPr id="5" name="Arrow: Right 4">
+            <a:extLst>
+              <a:ext uri="{FF2B5EF4-FFF2-40B4-BE49-F238E27FC236}">
+                <a16:creationId xmlns:a16="http://schemas.microsoft.com/office/drawing/2014/main" id="{19BC76D2-ABEA-4F27-B18A-EA24EC8DF98F}"/>
+              </a:ext>
+            </a:extLst>
+          </p:cNvPr>
+          <p:cNvSpPr/>
+          <p:nvPr/>
+        </p:nvSpPr>
+        <p:spPr>
+          <a:xfrm>
+            <a:off x="2546062" y="1828921"/>
+            <a:ext cx="457105" cy="251011"/>
+          </a:xfrm>
+          <a:prstGeom prst="rightArrow">
+            <a:avLst/>
+          </a:prstGeom>
+          <a:solidFill>
+            <a:schemeClr val="tx2">
+              <a:lumMod val="20000"/>
+              <a:lumOff val="80000"/>
+            </a:schemeClr>
+          </a:solidFill>
+          <a:ln>
+            <a:solidFill>
+              <a:schemeClr val="tx1">
+                <a:lumMod val="95000"/>
+                <a:lumOff val="5000"/>
+              </a:schemeClr>
+            </a:solidFill>
+          </a:ln>
+        </p:spPr>
+        <p:style>
+          <a:lnRef idx="2">
+            <a:schemeClr val="accent1">
+              <a:shade val="50000"/>
+            </a:schemeClr>
+          </a:lnRef>
+          <a:fillRef idx="1">
+            <a:schemeClr val="accent1"/>
+          </a:fillRef>
+          <a:effectRef idx="0">
+            <a:schemeClr val="accent1"/>
+          </a:effectRef>
+          <a:fontRef idx="minor">
+            <a:schemeClr val="lt1"/>
+          </a:fontRef>
+        </p:style>
+        <p:txBody>
+          <a:bodyPr rtlCol="0" anchor="ctr"/>
+          <a:lstStyle/>
+          <a:p>
+            <a:pPr algn="ctr"/>
+            <a:endParaRPr lang="en-US">
+              <a:solidFill>
+                <a:schemeClr val="tx1"/>
+              </a:solidFill>
+            </a:endParaRPr>
+          </a:p>
+        </p:txBody>
+      </p:sp>
+      <p:sp>
+        <p:nvSpPr>
+          <p:cNvPr id="6" name="Arrow: Right 5">
+            <a:extLst>
+              <a:ext uri="{FF2B5EF4-FFF2-40B4-BE49-F238E27FC236}">
+                <a16:creationId xmlns:a16="http://schemas.microsoft.com/office/drawing/2014/main" id="{7C269734-7680-4DC5-B12F-826BA8C853D9}"/>
+              </a:ext>
+            </a:extLst>
+          </p:cNvPr>
+          <p:cNvSpPr/>
+          <p:nvPr/>
+        </p:nvSpPr>
+        <p:spPr>
+          <a:xfrm>
+            <a:off x="3933494" y="1828921"/>
+            <a:ext cx="457105" cy="251011"/>
+          </a:xfrm>
+          <a:prstGeom prst="rightArrow">
+            <a:avLst/>
+          </a:prstGeom>
+          <a:solidFill>
+            <a:schemeClr val="tx2">
+              <a:lumMod val="20000"/>
+              <a:lumOff val="80000"/>
+            </a:schemeClr>
+          </a:solidFill>
+          <a:ln>
+            <a:solidFill>
+              <a:schemeClr val="tx1">
+                <a:lumMod val="95000"/>
+                <a:lumOff val="5000"/>
+              </a:schemeClr>
+            </a:solidFill>
+          </a:ln>
+        </p:spPr>
+        <p:style>
+          <a:lnRef idx="2">
+            <a:schemeClr val="accent1">
+              <a:shade val="50000"/>
+            </a:schemeClr>
+          </a:lnRef>
+          <a:fillRef idx="1">
+            <a:schemeClr val="accent1"/>
+          </a:fillRef>
+          <a:effectRef idx="0">
+            <a:schemeClr val="accent1"/>
+          </a:effectRef>
+          <a:fontRef idx="minor">
+            <a:schemeClr val="lt1"/>
+          </a:fontRef>
+        </p:style>
+        <p:txBody>
+          <a:bodyPr rtlCol="0" anchor="ctr"/>
+          <a:lstStyle/>
+          <a:p>
+            <a:pPr algn="ctr"/>
+            <a:endParaRPr lang="en-US">
+              <a:solidFill>
+                <a:schemeClr val="tx1"/>
+              </a:solidFill>
+            </a:endParaRPr>
+          </a:p>
+        </p:txBody>
+      </p:sp>
+      <p:grpSp>
+        <p:nvGrpSpPr>
+          <p:cNvPr id="26" name="Group 25">
+            <a:extLst>
+              <a:ext uri="{FF2B5EF4-FFF2-40B4-BE49-F238E27FC236}">
+                <a16:creationId xmlns:a16="http://schemas.microsoft.com/office/drawing/2014/main" id="{63C1F372-2F31-4563-89EE-13A69748A1EC}"/>
+              </a:ext>
+            </a:extLst>
+          </p:cNvPr>
+          <p:cNvGrpSpPr/>
+          <p:nvPr/>
+        </p:nvGrpSpPr>
+        <p:grpSpPr>
+          <a:xfrm>
+            <a:off x="219362" y="2780135"/>
+            <a:ext cx="941289" cy="835143"/>
+            <a:chOff x="2402543" y="2752166"/>
+            <a:chExt cx="941289" cy="835143"/>
+          </a:xfrm>
+          <a:solidFill>
+            <a:schemeClr val="tx2">
+              <a:lumMod val="20000"/>
+              <a:lumOff val="80000"/>
+            </a:schemeClr>
+          </a:solidFill>
+        </p:grpSpPr>
+        <p:sp>
+          <p:nvSpPr>
+            <p:cNvPr id="20" name="Rectangle: Rounded Corners 19">
+              <a:extLst>
+                <a:ext uri="{FF2B5EF4-FFF2-40B4-BE49-F238E27FC236}">
+                  <a16:creationId xmlns:a16="http://schemas.microsoft.com/office/drawing/2014/main" id="{6E1D4818-B5D3-4513-BD8B-14A260B06F53}"/>
+                </a:ext>
+              </a:extLst>
+            </p:cNvPr>
+            <p:cNvSpPr/>
+            <p:nvPr/>
+          </p:nvSpPr>
+          <p:spPr>
+            <a:xfrm>
+              <a:off x="2402543" y="2752166"/>
+              <a:ext cx="779929" cy="664818"/>
+            </a:xfrm>
+            <a:prstGeom prst="roundRect">
+              <a:avLst/>
+            </a:prstGeom>
+            <a:grpFill/>
+            <a:ln>
+              <a:solidFill>
+                <a:schemeClr val="tx1">
+                  <a:lumMod val="95000"/>
+                  <a:lumOff val="5000"/>
+                </a:schemeClr>
+              </a:solidFill>
+            </a:ln>
+          </p:spPr>
+          <p:style>
+            <a:lnRef idx="2">
+              <a:schemeClr val="accent1">
+                <a:shade val="50000"/>
+              </a:schemeClr>
+            </a:lnRef>
+            <a:fillRef idx="1">
+              <a:schemeClr val="accent1"/>
+            </a:fillRef>
+            <a:effectRef idx="0">
+              <a:schemeClr val="accent1"/>
+            </a:effectRef>
+            <a:fontRef idx="minor">
+              <a:schemeClr val="lt1"/>
+            </a:fontRef>
+          </p:style>
+          <p:txBody>
+            <a:bodyPr rtlCol="0" anchor="ctr"/>
+            <a:lstStyle/>
+            <a:p>
+              <a:pPr algn="ctr"/>
+              <a:r>
+                <a:rPr lang="en-US" dirty="0">
+                  <a:solidFill>
+                    <a:schemeClr val="tx1"/>
+                  </a:solidFill>
+                </a:rPr>
+                <a:t>GPIO</a:t>
+              </a:r>
+            </a:p>
+          </p:txBody>
+        </p:sp>
+        <p:sp>
+          <p:nvSpPr>
+            <p:cNvPr id="22" name="Rectangle: Rounded Corners 21">
+              <a:extLst>
+                <a:ext uri="{FF2B5EF4-FFF2-40B4-BE49-F238E27FC236}">
+                  <a16:creationId xmlns:a16="http://schemas.microsoft.com/office/drawing/2014/main" id="{4DE3B045-028C-473E-BB9E-8F401F2EE47B}"/>
+                </a:ext>
+              </a:extLst>
+            </p:cNvPr>
+            <p:cNvSpPr/>
+            <p:nvPr/>
+          </p:nvSpPr>
+          <p:spPr>
+            <a:xfrm>
+              <a:off x="2447363" y="2796986"/>
+              <a:ext cx="779929" cy="664818"/>
+            </a:xfrm>
+            <a:prstGeom prst="roundRect">
+              <a:avLst/>
+            </a:prstGeom>
+            <a:grpFill/>
+            <a:ln>
+              <a:solidFill>
+                <a:schemeClr val="tx1">
+                  <a:lumMod val="95000"/>
+                  <a:lumOff val="5000"/>
+                </a:schemeClr>
+              </a:solidFill>
+            </a:ln>
+          </p:spPr>
+          <p:style>
+            <a:lnRef idx="2">
+              <a:schemeClr val="accent1">
+                <a:shade val="50000"/>
+              </a:schemeClr>
+            </a:lnRef>
+            <a:fillRef idx="1">
+              <a:schemeClr val="accent1"/>
+            </a:fillRef>
+            <a:effectRef idx="0">
+              <a:schemeClr val="accent1"/>
+            </a:effectRef>
+            <a:fontRef idx="minor">
+              <a:schemeClr val="lt1"/>
+            </a:fontRef>
+          </p:style>
+          <p:txBody>
+            <a:bodyPr rtlCol="0" anchor="ctr"/>
+            <a:lstStyle/>
+            <a:p>
+              <a:pPr algn="ctr"/>
+              <a:r>
+                <a:rPr lang="en-US" dirty="0">
+                  <a:solidFill>
+                    <a:schemeClr val="tx1"/>
+                  </a:solidFill>
+                </a:rPr>
+                <a:t>GPIO</a:t>
+              </a:r>
+            </a:p>
+          </p:txBody>
+        </p:sp>
+        <p:sp>
+          <p:nvSpPr>
+            <p:cNvPr id="23" name="Rectangle: Rounded Corners 22">
+              <a:extLst>
+                <a:ext uri="{FF2B5EF4-FFF2-40B4-BE49-F238E27FC236}">
+                  <a16:creationId xmlns:a16="http://schemas.microsoft.com/office/drawing/2014/main" id="{8BE8879D-5D75-44CB-A7B7-EB3CDF084D89}"/>
+                </a:ext>
+              </a:extLst>
+            </p:cNvPr>
+            <p:cNvSpPr/>
+            <p:nvPr/>
+          </p:nvSpPr>
+          <p:spPr>
+            <a:xfrm>
+              <a:off x="2501153" y="2859741"/>
+              <a:ext cx="779929" cy="664818"/>
+            </a:xfrm>
+            <a:prstGeom prst="roundRect">
+              <a:avLst/>
+            </a:prstGeom>
+            <a:grpFill/>
+            <a:ln>
+              <a:solidFill>
+                <a:schemeClr val="tx1">
+                  <a:lumMod val="95000"/>
+                  <a:lumOff val="5000"/>
+                </a:schemeClr>
+              </a:solidFill>
+            </a:ln>
+          </p:spPr>
+          <p:style>
+            <a:lnRef idx="2">
+              <a:schemeClr val="accent1">
+                <a:shade val="50000"/>
+              </a:schemeClr>
+            </a:lnRef>
+            <a:fillRef idx="1">
+              <a:schemeClr val="accent1"/>
+            </a:fillRef>
+            <a:effectRef idx="0">
+              <a:schemeClr val="accent1"/>
+            </a:effectRef>
+            <a:fontRef idx="minor">
+              <a:schemeClr val="lt1"/>
+            </a:fontRef>
+          </p:style>
+          <p:txBody>
+            <a:bodyPr rtlCol="0" anchor="ctr"/>
+            <a:lstStyle/>
+            <a:p>
+              <a:pPr algn="ctr"/>
+              <a:r>
+                <a:rPr lang="en-US" dirty="0">
+                  <a:solidFill>
+                    <a:schemeClr val="tx1"/>
+                  </a:solidFill>
+                </a:rPr>
+                <a:t>GPIO</a:t>
+              </a:r>
+            </a:p>
+          </p:txBody>
+        </p:sp>
+        <p:sp>
+          <p:nvSpPr>
+            <p:cNvPr id="25" name="Rectangle: Rounded Corners 24">
+              <a:extLst>
+                <a:ext uri="{FF2B5EF4-FFF2-40B4-BE49-F238E27FC236}">
+                  <a16:creationId xmlns:a16="http://schemas.microsoft.com/office/drawing/2014/main" id="{D4520056-8539-4991-9E43-CFEB6EBCCD8D}"/>
+                </a:ext>
+              </a:extLst>
+            </p:cNvPr>
+            <p:cNvSpPr/>
+            <p:nvPr/>
+          </p:nvSpPr>
+          <p:spPr>
+            <a:xfrm>
+              <a:off x="2563903" y="2922491"/>
+              <a:ext cx="779929" cy="664818"/>
+            </a:xfrm>
+            <a:prstGeom prst="roundRect">
+              <a:avLst/>
+            </a:prstGeom>
+            <a:grpFill/>
+            <a:ln>
+              <a:solidFill>
+                <a:schemeClr val="tx1">
+                  <a:lumMod val="95000"/>
+                  <a:lumOff val="5000"/>
+                </a:schemeClr>
+              </a:solidFill>
+            </a:ln>
+          </p:spPr>
+          <p:style>
+            <a:lnRef idx="2">
+              <a:schemeClr val="accent1">
+                <a:shade val="50000"/>
+              </a:schemeClr>
+            </a:lnRef>
+            <a:fillRef idx="1">
+              <a:schemeClr val="accent1"/>
+            </a:fillRef>
+            <a:effectRef idx="0">
+              <a:schemeClr val="accent1"/>
+            </a:effectRef>
+            <a:fontRef idx="minor">
+              <a:schemeClr val="lt1"/>
+            </a:fontRef>
+          </p:style>
+          <p:txBody>
+            <a:bodyPr rtlCol="0" anchor="ctr"/>
+            <a:lstStyle/>
+            <a:p>
+              <a:pPr algn="ctr"/>
+              <a:r>
+                <a:rPr lang="en-US" dirty="0">
+                  <a:solidFill>
+                    <a:schemeClr val="tx1"/>
+                  </a:solidFill>
+                </a:rPr>
+                <a:t>PMTs</a:t>
+              </a:r>
+            </a:p>
+          </p:txBody>
+        </p:sp>
+      </p:grpSp>
+      <p:sp>
+        <p:nvSpPr>
+          <p:cNvPr id="27" name="Rectangle: Rounded Corners 26">
+            <a:extLst>
+              <a:ext uri="{FF2B5EF4-FFF2-40B4-BE49-F238E27FC236}">
+                <a16:creationId xmlns:a16="http://schemas.microsoft.com/office/drawing/2014/main" id="{45D32D54-A510-4A2B-A947-39B906A649E8}"/>
+              </a:ext>
+            </a:extLst>
+          </p:cNvPr>
+          <p:cNvSpPr/>
+          <p:nvPr/>
+        </p:nvSpPr>
+        <p:spPr>
+          <a:xfrm>
+            <a:off x="1747770" y="2905640"/>
+            <a:ext cx="753440" cy="664818"/>
+          </a:xfrm>
+          <a:prstGeom prst="roundRect">
+            <a:avLst/>
+          </a:prstGeom>
+          <a:solidFill>
+            <a:schemeClr val="tx2">
+              <a:lumMod val="20000"/>
+              <a:lumOff val="80000"/>
+            </a:schemeClr>
+          </a:solidFill>
+          <a:ln>
+            <a:solidFill>
+              <a:schemeClr val="tx1">
+                <a:lumMod val="95000"/>
+                <a:lumOff val="5000"/>
+              </a:schemeClr>
+            </a:solidFill>
+          </a:ln>
+        </p:spPr>
+        <p:style>
+          <a:lnRef idx="2">
+            <a:schemeClr val="accent1">
+              <a:shade val="50000"/>
+            </a:schemeClr>
+          </a:lnRef>
+          <a:fillRef idx="1">
+            <a:schemeClr val="accent1"/>
+          </a:fillRef>
+          <a:effectRef idx="0">
+            <a:schemeClr val="accent1"/>
+          </a:effectRef>
+          <a:fontRef idx="minor">
+            <a:schemeClr val="lt1"/>
+          </a:fontRef>
+        </p:style>
+        <p:txBody>
+          <a:bodyPr rtlCol="0" anchor="ctr"/>
+          <a:lstStyle/>
+          <a:p>
+            <a:pPr algn="ctr"/>
+            <a:r>
+              <a:rPr lang="en-US" dirty="0">
+                <a:solidFill>
+                  <a:schemeClr val="tx1"/>
+                </a:solidFill>
+              </a:rPr>
+              <a:t>GPIO</a:t>
+            </a:r>
+          </a:p>
+        </p:txBody>
+      </p:sp>
+      <p:sp>
+        <p:nvSpPr>
+          <p:cNvPr id="28" name="Rectangle: Rounded Corners 27">
+            <a:extLst>
+              <a:ext uri="{FF2B5EF4-FFF2-40B4-BE49-F238E27FC236}">
+                <a16:creationId xmlns:a16="http://schemas.microsoft.com/office/drawing/2014/main" id="{6AD76BDE-B04D-4E12-AAC8-8FC16F808E92}"/>
+              </a:ext>
+            </a:extLst>
+          </p:cNvPr>
+          <p:cNvSpPr/>
+          <p:nvPr/>
+        </p:nvSpPr>
+        <p:spPr>
+          <a:xfrm>
+            <a:off x="3003167" y="1603373"/>
+            <a:ext cx="923461" cy="702108"/>
+          </a:xfrm>
+          <a:prstGeom prst="roundRect">
+            <a:avLst/>
+          </a:prstGeom>
+          <a:solidFill>
+            <a:schemeClr val="tx2">
+              <a:lumMod val="20000"/>
+              <a:lumOff val="80000"/>
+            </a:schemeClr>
+          </a:solidFill>
+          <a:ln>
+            <a:solidFill>
+              <a:schemeClr val="tx1">
+                <a:lumMod val="95000"/>
+                <a:lumOff val="5000"/>
+              </a:schemeClr>
+            </a:solidFill>
+          </a:ln>
+        </p:spPr>
+        <p:style>
+          <a:lnRef idx="2">
+            <a:schemeClr val="accent1">
+              <a:shade val="50000"/>
+            </a:schemeClr>
+          </a:lnRef>
+          <a:fillRef idx="1">
+            <a:schemeClr val="accent1"/>
+          </a:fillRef>
+          <a:effectRef idx="0">
+            <a:schemeClr val="accent1"/>
+          </a:effectRef>
+          <a:fontRef idx="minor">
+            <a:schemeClr val="lt1"/>
+          </a:fontRef>
+        </p:style>
+        <p:txBody>
+          <a:bodyPr rtlCol="0" anchor="ctr"/>
+          <a:lstStyle/>
+          <a:p>
+            <a:pPr algn="ctr"/>
+            <a:r>
+              <a:rPr lang="en-US" sz="1600" dirty="0">
+                <a:solidFill>
+                  <a:schemeClr val="tx1"/>
+                </a:solidFill>
+              </a:rPr>
+              <a:t>PLL</a:t>
+            </a:r>
+          </a:p>
+        </p:txBody>
+      </p:sp>
+      <p:sp>
+        <p:nvSpPr>
+          <p:cNvPr id="29" name="Rectangle: Rounded Corners 28">
+            <a:extLst>
+              <a:ext uri="{FF2B5EF4-FFF2-40B4-BE49-F238E27FC236}">
+                <a16:creationId xmlns:a16="http://schemas.microsoft.com/office/drawing/2014/main" id="{8B59E776-7B1E-4412-A4B1-9DD687C38657}"/>
+              </a:ext>
+            </a:extLst>
+          </p:cNvPr>
+          <p:cNvSpPr/>
+          <p:nvPr/>
+        </p:nvSpPr>
+        <p:spPr>
+          <a:xfrm>
+            <a:off x="4402373" y="1603373"/>
+            <a:ext cx="923461" cy="702108"/>
+          </a:xfrm>
+          <a:prstGeom prst="roundRect">
+            <a:avLst/>
+          </a:prstGeom>
+          <a:solidFill>
+            <a:schemeClr val="tx2">
+              <a:lumMod val="20000"/>
+              <a:lumOff val="80000"/>
+            </a:schemeClr>
+          </a:solidFill>
+          <a:ln>
+            <a:solidFill>
+              <a:schemeClr val="tx1">
+                <a:lumMod val="95000"/>
+                <a:lumOff val="5000"/>
+              </a:schemeClr>
+            </a:solidFill>
+          </a:ln>
+        </p:spPr>
+        <p:style>
+          <a:lnRef idx="2">
+            <a:schemeClr val="accent1">
+              <a:shade val="50000"/>
+            </a:schemeClr>
+          </a:lnRef>
+          <a:fillRef idx="1">
+            <a:schemeClr val="accent1"/>
+          </a:fillRef>
+          <a:effectRef idx="0">
+            <a:schemeClr val="accent1"/>
+          </a:effectRef>
+          <a:fontRef idx="minor">
+            <a:schemeClr val="lt1"/>
+          </a:fontRef>
+        </p:style>
+        <p:txBody>
+          <a:bodyPr rtlCol="0" anchor="ctr"/>
+          <a:lstStyle/>
+          <a:p>
+            <a:pPr algn="ctr"/>
+            <a:r>
+              <a:rPr lang="en-US" sz="1600" dirty="0">
+                <a:solidFill>
+                  <a:schemeClr val="tx1"/>
+                </a:solidFill>
+              </a:rPr>
+              <a:t>200 MHz </a:t>
+            </a:r>
+            <a:r>
+              <a:rPr lang="en-US" sz="1600" dirty="0" err="1">
+                <a:solidFill>
+                  <a:schemeClr val="tx1"/>
+                </a:solidFill>
+              </a:rPr>
+              <a:t>Clk</a:t>
+            </a:r>
+            <a:endParaRPr lang="en-US" sz="1600" dirty="0">
+              <a:solidFill>
+                <a:schemeClr val="tx1"/>
+              </a:solidFill>
+            </a:endParaRPr>
+          </a:p>
+        </p:txBody>
+      </p:sp>
+      <p:grpSp>
+        <p:nvGrpSpPr>
+          <p:cNvPr id="41" name="Group 40">
+            <a:extLst>
+              <a:ext uri="{FF2B5EF4-FFF2-40B4-BE49-F238E27FC236}">
+                <a16:creationId xmlns:a16="http://schemas.microsoft.com/office/drawing/2014/main" id="{830289D9-6ADE-427B-9029-073038351FFA}"/>
+              </a:ext>
+            </a:extLst>
+          </p:cNvPr>
+          <p:cNvGrpSpPr/>
+          <p:nvPr/>
+        </p:nvGrpSpPr>
+        <p:grpSpPr>
+          <a:xfrm>
+            <a:off x="2996570" y="4232178"/>
+            <a:ext cx="941289" cy="1132184"/>
+            <a:chOff x="2124695" y="3943895"/>
+            <a:chExt cx="941289" cy="1132184"/>
+          </a:xfrm>
+          <a:solidFill>
+            <a:schemeClr val="tx2">
+              <a:lumMod val="20000"/>
+              <a:lumOff val="80000"/>
+            </a:schemeClr>
+          </a:solidFill>
+        </p:grpSpPr>
+        <p:grpSp>
+          <p:nvGrpSpPr>
+            <p:cNvPr id="35" name="Group 34">
+              <a:extLst>
+                <a:ext uri="{FF2B5EF4-FFF2-40B4-BE49-F238E27FC236}">
+                  <a16:creationId xmlns:a16="http://schemas.microsoft.com/office/drawing/2014/main" id="{C2CA1C0A-F00B-4006-9202-80442F9B3E18}"/>
+                </a:ext>
+              </a:extLst>
+            </p:cNvPr>
+            <p:cNvGrpSpPr/>
+            <p:nvPr/>
+          </p:nvGrpSpPr>
+          <p:grpSpPr>
+            <a:xfrm>
+              <a:off x="2124695" y="3943895"/>
+              <a:ext cx="941289" cy="835143"/>
+              <a:chOff x="2402543" y="2752166"/>
+              <a:chExt cx="941289" cy="835143"/>
+            </a:xfrm>
+            <a:grpFill/>
+          </p:grpSpPr>
+          <p:sp>
+            <p:nvSpPr>
+              <p:cNvPr id="36" name="Rectangle: Rounded Corners 35">
+                <a:extLst>
+                  <a:ext uri="{FF2B5EF4-FFF2-40B4-BE49-F238E27FC236}">
+                    <a16:creationId xmlns:a16="http://schemas.microsoft.com/office/drawing/2014/main" id="{B1CB3F03-99F8-4D5F-AFE1-C6CD40927BDC}"/>
+                  </a:ext>
+                </a:extLst>
+              </p:cNvPr>
+              <p:cNvSpPr/>
+              <p:nvPr/>
+            </p:nvSpPr>
+            <p:spPr>
+              <a:xfrm>
+                <a:off x="2402543" y="2752166"/>
+                <a:ext cx="779929" cy="664818"/>
+              </a:xfrm>
+              <a:prstGeom prst="roundRect">
+                <a:avLst/>
+              </a:prstGeom>
+              <a:grpFill/>
+              <a:ln>
+                <a:solidFill>
+                  <a:schemeClr val="tx1">
+                    <a:lumMod val="95000"/>
+                    <a:lumOff val="5000"/>
+                  </a:schemeClr>
+                </a:solidFill>
+              </a:ln>
+            </p:spPr>
+            <p:style>
+              <a:lnRef idx="2">
+                <a:schemeClr val="accent1">
+                  <a:shade val="50000"/>
+                </a:schemeClr>
+              </a:lnRef>
+              <a:fillRef idx="1">
+                <a:schemeClr val="accent1"/>
+              </a:fillRef>
+              <a:effectRef idx="0">
+                <a:schemeClr val="accent1"/>
+              </a:effectRef>
+              <a:fontRef idx="minor">
+                <a:schemeClr val="lt1"/>
+              </a:fontRef>
+            </p:style>
+            <p:txBody>
+              <a:bodyPr rtlCol="0" anchor="ctr"/>
+              <a:lstStyle/>
+              <a:p>
+                <a:pPr algn="ctr"/>
+                <a:r>
+                  <a:rPr lang="en-US" dirty="0">
+                    <a:solidFill>
+                      <a:schemeClr val="tx1"/>
+                    </a:solidFill>
+                  </a:rPr>
+                  <a:t>GPIO</a:t>
+                </a:r>
+              </a:p>
+            </p:txBody>
+          </p:sp>
+          <p:sp>
+            <p:nvSpPr>
+              <p:cNvPr id="37" name="Rectangle: Rounded Corners 36">
+                <a:extLst>
+                  <a:ext uri="{FF2B5EF4-FFF2-40B4-BE49-F238E27FC236}">
+                    <a16:creationId xmlns:a16="http://schemas.microsoft.com/office/drawing/2014/main" id="{0300DDA5-AE62-4B72-B9B0-1CAA7D882839}"/>
+                  </a:ext>
+                </a:extLst>
+              </p:cNvPr>
+              <p:cNvSpPr/>
+              <p:nvPr/>
+            </p:nvSpPr>
+            <p:spPr>
+              <a:xfrm>
+                <a:off x="2447363" y="2796986"/>
+                <a:ext cx="779929" cy="664818"/>
+              </a:xfrm>
+              <a:prstGeom prst="roundRect">
+                <a:avLst/>
+              </a:prstGeom>
+              <a:grpFill/>
+              <a:ln>
+                <a:solidFill>
+                  <a:schemeClr val="tx1">
+                    <a:lumMod val="95000"/>
+                    <a:lumOff val="5000"/>
+                  </a:schemeClr>
+                </a:solidFill>
+              </a:ln>
+            </p:spPr>
+            <p:style>
+              <a:lnRef idx="2">
+                <a:schemeClr val="accent1">
+                  <a:shade val="50000"/>
+                </a:schemeClr>
+              </a:lnRef>
+              <a:fillRef idx="1">
+                <a:schemeClr val="accent1"/>
+              </a:fillRef>
+              <a:effectRef idx="0">
+                <a:schemeClr val="accent1"/>
+              </a:effectRef>
+              <a:fontRef idx="minor">
+                <a:schemeClr val="lt1"/>
+              </a:fontRef>
+            </p:style>
+            <p:txBody>
+              <a:bodyPr rtlCol="0" anchor="ctr"/>
+              <a:lstStyle/>
+              <a:p>
+                <a:pPr algn="ctr"/>
+                <a:r>
+                  <a:rPr lang="en-US" dirty="0">
+                    <a:solidFill>
+                      <a:schemeClr val="tx1"/>
+                    </a:solidFill>
+                  </a:rPr>
+                  <a:t>GPIO</a:t>
+                </a:r>
+              </a:p>
+            </p:txBody>
+          </p:sp>
+          <p:sp>
+            <p:nvSpPr>
+              <p:cNvPr id="38" name="Rectangle: Rounded Corners 37">
+                <a:extLst>
+                  <a:ext uri="{FF2B5EF4-FFF2-40B4-BE49-F238E27FC236}">
+                    <a16:creationId xmlns:a16="http://schemas.microsoft.com/office/drawing/2014/main" id="{AEE293A4-D6A0-4BF6-B9E0-9EB77EEBC715}"/>
+                  </a:ext>
+                </a:extLst>
+              </p:cNvPr>
+              <p:cNvSpPr/>
+              <p:nvPr/>
+            </p:nvSpPr>
+            <p:spPr>
+              <a:xfrm>
+                <a:off x="2501153" y="2859741"/>
+                <a:ext cx="779929" cy="664818"/>
+              </a:xfrm>
+              <a:prstGeom prst="roundRect">
+                <a:avLst/>
+              </a:prstGeom>
+              <a:grpFill/>
+              <a:ln>
+                <a:solidFill>
+                  <a:schemeClr val="tx1">
+                    <a:lumMod val="95000"/>
+                    <a:lumOff val="5000"/>
+                  </a:schemeClr>
+                </a:solidFill>
+              </a:ln>
+            </p:spPr>
+            <p:style>
+              <a:lnRef idx="2">
+                <a:schemeClr val="accent1">
+                  <a:shade val="50000"/>
+                </a:schemeClr>
+              </a:lnRef>
+              <a:fillRef idx="1">
+                <a:schemeClr val="accent1"/>
+              </a:fillRef>
+              <a:effectRef idx="0">
+                <a:schemeClr val="accent1"/>
+              </a:effectRef>
+              <a:fontRef idx="minor">
+                <a:schemeClr val="lt1"/>
+              </a:fontRef>
+            </p:style>
+            <p:txBody>
+              <a:bodyPr rtlCol="0" anchor="ctr"/>
+              <a:lstStyle/>
+              <a:p>
+                <a:pPr algn="ctr"/>
+                <a:r>
+                  <a:rPr lang="en-US" dirty="0">
+                    <a:solidFill>
+                      <a:schemeClr val="tx1"/>
+                    </a:solidFill>
+                  </a:rPr>
+                  <a:t>GPIO</a:t>
+                </a:r>
+              </a:p>
+            </p:txBody>
+          </p:sp>
+          <p:sp>
+            <p:nvSpPr>
+              <p:cNvPr id="39" name="Rectangle: Rounded Corners 38">
+                <a:extLst>
+                  <a:ext uri="{FF2B5EF4-FFF2-40B4-BE49-F238E27FC236}">
+                    <a16:creationId xmlns:a16="http://schemas.microsoft.com/office/drawing/2014/main" id="{6192C626-EBC5-4474-9332-37CBF86707F9}"/>
+                  </a:ext>
+                </a:extLst>
+              </p:cNvPr>
+              <p:cNvSpPr/>
+              <p:nvPr/>
+            </p:nvSpPr>
+            <p:spPr>
+              <a:xfrm>
+                <a:off x="2563903" y="2922491"/>
+                <a:ext cx="779929" cy="664818"/>
+              </a:xfrm>
+              <a:prstGeom prst="roundRect">
+                <a:avLst/>
+              </a:prstGeom>
+              <a:grpFill/>
+              <a:ln>
+                <a:solidFill>
+                  <a:schemeClr val="tx1">
+                    <a:lumMod val="95000"/>
+                    <a:lumOff val="5000"/>
+                  </a:schemeClr>
+                </a:solidFill>
+              </a:ln>
+            </p:spPr>
+            <p:style>
+              <a:lnRef idx="2">
+                <a:schemeClr val="accent1">
+                  <a:shade val="50000"/>
+                </a:schemeClr>
+              </a:lnRef>
+              <a:fillRef idx="1">
+                <a:schemeClr val="accent1"/>
+              </a:fillRef>
+              <a:effectRef idx="0">
+                <a:schemeClr val="accent1"/>
+              </a:effectRef>
+              <a:fontRef idx="minor">
+                <a:schemeClr val="lt1"/>
+              </a:fontRef>
+            </p:style>
+            <p:txBody>
+              <a:bodyPr rtlCol="0" anchor="ctr"/>
+              <a:lstStyle/>
+              <a:p>
+                <a:pPr algn="ctr"/>
+                <a:r>
+                  <a:rPr lang="en-US" dirty="0">
+                    <a:solidFill>
+                      <a:schemeClr val="tx1"/>
+                    </a:solidFill>
+                  </a:rPr>
+                  <a:t>SW</a:t>
+                </a:r>
+              </a:p>
+            </p:txBody>
+          </p:sp>
+        </p:grpSp>
+        <p:sp>
+          <p:nvSpPr>
+            <p:cNvPr id="40" name="TextBox 39">
+              <a:extLst>
+                <a:ext uri="{FF2B5EF4-FFF2-40B4-BE49-F238E27FC236}">
+                  <a16:creationId xmlns:a16="http://schemas.microsoft.com/office/drawing/2014/main" id="{1BE43246-C038-4A46-A2BB-DF70881F664C}"/>
+                </a:ext>
+              </a:extLst>
+            </p:cNvPr>
+            <p:cNvSpPr txBox="1"/>
+            <p:nvPr/>
+          </p:nvSpPr>
+          <p:spPr>
+            <a:xfrm>
+              <a:off x="2664812" y="4706747"/>
+              <a:ext cx="401072" cy="369332"/>
+            </a:xfrm>
+            <a:prstGeom prst="rect">
+              <a:avLst/>
+            </a:prstGeom>
+            <a:grpFill/>
+            <a:ln>
+              <a:solidFill>
+                <a:schemeClr val="tx1">
+                  <a:lumMod val="95000"/>
+                  <a:lumOff val="5000"/>
+                </a:schemeClr>
+              </a:solidFill>
+            </a:ln>
+          </p:spPr>
+          <p:txBody>
+            <a:bodyPr wrap="none" rtlCol="0">
+              <a:spAutoFit/>
+            </a:bodyPr>
+            <a:lstStyle/>
+            <a:p>
+              <a:r>
+                <a:rPr lang="en-US" dirty="0"/>
+                <a:t>x8</a:t>
+              </a:r>
+            </a:p>
+          </p:txBody>
+        </p:sp>
+      </p:grpSp>
+      <p:sp>
+        <p:nvSpPr>
+          <p:cNvPr id="42" name="Arrow: Right 41">
+            <a:extLst>
+              <a:ext uri="{FF2B5EF4-FFF2-40B4-BE49-F238E27FC236}">
+                <a16:creationId xmlns:a16="http://schemas.microsoft.com/office/drawing/2014/main" id="{B3C59862-25DA-44CA-B640-5B20EEFD9C3C}"/>
+              </a:ext>
+            </a:extLst>
+          </p:cNvPr>
+          <p:cNvSpPr/>
+          <p:nvPr/>
+        </p:nvSpPr>
+        <p:spPr>
+          <a:xfrm rot="16200000">
+            <a:off x="3210257" y="3781165"/>
+            <a:ext cx="457105" cy="251011"/>
+          </a:xfrm>
+          <a:prstGeom prst="rightArrow">
+            <a:avLst/>
+          </a:prstGeom>
+          <a:solidFill>
+            <a:schemeClr val="tx2">
+              <a:lumMod val="20000"/>
+              <a:lumOff val="80000"/>
+            </a:schemeClr>
+          </a:solidFill>
+          <a:ln>
+            <a:solidFill>
+              <a:schemeClr val="tx1">
+                <a:lumMod val="95000"/>
+                <a:lumOff val="5000"/>
+              </a:schemeClr>
+            </a:solidFill>
+          </a:ln>
+        </p:spPr>
+        <p:style>
+          <a:lnRef idx="2">
+            <a:schemeClr val="accent1">
+              <a:shade val="50000"/>
+            </a:schemeClr>
+          </a:lnRef>
+          <a:fillRef idx="1">
+            <a:schemeClr val="accent1"/>
+          </a:fillRef>
+          <a:effectRef idx="0">
+            <a:schemeClr val="accent1"/>
+          </a:effectRef>
+          <a:fontRef idx="minor">
+            <a:schemeClr val="lt1"/>
+          </a:fontRef>
+        </p:style>
+        <p:txBody>
+          <a:bodyPr rtlCol="0" anchor="ctr"/>
+          <a:lstStyle/>
+          <a:p>
+            <a:pPr algn="ctr"/>
+            <a:endParaRPr lang="en-US">
+              <a:solidFill>
+                <a:schemeClr val="tx1"/>
+              </a:solidFill>
+            </a:endParaRPr>
+          </a:p>
+        </p:txBody>
+      </p:sp>
+      <p:sp>
+        <p:nvSpPr>
+          <p:cNvPr id="44" name="Arrow: Right 43">
+            <a:extLst>
+              <a:ext uri="{FF2B5EF4-FFF2-40B4-BE49-F238E27FC236}">
+                <a16:creationId xmlns:a16="http://schemas.microsoft.com/office/drawing/2014/main" id="{6B78F4C5-ACE7-4947-950E-710492A32AC8}"/>
+              </a:ext>
+            </a:extLst>
+          </p:cNvPr>
+          <p:cNvSpPr/>
+          <p:nvPr/>
+        </p:nvSpPr>
+        <p:spPr>
+          <a:xfrm>
+            <a:off x="1224308" y="3131362"/>
+            <a:ext cx="457105" cy="251011"/>
+          </a:xfrm>
+          <a:prstGeom prst="rightArrow">
+            <a:avLst/>
+          </a:prstGeom>
+          <a:solidFill>
+            <a:schemeClr val="tx2">
+              <a:lumMod val="20000"/>
+              <a:lumOff val="80000"/>
+            </a:schemeClr>
+          </a:solidFill>
+          <a:ln>
+            <a:solidFill>
+              <a:schemeClr val="tx1">
+                <a:lumMod val="95000"/>
+                <a:lumOff val="5000"/>
+              </a:schemeClr>
+            </a:solidFill>
+          </a:ln>
+        </p:spPr>
+        <p:style>
+          <a:lnRef idx="2">
+            <a:schemeClr val="accent1">
+              <a:shade val="50000"/>
+            </a:schemeClr>
+          </a:lnRef>
+          <a:fillRef idx="1">
+            <a:schemeClr val="accent1"/>
+          </a:fillRef>
+          <a:effectRef idx="0">
+            <a:schemeClr val="accent1"/>
+          </a:effectRef>
+          <a:fontRef idx="minor">
+            <a:schemeClr val="lt1"/>
+          </a:fontRef>
+        </p:style>
+        <p:txBody>
+          <a:bodyPr rtlCol="0" anchor="ctr"/>
+          <a:lstStyle/>
+          <a:p>
+            <a:pPr algn="ctr"/>
+            <a:endParaRPr lang="en-US">
+              <a:solidFill>
+                <a:schemeClr val="tx1"/>
+              </a:solidFill>
+            </a:endParaRPr>
+          </a:p>
+        </p:txBody>
+      </p:sp>
+      <p:sp>
+        <p:nvSpPr>
+          <p:cNvPr id="52" name="Flowchart: Manual Operation 51">
+            <a:extLst>
+              <a:ext uri="{FF2B5EF4-FFF2-40B4-BE49-F238E27FC236}">
+                <a16:creationId xmlns:a16="http://schemas.microsoft.com/office/drawing/2014/main" id="{965B9FEB-59FC-49BE-B1F0-EDF370845507}"/>
+              </a:ext>
+            </a:extLst>
+          </p:cNvPr>
+          <p:cNvSpPr/>
+          <p:nvPr/>
+        </p:nvSpPr>
+        <p:spPr>
+          <a:xfrm rot="16200000">
+            <a:off x="2999544" y="2960418"/>
+            <a:ext cx="911557" cy="519400"/>
+          </a:xfrm>
+          <a:prstGeom prst="flowChartManualOperation">
+            <a:avLst/>
+          </a:prstGeom>
+          <a:solidFill>
+            <a:schemeClr val="tx2">
+              <a:lumMod val="20000"/>
+              <a:lumOff val="80000"/>
+            </a:schemeClr>
+          </a:solidFill>
+          <a:ln>
+            <a:solidFill>
+              <a:schemeClr val="tx1">
+                <a:lumMod val="95000"/>
+                <a:lumOff val="5000"/>
+              </a:schemeClr>
+            </a:solidFill>
+          </a:ln>
+        </p:spPr>
+        <p:style>
+          <a:lnRef idx="2">
+            <a:schemeClr val="accent1">
+              <a:shade val="50000"/>
+            </a:schemeClr>
+          </a:lnRef>
+          <a:fillRef idx="1">
+            <a:schemeClr val="accent1"/>
+          </a:fillRef>
+          <a:effectRef idx="0">
+            <a:schemeClr val="accent1"/>
+          </a:effectRef>
+          <a:fontRef idx="minor">
+            <a:schemeClr val="lt1"/>
+          </a:fontRef>
+        </p:style>
+        <p:txBody>
+          <a:bodyPr vert="vert" rtlCol="0" anchor="ctr"/>
+          <a:lstStyle/>
+          <a:p>
+            <a:pPr algn="ctr"/>
+            <a:r>
+              <a:rPr lang="en-US" dirty="0">
+                <a:solidFill>
+                  <a:schemeClr val="tx1"/>
+                </a:solidFill>
+              </a:rPr>
+              <a:t>A-H</a:t>
+            </a:r>
+          </a:p>
+        </p:txBody>
+      </p:sp>
+      <p:sp>
+        <p:nvSpPr>
+          <p:cNvPr id="53" name="Rectangle: Rounded Corners 52">
+            <a:extLst>
+              <a:ext uri="{FF2B5EF4-FFF2-40B4-BE49-F238E27FC236}">
+                <a16:creationId xmlns:a16="http://schemas.microsoft.com/office/drawing/2014/main" id="{418788E4-1CF2-4FFE-AEF8-4021F682379F}"/>
+              </a:ext>
+            </a:extLst>
+          </p:cNvPr>
+          <p:cNvSpPr/>
+          <p:nvPr/>
+        </p:nvSpPr>
+        <p:spPr>
+          <a:xfrm>
+            <a:off x="5820219" y="1620922"/>
+            <a:ext cx="923461" cy="702108"/>
+          </a:xfrm>
+          <a:prstGeom prst="roundRect">
+            <a:avLst/>
+          </a:prstGeom>
+          <a:solidFill>
+            <a:schemeClr val="tx2">
+              <a:lumMod val="20000"/>
+              <a:lumOff val="80000"/>
+            </a:schemeClr>
+          </a:solidFill>
+          <a:ln>
+            <a:solidFill>
+              <a:schemeClr val="tx1">
+                <a:lumMod val="95000"/>
+                <a:lumOff val="5000"/>
+              </a:schemeClr>
+            </a:solidFill>
+          </a:ln>
+        </p:spPr>
+        <p:style>
+          <a:lnRef idx="2">
+            <a:schemeClr val="accent1">
+              <a:shade val="50000"/>
+            </a:schemeClr>
+          </a:lnRef>
+          <a:fillRef idx="1">
+            <a:schemeClr val="accent1"/>
+          </a:fillRef>
+          <a:effectRef idx="0">
+            <a:schemeClr val="accent1"/>
+          </a:effectRef>
+          <a:fontRef idx="minor">
+            <a:schemeClr val="lt1"/>
+          </a:fontRef>
+        </p:style>
+        <p:txBody>
+          <a:bodyPr rtlCol="0" anchor="ctr"/>
+          <a:lstStyle/>
+          <a:p>
+            <a:pPr algn="ctr"/>
+            <a:r>
+              <a:rPr lang="en-US" sz="1400" dirty="0">
+                <a:solidFill>
+                  <a:schemeClr val="tx1"/>
+                </a:solidFill>
+              </a:rPr>
+              <a:t>Data trigger counter</a:t>
+            </a:r>
+          </a:p>
+        </p:txBody>
+      </p:sp>
+      <p:sp>
+        <p:nvSpPr>
+          <p:cNvPr id="54" name="Arrow: Right 53">
+            <a:extLst>
+              <a:ext uri="{FF2B5EF4-FFF2-40B4-BE49-F238E27FC236}">
+                <a16:creationId xmlns:a16="http://schemas.microsoft.com/office/drawing/2014/main" id="{729CB8F5-4BB5-4CF5-8843-1652FFFDADA7}"/>
+              </a:ext>
+            </a:extLst>
+          </p:cNvPr>
+          <p:cNvSpPr/>
+          <p:nvPr/>
+        </p:nvSpPr>
+        <p:spPr>
+          <a:xfrm>
+            <a:off x="2543107" y="3131362"/>
+            <a:ext cx="589765" cy="214261"/>
+          </a:xfrm>
+          <a:prstGeom prst="rightArrow">
+            <a:avLst/>
+          </a:prstGeom>
+          <a:solidFill>
+            <a:schemeClr val="tx2">
+              <a:lumMod val="20000"/>
+              <a:lumOff val="80000"/>
+            </a:schemeClr>
+          </a:solidFill>
+          <a:ln>
+            <a:solidFill>
+              <a:schemeClr val="tx1">
+                <a:lumMod val="95000"/>
+                <a:lumOff val="5000"/>
+              </a:schemeClr>
+            </a:solidFill>
+          </a:ln>
+        </p:spPr>
+        <p:style>
+          <a:lnRef idx="2">
+            <a:schemeClr val="accent1">
+              <a:shade val="50000"/>
+            </a:schemeClr>
+          </a:lnRef>
+          <a:fillRef idx="1">
+            <a:schemeClr val="accent1"/>
+          </a:fillRef>
+          <a:effectRef idx="0">
+            <a:schemeClr val="accent1"/>
+          </a:effectRef>
+          <a:fontRef idx="minor">
+            <a:schemeClr val="lt1"/>
+          </a:fontRef>
+        </p:style>
+        <p:txBody>
+          <a:bodyPr rtlCol="0" anchor="ctr"/>
+          <a:lstStyle/>
+          <a:p>
+            <a:pPr algn="ctr"/>
+            <a:endParaRPr lang="en-US">
+              <a:solidFill>
+                <a:schemeClr val="tx1"/>
+              </a:solidFill>
+            </a:endParaRPr>
+          </a:p>
+        </p:txBody>
+      </p:sp>
+      <p:sp>
+        <p:nvSpPr>
+          <p:cNvPr id="61" name="Rectangle: Rounded Corners 60">
+            <a:extLst>
+              <a:ext uri="{FF2B5EF4-FFF2-40B4-BE49-F238E27FC236}">
+                <a16:creationId xmlns:a16="http://schemas.microsoft.com/office/drawing/2014/main" id="{7A019E4B-B4ED-49CB-9A65-D1CEEDA9D6C8}"/>
+              </a:ext>
+            </a:extLst>
+          </p:cNvPr>
+          <p:cNvSpPr/>
+          <p:nvPr/>
+        </p:nvSpPr>
+        <p:spPr>
+          <a:xfrm>
+            <a:off x="4238260" y="2838803"/>
+            <a:ext cx="1112905" cy="724646"/>
+          </a:xfrm>
+          <a:prstGeom prst="roundRect">
+            <a:avLst/>
+          </a:prstGeom>
+          <a:solidFill>
+            <a:schemeClr val="tx2">
+              <a:lumMod val="20000"/>
+              <a:lumOff val="80000"/>
+            </a:schemeClr>
+          </a:solidFill>
+          <a:ln>
+            <a:solidFill>
+              <a:schemeClr val="tx1">
+                <a:lumMod val="95000"/>
+                <a:lumOff val="5000"/>
+              </a:schemeClr>
+            </a:solidFill>
+          </a:ln>
+        </p:spPr>
+        <p:style>
+          <a:lnRef idx="2">
+            <a:schemeClr val="accent1">
+              <a:shade val="50000"/>
+            </a:schemeClr>
+          </a:lnRef>
+          <a:fillRef idx="1">
+            <a:schemeClr val="accent1"/>
+          </a:fillRef>
+          <a:effectRef idx="0">
+            <a:schemeClr val="accent1"/>
+          </a:effectRef>
+          <a:fontRef idx="minor">
+            <a:schemeClr val="lt1"/>
+          </a:fontRef>
+        </p:style>
+        <p:txBody>
+          <a:bodyPr rtlCol="0" anchor="ctr"/>
+          <a:lstStyle/>
+          <a:p>
+            <a:pPr algn="ctr"/>
+            <a:r>
+              <a:rPr lang="en-US" sz="1600" dirty="0">
+                <a:solidFill>
+                  <a:schemeClr val="tx1"/>
+                </a:solidFill>
+              </a:rPr>
+              <a:t>32-b Counters</a:t>
+            </a:r>
+          </a:p>
+        </p:txBody>
+      </p:sp>
+      <p:sp>
+        <p:nvSpPr>
+          <p:cNvPr id="58" name="TextBox 57">
+            <a:extLst>
+              <a:ext uri="{FF2B5EF4-FFF2-40B4-BE49-F238E27FC236}">
+                <a16:creationId xmlns:a16="http://schemas.microsoft.com/office/drawing/2014/main" id="{DDBF8E48-75C4-4455-AB7B-DF051C4883EA}"/>
+              </a:ext>
+            </a:extLst>
+          </p:cNvPr>
+          <p:cNvSpPr txBox="1"/>
+          <p:nvPr/>
+        </p:nvSpPr>
+        <p:spPr>
+          <a:xfrm>
+            <a:off x="5192974" y="3634592"/>
+            <a:ext cx="401071" cy="369332"/>
+          </a:xfrm>
+          <a:prstGeom prst="rect">
+            <a:avLst/>
+          </a:prstGeom>
+          <a:solidFill>
+            <a:schemeClr val="bg1"/>
+          </a:solidFill>
+          <a:ln>
+            <a:noFill/>
+          </a:ln>
+        </p:spPr>
+        <p:txBody>
+          <a:bodyPr wrap="none" rtlCol="0">
+            <a:spAutoFit/>
+          </a:bodyPr>
+          <a:lstStyle/>
+          <a:p>
+            <a:r>
+              <a:rPr lang="en-US" dirty="0"/>
+              <a:t>x8</a:t>
+            </a:r>
+          </a:p>
+        </p:txBody>
+      </p:sp>
+      <p:sp>
+        <p:nvSpPr>
+          <p:cNvPr id="63" name="Arrow: Right 62">
+            <a:extLst>
+              <a:ext uri="{FF2B5EF4-FFF2-40B4-BE49-F238E27FC236}">
+                <a16:creationId xmlns:a16="http://schemas.microsoft.com/office/drawing/2014/main" id="{558E8D25-CAB2-4526-B6A0-8EBB1579A17F}"/>
+              </a:ext>
+            </a:extLst>
+          </p:cNvPr>
+          <p:cNvSpPr/>
+          <p:nvPr/>
+        </p:nvSpPr>
+        <p:spPr>
+          <a:xfrm>
+            <a:off x="3733863" y="3103577"/>
+            <a:ext cx="491058" cy="233079"/>
+          </a:xfrm>
+          <a:prstGeom prst="rightArrow">
+            <a:avLst/>
+          </a:prstGeom>
+          <a:solidFill>
+            <a:schemeClr val="tx2">
+              <a:lumMod val="20000"/>
+              <a:lumOff val="80000"/>
+            </a:schemeClr>
+          </a:solidFill>
+          <a:ln>
+            <a:solidFill>
+              <a:schemeClr val="tx1">
+                <a:lumMod val="95000"/>
+                <a:lumOff val="5000"/>
+              </a:schemeClr>
+            </a:solidFill>
+          </a:ln>
+        </p:spPr>
+        <p:style>
+          <a:lnRef idx="2">
+            <a:schemeClr val="accent1">
+              <a:shade val="50000"/>
+            </a:schemeClr>
+          </a:lnRef>
+          <a:fillRef idx="1">
+            <a:schemeClr val="accent1"/>
+          </a:fillRef>
+          <a:effectRef idx="0">
+            <a:schemeClr val="accent1"/>
+          </a:effectRef>
+          <a:fontRef idx="minor">
+            <a:schemeClr val="lt1"/>
+          </a:fontRef>
+        </p:style>
+        <p:txBody>
+          <a:bodyPr rtlCol="0" anchor="ctr"/>
+          <a:lstStyle/>
+          <a:p>
+            <a:pPr algn="ctr"/>
+            <a:endParaRPr lang="en-US">
+              <a:solidFill>
+                <a:schemeClr val="tx1"/>
+              </a:solidFill>
+            </a:endParaRPr>
+          </a:p>
+        </p:txBody>
+      </p:sp>
+      <p:sp>
+        <p:nvSpPr>
+          <p:cNvPr id="64" name="Arrow: Right 63">
+            <a:extLst>
+              <a:ext uri="{FF2B5EF4-FFF2-40B4-BE49-F238E27FC236}">
+                <a16:creationId xmlns:a16="http://schemas.microsoft.com/office/drawing/2014/main" id="{84D63868-A2F6-430B-A2BB-98B87B1811F9}"/>
+              </a:ext>
+            </a:extLst>
+          </p:cNvPr>
+          <p:cNvSpPr/>
+          <p:nvPr/>
+        </p:nvSpPr>
+        <p:spPr>
+          <a:xfrm rot="5400000">
+            <a:off x="4527719" y="2450141"/>
+            <a:ext cx="457105" cy="251011"/>
+          </a:xfrm>
+          <a:prstGeom prst="rightArrow">
+            <a:avLst/>
+          </a:prstGeom>
+          <a:solidFill>
+            <a:schemeClr val="tx2">
+              <a:lumMod val="20000"/>
+              <a:lumOff val="80000"/>
+            </a:schemeClr>
+          </a:solidFill>
+          <a:ln>
+            <a:solidFill>
+              <a:schemeClr val="tx1">
+                <a:lumMod val="95000"/>
+                <a:lumOff val="5000"/>
+              </a:schemeClr>
+            </a:solidFill>
+          </a:ln>
+        </p:spPr>
+        <p:style>
+          <a:lnRef idx="2">
+            <a:schemeClr val="accent1">
+              <a:shade val="50000"/>
+            </a:schemeClr>
+          </a:lnRef>
+          <a:fillRef idx="1">
+            <a:schemeClr val="accent1"/>
+          </a:fillRef>
+          <a:effectRef idx="0">
+            <a:schemeClr val="accent1"/>
+          </a:effectRef>
+          <a:fontRef idx="minor">
+            <a:schemeClr val="lt1"/>
+          </a:fontRef>
+        </p:style>
+        <p:txBody>
+          <a:bodyPr rtlCol="0" anchor="ctr"/>
+          <a:lstStyle/>
+          <a:p>
+            <a:pPr algn="ctr"/>
+            <a:endParaRPr lang="en-US">
+              <a:solidFill>
+                <a:schemeClr val="tx1"/>
+              </a:solidFill>
+            </a:endParaRPr>
+          </a:p>
+        </p:txBody>
+      </p:sp>
+      <p:sp>
+        <p:nvSpPr>
+          <p:cNvPr id="65" name="Arrow: Right 64">
+            <a:extLst>
+              <a:ext uri="{FF2B5EF4-FFF2-40B4-BE49-F238E27FC236}">
+                <a16:creationId xmlns:a16="http://schemas.microsoft.com/office/drawing/2014/main" id="{DE00079A-D286-4A7F-91C1-865CD8753874}"/>
+              </a:ext>
+            </a:extLst>
+          </p:cNvPr>
+          <p:cNvSpPr/>
+          <p:nvPr/>
+        </p:nvSpPr>
+        <p:spPr>
+          <a:xfrm>
+            <a:off x="5344474" y="1828921"/>
+            <a:ext cx="457105" cy="251011"/>
+          </a:xfrm>
+          <a:prstGeom prst="rightArrow">
+            <a:avLst/>
+          </a:prstGeom>
+          <a:solidFill>
+            <a:schemeClr val="tx2">
+              <a:lumMod val="20000"/>
+              <a:lumOff val="80000"/>
+            </a:schemeClr>
+          </a:solidFill>
+          <a:ln>
+            <a:solidFill>
+              <a:schemeClr val="tx1">
+                <a:lumMod val="95000"/>
+                <a:lumOff val="5000"/>
+              </a:schemeClr>
+            </a:solidFill>
+          </a:ln>
+        </p:spPr>
+        <p:style>
+          <a:lnRef idx="2">
+            <a:schemeClr val="accent1">
+              <a:shade val="50000"/>
+            </a:schemeClr>
+          </a:lnRef>
+          <a:fillRef idx="1">
+            <a:schemeClr val="accent1"/>
+          </a:fillRef>
+          <a:effectRef idx="0">
+            <a:schemeClr val="accent1"/>
+          </a:effectRef>
+          <a:fontRef idx="minor">
+            <a:schemeClr val="lt1"/>
+          </a:fontRef>
+        </p:style>
+        <p:txBody>
+          <a:bodyPr rtlCol="0" anchor="ctr"/>
+          <a:lstStyle/>
+          <a:p>
+            <a:pPr algn="ctr"/>
+            <a:endParaRPr lang="en-US">
+              <a:solidFill>
+                <a:schemeClr val="tx1"/>
+              </a:solidFill>
+            </a:endParaRPr>
+          </a:p>
+        </p:txBody>
+      </p:sp>
+      <p:sp>
+        <p:nvSpPr>
+          <p:cNvPr id="66" name="Arrow: Right 65">
+            <a:extLst>
+              <a:ext uri="{FF2B5EF4-FFF2-40B4-BE49-F238E27FC236}">
+                <a16:creationId xmlns:a16="http://schemas.microsoft.com/office/drawing/2014/main" id="{F4E8CB52-81E0-4F40-AEB8-9BBB0A5466FA}"/>
+              </a:ext>
+            </a:extLst>
+          </p:cNvPr>
+          <p:cNvSpPr/>
+          <p:nvPr/>
+        </p:nvSpPr>
+        <p:spPr>
+          <a:xfrm>
+            <a:off x="5486951" y="3029952"/>
+            <a:ext cx="519401" cy="315672"/>
+          </a:xfrm>
+          <a:prstGeom prst="rightArrow">
+            <a:avLst/>
+          </a:prstGeom>
+          <a:solidFill>
+            <a:schemeClr val="tx2">
+              <a:lumMod val="20000"/>
+              <a:lumOff val="80000"/>
+            </a:schemeClr>
+          </a:solidFill>
+          <a:ln>
+            <a:solidFill>
+              <a:schemeClr val="tx1">
+                <a:lumMod val="95000"/>
+                <a:lumOff val="5000"/>
+              </a:schemeClr>
+            </a:solidFill>
+          </a:ln>
+        </p:spPr>
+        <p:style>
+          <a:lnRef idx="2">
+            <a:schemeClr val="accent1">
+              <a:shade val="50000"/>
+            </a:schemeClr>
+          </a:lnRef>
+          <a:fillRef idx="1">
+            <a:schemeClr val="accent1"/>
+          </a:fillRef>
+          <a:effectRef idx="0">
+            <a:schemeClr val="accent1"/>
+          </a:effectRef>
+          <a:fontRef idx="minor">
+            <a:schemeClr val="lt1"/>
+          </a:fontRef>
+        </p:style>
+        <p:txBody>
+          <a:bodyPr rtlCol="0" anchor="ctr"/>
+          <a:lstStyle/>
+          <a:p>
+            <a:pPr algn="ctr"/>
+            <a:endParaRPr lang="en-US">
+              <a:solidFill>
+                <a:schemeClr val="tx1"/>
+              </a:solidFill>
+            </a:endParaRPr>
+          </a:p>
+        </p:txBody>
+      </p:sp>
+      <p:sp>
+        <p:nvSpPr>
+          <p:cNvPr id="67" name="Flowchart: Manual Operation 66">
+            <a:extLst>
+              <a:ext uri="{FF2B5EF4-FFF2-40B4-BE49-F238E27FC236}">
+                <a16:creationId xmlns:a16="http://schemas.microsoft.com/office/drawing/2014/main" id="{844CBEFD-BFBE-4200-BEA9-9A40265C2CAE}"/>
+              </a:ext>
+            </a:extLst>
+          </p:cNvPr>
+          <p:cNvSpPr/>
+          <p:nvPr/>
+        </p:nvSpPr>
+        <p:spPr>
+          <a:xfrm rot="16200000">
+            <a:off x="5788287" y="2949949"/>
+            <a:ext cx="911557" cy="519400"/>
+          </a:xfrm>
+          <a:prstGeom prst="flowChartManualOperation">
+            <a:avLst/>
+          </a:prstGeom>
+          <a:solidFill>
+            <a:schemeClr val="tx2">
+              <a:lumMod val="20000"/>
+              <a:lumOff val="80000"/>
+            </a:schemeClr>
+          </a:solidFill>
+          <a:ln>
+            <a:solidFill>
+              <a:schemeClr val="tx1">
+                <a:lumMod val="95000"/>
+                <a:lumOff val="5000"/>
+              </a:schemeClr>
+            </a:solidFill>
+          </a:ln>
+        </p:spPr>
+        <p:style>
+          <a:lnRef idx="2">
+            <a:schemeClr val="accent1">
+              <a:shade val="50000"/>
+            </a:schemeClr>
+          </a:lnRef>
+          <a:fillRef idx="1">
+            <a:schemeClr val="accent1"/>
+          </a:fillRef>
+          <a:effectRef idx="0">
+            <a:schemeClr val="accent1"/>
+          </a:effectRef>
+          <a:fontRef idx="minor">
+            <a:schemeClr val="lt1"/>
+          </a:fontRef>
+        </p:style>
+        <p:txBody>
+          <a:bodyPr vert="vert" rtlCol="0" anchor="ctr"/>
+          <a:lstStyle/>
+          <a:p>
+            <a:pPr algn="ctr"/>
+            <a:r>
+              <a:rPr lang="en-US" dirty="0">
+                <a:solidFill>
+                  <a:schemeClr val="tx1"/>
+                </a:solidFill>
+              </a:rPr>
+              <a:t>A-H Out</a:t>
+            </a:r>
+          </a:p>
+        </p:txBody>
+      </p:sp>
+      <p:sp>
+        <p:nvSpPr>
+          <p:cNvPr id="68" name="Rectangle: Rounded Corners 67">
+            <a:extLst>
+              <a:ext uri="{FF2B5EF4-FFF2-40B4-BE49-F238E27FC236}">
+                <a16:creationId xmlns:a16="http://schemas.microsoft.com/office/drawing/2014/main" id="{248C039C-F597-4163-88CE-75CAF405BB5F}"/>
+              </a:ext>
+            </a:extLst>
+          </p:cNvPr>
+          <p:cNvSpPr/>
+          <p:nvPr/>
+        </p:nvSpPr>
+        <p:spPr>
+          <a:xfrm>
+            <a:off x="7190796" y="2743392"/>
+            <a:ext cx="849980" cy="911558"/>
+          </a:xfrm>
+          <a:prstGeom prst="roundRect">
+            <a:avLst/>
+          </a:prstGeom>
+          <a:solidFill>
+            <a:schemeClr val="tx2">
+              <a:lumMod val="20000"/>
+              <a:lumOff val="80000"/>
+            </a:schemeClr>
+          </a:solidFill>
+          <a:ln>
+            <a:solidFill>
+              <a:schemeClr val="tx1">
+                <a:lumMod val="95000"/>
+                <a:lumOff val="5000"/>
+              </a:schemeClr>
+            </a:solidFill>
+          </a:ln>
+        </p:spPr>
+        <p:style>
+          <a:lnRef idx="2">
+            <a:schemeClr val="accent1">
+              <a:shade val="50000"/>
+            </a:schemeClr>
+          </a:lnRef>
+          <a:fillRef idx="1">
+            <a:schemeClr val="accent1"/>
+          </a:fillRef>
+          <a:effectRef idx="0">
+            <a:schemeClr val="accent1"/>
+          </a:effectRef>
+          <a:fontRef idx="minor">
+            <a:schemeClr val="lt1"/>
+          </a:fontRef>
+        </p:style>
+        <p:txBody>
+          <a:bodyPr rtlCol="0" anchor="ctr"/>
+          <a:lstStyle/>
+          <a:p>
+            <a:pPr algn="ctr"/>
+            <a:r>
+              <a:rPr lang="en-US" sz="1400" dirty="0">
+                <a:solidFill>
+                  <a:schemeClr val="tx1"/>
+                </a:solidFill>
+              </a:rPr>
+              <a:t>Data Out</a:t>
+            </a:r>
+            <a:br>
+              <a:rPr lang="en-US" sz="1400" dirty="0">
+                <a:solidFill>
+                  <a:schemeClr val="tx1"/>
+                </a:solidFill>
+              </a:rPr>
+            </a:br>
+            <a:r>
+              <a:rPr lang="en-US" sz="1400" dirty="0">
+                <a:solidFill>
+                  <a:schemeClr val="tx1"/>
+                </a:solidFill>
+              </a:rPr>
+              <a:t>A - H</a:t>
+            </a:r>
+          </a:p>
+        </p:txBody>
+      </p:sp>
+      <p:sp>
+        <p:nvSpPr>
+          <p:cNvPr id="69" name="Arrow: Bent-Up 68">
+            <a:extLst>
+              <a:ext uri="{FF2B5EF4-FFF2-40B4-BE49-F238E27FC236}">
+                <a16:creationId xmlns:a16="http://schemas.microsoft.com/office/drawing/2014/main" id="{048A2D75-297F-4648-8CDE-81F80BAB270A}"/>
+              </a:ext>
+            </a:extLst>
+          </p:cNvPr>
+          <p:cNvSpPr/>
+          <p:nvPr/>
+        </p:nvSpPr>
+        <p:spPr>
+          <a:xfrm flipV="1">
+            <a:off x="6845189" y="1976721"/>
+            <a:ext cx="849981" cy="524526"/>
+          </a:xfrm>
+          <a:prstGeom prst="bentUpArrow">
+            <a:avLst>
+              <a:gd name="adj1" fmla="val 20017"/>
+              <a:gd name="adj2" fmla="val 22459"/>
+              <a:gd name="adj3" fmla="val 25932"/>
+            </a:avLst>
+          </a:prstGeom>
+          <a:solidFill>
+            <a:schemeClr val="tx2">
+              <a:lumMod val="20000"/>
+              <a:lumOff val="80000"/>
+            </a:schemeClr>
+          </a:solidFill>
+          <a:ln>
+            <a:solidFill>
+              <a:schemeClr val="tx1">
+                <a:lumMod val="95000"/>
+                <a:lumOff val="5000"/>
+              </a:schemeClr>
+            </a:solidFill>
+          </a:ln>
+        </p:spPr>
+        <p:style>
+          <a:lnRef idx="2">
+            <a:schemeClr val="accent1">
+              <a:shade val="50000"/>
+            </a:schemeClr>
+          </a:lnRef>
+          <a:fillRef idx="1">
+            <a:schemeClr val="accent1"/>
+          </a:fillRef>
+          <a:effectRef idx="0">
+            <a:schemeClr val="accent1"/>
+          </a:effectRef>
+          <a:fontRef idx="minor">
+            <a:schemeClr val="lt1"/>
+          </a:fontRef>
+        </p:style>
+        <p:txBody>
+          <a:bodyPr rtlCol="0" anchor="ctr"/>
+          <a:lstStyle/>
+          <a:p>
+            <a:pPr algn="ctr"/>
+            <a:endParaRPr lang="en-US">
+              <a:solidFill>
+                <a:schemeClr val="tx1"/>
+              </a:solidFill>
+            </a:endParaRPr>
+          </a:p>
+        </p:txBody>
+      </p:sp>
+      <p:sp>
+        <p:nvSpPr>
+          <p:cNvPr id="72" name="Arrow: Right 71">
+            <a:extLst>
+              <a:ext uri="{FF2B5EF4-FFF2-40B4-BE49-F238E27FC236}">
+                <a16:creationId xmlns:a16="http://schemas.microsoft.com/office/drawing/2014/main" id="{B32E8E6D-E74D-4B7F-9AC9-9FF522FE22AC}"/>
+              </a:ext>
+            </a:extLst>
+          </p:cNvPr>
+          <p:cNvSpPr/>
+          <p:nvPr/>
+        </p:nvSpPr>
+        <p:spPr>
+          <a:xfrm>
+            <a:off x="6513438" y="3131362"/>
+            <a:ext cx="591387" cy="214261"/>
+          </a:xfrm>
+          <a:prstGeom prst="rightArrow">
+            <a:avLst/>
+          </a:prstGeom>
+          <a:solidFill>
+            <a:schemeClr val="tx2">
+              <a:lumMod val="20000"/>
+              <a:lumOff val="80000"/>
+            </a:schemeClr>
+          </a:solidFill>
+          <a:ln>
+            <a:solidFill>
+              <a:schemeClr val="tx1">
+                <a:lumMod val="95000"/>
+                <a:lumOff val="5000"/>
+              </a:schemeClr>
+            </a:solidFill>
+          </a:ln>
+        </p:spPr>
+        <p:style>
+          <a:lnRef idx="2">
+            <a:schemeClr val="accent1">
+              <a:shade val="50000"/>
+            </a:schemeClr>
+          </a:lnRef>
+          <a:fillRef idx="1">
+            <a:schemeClr val="accent1"/>
+          </a:fillRef>
+          <a:effectRef idx="0">
+            <a:schemeClr val="accent1"/>
+          </a:effectRef>
+          <a:fontRef idx="minor">
+            <a:schemeClr val="lt1"/>
+          </a:fontRef>
+        </p:style>
+        <p:txBody>
+          <a:bodyPr rtlCol="0" anchor="ctr"/>
+          <a:lstStyle/>
+          <a:p>
+            <a:pPr algn="ctr"/>
+            <a:endParaRPr lang="en-US">
+              <a:solidFill>
+                <a:schemeClr val="tx1"/>
+              </a:solidFill>
+            </a:endParaRPr>
+          </a:p>
+        </p:txBody>
+      </p:sp>
+      <p:sp>
+        <p:nvSpPr>
+          <p:cNvPr id="73" name="Rectangle: Rounded Corners 72">
+            <a:extLst>
+              <a:ext uri="{FF2B5EF4-FFF2-40B4-BE49-F238E27FC236}">
+                <a16:creationId xmlns:a16="http://schemas.microsoft.com/office/drawing/2014/main" id="{C08B3572-B3D7-4859-8359-65C49884891B}"/>
+              </a:ext>
+            </a:extLst>
+          </p:cNvPr>
+          <p:cNvSpPr/>
+          <p:nvPr/>
+        </p:nvSpPr>
+        <p:spPr>
+          <a:xfrm>
+            <a:off x="8683458" y="2770667"/>
+            <a:ext cx="849980" cy="911558"/>
+          </a:xfrm>
+          <a:prstGeom prst="roundRect">
+            <a:avLst/>
+          </a:prstGeom>
+          <a:solidFill>
+            <a:schemeClr val="tx2">
+              <a:lumMod val="20000"/>
+              <a:lumOff val="80000"/>
+            </a:schemeClr>
+          </a:solidFill>
+          <a:ln>
+            <a:solidFill>
+              <a:schemeClr val="tx1">
+                <a:lumMod val="95000"/>
+                <a:lumOff val="5000"/>
+              </a:schemeClr>
+            </a:solidFill>
+          </a:ln>
+        </p:spPr>
+        <p:style>
+          <a:lnRef idx="2">
+            <a:schemeClr val="accent1">
+              <a:shade val="50000"/>
+            </a:schemeClr>
+          </a:lnRef>
+          <a:fillRef idx="1">
+            <a:schemeClr val="accent1"/>
+          </a:fillRef>
+          <a:effectRef idx="0">
+            <a:schemeClr val="accent1"/>
+          </a:effectRef>
+          <a:fontRef idx="minor">
+            <a:schemeClr val="lt1"/>
+          </a:fontRef>
+        </p:style>
+        <p:txBody>
+          <a:bodyPr rtlCol="0" anchor="ctr"/>
+          <a:lstStyle/>
+          <a:p>
+            <a:pPr algn="ctr"/>
+            <a:r>
+              <a:rPr lang="en-US" sz="1400" dirty="0">
+                <a:solidFill>
+                  <a:schemeClr val="tx1"/>
+                </a:solidFill>
+              </a:rPr>
+              <a:t>UART TX</a:t>
+            </a:r>
+          </a:p>
+        </p:txBody>
+      </p:sp>
+      <p:sp>
+        <p:nvSpPr>
+          <p:cNvPr id="74" name="Arrow: Right 73">
+            <a:extLst>
+              <a:ext uri="{FF2B5EF4-FFF2-40B4-BE49-F238E27FC236}">
+                <a16:creationId xmlns:a16="http://schemas.microsoft.com/office/drawing/2014/main" id="{2DB82B68-7DFA-4DF6-8C0F-515A5181C069}"/>
+              </a:ext>
+            </a:extLst>
+          </p:cNvPr>
+          <p:cNvSpPr/>
+          <p:nvPr/>
+        </p:nvSpPr>
+        <p:spPr>
+          <a:xfrm>
+            <a:off x="8068836" y="3133149"/>
+            <a:ext cx="591387" cy="214261"/>
+          </a:xfrm>
+          <a:prstGeom prst="rightArrow">
+            <a:avLst/>
+          </a:prstGeom>
+          <a:solidFill>
+            <a:schemeClr val="tx2">
+              <a:lumMod val="20000"/>
+              <a:lumOff val="80000"/>
+            </a:schemeClr>
+          </a:solidFill>
+          <a:ln>
+            <a:solidFill>
+              <a:schemeClr val="tx1">
+                <a:lumMod val="95000"/>
+                <a:lumOff val="5000"/>
+              </a:schemeClr>
+            </a:solidFill>
+          </a:ln>
+        </p:spPr>
+        <p:style>
+          <a:lnRef idx="2">
+            <a:schemeClr val="accent1">
+              <a:shade val="50000"/>
+            </a:schemeClr>
+          </a:lnRef>
+          <a:fillRef idx="1">
+            <a:schemeClr val="accent1"/>
+          </a:fillRef>
+          <a:effectRef idx="0">
+            <a:schemeClr val="accent1"/>
+          </a:effectRef>
+          <a:fontRef idx="minor">
+            <a:schemeClr val="lt1"/>
+          </a:fontRef>
+        </p:style>
+        <p:txBody>
+          <a:bodyPr rtlCol="0" anchor="ctr"/>
+          <a:lstStyle/>
+          <a:p>
+            <a:pPr algn="ctr"/>
+            <a:endParaRPr lang="en-US">
+              <a:solidFill>
+                <a:schemeClr val="tx1"/>
+              </a:solidFill>
+            </a:endParaRPr>
+          </a:p>
+        </p:txBody>
+      </p:sp>
+      <p:sp>
+        <p:nvSpPr>
+          <p:cNvPr id="75" name="Rectangle: Rounded Corners 74">
+            <a:extLst>
+              <a:ext uri="{FF2B5EF4-FFF2-40B4-BE49-F238E27FC236}">
+                <a16:creationId xmlns:a16="http://schemas.microsoft.com/office/drawing/2014/main" id="{9BA504DB-3D9C-4F0E-940B-B6239297B2D9}"/>
+              </a:ext>
+            </a:extLst>
+          </p:cNvPr>
+          <p:cNvSpPr/>
+          <p:nvPr/>
+        </p:nvSpPr>
+        <p:spPr>
+          <a:xfrm>
+            <a:off x="10705199" y="2764339"/>
+            <a:ext cx="849980" cy="911558"/>
+          </a:xfrm>
+          <a:prstGeom prst="roundRect">
+            <a:avLst/>
+          </a:prstGeom>
+          <a:solidFill>
+            <a:schemeClr val="tx2">
+              <a:lumMod val="20000"/>
+              <a:lumOff val="80000"/>
+            </a:schemeClr>
+          </a:solidFill>
+          <a:ln>
+            <a:solidFill>
+              <a:schemeClr val="tx1">
+                <a:lumMod val="95000"/>
+                <a:lumOff val="5000"/>
+              </a:schemeClr>
+            </a:solidFill>
+          </a:ln>
+        </p:spPr>
+        <p:style>
+          <a:lnRef idx="2">
+            <a:schemeClr val="accent1">
+              <a:shade val="50000"/>
+            </a:schemeClr>
+          </a:lnRef>
+          <a:fillRef idx="1">
+            <a:schemeClr val="accent1"/>
+          </a:fillRef>
+          <a:effectRef idx="0">
+            <a:schemeClr val="accent1"/>
+          </a:effectRef>
+          <a:fontRef idx="minor">
+            <a:schemeClr val="lt1"/>
+          </a:fontRef>
+        </p:style>
+        <p:txBody>
+          <a:bodyPr rtlCol="0" anchor="ctr"/>
+          <a:lstStyle/>
+          <a:p>
+            <a:pPr algn="ctr"/>
+            <a:r>
+              <a:rPr lang="en-US" sz="1400" dirty="0">
+                <a:solidFill>
+                  <a:schemeClr val="tx1"/>
+                </a:solidFill>
+              </a:rPr>
+              <a:t>PC</a:t>
+            </a:r>
+          </a:p>
+        </p:txBody>
+      </p:sp>
+      <p:sp>
+        <p:nvSpPr>
+          <p:cNvPr id="76" name="Arrow: Right 75">
+            <a:extLst>
+              <a:ext uri="{FF2B5EF4-FFF2-40B4-BE49-F238E27FC236}">
+                <a16:creationId xmlns:a16="http://schemas.microsoft.com/office/drawing/2014/main" id="{CA82AAAC-D484-43B8-BA03-01DFAD1B56B4}"/>
+              </a:ext>
+            </a:extLst>
+          </p:cNvPr>
+          <p:cNvSpPr/>
+          <p:nvPr/>
+        </p:nvSpPr>
+        <p:spPr>
+          <a:xfrm>
+            <a:off x="9574510" y="3151973"/>
+            <a:ext cx="591387" cy="214261"/>
+          </a:xfrm>
+          <a:prstGeom prst="rightArrow">
+            <a:avLst/>
+          </a:prstGeom>
+          <a:solidFill>
+            <a:schemeClr val="tx2">
+              <a:lumMod val="20000"/>
+              <a:lumOff val="80000"/>
+            </a:schemeClr>
+          </a:solidFill>
+          <a:ln>
+            <a:solidFill>
+              <a:schemeClr val="tx1">
+                <a:lumMod val="95000"/>
+                <a:lumOff val="5000"/>
+              </a:schemeClr>
+            </a:solidFill>
+          </a:ln>
+        </p:spPr>
+        <p:style>
+          <a:lnRef idx="2">
+            <a:schemeClr val="accent1">
+              <a:shade val="50000"/>
+            </a:schemeClr>
+          </a:lnRef>
+          <a:fillRef idx="1">
+            <a:schemeClr val="accent1"/>
+          </a:fillRef>
+          <a:effectRef idx="0">
+            <a:schemeClr val="accent1"/>
+          </a:effectRef>
+          <a:fontRef idx="minor">
+            <a:schemeClr val="lt1"/>
+          </a:fontRef>
+        </p:style>
+        <p:txBody>
+          <a:bodyPr rtlCol="0" anchor="ctr"/>
+          <a:lstStyle/>
+          <a:p>
+            <a:pPr algn="ctr"/>
+            <a:endParaRPr lang="en-US">
+              <a:solidFill>
+                <a:schemeClr val="tx1"/>
+              </a:solidFill>
+            </a:endParaRPr>
+          </a:p>
+        </p:txBody>
+      </p:sp>
+      <p:sp>
+        <p:nvSpPr>
+          <p:cNvPr id="83" name="Rectangle: Rounded Corners 82">
+            <a:extLst>
+              <a:ext uri="{FF2B5EF4-FFF2-40B4-BE49-F238E27FC236}">
+                <a16:creationId xmlns:a16="http://schemas.microsoft.com/office/drawing/2014/main" id="{6D4FE0F0-3310-4332-8D5D-4244806715EA}"/>
+              </a:ext>
+            </a:extLst>
+          </p:cNvPr>
+          <p:cNvSpPr/>
+          <p:nvPr/>
+        </p:nvSpPr>
+        <p:spPr>
+          <a:xfrm>
+            <a:off x="4302545" y="2883237"/>
+            <a:ext cx="1112905" cy="724646"/>
+          </a:xfrm>
+          <a:prstGeom prst="roundRect">
+            <a:avLst/>
+          </a:prstGeom>
+          <a:solidFill>
+            <a:schemeClr val="tx2">
+              <a:lumMod val="20000"/>
+              <a:lumOff val="80000"/>
+            </a:schemeClr>
+          </a:solidFill>
+          <a:ln>
+            <a:solidFill>
+              <a:schemeClr val="tx1">
+                <a:lumMod val="95000"/>
+                <a:lumOff val="5000"/>
+              </a:schemeClr>
+            </a:solidFill>
+          </a:ln>
+        </p:spPr>
+        <p:style>
+          <a:lnRef idx="2">
+            <a:schemeClr val="accent1">
+              <a:shade val="50000"/>
+            </a:schemeClr>
+          </a:lnRef>
+          <a:fillRef idx="1">
+            <a:schemeClr val="accent1"/>
+          </a:fillRef>
+          <a:effectRef idx="0">
+            <a:schemeClr val="accent1"/>
+          </a:effectRef>
+          <a:fontRef idx="minor">
+            <a:schemeClr val="lt1"/>
+          </a:fontRef>
+        </p:style>
+        <p:txBody>
+          <a:bodyPr rtlCol="0" anchor="ctr"/>
+          <a:lstStyle/>
+          <a:p>
+            <a:pPr algn="ctr"/>
+            <a:r>
+              <a:rPr lang="en-US" sz="1600" dirty="0">
+                <a:solidFill>
+                  <a:schemeClr val="tx1"/>
+                </a:solidFill>
+              </a:rPr>
+              <a:t>32-b Counters</a:t>
+            </a:r>
+          </a:p>
+        </p:txBody>
+      </p:sp>
+      <p:sp>
+        <p:nvSpPr>
+          <p:cNvPr id="84" name="Rectangle: Rounded Corners 83">
+            <a:extLst>
+              <a:ext uri="{FF2B5EF4-FFF2-40B4-BE49-F238E27FC236}">
+                <a16:creationId xmlns:a16="http://schemas.microsoft.com/office/drawing/2014/main" id="{2D1D9383-D26B-440E-A1FE-9EC99BC5709A}"/>
+              </a:ext>
+            </a:extLst>
+          </p:cNvPr>
+          <p:cNvSpPr/>
+          <p:nvPr/>
+        </p:nvSpPr>
+        <p:spPr>
+          <a:xfrm>
+            <a:off x="4382664" y="2927671"/>
+            <a:ext cx="1112905" cy="724646"/>
+          </a:xfrm>
+          <a:prstGeom prst="roundRect">
+            <a:avLst/>
+          </a:prstGeom>
+          <a:solidFill>
+            <a:schemeClr val="tx2">
+              <a:lumMod val="20000"/>
+              <a:lumOff val="80000"/>
+            </a:schemeClr>
+          </a:solidFill>
+          <a:ln>
+            <a:solidFill>
+              <a:schemeClr val="tx1">
+                <a:lumMod val="95000"/>
+                <a:lumOff val="5000"/>
+              </a:schemeClr>
+            </a:solidFill>
+          </a:ln>
+        </p:spPr>
+        <p:style>
+          <a:lnRef idx="2">
+            <a:schemeClr val="accent1">
+              <a:shade val="50000"/>
+            </a:schemeClr>
+          </a:lnRef>
+          <a:fillRef idx="1">
+            <a:schemeClr val="accent1"/>
+          </a:fillRef>
+          <a:effectRef idx="0">
+            <a:schemeClr val="accent1"/>
+          </a:effectRef>
+          <a:fontRef idx="minor">
+            <a:schemeClr val="lt1"/>
+          </a:fontRef>
+        </p:style>
+        <p:txBody>
+          <a:bodyPr rtlCol="0" anchor="ctr"/>
+          <a:lstStyle/>
+          <a:p>
+            <a:pPr algn="ctr"/>
+            <a:r>
+              <a:rPr lang="en-US" sz="1600" dirty="0">
+                <a:solidFill>
+                  <a:schemeClr val="tx1"/>
+                </a:solidFill>
+              </a:rPr>
+              <a:t>32-b Counters</a:t>
+            </a:r>
+          </a:p>
+        </p:txBody>
+      </p:sp>
+      <p:sp>
+        <p:nvSpPr>
+          <p:cNvPr id="85" name="TextBox 84">
+            <a:extLst>
+              <a:ext uri="{FF2B5EF4-FFF2-40B4-BE49-F238E27FC236}">
+                <a16:creationId xmlns:a16="http://schemas.microsoft.com/office/drawing/2014/main" id="{FF2CA7E9-66E2-4B24-BA80-94D611A59062}"/>
+              </a:ext>
+            </a:extLst>
+          </p:cNvPr>
+          <p:cNvSpPr txBox="1"/>
+          <p:nvPr/>
+        </p:nvSpPr>
+        <p:spPr>
+          <a:xfrm>
+            <a:off x="930069" y="3624243"/>
+            <a:ext cx="401071" cy="369332"/>
+          </a:xfrm>
+          <a:prstGeom prst="rect">
+            <a:avLst/>
+          </a:prstGeom>
+          <a:solidFill>
+            <a:schemeClr val="bg1"/>
+          </a:solidFill>
+          <a:ln>
+            <a:noFill/>
+          </a:ln>
+        </p:spPr>
+        <p:txBody>
+          <a:bodyPr wrap="none" rtlCol="0">
+            <a:spAutoFit/>
+          </a:bodyPr>
+          <a:lstStyle/>
+          <a:p>
+            <a:r>
+              <a:rPr lang="en-US" dirty="0"/>
+              <a:t>x8</a:t>
+            </a:r>
+          </a:p>
+        </p:txBody>
+      </p:sp>
+    </p:spTree>
+    <p:extLst>
+      <p:ext uri="{BB962C8B-B14F-4D97-AF65-F5344CB8AC3E}">
+        <p14:creationId xmlns:p14="http://schemas.microsoft.com/office/powerpoint/2010/main" val="1182699747"/>
+      </p:ext>
+    </p:extLst>
+  </p:cSld>
+  <p:clrMapOvr>
+    <a:masterClrMapping/>
+  </p:clrMapOvr>
+</p:sld>
+</file>
+
 <file path=ppt/theme/theme1.xml><?xml version="1.0" encoding="utf-8"?>
 <a:theme xmlns:a="http://schemas.openxmlformats.org/drawingml/2006/main" name="Office Theme">
   <a:themeElements>

--- a/diagramas.pptx
+++ b/diagramas.pptx
@@ -9,6 +9,7 @@
     <p:sldId id="257" r:id="rId3"/>
     <p:sldId id="258" r:id="rId4"/>
     <p:sldId id="259" r:id="rId5"/>
+    <p:sldId id="260" r:id="rId6"/>
   </p:sldIdLst>
   <p:sldSz cx="12192000" cy="6858000"/>
   <p:notesSz cx="6858000" cy="9144000"/>
@@ -23753,220 +23754,12 @@
           <a:chExt cx="0" cy="0"/>
         </a:xfrm>
       </p:grpSpPr>
-      <p:sp>
-        <p:nvSpPr>
-          <p:cNvPr id="2" name="Rectangle: Rounded Corners 1">
+      <p:grpSp>
+        <p:nvGrpSpPr>
+          <p:cNvPr id="9" name="Group 8">
             <a:extLst>
               <a:ext uri="{FF2B5EF4-FFF2-40B4-BE49-F238E27FC236}">
-                <a16:creationId xmlns:a16="http://schemas.microsoft.com/office/drawing/2014/main" id="{1EAB44AD-F11B-49B9-BA3A-21A509556DF0}"/>
-              </a:ext>
-            </a:extLst>
-          </p:cNvPr>
-          <p:cNvSpPr/>
-          <p:nvPr/>
-        </p:nvSpPr>
-        <p:spPr>
-          <a:xfrm>
-            <a:off x="1614543" y="1603373"/>
-            <a:ext cx="923461" cy="702108"/>
-          </a:xfrm>
-          <a:prstGeom prst="roundRect">
-            <a:avLst/>
-          </a:prstGeom>
-          <a:solidFill>
-            <a:schemeClr val="tx2">
-              <a:lumMod val="20000"/>
-              <a:lumOff val="80000"/>
-            </a:schemeClr>
-          </a:solidFill>
-          <a:ln>
-            <a:solidFill>
-              <a:schemeClr val="tx1">
-                <a:lumMod val="95000"/>
-                <a:lumOff val="5000"/>
-              </a:schemeClr>
-            </a:solidFill>
-          </a:ln>
-        </p:spPr>
-        <p:style>
-          <a:lnRef idx="2">
-            <a:schemeClr val="accent1">
-              <a:shade val="50000"/>
-            </a:schemeClr>
-          </a:lnRef>
-          <a:fillRef idx="1">
-            <a:schemeClr val="accent1"/>
-          </a:fillRef>
-          <a:effectRef idx="0">
-            <a:schemeClr val="accent1"/>
-          </a:effectRef>
-          <a:fontRef idx="minor">
-            <a:schemeClr val="lt1"/>
-          </a:fontRef>
-        </p:style>
-        <p:txBody>
-          <a:bodyPr rtlCol="0" anchor="ctr"/>
-          <a:lstStyle/>
-          <a:p>
-            <a:pPr algn="ctr"/>
-            <a:r>
-              <a:rPr lang="en-US" sz="1600" dirty="0">
-                <a:solidFill>
-                  <a:schemeClr val="tx1"/>
-                </a:solidFill>
-              </a:rPr>
-              <a:t>50 MHz </a:t>
-            </a:r>
-            <a:r>
-              <a:rPr lang="en-US" sz="1600" dirty="0" err="1">
-                <a:solidFill>
-                  <a:schemeClr val="tx1"/>
-                </a:solidFill>
-              </a:rPr>
-              <a:t>Clk</a:t>
-            </a:r>
-            <a:endParaRPr lang="en-US" sz="1600" dirty="0">
-              <a:solidFill>
-                <a:schemeClr val="tx1"/>
-              </a:solidFill>
-            </a:endParaRPr>
-          </a:p>
-        </p:txBody>
-      </p:sp>
-      <p:sp>
-        <p:nvSpPr>
-          <p:cNvPr id="5" name="Arrow: Right 4">
-            <a:extLst>
-              <a:ext uri="{FF2B5EF4-FFF2-40B4-BE49-F238E27FC236}">
-                <a16:creationId xmlns:a16="http://schemas.microsoft.com/office/drawing/2014/main" id="{19BC76D2-ABEA-4F27-B18A-EA24EC8DF98F}"/>
-              </a:ext>
-            </a:extLst>
-          </p:cNvPr>
-          <p:cNvSpPr/>
-          <p:nvPr/>
-        </p:nvSpPr>
-        <p:spPr>
-          <a:xfrm>
-            <a:off x="2546062" y="1828921"/>
-            <a:ext cx="457105" cy="251011"/>
-          </a:xfrm>
-          <a:prstGeom prst="rightArrow">
-            <a:avLst/>
-          </a:prstGeom>
-          <a:solidFill>
-            <a:schemeClr val="tx2">
-              <a:lumMod val="20000"/>
-              <a:lumOff val="80000"/>
-            </a:schemeClr>
-          </a:solidFill>
-          <a:ln>
-            <a:solidFill>
-              <a:schemeClr val="tx1">
-                <a:lumMod val="95000"/>
-                <a:lumOff val="5000"/>
-              </a:schemeClr>
-            </a:solidFill>
-          </a:ln>
-        </p:spPr>
-        <p:style>
-          <a:lnRef idx="2">
-            <a:schemeClr val="accent1">
-              <a:shade val="50000"/>
-            </a:schemeClr>
-          </a:lnRef>
-          <a:fillRef idx="1">
-            <a:schemeClr val="accent1"/>
-          </a:fillRef>
-          <a:effectRef idx="0">
-            <a:schemeClr val="accent1"/>
-          </a:effectRef>
-          <a:fontRef idx="minor">
-            <a:schemeClr val="lt1"/>
-          </a:fontRef>
-        </p:style>
-        <p:txBody>
-          <a:bodyPr rtlCol="0" anchor="ctr"/>
-          <a:lstStyle/>
-          <a:p>
-            <a:pPr algn="ctr"/>
-            <a:endParaRPr lang="en-US">
-              <a:solidFill>
-                <a:schemeClr val="tx1"/>
-              </a:solidFill>
-            </a:endParaRPr>
-          </a:p>
-        </p:txBody>
-      </p:sp>
-      <p:sp>
-        <p:nvSpPr>
-          <p:cNvPr id="6" name="Arrow: Right 5">
-            <a:extLst>
-              <a:ext uri="{FF2B5EF4-FFF2-40B4-BE49-F238E27FC236}">
-                <a16:creationId xmlns:a16="http://schemas.microsoft.com/office/drawing/2014/main" id="{7C269734-7680-4DC5-B12F-826BA8C853D9}"/>
-              </a:ext>
-            </a:extLst>
-          </p:cNvPr>
-          <p:cNvSpPr/>
-          <p:nvPr/>
-        </p:nvSpPr>
-        <p:spPr>
-          <a:xfrm>
-            <a:off x="3933494" y="1828921"/>
-            <a:ext cx="457105" cy="251011"/>
-          </a:xfrm>
-          <a:prstGeom prst="rightArrow">
-            <a:avLst/>
-          </a:prstGeom>
-          <a:solidFill>
-            <a:schemeClr val="tx2">
-              <a:lumMod val="20000"/>
-              <a:lumOff val="80000"/>
-            </a:schemeClr>
-          </a:solidFill>
-          <a:ln>
-            <a:solidFill>
-              <a:schemeClr val="tx1">
-                <a:lumMod val="95000"/>
-                <a:lumOff val="5000"/>
-              </a:schemeClr>
-            </a:solidFill>
-          </a:ln>
-        </p:spPr>
-        <p:style>
-          <a:lnRef idx="2">
-            <a:schemeClr val="accent1">
-              <a:shade val="50000"/>
-            </a:schemeClr>
-          </a:lnRef>
-          <a:fillRef idx="1">
-            <a:schemeClr val="accent1"/>
-          </a:fillRef>
-          <a:effectRef idx="0">
-            <a:schemeClr val="accent1"/>
-          </a:effectRef>
-          <a:fontRef idx="minor">
-            <a:schemeClr val="lt1"/>
-          </a:fontRef>
-        </p:style>
-        <p:txBody>
-          <a:bodyPr rtlCol="0" anchor="ctr"/>
-          <a:lstStyle/>
-          <a:p>
-            <a:pPr algn="ctr"/>
-            <a:endParaRPr lang="en-US">
-              <a:solidFill>
-                <a:schemeClr val="tx1"/>
-              </a:solidFill>
-            </a:endParaRPr>
-          </a:p>
-        </p:txBody>
-      </p:sp>
-      <p:grpSp>
-        <p:nvGrpSpPr>
-          <p:cNvPr id="26" name="Group 25">
-            <a:extLst>
-              <a:ext uri="{FF2B5EF4-FFF2-40B4-BE49-F238E27FC236}">
-                <a16:creationId xmlns:a16="http://schemas.microsoft.com/office/drawing/2014/main" id="{63C1F372-2F31-4563-89EE-13A69748A1EC}"/>
+                <a16:creationId xmlns:a16="http://schemas.microsoft.com/office/drawing/2014/main" id="{B00E0762-290A-4AAF-9F58-77CAFF347C0E}"/>
               </a:ext>
             </a:extLst>
           </p:cNvPr>
@@ -23975,24 +23768,18 @@
         </p:nvGrpSpPr>
         <p:grpSpPr>
           <a:xfrm>
-            <a:off x="219362" y="2780135"/>
-            <a:ext cx="941289" cy="835143"/>
-            <a:chOff x="2402543" y="2752166"/>
-            <a:chExt cx="941289" cy="835143"/>
+            <a:off x="947590" y="1196718"/>
+            <a:ext cx="10009367" cy="4453397"/>
+            <a:chOff x="947590" y="1196718"/>
+            <a:chExt cx="10009367" cy="4453397"/>
           </a:xfrm>
-          <a:solidFill>
-            <a:schemeClr val="tx2">
-              <a:lumMod val="20000"/>
-              <a:lumOff val="80000"/>
-            </a:schemeClr>
-          </a:solidFill>
         </p:grpSpPr>
         <p:sp>
           <p:nvSpPr>
-            <p:cNvPr id="20" name="Rectangle: Rounded Corners 19">
+            <p:cNvPr id="2" name="Rectangle: Rounded Corners 1">
               <a:extLst>
                 <a:ext uri="{FF2B5EF4-FFF2-40B4-BE49-F238E27FC236}">
-                  <a16:creationId xmlns:a16="http://schemas.microsoft.com/office/drawing/2014/main" id="{6E1D4818-B5D3-4513-BD8B-14A260B06F53}"/>
+                  <a16:creationId xmlns:a16="http://schemas.microsoft.com/office/drawing/2014/main" id="{1EAB44AD-F11B-49B9-BA3A-21A509556DF0}"/>
                 </a:ext>
               </a:extLst>
             </p:cNvPr>
@@ -24001,13 +23788,496 @@
           </p:nvSpPr>
           <p:spPr>
             <a:xfrm>
-              <a:off x="2402543" y="2752166"/>
-              <a:ext cx="779929" cy="664818"/>
+              <a:off x="1974845" y="1344317"/>
+              <a:ext cx="991896" cy="771178"/>
             </a:xfrm>
             <a:prstGeom prst="roundRect">
               <a:avLst/>
             </a:prstGeom>
-            <a:grpFill/>
+            <a:solidFill>
+              <a:schemeClr val="bg1">
+                <a:lumMod val="95000"/>
+              </a:schemeClr>
+            </a:solidFill>
+            <a:ln>
+              <a:solidFill>
+                <a:schemeClr val="tx1">
+                  <a:lumMod val="95000"/>
+                  <a:lumOff val="5000"/>
+                </a:schemeClr>
+              </a:solidFill>
+            </a:ln>
+          </p:spPr>
+          <p:style>
+            <a:lnRef idx="2">
+              <a:schemeClr val="accent1">
+                <a:shade val="50000"/>
+              </a:schemeClr>
+            </a:lnRef>
+            <a:fillRef idx="1">
+              <a:schemeClr val="accent1"/>
+            </a:fillRef>
+            <a:effectRef idx="0">
+              <a:schemeClr val="accent1"/>
+            </a:effectRef>
+            <a:fontRef idx="minor">
+              <a:schemeClr val="lt1"/>
+            </a:fontRef>
+          </p:style>
+          <p:txBody>
+            <a:bodyPr rtlCol="0" anchor="ctr"/>
+            <a:lstStyle/>
+            <a:p>
+              <a:pPr algn="ctr"/>
+              <a:r>
+                <a:rPr lang="en-US" sz="1600" dirty="0">
+                  <a:solidFill>
+                    <a:schemeClr val="tx1"/>
+                  </a:solidFill>
+                </a:rPr>
+                <a:t>50 MHz </a:t>
+              </a:r>
+              <a:r>
+                <a:rPr lang="en-US" sz="1600" dirty="0" err="1">
+                  <a:solidFill>
+                    <a:schemeClr val="tx1"/>
+                  </a:solidFill>
+                </a:rPr>
+                <a:t>Clk</a:t>
+              </a:r>
+              <a:endParaRPr lang="en-US" sz="1600" dirty="0">
+                <a:solidFill>
+                  <a:schemeClr val="tx1"/>
+                </a:solidFill>
+              </a:endParaRPr>
+            </a:p>
+          </p:txBody>
+        </p:sp>
+        <p:sp>
+          <p:nvSpPr>
+            <p:cNvPr id="5" name="Arrow: Right 4">
+              <a:extLst>
+                <a:ext uri="{FF2B5EF4-FFF2-40B4-BE49-F238E27FC236}">
+                  <a16:creationId xmlns:a16="http://schemas.microsoft.com/office/drawing/2014/main" id="{19BC76D2-ABEA-4F27-B18A-EA24EC8DF98F}"/>
+                </a:ext>
+              </a:extLst>
+            </p:cNvPr>
+            <p:cNvSpPr/>
+            <p:nvPr/>
+          </p:nvSpPr>
+          <p:spPr>
+            <a:xfrm>
+              <a:off x="2975398" y="1592053"/>
+              <a:ext cx="490980" cy="275704"/>
+            </a:xfrm>
+            <a:prstGeom prst="rightArrow">
+              <a:avLst/>
+            </a:prstGeom>
+            <a:solidFill>
+              <a:schemeClr val="bg1">
+                <a:lumMod val="95000"/>
+              </a:schemeClr>
+            </a:solidFill>
+            <a:ln>
+              <a:solidFill>
+                <a:schemeClr val="tx1">
+                  <a:lumMod val="95000"/>
+                  <a:lumOff val="5000"/>
+                </a:schemeClr>
+              </a:solidFill>
+            </a:ln>
+          </p:spPr>
+          <p:style>
+            <a:lnRef idx="2">
+              <a:schemeClr val="accent1">
+                <a:shade val="50000"/>
+              </a:schemeClr>
+            </a:lnRef>
+            <a:fillRef idx="1">
+              <a:schemeClr val="accent1"/>
+            </a:fillRef>
+            <a:effectRef idx="0">
+              <a:schemeClr val="accent1"/>
+            </a:effectRef>
+            <a:fontRef idx="minor">
+              <a:schemeClr val="lt1"/>
+            </a:fontRef>
+          </p:style>
+          <p:txBody>
+            <a:bodyPr rtlCol="0" anchor="ctr"/>
+            <a:lstStyle/>
+            <a:p>
+              <a:pPr algn="ctr"/>
+              <a:endParaRPr lang="en-US">
+                <a:solidFill>
+                  <a:schemeClr val="tx1"/>
+                </a:solidFill>
+              </a:endParaRPr>
+            </a:p>
+          </p:txBody>
+        </p:sp>
+        <p:sp>
+          <p:nvSpPr>
+            <p:cNvPr id="6" name="Arrow: Right 5">
+              <a:extLst>
+                <a:ext uri="{FF2B5EF4-FFF2-40B4-BE49-F238E27FC236}">
+                  <a16:creationId xmlns:a16="http://schemas.microsoft.com/office/drawing/2014/main" id="{7C269734-7680-4DC5-B12F-826BA8C853D9}"/>
+                </a:ext>
+              </a:extLst>
+            </p:cNvPr>
+            <p:cNvSpPr/>
+            <p:nvPr/>
+          </p:nvSpPr>
+          <p:spPr>
+            <a:xfrm>
+              <a:off x="4465648" y="1592053"/>
+              <a:ext cx="490980" cy="275704"/>
+            </a:xfrm>
+            <a:prstGeom prst="rightArrow">
+              <a:avLst/>
+            </a:prstGeom>
+            <a:solidFill>
+              <a:schemeClr val="bg1">
+                <a:lumMod val="95000"/>
+              </a:schemeClr>
+            </a:solidFill>
+            <a:ln>
+              <a:solidFill>
+                <a:schemeClr val="tx1">
+                  <a:lumMod val="95000"/>
+                  <a:lumOff val="5000"/>
+                </a:schemeClr>
+              </a:solidFill>
+            </a:ln>
+          </p:spPr>
+          <p:style>
+            <a:lnRef idx="2">
+              <a:schemeClr val="accent1">
+                <a:shade val="50000"/>
+              </a:schemeClr>
+            </a:lnRef>
+            <a:fillRef idx="1">
+              <a:schemeClr val="accent1"/>
+            </a:fillRef>
+            <a:effectRef idx="0">
+              <a:schemeClr val="accent1"/>
+            </a:effectRef>
+            <a:fontRef idx="minor">
+              <a:schemeClr val="lt1"/>
+            </a:fontRef>
+          </p:style>
+          <p:txBody>
+            <a:bodyPr rtlCol="0" anchor="ctr"/>
+            <a:lstStyle/>
+            <a:p>
+              <a:pPr algn="ctr"/>
+              <a:endParaRPr lang="en-US">
+                <a:solidFill>
+                  <a:schemeClr val="tx1"/>
+                </a:solidFill>
+              </a:endParaRPr>
+            </a:p>
+          </p:txBody>
+        </p:sp>
+        <p:grpSp>
+          <p:nvGrpSpPr>
+            <p:cNvPr id="26" name="Group 25">
+              <a:extLst>
+                <a:ext uri="{FF2B5EF4-FFF2-40B4-BE49-F238E27FC236}">
+                  <a16:creationId xmlns:a16="http://schemas.microsoft.com/office/drawing/2014/main" id="{63C1F372-2F31-4563-89EE-13A69748A1EC}"/>
+                </a:ext>
+              </a:extLst>
+            </p:cNvPr>
+            <p:cNvGrpSpPr/>
+            <p:nvPr/>
+          </p:nvGrpSpPr>
+          <p:grpSpPr>
+            <a:xfrm>
+              <a:off x="947590" y="2714001"/>
+              <a:ext cx="1011046" cy="917301"/>
+              <a:chOff x="2402543" y="2752166"/>
+              <a:chExt cx="941289" cy="835143"/>
+            </a:xfrm>
+            <a:solidFill>
+              <a:schemeClr val="bg1">
+                <a:lumMod val="95000"/>
+              </a:schemeClr>
+            </a:solidFill>
+          </p:grpSpPr>
+          <p:sp>
+            <p:nvSpPr>
+              <p:cNvPr id="20" name="Rectangle: Rounded Corners 19">
+                <a:extLst>
+                  <a:ext uri="{FF2B5EF4-FFF2-40B4-BE49-F238E27FC236}">
+                    <a16:creationId xmlns:a16="http://schemas.microsoft.com/office/drawing/2014/main" id="{6E1D4818-B5D3-4513-BD8B-14A260B06F53}"/>
+                  </a:ext>
+                </a:extLst>
+              </p:cNvPr>
+              <p:cNvSpPr/>
+              <p:nvPr/>
+            </p:nvSpPr>
+            <p:spPr>
+              <a:xfrm>
+                <a:off x="2402543" y="2752166"/>
+                <a:ext cx="779929" cy="664818"/>
+              </a:xfrm>
+              <a:prstGeom prst="roundRect">
+                <a:avLst/>
+              </a:prstGeom>
+              <a:grpFill/>
+              <a:ln>
+                <a:solidFill>
+                  <a:schemeClr val="tx1">
+                    <a:lumMod val="95000"/>
+                    <a:lumOff val="5000"/>
+                  </a:schemeClr>
+                </a:solidFill>
+              </a:ln>
+            </p:spPr>
+            <p:style>
+              <a:lnRef idx="2">
+                <a:schemeClr val="accent1">
+                  <a:shade val="50000"/>
+                </a:schemeClr>
+              </a:lnRef>
+              <a:fillRef idx="1">
+                <a:schemeClr val="accent1"/>
+              </a:fillRef>
+              <a:effectRef idx="0">
+                <a:schemeClr val="accent1"/>
+              </a:effectRef>
+              <a:fontRef idx="minor">
+                <a:schemeClr val="lt1"/>
+              </a:fontRef>
+            </p:style>
+            <p:txBody>
+              <a:bodyPr rtlCol="0" anchor="ctr"/>
+              <a:lstStyle/>
+              <a:p>
+                <a:pPr algn="ctr"/>
+                <a:r>
+                  <a:rPr lang="en-US" dirty="0">
+                    <a:solidFill>
+                      <a:schemeClr val="tx1"/>
+                    </a:solidFill>
+                  </a:rPr>
+                  <a:t>GPIO</a:t>
+                </a:r>
+              </a:p>
+            </p:txBody>
+          </p:sp>
+          <p:sp>
+            <p:nvSpPr>
+              <p:cNvPr id="22" name="Rectangle: Rounded Corners 21">
+                <a:extLst>
+                  <a:ext uri="{FF2B5EF4-FFF2-40B4-BE49-F238E27FC236}">
+                    <a16:creationId xmlns:a16="http://schemas.microsoft.com/office/drawing/2014/main" id="{4DE3B045-028C-473E-BB9E-8F401F2EE47B}"/>
+                  </a:ext>
+                </a:extLst>
+              </p:cNvPr>
+              <p:cNvSpPr/>
+              <p:nvPr/>
+            </p:nvSpPr>
+            <p:spPr>
+              <a:xfrm>
+                <a:off x="2447363" y="2796986"/>
+                <a:ext cx="779929" cy="664818"/>
+              </a:xfrm>
+              <a:prstGeom prst="roundRect">
+                <a:avLst/>
+              </a:prstGeom>
+              <a:grpFill/>
+              <a:ln>
+                <a:solidFill>
+                  <a:schemeClr val="tx1">
+                    <a:lumMod val="95000"/>
+                    <a:lumOff val="5000"/>
+                  </a:schemeClr>
+                </a:solidFill>
+              </a:ln>
+            </p:spPr>
+            <p:style>
+              <a:lnRef idx="2">
+                <a:schemeClr val="accent1">
+                  <a:shade val="50000"/>
+                </a:schemeClr>
+              </a:lnRef>
+              <a:fillRef idx="1">
+                <a:schemeClr val="accent1"/>
+              </a:fillRef>
+              <a:effectRef idx="0">
+                <a:schemeClr val="accent1"/>
+              </a:effectRef>
+              <a:fontRef idx="minor">
+                <a:schemeClr val="lt1"/>
+              </a:fontRef>
+            </p:style>
+            <p:txBody>
+              <a:bodyPr rtlCol="0" anchor="ctr"/>
+              <a:lstStyle/>
+              <a:p>
+                <a:pPr algn="ctr"/>
+                <a:r>
+                  <a:rPr lang="en-US" dirty="0">
+                    <a:solidFill>
+                      <a:schemeClr val="tx1"/>
+                    </a:solidFill>
+                  </a:rPr>
+                  <a:t>GPIO</a:t>
+                </a:r>
+              </a:p>
+            </p:txBody>
+          </p:sp>
+          <p:sp>
+            <p:nvSpPr>
+              <p:cNvPr id="23" name="Rectangle: Rounded Corners 22">
+                <a:extLst>
+                  <a:ext uri="{FF2B5EF4-FFF2-40B4-BE49-F238E27FC236}">
+                    <a16:creationId xmlns:a16="http://schemas.microsoft.com/office/drawing/2014/main" id="{8BE8879D-5D75-44CB-A7B7-EB3CDF084D89}"/>
+                  </a:ext>
+                </a:extLst>
+              </p:cNvPr>
+              <p:cNvSpPr/>
+              <p:nvPr/>
+            </p:nvSpPr>
+            <p:spPr>
+              <a:xfrm>
+                <a:off x="2501153" y="2859741"/>
+                <a:ext cx="779929" cy="664818"/>
+              </a:xfrm>
+              <a:prstGeom prst="roundRect">
+                <a:avLst/>
+              </a:prstGeom>
+              <a:grpFill/>
+              <a:ln>
+                <a:solidFill>
+                  <a:schemeClr val="tx1">
+                    <a:lumMod val="95000"/>
+                    <a:lumOff val="5000"/>
+                  </a:schemeClr>
+                </a:solidFill>
+              </a:ln>
+            </p:spPr>
+            <p:style>
+              <a:lnRef idx="2">
+                <a:schemeClr val="accent1">
+                  <a:shade val="50000"/>
+                </a:schemeClr>
+              </a:lnRef>
+              <a:fillRef idx="1">
+                <a:schemeClr val="accent1"/>
+              </a:fillRef>
+              <a:effectRef idx="0">
+                <a:schemeClr val="accent1"/>
+              </a:effectRef>
+              <a:fontRef idx="minor">
+                <a:schemeClr val="lt1"/>
+              </a:fontRef>
+            </p:style>
+            <p:txBody>
+              <a:bodyPr rtlCol="0" anchor="ctr"/>
+              <a:lstStyle/>
+              <a:p>
+                <a:pPr algn="ctr"/>
+                <a:r>
+                  <a:rPr lang="en-US" dirty="0">
+                    <a:solidFill>
+                      <a:schemeClr val="tx1"/>
+                    </a:solidFill>
+                  </a:rPr>
+                  <a:t>GPIO</a:t>
+                </a:r>
+              </a:p>
+            </p:txBody>
+          </p:sp>
+          <p:sp>
+            <p:nvSpPr>
+              <p:cNvPr id="25" name="Rectangle: Rounded Corners 24">
+                <a:extLst>
+                  <a:ext uri="{FF2B5EF4-FFF2-40B4-BE49-F238E27FC236}">
+                    <a16:creationId xmlns:a16="http://schemas.microsoft.com/office/drawing/2014/main" id="{D4520056-8539-4991-9E43-CFEB6EBCCD8D}"/>
+                  </a:ext>
+                </a:extLst>
+              </p:cNvPr>
+              <p:cNvSpPr/>
+              <p:nvPr/>
+            </p:nvSpPr>
+            <p:spPr>
+              <a:xfrm>
+                <a:off x="2563903" y="2922491"/>
+                <a:ext cx="779929" cy="664818"/>
+              </a:xfrm>
+              <a:prstGeom prst="roundRect">
+                <a:avLst/>
+              </a:prstGeom>
+              <a:grpFill/>
+              <a:ln>
+                <a:solidFill>
+                  <a:schemeClr val="tx1">
+                    <a:lumMod val="95000"/>
+                    <a:lumOff val="5000"/>
+                  </a:schemeClr>
+                </a:solidFill>
+              </a:ln>
+            </p:spPr>
+            <p:style>
+              <a:lnRef idx="2">
+                <a:schemeClr val="accent1">
+                  <a:shade val="50000"/>
+                </a:schemeClr>
+              </a:lnRef>
+              <a:fillRef idx="1">
+                <a:schemeClr val="accent1"/>
+              </a:fillRef>
+              <a:effectRef idx="0">
+                <a:schemeClr val="accent1"/>
+              </a:effectRef>
+              <a:fontRef idx="minor">
+                <a:schemeClr val="lt1"/>
+              </a:fontRef>
+            </p:style>
+            <p:txBody>
+              <a:bodyPr rtlCol="0" anchor="ctr"/>
+              <a:lstStyle/>
+              <a:p>
+                <a:pPr algn="ctr"/>
+                <a:r>
+                  <a:rPr lang="en-US" dirty="0">
+                    <a:solidFill>
+                      <a:schemeClr val="tx1"/>
+                    </a:solidFill>
+                  </a:rPr>
+                  <a:t>PMTs</a:t>
+                </a:r>
+              </a:p>
+            </p:txBody>
+          </p:sp>
+        </p:grpSp>
+        <p:sp>
+          <p:nvSpPr>
+            <p:cNvPr id="27" name="Rectangle: Rounded Corners 26">
+              <a:extLst>
+                <a:ext uri="{FF2B5EF4-FFF2-40B4-BE49-F238E27FC236}">
+                  <a16:creationId xmlns:a16="http://schemas.microsoft.com/office/drawing/2014/main" id="{45D32D54-A510-4A2B-A947-39B906A649E8}"/>
+                </a:ext>
+              </a:extLst>
+            </p:cNvPr>
+            <p:cNvSpPr/>
+            <p:nvPr/>
+          </p:nvSpPr>
+          <p:spPr>
+            <a:xfrm>
+              <a:off x="2589264" y="2851853"/>
+              <a:ext cx="809276" cy="730220"/>
+            </a:xfrm>
+            <a:prstGeom prst="roundRect">
+              <a:avLst/>
+            </a:prstGeom>
+            <a:solidFill>
+              <a:schemeClr val="bg1">
+                <a:lumMod val="95000"/>
+              </a:schemeClr>
+            </a:solidFill>
             <a:ln>
               <a:solidFill>
                 <a:schemeClr val="tx1">
@@ -24051,10 +24321,10 @@
         </p:sp>
         <p:sp>
           <p:nvSpPr>
-            <p:cNvPr id="22" name="Rectangle: Rounded Corners 21">
+            <p:cNvPr id="28" name="Rectangle: Rounded Corners 27">
               <a:extLst>
                 <a:ext uri="{FF2B5EF4-FFF2-40B4-BE49-F238E27FC236}">
-                  <a16:creationId xmlns:a16="http://schemas.microsoft.com/office/drawing/2014/main" id="{4DE3B045-028C-473E-BB9E-8F401F2EE47B}"/>
+                  <a16:creationId xmlns:a16="http://schemas.microsoft.com/office/drawing/2014/main" id="{6AD76BDE-B04D-4E12-AAC8-8FC16F808E92}"/>
                 </a:ext>
               </a:extLst>
             </p:cNvPr>
@@ -24063,13 +24333,18 @@
           </p:nvSpPr>
           <p:spPr>
             <a:xfrm>
-              <a:off x="2447363" y="2796986"/>
-              <a:ext cx="779929" cy="664818"/>
+              <a:off x="3466377" y="1344317"/>
+              <a:ext cx="991896" cy="771178"/>
             </a:xfrm>
             <a:prstGeom prst="roundRect">
               <a:avLst/>
             </a:prstGeom>
-            <a:grpFill/>
+            <a:solidFill>
+              <a:schemeClr val="accent5">
+                <a:lumMod val="40000"/>
+                <a:lumOff val="60000"/>
+              </a:schemeClr>
+            </a:solidFill>
             <a:ln>
               <a:solidFill>
                 <a:schemeClr val="tx1">
@@ -24101,22 +24376,37 @@
             <a:p>
               <a:pPr algn="ctr"/>
               <a:r>
-                <a:rPr lang="en-US" dirty="0">
+                <a:rPr lang="en-US" sz="1500" dirty="0">
                   <a:solidFill>
                     <a:schemeClr val="tx1"/>
                   </a:solidFill>
                 </a:rPr>
-                <a:t>GPIO</a:t>
+                <a:t>PLL</a:t>
+              </a:r>
+              <a:br>
+                <a:rPr lang="en-US" sz="1500" dirty="0">
+                  <a:solidFill>
+                    <a:schemeClr val="tx1"/>
+                  </a:solidFill>
+                </a:rPr>
+              </a:br>
+              <a:r>
+                <a:rPr lang="en-US" sz="1500" dirty="0">
+                  <a:solidFill>
+                    <a:schemeClr val="tx1"/>
+                  </a:solidFill>
+                </a:rPr>
+                <a:t>(Intel IP)</a:t>
               </a:r>
             </a:p>
           </p:txBody>
         </p:sp>
         <p:sp>
           <p:nvSpPr>
-            <p:cNvPr id="23" name="Rectangle: Rounded Corners 22">
+            <p:cNvPr id="29" name="Rectangle: Rounded Corners 28">
               <a:extLst>
                 <a:ext uri="{FF2B5EF4-FFF2-40B4-BE49-F238E27FC236}">
-                  <a16:creationId xmlns:a16="http://schemas.microsoft.com/office/drawing/2014/main" id="{8BE8879D-5D75-44CB-A7B7-EB3CDF084D89}"/>
+                  <a16:creationId xmlns:a16="http://schemas.microsoft.com/office/drawing/2014/main" id="{8B59E776-7B1E-4412-A4B1-9DD687C38657}"/>
                 </a:ext>
               </a:extLst>
             </p:cNvPr>
@@ -24125,13 +24415,17 @@
           </p:nvSpPr>
           <p:spPr>
             <a:xfrm>
-              <a:off x="2501153" y="2859741"/>
-              <a:ext cx="779929" cy="664818"/>
+              <a:off x="5012025" y="1344317"/>
+              <a:ext cx="991896" cy="771178"/>
             </a:xfrm>
             <a:prstGeom prst="roundRect">
               <a:avLst/>
             </a:prstGeom>
-            <a:grpFill/>
+            <a:solidFill>
+              <a:schemeClr val="bg1">
+                <a:lumMod val="95000"/>
+              </a:schemeClr>
+            </a:solidFill>
             <a:ln>
               <a:solidFill>
                 <a:schemeClr val="tx1">
@@ -24163,22 +24457,432 @@
             <a:p>
               <a:pPr algn="ctr"/>
               <a:r>
-                <a:rPr lang="en-US" dirty="0">
+                <a:rPr lang="en-US" sz="1600" dirty="0">
                   <a:solidFill>
                     <a:schemeClr val="tx1"/>
                   </a:solidFill>
                 </a:rPr>
-                <a:t>GPIO</a:t>
+                <a:t>200 MHz </a:t>
               </a:r>
+              <a:r>
+                <a:rPr lang="en-US" sz="1600" dirty="0" err="1">
+                  <a:solidFill>
+                    <a:schemeClr val="tx1"/>
+                  </a:solidFill>
+                </a:rPr>
+                <a:t>Clk</a:t>
+              </a:r>
+              <a:endParaRPr lang="en-US" sz="1600" dirty="0">
+                <a:solidFill>
+                  <a:schemeClr val="tx1"/>
+                </a:solidFill>
+              </a:endParaRPr>
+            </a:p>
+          </p:txBody>
+        </p:sp>
+        <p:grpSp>
+          <p:nvGrpSpPr>
+            <p:cNvPr id="41" name="Group 40">
+              <a:extLst>
+                <a:ext uri="{FF2B5EF4-FFF2-40B4-BE49-F238E27FC236}">
+                  <a16:creationId xmlns:a16="http://schemas.microsoft.com/office/drawing/2014/main" id="{830289D9-6ADE-427B-9029-073038351FFA}"/>
+                </a:ext>
+              </a:extLst>
+            </p:cNvPr>
+            <p:cNvGrpSpPr/>
+            <p:nvPr/>
+          </p:nvGrpSpPr>
+          <p:grpSpPr>
+            <a:xfrm>
+              <a:off x="3930610" y="4308890"/>
+              <a:ext cx="1058187" cy="1341225"/>
+              <a:chOff x="2124695" y="3943895"/>
+              <a:chExt cx="985178" cy="1221099"/>
+            </a:xfrm>
+            <a:solidFill>
+              <a:schemeClr val="bg1">
+                <a:lumMod val="95000"/>
+              </a:schemeClr>
+            </a:solidFill>
+          </p:grpSpPr>
+          <p:grpSp>
+            <p:nvGrpSpPr>
+              <p:cNvPr id="35" name="Group 34">
+                <a:extLst>
+                  <a:ext uri="{FF2B5EF4-FFF2-40B4-BE49-F238E27FC236}">
+                    <a16:creationId xmlns:a16="http://schemas.microsoft.com/office/drawing/2014/main" id="{C2CA1C0A-F00B-4006-9202-80442F9B3E18}"/>
+                  </a:ext>
+                </a:extLst>
+              </p:cNvPr>
+              <p:cNvGrpSpPr/>
+              <p:nvPr/>
+            </p:nvGrpSpPr>
+            <p:grpSpPr>
+              <a:xfrm>
+                <a:off x="2124695" y="3943895"/>
+                <a:ext cx="941289" cy="835143"/>
+                <a:chOff x="2402543" y="2752166"/>
+                <a:chExt cx="941289" cy="835143"/>
+              </a:xfrm>
+              <a:grpFill/>
+            </p:grpSpPr>
+            <p:sp>
+              <p:nvSpPr>
+                <p:cNvPr id="36" name="Rectangle: Rounded Corners 35">
+                  <a:extLst>
+                    <a:ext uri="{FF2B5EF4-FFF2-40B4-BE49-F238E27FC236}">
+                      <a16:creationId xmlns:a16="http://schemas.microsoft.com/office/drawing/2014/main" id="{B1CB3F03-99F8-4D5F-AFE1-C6CD40927BDC}"/>
+                    </a:ext>
+                  </a:extLst>
+                </p:cNvPr>
+                <p:cNvSpPr/>
+                <p:nvPr/>
+              </p:nvSpPr>
+              <p:spPr>
+                <a:xfrm>
+                  <a:off x="2402543" y="2752166"/>
+                  <a:ext cx="779929" cy="664818"/>
+                </a:xfrm>
+                <a:prstGeom prst="roundRect">
+                  <a:avLst/>
+                </a:prstGeom>
+                <a:grpFill/>
+                <a:ln>
+                  <a:solidFill>
+                    <a:schemeClr val="tx1">
+                      <a:lumMod val="95000"/>
+                      <a:lumOff val="5000"/>
+                    </a:schemeClr>
+                  </a:solidFill>
+                </a:ln>
+              </p:spPr>
+              <p:style>
+                <a:lnRef idx="2">
+                  <a:schemeClr val="accent1">
+                    <a:shade val="50000"/>
+                  </a:schemeClr>
+                </a:lnRef>
+                <a:fillRef idx="1">
+                  <a:schemeClr val="accent1"/>
+                </a:fillRef>
+                <a:effectRef idx="0">
+                  <a:schemeClr val="accent1"/>
+                </a:effectRef>
+                <a:fontRef idx="minor">
+                  <a:schemeClr val="lt1"/>
+                </a:fontRef>
+              </p:style>
+              <p:txBody>
+                <a:bodyPr rtlCol="0" anchor="ctr"/>
+                <a:lstStyle/>
+                <a:p>
+                  <a:pPr algn="ctr"/>
+                  <a:r>
+                    <a:rPr lang="en-US" dirty="0">
+                      <a:solidFill>
+                        <a:schemeClr val="tx1"/>
+                      </a:solidFill>
+                    </a:rPr>
+                    <a:t>GPIO</a:t>
+                  </a:r>
+                </a:p>
+              </p:txBody>
+            </p:sp>
+            <p:sp>
+              <p:nvSpPr>
+                <p:cNvPr id="37" name="Rectangle: Rounded Corners 36">
+                  <a:extLst>
+                    <a:ext uri="{FF2B5EF4-FFF2-40B4-BE49-F238E27FC236}">
+                      <a16:creationId xmlns:a16="http://schemas.microsoft.com/office/drawing/2014/main" id="{0300DDA5-AE62-4B72-B9B0-1CAA7D882839}"/>
+                    </a:ext>
+                  </a:extLst>
+                </p:cNvPr>
+                <p:cNvSpPr/>
+                <p:nvPr/>
+              </p:nvSpPr>
+              <p:spPr>
+                <a:xfrm>
+                  <a:off x="2447363" y="2796986"/>
+                  <a:ext cx="779929" cy="664818"/>
+                </a:xfrm>
+                <a:prstGeom prst="roundRect">
+                  <a:avLst/>
+                </a:prstGeom>
+                <a:grpFill/>
+                <a:ln>
+                  <a:solidFill>
+                    <a:schemeClr val="tx1">
+                      <a:lumMod val="95000"/>
+                      <a:lumOff val="5000"/>
+                    </a:schemeClr>
+                  </a:solidFill>
+                </a:ln>
+              </p:spPr>
+              <p:style>
+                <a:lnRef idx="2">
+                  <a:schemeClr val="accent1">
+                    <a:shade val="50000"/>
+                  </a:schemeClr>
+                </a:lnRef>
+                <a:fillRef idx="1">
+                  <a:schemeClr val="accent1"/>
+                </a:fillRef>
+                <a:effectRef idx="0">
+                  <a:schemeClr val="accent1"/>
+                </a:effectRef>
+                <a:fontRef idx="minor">
+                  <a:schemeClr val="lt1"/>
+                </a:fontRef>
+              </p:style>
+              <p:txBody>
+                <a:bodyPr rtlCol="0" anchor="ctr"/>
+                <a:lstStyle/>
+                <a:p>
+                  <a:pPr algn="ctr"/>
+                  <a:r>
+                    <a:rPr lang="en-US" dirty="0">
+                      <a:solidFill>
+                        <a:schemeClr val="tx1"/>
+                      </a:solidFill>
+                    </a:rPr>
+                    <a:t>GPIO</a:t>
+                  </a:r>
+                </a:p>
+              </p:txBody>
+            </p:sp>
+            <p:sp>
+              <p:nvSpPr>
+                <p:cNvPr id="38" name="Rectangle: Rounded Corners 37">
+                  <a:extLst>
+                    <a:ext uri="{FF2B5EF4-FFF2-40B4-BE49-F238E27FC236}">
+                      <a16:creationId xmlns:a16="http://schemas.microsoft.com/office/drawing/2014/main" id="{AEE293A4-D6A0-4BF6-B9E0-9EB77EEBC715}"/>
+                    </a:ext>
+                  </a:extLst>
+                </p:cNvPr>
+                <p:cNvSpPr/>
+                <p:nvPr/>
+              </p:nvSpPr>
+              <p:spPr>
+                <a:xfrm>
+                  <a:off x="2501153" y="2859741"/>
+                  <a:ext cx="779929" cy="664818"/>
+                </a:xfrm>
+                <a:prstGeom prst="roundRect">
+                  <a:avLst/>
+                </a:prstGeom>
+                <a:grpFill/>
+                <a:ln>
+                  <a:solidFill>
+                    <a:schemeClr val="tx1">
+                      <a:lumMod val="95000"/>
+                      <a:lumOff val="5000"/>
+                    </a:schemeClr>
+                  </a:solidFill>
+                </a:ln>
+              </p:spPr>
+              <p:style>
+                <a:lnRef idx="2">
+                  <a:schemeClr val="accent1">
+                    <a:shade val="50000"/>
+                  </a:schemeClr>
+                </a:lnRef>
+                <a:fillRef idx="1">
+                  <a:schemeClr val="accent1"/>
+                </a:fillRef>
+                <a:effectRef idx="0">
+                  <a:schemeClr val="accent1"/>
+                </a:effectRef>
+                <a:fontRef idx="minor">
+                  <a:schemeClr val="lt1"/>
+                </a:fontRef>
+              </p:style>
+              <p:txBody>
+                <a:bodyPr rtlCol="0" anchor="ctr"/>
+                <a:lstStyle/>
+                <a:p>
+                  <a:pPr algn="ctr"/>
+                  <a:r>
+                    <a:rPr lang="en-US" dirty="0">
+                      <a:solidFill>
+                        <a:schemeClr val="tx1"/>
+                      </a:solidFill>
+                    </a:rPr>
+                    <a:t>GPIO</a:t>
+                  </a:r>
+                </a:p>
+              </p:txBody>
+            </p:sp>
+            <p:sp>
+              <p:nvSpPr>
+                <p:cNvPr id="39" name="Rectangle: Rounded Corners 38">
+                  <a:extLst>
+                    <a:ext uri="{FF2B5EF4-FFF2-40B4-BE49-F238E27FC236}">
+                      <a16:creationId xmlns:a16="http://schemas.microsoft.com/office/drawing/2014/main" id="{6192C626-EBC5-4474-9332-37CBF86707F9}"/>
+                    </a:ext>
+                  </a:extLst>
+                </p:cNvPr>
+                <p:cNvSpPr/>
+                <p:nvPr/>
+              </p:nvSpPr>
+              <p:spPr>
+                <a:xfrm>
+                  <a:off x="2563903" y="2922491"/>
+                  <a:ext cx="779929" cy="664818"/>
+                </a:xfrm>
+                <a:prstGeom prst="roundRect">
+                  <a:avLst/>
+                </a:prstGeom>
+                <a:grpFill/>
+                <a:ln>
+                  <a:solidFill>
+                    <a:schemeClr val="tx1">
+                      <a:lumMod val="95000"/>
+                      <a:lumOff val="5000"/>
+                    </a:schemeClr>
+                  </a:solidFill>
+                </a:ln>
+              </p:spPr>
+              <p:style>
+                <a:lnRef idx="2">
+                  <a:schemeClr val="accent1">
+                    <a:shade val="50000"/>
+                  </a:schemeClr>
+                </a:lnRef>
+                <a:fillRef idx="1">
+                  <a:schemeClr val="accent1"/>
+                </a:fillRef>
+                <a:effectRef idx="0">
+                  <a:schemeClr val="accent1"/>
+                </a:effectRef>
+                <a:fontRef idx="minor">
+                  <a:schemeClr val="lt1"/>
+                </a:fontRef>
+              </p:style>
+              <p:txBody>
+                <a:bodyPr rtlCol="0" anchor="ctr"/>
+                <a:lstStyle/>
+                <a:p>
+                  <a:pPr algn="ctr"/>
+                  <a:r>
+                    <a:rPr lang="en-US" dirty="0">
+                      <a:solidFill>
+                        <a:schemeClr val="tx1"/>
+                      </a:solidFill>
+                    </a:rPr>
+                    <a:t>SW</a:t>
+                  </a:r>
+                </a:p>
+              </p:txBody>
+            </p:sp>
+          </p:grpSp>
+          <p:sp>
+            <p:nvSpPr>
+              <p:cNvPr id="40" name="TextBox 39">
+                <a:extLst>
+                  <a:ext uri="{FF2B5EF4-FFF2-40B4-BE49-F238E27FC236}">
+                    <a16:creationId xmlns:a16="http://schemas.microsoft.com/office/drawing/2014/main" id="{1BE43246-C038-4A46-A2BB-DF70881F664C}"/>
+                  </a:ext>
+                </a:extLst>
+              </p:cNvPr>
+              <p:cNvSpPr txBox="1"/>
+              <p:nvPr/>
+            </p:nvSpPr>
+            <p:spPr>
+              <a:xfrm>
+                <a:off x="2708801" y="4795662"/>
+                <a:ext cx="401072" cy="369332"/>
+              </a:xfrm>
+              <a:prstGeom prst="rect">
+                <a:avLst/>
+              </a:prstGeom>
+              <a:noFill/>
+              <a:ln>
+                <a:noFill/>
+              </a:ln>
+            </p:spPr>
+            <p:txBody>
+              <a:bodyPr wrap="none" rtlCol="0">
+                <a:spAutoFit/>
+              </a:bodyPr>
+              <a:lstStyle/>
+              <a:p>
+                <a:r>
+                  <a:rPr lang="en-US" dirty="0"/>
+                  <a:t>x8</a:t>
+                </a:r>
+              </a:p>
+            </p:txBody>
+          </p:sp>
+        </p:grpSp>
+        <p:sp>
+          <p:nvSpPr>
+            <p:cNvPr id="42" name="Arrow: Right 41">
+              <a:extLst>
+                <a:ext uri="{FF2B5EF4-FFF2-40B4-BE49-F238E27FC236}">
+                  <a16:creationId xmlns:a16="http://schemas.microsoft.com/office/drawing/2014/main" id="{B3C59862-25DA-44CA-B640-5B20EEFD9C3C}"/>
+                </a:ext>
+              </a:extLst>
+            </p:cNvPr>
+            <p:cNvSpPr/>
+            <p:nvPr/>
+          </p:nvSpPr>
+          <p:spPr>
+            <a:xfrm rot="16200000">
+              <a:off x="4154586" y="3816554"/>
+              <a:ext cx="502073" cy="269613"/>
+            </a:xfrm>
+            <a:prstGeom prst="rightArrow">
+              <a:avLst/>
+            </a:prstGeom>
+            <a:solidFill>
+              <a:schemeClr val="bg1">
+                <a:lumMod val="95000"/>
+              </a:schemeClr>
+            </a:solidFill>
+            <a:ln>
+              <a:solidFill>
+                <a:schemeClr val="tx1">
+                  <a:lumMod val="95000"/>
+                  <a:lumOff val="5000"/>
+                </a:schemeClr>
+              </a:solidFill>
+            </a:ln>
+          </p:spPr>
+          <p:style>
+            <a:lnRef idx="2">
+              <a:schemeClr val="accent1">
+                <a:shade val="50000"/>
+              </a:schemeClr>
+            </a:lnRef>
+            <a:fillRef idx="1">
+              <a:schemeClr val="accent1"/>
+            </a:fillRef>
+            <a:effectRef idx="0">
+              <a:schemeClr val="accent1"/>
+            </a:effectRef>
+            <a:fontRef idx="minor">
+              <a:schemeClr val="lt1"/>
+            </a:fontRef>
+          </p:style>
+          <p:txBody>
+            <a:bodyPr rtlCol="0" anchor="ctr"/>
+            <a:lstStyle/>
+            <a:p>
+              <a:pPr algn="ctr"/>
+              <a:endParaRPr lang="en-US">
+                <a:solidFill>
+                  <a:schemeClr val="tx1"/>
+                </a:solidFill>
+              </a:endParaRPr>
             </a:p>
           </p:txBody>
         </p:sp>
         <p:sp>
           <p:nvSpPr>
-            <p:cNvPr id="25" name="Rectangle: Rounded Corners 24">
+            <p:cNvPr id="44" name="Arrow: Right 43">
               <a:extLst>
                 <a:ext uri="{FF2B5EF4-FFF2-40B4-BE49-F238E27FC236}">
-                  <a16:creationId xmlns:a16="http://schemas.microsoft.com/office/drawing/2014/main" id="{D4520056-8539-4991-9E43-CFEB6EBCCD8D}"/>
+                  <a16:creationId xmlns:a16="http://schemas.microsoft.com/office/drawing/2014/main" id="{6B78F4C5-ACE7-4947-950E-710492A32AC8}"/>
                 </a:ext>
               </a:extLst>
             </p:cNvPr>
@@ -24187,13 +24891,146 @@
           </p:nvSpPr>
           <p:spPr>
             <a:xfrm>
-              <a:off x="2563903" y="2922491"/>
-              <a:ext cx="779929" cy="664818"/>
+              <a:off x="1989078" y="3079112"/>
+              <a:ext cx="539415" cy="246159"/>
+            </a:xfrm>
+            <a:prstGeom prst="rightArrow">
+              <a:avLst/>
+            </a:prstGeom>
+            <a:solidFill>
+              <a:schemeClr val="bg1">
+                <a:lumMod val="95000"/>
+              </a:schemeClr>
+            </a:solidFill>
+            <a:ln>
+              <a:solidFill>
+                <a:schemeClr val="tx1">
+                  <a:lumMod val="95000"/>
+                  <a:lumOff val="5000"/>
+                </a:schemeClr>
+              </a:solidFill>
+            </a:ln>
+          </p:spPr>
+          <p:style>
+            <a:lnRef idx="2">
+              <a:schemeClr val="accent1">
+                <a:shade val="50000"/>
+              </a:schemeClr>
+            </a:lnRef>
+            <a:fillRef idx="1">
+              <a:schemeClr val="accent1"/>
+            </a:fillRef>
+            <a:effectRef idx="0">
+              <a:schemeClr val="accent1"/>
+            </a:effectRef>
+            <a:fontRef idx="minor">
+              <a:schemeClr val="lt1"/>
+            </a:fontRef>
+          </p:style>
+          <p:txBody>
+            <a:bodyPr rtlCol="0" anchor="ctr"/>
+            <a:lstStyle/>
+            <a:p>
+              <a:pPr algn="ctr"/>
+              <a:endParaRPr lang="en-US">
+                <a:solidFill>
+                  <a:schemeClr val="tx1"/>
+                </a:solidFill>
+              </a:endParaRPr>
+            </a:p>
+          </p:txBody>
+        </p:sp>
+        <p:sp>
+          <p:nvSpPr>
+            <p:cNvPr id="52" name="Flowchart: Manual Operation 51">
+              <a:extLst>
+                <a:ext uri="{FF2B5EF4-FFF2-40B4-BE49-F238E27FC236}">
+                  <a16:creationId xmlns:a16="http://schemas.microsoft.com/office/drawing/2014/main" id="{965B9FEB-59FC-49BE-B1F0-EDF370845507}"/>
+                </a:ext>
+              </a:extLst>
+            </p:cNvPr>
+            <p:cNvSpPr/>
+            <p:nvPr/>
+          </p:nvSpPr>
+          <p:spPr>
+            <a:xfrm rot="16200000">
+              <a:off x="3922743" y="2918322"/>
+              <a:ext cx="1001232" cy="557891"/>
+            </a:xfrm>
+            <a:prstGeom prst="flowChartManualOperation">
+              <a:avLst/>
+            </a:prstGeom>
+            <a:solidFill>
+              <a:schemeClr val="bg1">
+                <a:lumMod val="95000"/>
+              </a:schemeClr>
+            </a:solidFill>
+            <a:ln>
+              <a:solidFill>
+                <a:schemeClr val="tx1">
+                  <a:lumMod val="95000"/>
+                  <a:lumOff val="5000"/>
+                </a:schemeClr>
+              </a:solidFill>
+            </a:ln>
+          </p:spPr>
+          <p:style>
+            <a:lnRef idx="2">
+              <a:schemeClr val="accent1">
+                <a:shade val="50000"/>
+              </a:schemeClr>
+            </a:lnRef>
+            <a:fillRef idx="1">
+              <a:schemeClr val="accent1"/>
+            </a:fillRef>
+            <a:effectRef idx="0">
+              <a:schemeClr val="accent1"/>
+            </a:effectRef>
+            <a:fontRef idx="minor">
+              <a:schemeClr val="lt1"/>
+            </a:fontRef>
+          </p:style>
+          <p:txBody>
+            <a:bodyPr vert="vert" rtlCol="0" anchor="ctr"/>
+            <a:lstStyle/>
+            <a:p>
+              <a:pPr algn="ctr"/>
+              <a:r>
+                <a:rPr lang="en-US" dirty="0">
+                  <a:solidFill>
+                    <a:schemeClr val="tx1"/>
+                  </a:solidFill>
+                </a:rPr>
+                <a:t>A-H</a:t>
+              </a:r>
+            </a:p>
+          </p:txBody>
+        </p:sp>
+        <p:sp>
+          <p:nvSpPr>
+            <p:cNvPr id="53" name="Rectangle: Rounded Corners 52">
+              <a:extLst>
+                <a:ext uri="{FF2B5EF4-FFF2-40B4-BE49-F238E27FC236}">
+                  <a16:creationId xmlns:a16="http://schemas.microsoft.com/office/drawing/2014/main" id="{418788E4-1CF2-4FFE-AEF8-4021F682379F}"/>
+                </a:ext>
+              </a:extLst>
+            </p:cNvPr>
+            <p:cNvSpPr/>
+            <p:nvPr/>
+          </p:nvSpPr>
+          <p:spPr>
+            <a:xfrm>
+              <a:off x="6645193" y="1750593"/>
+              <a:ext cx="1466535" cy="523441"/>
             </a:xfrm>
             <a:prstGeom prst="roundRect">
               <a:avLst/>
             </a:prstGeom>
-            <a:grpFill/>
+            <a:solidFill>
+              <a:schemeClr val="bg1">
+                <a:lumMod val="95000"/>
+              </a:schemeClr>
+            </a:solidFill>
             <a:ln>
               <a:solidFill>
                 <a:schemeClr val="tx1">
@@ -24225,533 +25062,151 @@
             <a:p>
               <a:pPr algn="ctr"/>
               <a:r>
-                <a:rPr lang="en-US" dirty="0">
+                <a:rPr lang="en-US" sz="1400" dirty="0">
                   <a:solidFill>
                     <a:schemeClr val="tx1"/>
                   </a:solidFill>
                 </a:rPr>
-                <a:t>PMTs</a:t>
+                <a:t>Data trigger counter</a:t>
               </a:r>
             </a:p>
           </p:txBody>
         </p:sp>
-      </p:grpSp>
-      <p:sp>
-        <p:nvSpPr>
-          <p:cNvPr id="27" name="Rectangle: Rounded Corners 26">
-            <a:extLst>
-              <a:ext uri="{FF2B5EF4-FFF2-40B4-BE49-F238E27FC236}">
-                <a16:creationId xmlns:a16="http://schemas.microsoft.com/office/drawing/2014/main" id="{45D32D54-A510-4A2B-A947-39B906A649E8}"/>
-              </a:ext>
-            </a:extLst>
-          </p:cNvPr>
-          <p:cNvSpPr/>
-          <p:nvPr/>
-        </p:nvSpPr>
-        <p:spPr>
-          <a:xfrm>
-            <a:off x="1747770" y="2905640"/>
-            <a:ext cx="753440" cy="664818"/>
-          </a:xfrm>
-          <a:prstGeom prst="roundRect">
-            <a:avLst/>
-          </a:prstGeom>
-          <a:solidFill>
-            <a:schemeClr val="tx2">
-              <a:lumMod val="20000"/>
-              <a:lumOff val="80000"/>
-            </a:schemeClr>
-          </a:solidFill>
-          <a:ln>
-            <a:solidFill>
-              <a:schemeClr val="tx1">
-                <a:lumMod val="95000"/>
-                <a:lumOff val="5000"/>
-              </a:schemeClr>
-            </a:solidFill>
-          </a:ln>
-        </p:spPr>
-        <p:style>
-          <a:lnRef idx="2">
-            <a:schemeClr val="accent1">
-              <a:shade val="50000"/>
-            </a:schemeClr>
-          </a:lnRef>
-          <a:fillRef idx="1">
-            <a:schemeClr val="accent1"/>
-          </a:fillRef>
-          <a:effectRef idx="0">
-            <a:schemeClr val="accent1"/>
-          </a:effectRef>
-          <a:fontRef idx="minor">
-            <a:schemeClr val="lt1"/>
-          </a:fontRef>
-        </p:style>
-        <p:txBody>
-          <a:bodyPr rtlCol="0" anchor="ctr"/>
-          <a:lstStyle/>
-          <a:p>
-            <a:pPr algn="ctr"/>
-            <a:r>
-              <a:rPr lang="en-US" dirty="0">
-                <a:solidFill>
-                  <a:schemeClr val="tx1"/>
-                </a:solidFill>
-              </a:rPr>
-              <a:t>GPIO</a:t>
-            </a:r>
-          </a:p>
-        </p:txBody>
-      </p:sp>
-      <p:sp>
-        <p:nvSpPr>
-          <p:cNvPr id="28" name="Rectangle: Rounded Corners 27">
-            <a:extLst>
-              <a:ext uri="{FF2B5EF4-FFF2-40B4-BE49-F238E27FC236}">
-                <a16:creationId xmlns:a16="http://schemas.microsoft.com/office/drawing/2014/main" id="{6AD76BDE-B04D-4E12-AAC8-8FC16F808E92}"/>
-              </a:ext>
-            </a:extLst>
-          </p:cNvPr>
-          <p:cNvSpPr/>
-          <p:nvPr/>
-        </p:nvSpPr>
-        <p:spPr>
-          <a:xfrm>
-            <a:off x="3003167" y="1603373"/>
-            <a:ext cx="923461" cy="702108"/>
-          </a:xfrm>
-          <a:prstGeom prst="roundRect">
-            <a:avLst/>
-          </a:prstGeom>
-          <a:solidFill>
-            <a:schemeClr val="tx2">
-              <a:lumMod val="20000"/>
-              <a:lumOff val="80000"/>
-            </a:schemeClr>
-          </a:solidFill>
-          <a:ln>
-            <a:solidFill>
-              <a:schemeClr val="tx1">
-                <a:lumMod val="95000"/>
-                <a:lumOff val="5000"/>
-              </a:schemeClr>
-            </a:solidFill>
-          </a:ln>
-        </p:spPr>
-        <p:style>
-          <a:lnRef idx="2">
-            <a:schemeClr val="accent1">
-              <a:shade val="50000"/>
-            </a:schemeClr>
-          </a:lnRef>
-          <a:fillRef idx="1">
-            <a:schemeClr val="accent1"/>
-          </a:fillRef>
-          <a:effectRef idx="0">
-            <a:schemeClr val="accent1"/>
-          </a:effectRef>
-          <a:fontRef idx="minor">
-            <a:schemeClr val="lt1"/>
-          </a:fontRef>
-        </p:style>
-        <p:txBody>
-          <a:bodyPr rtlCol="0" anchor="ctr"/>
-          <a:lstStyle/>
-          <a:p>
-            <a:pPr algn="ctr"/>
-            <a:r>
-              <a:rPr lang="en-US" sz="1600" dirty="0">
-                <a:solidFill>
-                  <a:schemeClr val="tx1"/>
-                </a:solidFill>
-              </a:rPr>
-              <a:t>PLL</a:t>
-            </a:r>
-          </a:p>
-        </p:txBody>
-      </p:sp>
-      <p:sp>
-        <p:nvSpPr>
-          <p:cNvPr id="29" name="Rectangle: Rounded Corners 28">
-            <a:extLst>
-              <a:ext uri="{FF2B5EF4-FFF2-40B4-BE49-F238E27FC236}">
-                <a16:creationId xmlns:a16="http://schemas.microsoft.com/office/drawing/2014/main" id="{8B59E776-7B1E-4412-A4B1-9DD687C38657}"/>
-              </a:ext>
-            </a:extLst>
-          </p:cNvPr>
-          <p:cNvSpPr/>
-          <p:nvPr/>
-        </p:nvSpPr>
-        <p:spPr>
-          <a:xfrm>
-            <a:off x="4402373" y="1603373"/>
-            <a:ext cx="923461" cy="702108"/>
-          </a:xfrm>
-          <a:prstGeom prst="roundRect">
-            <a:avLst/>
-          </a:prstGeom>
-          <a:solidFill>
-            <a:schemeClr val="tx2">
-              <a:lumMod val="20000"/>
-              <a:lumOff val="80000"/>
-            </a:schemeClr>
-          </a:solidFill>
-          <a:ln>
-            <a:solidFill>
-              <a:schemeClr val="tx1">
-                <a:lumMod val="95000"/>
-                <a:lumOff val="5000"/>
-              </a:schemeClr>
-            </a:solidFill>
-          </a:ln>
-        </p:spPr>
-        <p:style>
-          <a:lnRef idx="2">
-            <a:schemeClr val="accent1">
-              <a:shade val="50000"/>
-            </a:schemeClr>
-          </a:lnRef>
-          <a:fillRef idx="1">
-            <a:schemeClr val="accent1"/>
-          </a:fillRef>
-          <a:effectRef idx="0">
-            <a:schemeClr val="accent1"/>
-          </a:effectRef>
-          <a:fontRef idx="minor">
-            <a:schemeClr val="lt1"/>
-          </a:fontRef>
-        </p:style>
-        <p:txBody>
-          <a:bodyPr rtlCol="0" anchor="ctr"/>
-          <a:lstStyle/>
-          <a:p>
-            <a:pPr algn="ctr"/>
-            <a:r>
-              <a:rPr lang="en-US" sz="1600" dirty="0">
-                <a:solidFill>
-                  <a:schemeClr val="tx1"/>
-                </a:solidFill>
-              </a:rPr>
-              <a:t>200 MHz </a:t>
-            </a:r>
-            <a:r>
-              <a:rPr lang="en-US" sz="1600" dirty="0" err="1">
-                <a:solidFill>
-                  <a:schemeClr val="tx1"/>
-                </a:solidFill>
-              </a:rPr>
-              <a:t>Clk</a:t>
-            </a:r>
-            <a:endParaRPr lang="en-US" sz="1600" dirty="0">
-              <a:solidFill>
-                <a:schemeClr val="tx1"/>
-              </a:solidFill>
-            </a:endParaRPr>
-          </a:p>
-        </p:txBody>
-      </p:sp>
-      <p:grpSp>
-        <p:nvGrpSpPr>
-          <p:cNvPr id="41" name="Group 40">
-            <a:extLst>
-              <a:ext uri="{FF2B5EF4-FFF2-40B4-BE49-F238E27FC236}">
-                <a16:creationId xmlns:a16="http://schemas.microsoft.com/office/drawing/2014/main" id="{830289D9-6ADE-427B-9029-073038351FFA}"/>
-              </a:ext>
-            </a:extLst>
-          </p:cNvPr>
-          <p:cNvGrpSpPr/>
-          <p:nvPr/>
-        </p:nvGrpSpPr>
-        <p:grpSpPr>
-          <a:xfrm>
-            <a:off x="2996570" y="4232178"/>
-            <a:ext cx="941289" cy="1132184"/>
-            <a:chOff x="2124695" y="3943895"/>
-            <a:chExt cx="941289" cy="1132184"/>
-          </a:xfrm>
-          <a:solidFill>
-            <a:schemeClr val="tx2">
-              <a:lumMod val="20000"/>
-              <a:lumOff val="80000"/>
-            </a:schemeClr>
-          </a:solidFill>
-        </p:grpSpPr>
-        <p:grpSp>
-          <p:nvGrpSpPr>
-            <p:cNvPr id="35" name="Group 34">
+        <p:sp>
+          <p:nvSpPr>
+            <p:cNvPr id="54" name="Arrow: Right 53">
               <a:extLst>
                 <a:ext uri="{FF2B5EF4-FFF2-40B4-BE49-F238E27FC236}">
-                  <a16:creationId xmlns:a16="http://schemas.microsoft.com/office/drawing/2014/main" id="{C2CA1C0A-F00B-4006-9202-80442F9B3E18}"/>
+                  <a16:creationId xmlns:a16="http://schemas.microsoft.com/office/drawing/2014/main" id="{729CB8F5-4BB5-4CF5-8843-1652FFFDADA7}"/>
                 </a:ext>
               </a:extLst>
             </p:cNvPr>
-            <p:cNvGrpSpPr/>
+            <p:cNvSpPr/>
             <p:nvPr/>
-          </p:nvGrpSpPr>
-          <p:grpSpPr>
+          </p:nvSpPr>
+          <p:spPr>
             <a:xfrm>
-              <a:off x="2124695" y="3943895"/>
-              <a:ext cx="941289" cy="835143"/>
-              <a:chOff x="2402543" y="2752166"/>
-              <a:chExt cx="941289" cy="835143"/>
+              <a:off x="3434644" y="3099780"/>
+              <a:ext cx="642370" cy="275704"/>
             </a:xfrm>
-            <a:grpFill/>
-          </p:grpSpPr>
-          <p:sp>
-            <p:nvSpPr>
-              <p:cNvPr id="36" name="Rectangle: Rounded Corners 35">
-                <a:extLst>
-                  <a:ext uri="{FF2B5EF4-FFF2-40B4-BE49-F238E27FC236}">
-                    <a16:creationId xmlns:a16="http://schemas.microsoft.com/office/drawing/2014/main" id="{B1CB3F03-99F8-4D5F-AFE1-C6CD40927BDC}"/>
-                  </a:ext>
-                </a:extLst>
-              </p:cNvPr>
-              <p:cNvSpPr/>
-              <p:nvPr/>
-            </p:nvSpPr>
-            <p:spPr>
-              <a:xfrm>
-                <a:off x="2402543" y="2752166"/>
-                <a:ext cx="779929" cy="664818"/>
-              </a:xfrm>
-              <a:prstGeom prst="roundRect">
-                <a:avLst/>
-              </a:prstGeom>
-              <a:grpFill/>
-              <a:ln>
+            <a:prstGeom prst="rightArrow">
+              <a:avLst/>
+            </a:prstGeom>
+            <a:solidFill>
+              <a:schemeClr val="bg1">
+                <a:lumMod val="95000"/>
+              </a:schemeClr>
+            </a:solidFill>
+            <a:ln>
+              <a:solidFill>
+                <a:schemeClr val="tx1">
+                  <a:lumMod val="95000"/>
+                  <a:lumOff val="5000"/>
+                </a:schemeClr>
+              </a:solidFill>
+            </a:ln>
+          </p:spPr>
+          <p:style>
+            <a:lnRef idx="2">
+              <a:schemeClr val="accent1">
+                <a:shade val="50000"/>
+              </a:schemeClr>
+            </a:lnRef>
+            <a:fillRef idx="1">
+              <a:schemeClr val="accent1"/>
+            </a:fillRef>
+            <a:effectRef idx="0">
+              <a:schemeClr val="accent1"/>
+            </a:effectRef>
+            <a:fontRef idx="minor">
+              <a:schemeClr val="lt1"/>
+            </a:fontRef>
+          </p:style>
+          <p:txBody>
+            <a:bodyPr rtlCol="0" anchor="ctr"/>
+            <a:lstStyle/>
+            <a:p>
+              <a:pPr algn="ctr"/>
+              <a:endParaRPr lang="en-US">
                 <a:solidFill>
-                  <a:schemeClr val="tx1">
-                    <a:lumMod val="95000"/>
-                    <a:lumOff val="5000"/>
-                  </a:schemeClr>
+                  <a:schemeClr val="tx1"/>
                 </a:solidFill>
-              </a:ln>
-            </p:spPr>
-            <p:style>
-              <a:lnRef idx="2">
-                <a:schemeClr val="accent1">
-                  <a:shade val="50000"/>
-                </a:schemeClr>
-              </a:lnRef>
-              <a:fillRef idx="1">
-                <a:schemeClr val="accent1"/>
-              </a:fillRef>
-              <a:effectRef idx="0">
-                <a:schemeClr val="accent1"/>
-              </a:effectRef>
-              <a:fontRef idx="minor">
-                <a:schemeClr val="lt1"/>
-              </a:fontRef>
-            </p:style>
-            <p:txBody>
-              <a:bodyPr rtlCol="0" anchor="ctr"/>
-              <a:lstStyle/>
-              <a:p>
-                <a:pPr algn="ctr"/>
-                <a:r>
-                  <a:rPr lang="en-US" dirty="0">
-                    <a:solidFill>
-                      <a:schemeClr val="tx1"/>
-                    </a:solidFill>
-                  </a:rPr>
-                  <a:t>GPIO</a:t>
-                </a:r>
-              </a:p>
-            </p:txBody>
-          </p:sp>
-          <p:sp>
-            <p:nvSpPr>
-              <p:cNvPr id="37" name="Rectangle: Rounded Corners 36">
-                <a:extLst>
-                  <a:ext uri="{FF2B5EF4-FFF2-40B4-BE49-F238E27FC236}">
-                    <a16:creationId xmlns:a16="http://schemas.microsoft.com/office/drawing/2014/main" id="{0300DDA5-AE62-4B72-B9B0-1CAA7D882839}"/>
-                  </a:ext>
-                </a:extLst>
-              </p:cNvPr>
-              <p:cNvSpPr/>
-              <p:nvPr/>
-            </p:nvSpPr>
-            <p:spPr>
-              <a:xfrm>
-                <a:off x="2447363" y="2796986"/>
-                <a:ext cx="779929" cy="664818"/>
-              </a:xfrm>
-              <a:prstGeom prst="roundRect">
-                <a:avLst/>
-              </a:prstGeom>
-              <a:grpFill/>
-              <a:ln>
-                <a:solidFill>
-                  <a:schemeClr val="tx1">
-                    <a:lumMod val="95000"/>
-                    <a:lumOff val="5000"/>
-                  </a:schemeClr>
-                </a:solidFill>
-              </a:ln>
-            </p:spPr>
-            <p:style>
-              <a:lnRef idx="2">
-                <a:schemeClr val="accent1">
-                  <a:shade val="50000"/>
-                </a:schemeClr>
-              </a:lnRef>
-              <a:fillRef idx="1">
-                <a:schemeClr val="accent1"/>
-              </a:fillRef>
-              <a:effectRef idx="0">
-                <a:schemeClr val="accent1"/>
-              </a:effectRef>
-              <a:fontRef idx="minor">
-                <a:schemeClr val="lt1"/>
-              </a:fontRef>
-            </p:style>
-            <p:txBody>
-              <a:bodyPr rtlCol="0" anchor="ctr"/>
-              <a:lstStyle/>
-              <a:p>
-                <a:pPr algn="ctr"/>
-                <a:r>
-                  <a:rPr lang="en-US" dirty="0">
-                    <a:solidFill>
-                      <a:schemeClr val="tx1"/>
-                    </a:solidFill>
-                  </a:rPr>
-                  <a:t>GPIO</a:t>
-                </a:r>
-              </a:p>
-            </p:txBody>
-          </p:sp>
-          <p:sp>
-            <p:nvSpPr>
-              <p:cNvPr id="38" name="Rectangle: Rounded Corners 37">
-                <a:extLst>
-                  <a:ext uri="{FF2B5EF4-FFF2-40B4-BE49-F238E27FC236}">
-                    <a16:creationId xmlns:a16="http://schemas.microsoft.com/office/drawing/2014/main" id="{AEE293A4-D6A0-4BF6-B9E0-9EB77EEBC715}"/>
-                  </a:ext>
-                </a:extLst>
-              </p:cNvPr>
-              <p:cNvSpPr/>
-              <p:nvPr/>
-            </p:nvSpPr>
-            <p:spPr>
-              <a:xfrm>
-                <a:off x="2501153" y="2859741"/>
-                <a:ext cx="779929" cy="664818"/>
-              </a:xfrm>
-              <a:prstGeom prst="roundRect">
-                <a:avLst/>
-              </a:prstGeom>
-              <a:grpFill/>
-              <a:ln>
-                <a:solidFill>
-                  <a:schemeClr val="tx1">
-                    <a:lumMod val="95000"/>
-                    <a:lumOff val="5000"/>
-                  </a:schemeClr>
-                </a:solidFill>
-              </a:ln>
-            </p:spPr>
-            <p:style>
-              <a:lnRef idx="2">
-                <a:schemeClr val="accent1">
-                  <a:shade val="50000"/>
-                </a:schemeClr>
-              </a:lnRef>
-              <a:fillRef idx="1">
-                <a:schemeClr val="accent1"/>
-              </a:fillRef>
-              <a:effectRef idx="0">
-                <a:schemeClr val="accent1"/>
-              </a:effectRef>
-              <a:fontRef idx="minor">
-                <a:schemeClr val="lt1"/>
-              </a:fontRef>
-            </p:style>
-            <p:txBody>
-              <a:bodyPr rtlCol="0" anchor="ctr"/>
-              <a:lstStyle/>
-              <a:p>
-                <a:pPr algn="ctr"/>
-                <a:r>
-                  <a:rPr lang="en-US" dirty="0">
-                    <a:solidFill>
-                      <a:schemeClr val="tx1"/>
-                    </a:solidFill>
-                  </a:rPr>
-                  <a:t>GPIO</a:t>
-                </a:r>
-              </a:p>
-            </p:txBody>
-          </p:sp>
-          <p:sp>
-            <p:nvSpPr>
-              <p:cNvPr id="39" name="Rectangle: Rounded Corners 38">
-                <a:extLst>
-                  <a:ext uri="{FF2B5EF4-FFF2-40B4-BE49-F238E27FC236}">
-                    <a16:creationId xmlns:a16="http://schemas.microsoft.com/office/drawing/2014/main" id="{6192C626-EBC5-4474-9332-37CBF86707F9}"/>
-                  </a:ext>
-                </a:extLst>
-              </p:cNvPr>
-              <p:cNvSpPr/>
-              <p:nvPr/>
-            </p:nvSpPr>
-            <p:spPr>
-              <a:xfrm>
-                <a:off x="2563903" y="2922491"/>
-                <a:ext cx="779929" cy="664818"/>
-              </a:xfrm>
-              <a:prstGeom prst="roundRect">
-                <a:avLst/>
-              </a:prstGeom>
-              <a:grpFill/>
-              <a:ln>
-                <a:solidFill>
-                  <a:schemeClr val="tx1">
-                    <a:lumMod val="95000"/>
-                    <a:lumOff val="5000"/>
-                  </a:schemeClr>
-                </a:solidFill>
-              </a:ln>
-            </p:spPr>
-            <p:style>
-              <a:lnRef idx="2">
-                <a:schemeClr val="accent1">
-                  <a:shade val="50000"/>
-                </a:schemeClr>
-              </a:lnRef>
-              <a:fillRef idx="1">
-                <a:schemeClr val="accent1"/>
-              </a:fillRef>
-              <a:effectRef idx="0">
-                <a:schemeClr val="accent1"/>
-              </a:effectRef>
-              <a:fontRef idx="minor">
-                <a:schemeClr val="lt1"/>
-              </a:fontRef>
-            </p:style>
-            <p:txBody>
-              <a:bodyPr rtlCol="0" anchor="ctr"/>
-              <a:lstStyle/>
-              <a:p>
-                <a:pPr algn="ctr"/>
-                <a:r>
-                  <a:rPr lang="en-US" dirty="0">
-                    <a:solidFill>
-                      <a:schemeClr val="tx1"/>
-                    </a:solidFill>
-                  </a:rPr>
-                  <a:t>SW</a:t>
-                </a:r>
-              </a:p>
-            </p:txBody>
-          </p:sp>
-        </p:grpSp>
+              </a:endParaRPr>
+            </a:p>
+          </p:txBody>
+        </p:sp>
         <p:sp>
           <p:nvSpPr>
-            <p:cNvPr id="40" name="TextBox 39">
+            <p:cNvPr id="61" name="Rectangle: Rounded Corners 60">
               <a:extLst>
                 <a:ext uri="{FF2B5EF4-FFF2-40B4-BE49-F238E27FC236}">
-                  <a16:creationId xmlns:a16="http://schemas.microsoft.com/office/drawing/2014/main" id="{1BE43246-C038-4A46-A2BB-DF70881F664C}"/>
+                  <a16:creationId xmlns:a16="http://schemas.microsoft.com/office/drawing/2014/main" id="{7A019E4B-B4ED-49CB-9A65-D1CEEDA9D6C8}"/>
+                </a:ext>
+              </a:extLst>
+            </p:cNvPr>
+            <p:cNvSpPr/>
+            <p:nvPr/>
+          </p:nvSpPr>
+          <p:spPr>
+            <a:xfrm>
+              <a:off x="5264318" y="2778440"/>
+              <a:ext cx="1195380" cy="795934"/>
+            </a:xfrm>
+            <a:prstGeom prst="roundRect">
+              <a:avLst/>
+            </a:prstGeom>
+            <a:solidFill>
+              <a:schemeClr val="bg1">
+                <a:lumMod val="95000"/>
+              </a:schemeClr>
+            </a:solidFill>
+            <a:ln>
+              <a:solidFill>
+                <a:schemeClr val="tx1">
+                  <a:lumMod val="95000"/>
+                  <a:lumOff val="5000"/>
+                </a:schemeClr>
+              </a:solidFill>
+            </a:ln>
+          </p:spPr>
+          <p:style>
+            <a:lnRef idx="2">
+              <a:schemeClr val="accent1">
+                <a:shade val="50000"/>
+              </a:schemeClr>
+            </a:lnRef>
+            <a:fillRef idx="1">
+              <a:schemeClr val="accent1"/>
+            </a:fillRef>
+            <a:effectRef idx="0">
+              <a:schemeClr val="accent1"/>
+            </a:effectRef>
+            <a:fontRef idx="minor">
+              <a:schemeClr val="lt1"/>
+            </a:fontRef>
+          </p:style>
+          <p:txBody>
+            <a:bodyPr rtlCol="0" anchor="ctr"/>
+            <a:lstStyle/>
+            <a:p>
+              <a:pPr algn="ctr"/>
+              <a:r>
+                <a:rPr lang="en-US" sz="1600" dirty="0">
+                  <a:solidFill>
+                    <a:schemeClr val="tx1"/>
+                  </a:solidFill>
+                </a:rPr>
+                <a:t>32-b Counters</a:t>
+              </a:r>
+            </a:p>
+          </p:txBody>
+        </p:sp>
+        <p:sp>
+          <p:nvSpPr>
+            <p:cNvPr id="58" name="TextBox 57">
+              <a:extLst>
+                <a:ext uri="{FF2B5EF4-FFF2-40B4-BE49-F238E27FC236}">
+                  <a16:creationId xmlns:a16="http://schemas.microsoft.com/office/drawing/2014/main" id="{DDBF8E48-75C4-4455-AB7B-DF051C4883EA}"/>
                 </a:ext>
               </a:extLst>
             </p:cNvPr>
@@ -24760,20 +25215,15 @@
           </p:nvSpPr>
           <p:spPr>
             <a:xfrm>
-              <a:off x="2664812" y="4706747"/>
-              <a:ext cx="401072" cy="369332"/>
+              <a:off x="6289784" y="3652516"/>
+              <a:ext cx="430793" cy="405665"/>
             </a:xfrm>
             <a:prstGeom prst="rect">
               <a:avLst/>
             </a:prstGeom>
-            <a:grpFill/>
+            <a:noFill/>
             <a:ln>
-              <a:solidFill>
-                <a:schemeClr val="tx1">
-                  <a:lumMod val="95000"/>
-                  <a:lumOff val="5000"/>
-                </a:schemeClr>
-              </a:solidFill>
+              <a:noFill/>
             </a:ln>
           </p:spPr>
           <p:txBody>
@@ -24789,406 +25239,1046 @@
             </a:p>
           </p:txBody>
         </p:sp>
-      </p:grpSp>
-      <p:sp>
-        <p:nvSpPr>
-          <p:cNvPr id="42" name="Arrow: Right 41">
-            <a:extLst>
-              <a:ext uri="{FF2B5EF4-FFF2-40B4-BE49-F238E27FC236}">
-                <a16:creationId xmlns:a16="http://schemas.microsoft.com/office/drawing/2014/main" id="{B3C59862-25DA-44CA-B640-5B20EEFD9C3C}"/>
-              </a:ext>
-            </a:extLst>
-          </p:cNvPr>
-          <p:cNvSpPr/>
-          <p:nvPr/>
-        </p:nvSpPr>
-        <p:spPr>
-          <a:xfrm rot="16200000">
-            <a:off x="3210257" y="3781165"/>
-            <a:ext cx="457105" cy="251011"/>
-          </a:xfrm>
-          <a:prstGeom prst="rightArrow">
-            <a:avLst/>
-          </a:prstGeom>
-          <a:solidFill>
-            <a:schemeClr val="tx2">
-              <a:lumMod val="20000"/>
-              <a:lumOff val="80000"/>
-            </a:schemeClr>
-          </a:solidFill>
-          <a:ln>
+        <p:sp>
+          <p:nvSpPr>
+            <p:cNvPr id="63" name="Arrow: Right 62">
+              <a:extLst>
+                <a:ext uri="{FF2B5EF4-FFF2-40B4-BE49-F238E27FC236}">
+                  <a16:creationId xmlns:a16="http://schemas.microsoft.com/office/drawing/2014/main" id="{558E8D25-CAB2-4526-B6A0-8EBB1579A17F}"/>
+                </a:ext>
+              </a:extLst>
+            </p:cNvPr>
+            <p:cNvSpPr/>
+            <p:nvPr/>
+          </p:nvSpPr>
+          <p:spPr>
+            <a:xfrm>
+              <a:off x="4722542" y="3069262"/>
+              <a:ext cx="527449" cy="256008"/>
+            </a:xfrm>
+            <a:prstGeom prst="rightArrow">
+              <a:avLst/>
+            </a:prstGeom>
             <a:solidFill>
-              <a:schemeClr val="tx1">
+              <a:schemeClr val="bg1">
                 <a:lumMod val="95000"/>
-                <a:lumOff val="5000"/>
               </a:schemeClr>
             </a:solidFill>
-          </a:ln>
-        </p:spPr>
-        <p:style>
-          <a:lnRef idx="2">
-            <a:schemeClr val="accent1">
-              <a:shade val="50000"/>
-            </a:schemeClr>
-          </a:lnRef>
-          <a:fillRef idx="1">
-            <a:schemeClr val="accent1"/>
-          </a:fillRef>
-          <a:effectRef idx="0">
-            <a:schemeClr val="accent1"/>
-          </a:effectRef>
-          <a:fontRef idx="minor">
-            <a:schemeClr val="lt1"/>
-          </a:fontRef>
-        </p:style>
-        <p:txBody>
-          <a:bodyPr rtlCol="0" anchor="ctr"/>
-          <a:lstStyle/>
-          <a:p>
-            <a:pPr algn="ctr"/>
-            <a:endParaRPr lang="en-US">
+            <a:ln>
+              <a:solidFill>
+                <a:schemeClr val="tx1">
+                  <a:lumMod val="95000"/>
+                  <a:lumOff val="5000"/>
+                </a:schemeClr>
+              </a:solidFill>
+            </a:ln>
+          </p:spPr>
+          <p:style>
+            <a:lnRef idx="2">
+              <a:schemeClr val="accent1">
+                <a:shade val="50000"/>
+              </a:schemeClr>
+            </a:lnRef>
+            <a:fillRef idx="1">
+              <a:schemeClr val="accent1"/>
+            </a:fillRef>
+            <a:effectRef idx="0">
+              <a:schemeClr val="accent1"/>
+            </a:effectRef>
+            <a:fontRef idx="minor">
+              <a:schemeClr val="lt1"/>
+            </a:fontRef>
+          </p:style>
+          <p:txBody>
+            <a:bodyPr rtlCol="0" anchor="ctr"/>
+            <a:lstStyle/>
+            <a:p>
+              <a:pPr algn="ctr"/>
+              <a:endParaRPr lang="en-US">
+                <a:solidFill>
+                  <a:schemeClr val="tx1"/>
+                </a:solidFill>
+              </a:endParaRPr>
+            </a:p>
+          </p:txBody>
+        </p:sp>
+        <p:sp>
+          <p:nvSpPr>
+            <p:cNvPr id="64" name="Arrow: Right 63">
+              <a:extLst>
+                <a:ext uri="{FF2B5EF4-FFF2-40B4-BE49-F238E27FC236}">
+                  <a16:creationId xmlns:a16="http://schemas.microsoft.com/office/drawing/2014/main" id="{84D63868-A2F6-430B-A2BB-98B87B1811F9}"/>
+                </a:ext>
+              </a:extLst>
+            </p:cNvPr>
+            <p:cNvSpPr/>
+            <p:nvPr/>
+          </p:nvSpPr>
+          <p:spPr>
+            <a:xfrm rot="5400000">
+              <a:off x="5414533" y="2299309"/>
+              <a:ext cx="502073" cy="269613"/>
+            </a:xfrm>
+            <a:prstGeom prst="rightArrow">
+              <a:avLst/>
+            </a:prstGeom>
+            <a:solidFill>
+              <a:schemeClr val="bg1">
+                <a:lumMod val="95000"/>
+              </a:schemeClr>
+            </a:solidFill>
+            <a:ln>
+              <a:solidFill>
+                <a:schemeClr val="tx1">
+                  <a:lumMod val="95000"/>
+                  <a:lumOff val="5000"/>
+                </a:schemeClr>
+              </a:solidFill>
+            </a:ln>
+          </p:spPr>
+          <p:style>
+            <a:lnRef idx="2">
+              <a:schemeClr val="accent1">
+                <a:shade val="50000"/>
+              </a:schemeClr>
+            </a:lnRef>
+            <a:fillRef idx="1">
+              <a:schemeClr val="accent1"/>
+            </a:fillRef>
+            <a:effectRef idx="0">
+              <a:schemeClr val="accent1"/>
+            </a:effectRef>
+            <a:fontRef idx="minor">
+              <a:schemeClr val="lt1"/>
+            </a:fontRef>
+          </p:style>
+          <p:txBody>
+            <a:bodyPr rtlCol="0" anchor="ctr"/>
+            <a:lstStyle/>
+            <a:p>
+              <a:pPr algn="ctr"/>
+              <a:endParaRPr lang="en-US">
+                <a:solidFill>
+                  <a:schemeClr val="tx1"/>
+                </a:solidFill>
+              </a:endParaRPr>
+            </a:p>
+          </p:txBody>
+        </p:sp>
+        <p:sp>
+          <p:nvSpPr>
+            <p:cNvPr id="65" name="Arrow: Right 64">
+              <a:extLst>
+                <a:ext uri="{FF2B5EF4-FFF2-40B4-BE49-F238E27FC236}">
+                  <a16:creationId xmlns:a16="http://schemas.microsoft.com/office/drawing/2014/main" id="{DE00079A-D286-4A7F-91C1-865CD8753874}"/>
+                </a:ext>
+              </a:extLst>
+            </p:cNvPr>
+            <p:cNvSpPr/>
+            <p:nvPr/>
+          </p:nvSpPr>
+          <p:spPr>
+            <a:xfrm>
+              <a:off x="6066692" y="1782171"/>
+              <a:ext cx="548111" cy="275704"/>
+            </a:xfrm>
+            <a:prstGeom prst="rightArrow">
+              <a:avLst/>
+            </a:prstGeom>
+            <a:solidFill>
+              <a:schemeClr val="bg1">
+                <a:lumMod val="95000"/>
+              </a:schemeClr>
+            </a:solidFill>
+            <a:ln>
+              <a:solidFill>
+                <a:schemeClr val="tx1">
+                  <a:lumMod val="95000"/>
+                  <a:lumOff val="5000"/>
+                </a:schemeClr>
+              </a:solidFill>
+            </a:ln>
+          </p:spPr>
+          <p:style>
+            <a:lnRef idx="2">
+              <a:schemeClr val="accent1">
+                <a:shade val="50000"/>
+              </a:schemeClr>
+            </a:lnRef>
+            <a:fillRef idx="1">
+              <a:schemeClr val="accent1"/>
+            </a:fillRef>
+            <a:effectRef idx="0">
+              <a:schemeClr val="accent1"/>
+            </a:effectRef>
+            <a:fontRef idx="minor">
+              <a:schemeClr val="lt1"/>
+            </a:fontRef>
+          </p:style>
+          <p:txBody>
+            <a:bodyPr rtlCol="0" anchor="ctr"/>
+            <a:lstStyle/>
+            <a:p>
+              <a:pPr algn="ctr"/>
+              <a:endParaRPr lang="en-US">
+                <a:solidFill>
+                  <a:schemeClr val="tx1"/>
+                </a:solidFill>
+              </a:endParaRPr>
+            </a:p>
+          </p:txBody>
+        </p:sp>
+        <p:sp>
+          <p:nvSpPr>
+            <p:cNvPr id="66" name="Arrow: Right 65">
+              <a:extLst>
+                <a:ext uri="{FF2B5EF4-FFF2-40B4-BE49-F238E27FC236}">
+                  <a16:creationId xmlns:a16="http://schemas.microsoft.com/office/drawing/2014/main" id="{F4E8CB52-81E0-4F40-AEB8-9BBB0A5466FA}"/>
+                </a:ext>
+              </a:extLst>
+            </p:cNvPr>
+            <p:cNvSpPr/>
+            <p:nvPr/>
+          </p:nvSpPr>
+          <p:spPr>
+            <a:xfrm>
+              <a:off x="6638347" y="3079112"/>
+              <a:ext cx="488594" cy="256007"/>
+            </a:xfrm>
+            <a:prstGeom prst="rightArrow">
+              <a:avLst/>
+            </a:prstGeom>
+            <a:solidFill>
+              <a:schemeClr val="bg1">
+                <a:lumMod val="95000"/>
+              </a:schemeClr>
+            </a:solidFill>
+            <a:ln>
+              <a:solidFill>
+                <a:schemeClr val="tx1">
+                  <a:lumMod val="95000"/>
+                  <a:lumOff val="5000"/>
+                </a:schemeClr>
+              </a:solidFill>
+            </a:ln>
+          </p:spPr>
+          <p:style>
+            <a:lnRef idx="2">
+              <a:schemeClr val="accent1">
+                <a:shade val="50000"/>
+              </a:schemeClr>
+            </a:lnRef>
+            <a:fillRef idx="1">
+              <a:schemeClr val="accent1"/>
+            </a:fillRef>
+            <a:effectRef idx="0">
+              <a:schemeClr val="accent1"/>
+            </a:effectRef>
+            <a:fontRef idx="minor">
+              <a:schemeClr val="lt1"/>
+            </a:fontRef>
+          </p:style>
+          <p:txBody>
+            <a:bodyPr rtlCol="0" anchor="ctr"/>
+            <a:lstStyle/>
+            <a:p>
+              <a:pPr algn="ctr"/>
+              <a:endParaRPr lang="en-US">
+                <a:solidFill>
+                  <a:schemeClr val="tx1"/>
+                </a:solidFill>
+              </a:endParaRPr>
+            </a:p>
+          </p:txBody>
+        </p:sp>
+        <p:sp>
+          <p:nvSpPr>
+            <p:cNvPr id="67" name="Flowchart: Manual Operation 66">
+              <a:extLst>
+                <a:ext uri="{FF2B5EF4-FFF2-40B4-BE49-F238E27FC236}">
+                  <a16:creationId xmlns:a16="http://schemas.microsoft.com/office/drawing/2014/main" id="{844CBEFD-BFBE-4200-BEA9-9A40265C2CAE}"/>
+                </a:ext>
+              </a:extLst>
+            </p:cNvPr>
+            <p:cNvSpPr/>
+            <p:nvPr/>
+          </p:nvSpPr>
+          <p:spPr>
+            <a:xfrm rot="16200000">
+              <a:off x="6918153" y="2906823"/>
+              <a:ext cx="1001232" cy="557891"/>
+            </a:xfrm>
+            <a:prstGeom prst="flowChartManualOperation">
+              <a:avLst/>
+            </a:prstGeom>
+            <a:solidFill>
+              <a:schemeClr val="bg1">
+                <a:lumMod val="95000"/>
+              </a:schemeClr>
+            </a:solidFill>
+            <a:ln>
+              <a:solidFill>
+                <a:schemeClr val="tx1">
+                  <a:lumMod val="95000"/>
+                  <a:lumOff val="5000"/>
+                </a:schemeClr>
+              </a:solidFill>
+            </a:ln>
+          </p:spPr>
+          <p:style>
+            <a:lnRef idx="2">
+              <a:schemeClr val="accent1">
+                <a:shade val="50000"/>
+              </a:schemeClr>
+            </a:lnRef>
+            <a:fillRef idx="1">
+              <a:schemeClr val="accent1"/>
+            </a:fillRef>
+            <a:effectRef idx="0">
+              <a:schemeClr val="accent1"/>
+            </a:effectRef>
+            <a:fontRef idx="minor">
+              <a:schemeClr val="lt1"/>
+            </a:fontRef>
+          </p:style>
+          <p:txBody>
+            <a:bodyPr vert="vert" rtlCol="0" anchor="ctr"/>
+            <a:lstStyle/>
+            <a:p>
+              <a:pPr algn="ctr"/>
+              <a:r>
+                <a:rPr lang="en-US" sz="1400" dirty="0">
+                  <a:solidFill>
+                    <a:schemeClr val="tx1"/>
+                  </a:solidFill>
+                </a:rPr>
+                <a:t>A-H Data Out</a:t>
+              </a:r>
+            </a:p>
+          </p:txBody>
+        </p:sp>
+        <p:sp>
+          <p:nvSpPr>
+            <p:cNvPr id="72" name="Arrow: Right 71">
+              <a:extLst>
+                <a:ext uri="{FF2B5EF4-FFF2-40B4-BE49-F238E27FC236}">
+                  <a16:creationId xmlns:a16="http://schemas.microsoft.com/office/drawing/2014/main" id="{B32E8E6D-E74D-4B7F-9AC9-9FF522FE22AC}"/>
+                </a:ext>
+              </a:extLst>
+            </p:cNvPr>
+            <p:cNvSpPr/>
+            <p:nvPr/>
+          </p:nvSpPr>
+          <p:spPr>
+            <a:xfrm>
+              <a:off x="7708104" y="3099780"/>
+              <a:ext cx="635213" cy="235339"/>
+            </a:xfrm>
+            <a:prstGeom prst="rightArrow">
+              <a:avLst/>
+            </a:prstGeom>
+            <a:solidFill>
+              <a:schemeClr val="bg1">
+                <a:lumMod val="95000"/>
+              </a:schemeClr>
+            </a:solidFill>
+            <a:ln>
+              <a:solidFill>
+                <a:schemeClr val="tx1">
+                  <a:lumMod val="95000"/>
+                  <a:lumOff val="5000"/>
+                </a:schemeClr>
+              </a:solidFill>
+            </a:ln>
+          </p:spPr>
+          <p:style>
+            <a:lnRef idx="2">
+              <a:schemeClr val="accent1">
+                <a:shade val="50000"/>
+              </a:schemeClr>
+            </a:lnRef>
+            <a:fillRef idx="1">
+              <a:schemeClr val="accent1"/>
+            </a:fillRef>
+            <a:effectRef idx="0">
+              <a:schemeClr val="accent1"/>
+            </a:effectRef>
+            <a:fontRef idx="minor">
+              <a:schemeClr val="lt1"/>
+            </a:fontRef>
+          </p:style>
+          <p:txBody>
+            <a:bodyPr rtlCol="0" anchor="ctr"/>
+            <a:lstStyle/>
+            <a:p>
+              <a:pPr algn="ctr"/>
+              <a:endParaRPr lang="en-US">
+                <a:solidFill>
+                  <a:schemeClr val="tx1"/>
+                </a:solidFill>
+              </a:endParaRPr>
+            </a:p>
+          </p:txBody>
+        </p:sp>
+        <p:sp>
+          <p:nvSpPr>
+            <p:cNvPr id="73" name="Rectangle: Rounded Corners 72">
+              <a:extLst>
+                <a:ext uri="{FF2B5EF4-FFF2-40B4-BE49-F238E27FC236}">
+                  <a16:creationId xmlns:a16="http://schemas.microsoft.com/office/drawing/2014/main" id="{C08B3572-B3D7-4859-8359-65C49884891B}"/>
+                </a:ext>
+              </a:extLst>
+            </p:cNvPr>
+            <p:cNvSpPr/>
+            <p:nvPr/>
+          </p:nvSpPr>
+          <p:spPr>
+            <a:xfrm>
+              <a:off x="8387220" y="2685152"/>
+              <a:ext cx="912970" cy="1001233"/>
+            </a:xfrm>
+            <a:prstGeom prst="roundRect">
+              <a:avLst/>
+            </a:prstGeom>
+            <a:solidFill>
+              <a:schemeClr val="bg1">
+                <a:lumMod val="95000"/>
+              </a:schemeClr>
+            </a:solidFill>
+            <a:ln>
+              <a:solidFill>
+                <a:schemeClr val="tx1">
+                  <a:lumMod val="95000"/>
+                  <a:lumOff val="5000"/>
+                </a:schemeClr>
+              </a:solidFill>
+            </a:ln>
+          </p:spPr>
+          <p:style>
+            <a:lnRef idx="2">
+              <a:schemeClr val="accent1">
+                <a:shade val="50000"/>
+              </a:schemeClr>
+            </a:lnRef>
+            <a:fillRef idx="1">
+              <a:schemeClr val="accent1"/>
+            </a:fillRef>
+            <a:effectRef idx="0">
+              <a:schemeClr val="accent1"/>
+            </a:effectRef>
+            <a:fontRef idx="minor">
+              <a:schemeClr val="lt1"/>
+            </a:fontRef>
+          </p:style>
+          <p:txBody>
+            <a:bodyPr rtlCol="0" anchor="ctr"/>
+            <a:lstStyle/>
+            <a:p>
+              <a:pPr algn="ctr"/>
+              <a:r>
+                <a:rPr lang="en-US" sz="1400" dirty="0">
+                  <a:solidFill>
+                    <a:schemeClr val="tx1"/>
+                  </a:solidFill>
+                </a:rPr>
+                <a:t>UART TX</a:t>
+              </a:r>
+            </a:p>
+          </p:txBody>
+        </p:sp>
+        <p:sp>
+          <p:nvSpPr>
+            <p:cNvPr id="75" name="Rectangle: Rounded Corners 74">
+              <a:extLst>
+                <a:ext uri="{FF2B5EF4-FFF2-40B4-BE49-F238E27FC236}">
+                  <a16:creationId xmlns:a16="http://schemas.microsoft.com/office/drawing/2014/main" id="{9BA504DB-3D9C-4F0E-940B-B6239297B2D9}"/>
+                </a:ext>
+              </a:extLst>
+            </p:cNvPr>
+            <p:cNvSpPr/>
+            <p:nvPr/>
+          </p:nvSpPr>
+          <p:spPr>
+            <a:xfrm>
+              <a:off x="10043987" y="2696651"/>
+              <a:ext cx="912970" cy="1001233"/>
+            </a:xfrm>
+            <a:prstGeom prst="roundRect">
+              <a:avLst/>
+            </a:prstGeom>
+            <a:solidFill>
+              <a:schemeClr val="bg1">
+                <a:lumMod val="95000"/>
+              </a:schemeClr>
+            </a:solidFill>
+            <a:ln>
+              <a:solidFill>
+                <a:schemeClr val="tx1">
+                  <a:lumMod val="95000"/>
+                  <a:lumOff val="5000"/>
+                </a:schemeClr>
+              </a:solidFill>
+            </a:ln>
+          </p:spPr>
+          <p:style>
+            <a:lnRef idx="2">
+              <a:schemeClr val="accent1">
+                <a:shade val="50000"/>
+              </a:schemeClr>
+            </a:lnRef>
+            <a:fillRef idx="1">
+              <a:schemeClr val="accent1"/>
+            </a:fillRef>
+            <a:effectRef idx="0">
+              <a:schemeClr val="accent1"/>
+            </a:effectRef>
+            <a:fontRef idx="minor">
+              <a:schemeClr val="lt1"/>
+            </a:fontRef>
+          </p:style>
+          <p:txBody>
+            <a:bodyPr rtlCol="0" anchor="ctr"/>
+            <a:lstStyle/>
+            <a:p>
+              <a:pPr algn="ctr"/>
+              <a:r>
+                <a:rPr lang="en-US" sz="1400" dirty="0">
+                  <a:solidFill>
+                    <a:schemeClr val="tx1"/>
+                  </a:solidFill>
+                </a:rPr>
+                <a:t>PC</a:t>
+              </a:r>
+            </a:p>
+          </p:txBody>
+        </p:sp>
+        <p:sp>
+          <p:nvSpPr>
+            <p:cNvPr id="76" name="Arrow: Right 75">
+              <a:extLst>
+                <a:ext uri="{FF2B5EF4-FFF2-40B4-BE49-F238E27FC236}">
+                  <a16:creationId xmlns:a16="http://schemas.microsoft.com/office/drawing/2014/main" id="{CA82AAAC-D484-43B8-BA03-01DFAD1B56B4}"/>
+                </a:ext>
+              </a:extLst>
+            </p:cNvPr>
+            <p:cNvSpPr/>
+            <p:nvPr/>
+          </p:nvSpPr>
+          <p:spPr>
+            <a:xfrm>
+              <a:off x="9354482" y="3081077"/>
+              <a:ext cx="635213" cy="235339"/>
+            </a:xfrm>
+            <a:prstGeom prst="rightArrow">
+              <a:avLst/>
+            </a:prstGeom>
+            <a:solidFill>
+              <a:schemeClr val="bg1">
+                <a:lumMod val="95000"/>
+              </a:schemeClr>
+            </a:solidFill>
+            <a:ln>
+              <a:solidFill>
+                <a:schemeClr val="tx1">
+                  <a:lumMod val="95000"/>
+                  <a:lumOff val="5000"/>
+                </a:schemeClr>
+              </a:solidFill>
+            </a:ln>
+          </p:spPr>
+          <p:style>
+            <a:lnRef idx="2">
+              <a:schemeClr val="accent1">
+                <a:shade val="50000"/>
+              </a:schemeClr>
+            </a:lnRef>
+            <a:fillRef idx="1">
+              <a:schemeClr val="accent1"/>
+            </a:fillRef>
+            <a:effectRef idx="0">
+              <a:schemeClr val="accent1"/>
+            </a:effectRef>
+            <a:fontRef idx="minor">
+              <a:schemeClr val="lt1"/>
+            </a:fontRef>
+          </p:style>
+          <p:txBody>
+            <a:bodyPr rtlCol="0" anchor="ctr"/>
+            <a:lstStyle/>
+            <a:p>
+              <a:pPr algn="ctr"/>
+              <a:endParaRPr lang="en-US">
+                <a:solidFill>
+                  <a:schemeClr val="tx1"/>
+                </a:solidFill>
+              </a:endParaRPr>
+            </a:p>
+          </p:txBody>
+        </p:sp>
+        <p:sp>
+          <p:nvSpPr>
+            <p:cNvPr id="83" name="Rectangle: Rounded Corners 82">
+              <a:extLst>
+                <a:ext uri="{FF2B5EF4-FFF2-40B4-BE49-F238E27FC236}">
+                  <a16:creationId xmlns:a16="http://schemas.microsoft.com/office/drawing/2014/main" id="{6D4FE0F0-3310-4332-8D5D-4244806715EA}"/>
+                </a:ext>
+              </a:extLst>
+            </p:cNvPr>
+            <p:cNvSpPr/>
+            <p:nvPr/>
+          </p:nvSpPr>
+          <p:spPr>
+            <a:xfrm>
+              <a:off x="5333367" y="2827246"/>
+              <a:ext cx="1195380" cy="795934"/>
+            </a:xfrm>
+            <a:prstGeom prst="roundRect">
+              <a:avLst/>
+            </a:prstGeom>
+            <a:solidFill>
+              <a:schemeClr val="bg1">
+                <a:lumMod val="95000"/>
+              </a:schemeClr>
+            </a:solidFill>
+            <a:ln>
+              <a:solidFill>
+                <a:schemeClr val="tx1">
+                  <a:lumMod val="95000"/>
+                  <a:lumOff val="5000"/>
+                </a:schemeClr>
+              </a:solidFill>
+            </a:ln>
+          </p:spPr>
+          <p:style>
+            <a:lnRef idx="2">
+              <a:schemeClr val="accent1">
+                <a:shade val="50000"/>
+              </a:schemeClr>
+            </a:lnRef>
+            <a:fillRef idx="1">
+              <a:schemeClr val="accent1"/>
+            </a:fillRef>
+            <a:effectRef idx="0">
+              <a:schemeClr val="accent1"/>
+            </a:effectRef>
+            <a:fontRef idx="minor">
+              <a:schemeClr val="lt1"/>
+            </a:fontRef>
+          </p:style>
+          <p:txBody>
+            <a:bodyPr rtlCol="0" anchor="ctr"/>
+            <a:lstStyle/>
+            <a:p>
+              <a:pPr algn="ctr"/>
+              <a:r>
+                <a:rPr lang="en-US" sz="1600" dirty="0">
+                  <a:solidFill>
+                    <a:schemeClr val="tx1"/>
+                  </a:solidFill>
+                </a:rPr>
+                <a:t>32-b Counters</a:t>
+              </a:r>
+            </a:p>
+          </p:txBody>
+        </p:sp>
+        <p:sp>
+          <p:nvSpPr>
+            <p:cNvPr id="84" name="Rectangle: Rounded Corners 83">
+              <a:extLst>
+                <a:ext uri="{FF2B5EF4-FFF2-40B4-BE49-F238E27FC236}">
+                  <a16:creationId xmlns:a16="http://schemas.microsoft.com/office/drawing/2014/main" id="{2D1D9383-D26B-440E-A1FE-9EC99BC5709A}"/>
+                </a:ext>
+              </a:extLst>
+            </p:cNvPr>
+            <p:cNvSpPr/>
+            <p:nvPr/>
+          </p:nvSpPr>
+          <p:spPr>
+            <a:xfrm>
+              <a:off x="5419424" y="2876051"/>
+              <a:ext cx="1195380" cy="795934"/>
+            </a:xfrm>
+            <a:prstGeom prst="roundRect">
+              <a:avLst/>
+            </a:prstGeom>
+            <a:solidFill>
+              <a:schemeClr val="bg1">
+                <a:lumMod val="95000"/>
+              </a:schemeClr>
+            </a:solidFill>
+            <a:ln>
+              <a:solidFill>
+                <a:schemeClr val="tx1">
+                  <a:lumMod val="95000"/>
+                  <a:lumOff val="5000"/>
+                </a:schemeClr>
+              </a:solidFill>
+            </a:ln>
+          </p:spPr>
+          <p:style>
+            <a:lnRef idx="2">
+              <a:schemeClr val="accent1">
+                <a:shade val="50000"/>
+              </a:schemeClr>
+            </a:lnRef>
+            <a:fillRef idx="1">
+              <a:schemeClr val="accent1"/>
+            </a:fillRef>
+            <a:effectRef idx="0">
+              <a:schemeClr val="accent1"/>
+            </a:effectRef>
+            <a:fontRef idx="minor">
+              <a:schemeClr val="lt1"/>
+            </a:fontRef>
+          </p:style>
+          <p:txBody>
+            <a:bodyPr rtlCol="0" anchor="ctr"/>
+            <a:lstStyle/>
+            <a:p>
+              <a:pPr algn="ctr"/>
+              <a:r>
+                <a:rPr lang="en-US" sz="1600" dirty="0">
+                  <a:solidFill>
+                    <a:schemeClr val="tx1"/>
+                  </a:solidFill>
+                </a:rPr>
+                <a:t>32-b Counters</a:t>
+              </a:r>
+            </a:p>
+          </p:txBody>
+        </p:sp>
+        <p:sp>
+          <p:nvSpPr>
+            <p:cNvPr id="85" name="TextBox 84">
+              <a:extLst>
+                <a:ext uri="{FF2B5EF4-FFF2-40B4-BE49-F238E27FC236}">
+                  <a16:creationId xmlns:a16="http://schemas.microsoft.com/office/drawing/2014/main" id="{FF2CA7E9-66E2-4B24-BA80-94D611A59062}"/>
+                </a:ext>
+              </a:extLst>
+            </p:cNvPr>
+            <p:cNvSpPr txBox="1"/>
+            <p:nvPr/>
+          </p:nvSpPr>
+          <p:spPr>
+            <a:xfrm>
+              <a:off x="1710966" y="3641149"/>
+              <a:ext cx="430793" cy="405665"/>
+            </a:xfrm>
+            <a:prstGeom prst="rect">
+              <a:avLst/>
+            </a:prstGeom>
+            <a:noFill/>
+            <a:ln>
+              <a:noFill/>
+            </a:ln>
+          </p:spPr>
+          <p:txBody>
+            <a:bodyPr wrap="none" rtlCol="0">
+              <a:spAutoFit/>
+            </a:bodyPr>
+            <a:lstStyle/>
+            <a:p>
+              <a:r>
+                <a:rPr lang="en-US" dirty="0"/>
+                <a:t>x8</a:t>
+              </a:r>
+            </a:p>
+          </p:txBody>
+        </p:sp>
+        <p:sp>
+          <p:nvSpPr>
+            <p:cNvPr id="45" name="Rectangle: Rounded Corners 44">
+              <a:extLst>
+                <a:ext uri="{FF2B5EF4-FFF2-40B4-BE49-F238E27FC236}">
+                  <a16:creationId xmlns:a16="http://schemas.microsoft.com/office/drawing/2014/main" id="{F097AA2F-441D-4BAF-B47B-6102ECBB2038}"/>
+                </a:ext>
+              </a:extLst>
+            </p:cNvPr>
+            <p:cNvSpPr/>
+            <p:nvPr/>
+          </p:nvSpPr>
+          <p:spPr>
+            <a:xfrm>
+              <a:off x="6614803" y="1196718"/>
+              <a:ext cx="1466535" cy="520507"/>
+            </a:xfrm>
+            <a:prstGeom prst="roundRect">
+              <a:avLst/>
+            </a:prstGeom>
+            <a:solidFill>
+              <a:schemeClr val="bg1">
+                <a:lumMod val="95000"/>
+              </a:schemeClr>
+            </a:solidFill>
+            <a:ln>
+              <a:solidFill>
+                <a:schemeClr val="tx1">
+                  <a:lumMod val="95000"/>
+                  <a:lumOff val="5000"/>
+                </a:schemeClr>
+              </a:solidFill>
+            </a:ln>
+          </p:spPr>
+          <p:style>
+            <a:lnRef idx="2">
+              <a:schemeClr val="accent1">
+                <a:shade val="50000"/>
+              </a:schemeClr>
+            </a:lnRef>
+            <a:fillRef idx="1">
+              <a:schemeClr val="accent1"/>
+            </a:fillRef>
+            <a:effectRef idx="0">
+              <a:schemeClr val="accent1"/>
+            </a:effectRef>
+            <a:fontRef idx="minor">
+              <a:schemeClr val="lt1"/>
+            </a:fontRef>
+          </p:style>
+          <p:txBody>
+            <a:bodyPr rtlCol="0" anchor="ctr"/>
+            <a:lstStyle/>
+            <a:p>
+              <a:pPr algn="ctr"/>
+              <a:r>
+                <a:rPr lang="en-US" sz="1400" dirty="0">
+                  <a:solidFill>
+                    <a:schemeClr val="tx1"/>
+                  </a:solidFill>
+                </a:rPr>
+                <a:t>Baud Counter</a:t>
+              </a:r>
+            </a:p>
+          </p:txBody>
+        </p:sp>
+        <p:sp>
+          <p:nvSpPr>
+            <p:cNvPr id="46" name="Arrow: Right 45">
+              <a:extLst>
+                <a:ext uri="{FF2B5EF4-FFF2-40B4-BE49-F238E27FC236}">
+                  <a16:creationId xmlns:a16="http://schemas.microsoft.com/office/drawing/2014/main" id="{70F71FAA-0DF2-40AF-83FD-80CD9F375360}"/>
+                </a:ext>
+              </a:extLst>
+            </p:cNvPr>
+            <p:cNvSpPr/>
+            <p:nvPr/>
+          </p:nvSpPr>
+          <p:spPr>
+            <a:xfrm>
+              <a:off x="6054245" y="1344317"/>
+              <a:ext cx="548110" cy="247736"/>
+            </a:xfrm>
+            <a:prstGeom prst="rightArrow">
+              <a:avLst/>
+            </a:prstGeom>
+            <a:solidFill>
+              <a:schemeClr val="bg1">
+                <a:lumMod val="95000"/>
+              </a:schemeClr>
+            </a:solidFill>
+            <a:ln>
+              <a:solidFill>
+                <a:schemeClr val="tx1">
+                  <a:lumMod val="95000"/>
+                  <a:lumOff val="5000"/>
+                </a:schemeClr>
+              </a:solidFill>
+            </a:ln>
+          </p:spPr>
+          <p:style>
+            <a:lnRef idx="2">
+              <a:schemeClr val="accent1">
+                <a:shade val="50000"/>
+              </a:schemeClr>
+            </a:lnRef>
+            <a:fillRef idx="1">
+              <a:schemeClr val="accent1"/>
+            </a:fillRef>
+            <a:effectRef idx="0">
+              <a:schemeClr val="accent1"/>
+            </a:effectRef>
+            <a:fontRef idx="minor">
+              <a:schemeClr val="lt1"/>
+            </a:fontRef>
+          </p:style>
+          <p:txBody>
+            <a:bodyPr rtlCol="0" anchor="ctr"/>
+            <a:lstStyle/>
+            <a:p>
+              <a:pPr algn="ctr"/>
+              <a:endParaRPr lang="en-US">
+                <a:solidFill>
+                  <a:schemeClr val="tx1"/>
+                </a:solidFill>
+              </a:endParaRPr>
+            </a:p>
+          </p:txBody>
+        </p:sp>
+        <p:sp>
+          <p:nvSpPr>
+            <p:cNvPr id="47" name="Arrow: Right 46">
+              <a:extLst>
+                <a:ext uri="{FF2B5EF4-FFF2-40B4-BE49-F238E27FC236}">
+                  <a16:creationId xmlns:a16="http://schemas.microsoft.com/office/drawing/2014/main" id="{D7E71E3A-86BF-4D04-BD02-6C8AA0CDB0E6}"/>
+                </a:ext>
+              </a:extLst>
+            </p:cNvPr>
+            <p:cNvSpPr/>
+            <p:nvPr/>
+          </p:nvSpPr>
+          <p:spPr>
+            <a:xfrm rot="5400000">
+              <a:off x="7202605" y="2406140"/>
+              <a:ext cx="488594" cy="256007"/>
+            </a:xfrm>
+            <a:prstGeom prst="rightArrow">
+              <a:avLst/>
+            </a:prstGeom>
+            <a:solidFill>
+              <a:schemeClr val="bg1">
+                <a:lumMod val="95000"/>
+              </a:schemeClr>
+            </a:solidFill>
+            <a:ln>
+              <a:solidFill>
+                <a:schemeClr val="tx1">
+                  <a:lumMod val="95000"/>
+                  <a:lumOff val="5000"/>
+                </a:schemeClr>
+              </a:solidFill>
+            </a:ln>
+          </p:spPr>
+          <p:style>
+            <a:lnRef idx="2">
+              <a:schemeClr val="accent1">
+                <a:shade val="50000"/>
+              </a:schemeClr>
+            </a:lnRef>
+            <a:fillRef idx="1">
+              <a:schemeClr val="accent1"/>
+            </a:fillRef>
+            <a:effectRef idx="0">
+              <a:schemeClr val="accent1"/>
+            </a:effectRef>
+            <a:fontRef idx="minor">
+              <a:schemeClr val="lt1"/>
+            </a:fontRef>
+          </p:style>
+          <p:txBody>
+            <a:bodyPr rtlCol="0" anchor="ctr"/>
+            <a:lstStyle/>
+            <a:p>
+              <a:pPr algn="ctr"/>
+              <a:endParaRPr lang="en-US">
+                <a:solidFill>
+                  <a:schemeClr val="tx1"/>
+                </a:solidFill>
+              </a:endParaRPr>
+            </a:p>
+          </p:txBody>
+        </p:sp>
+        <p:sp>
+          <p:nvSpPr>
+            <p:cNvPr id="8" name="Arrow: Bent 7">
+              <a:extLst>
+                <a:ext uri="{FF2B5EF4-FFF2-40B4-BE49-F238E27FC236}">
+                  <a16:creationId xmlns:a16="http://schemas.microsoft.com/office/drawing/2014/main" id="{09B60BF2-1175-4B65-B1C5-F661A6F43C58}"/>
+                </a:ext>
+              </a:extLst>
+            </p:cNvPr>
+            <p:cNvSpPr/>
+            <p:nvPr/>
+          </p:nvSpPr>
+          <p:spPr>
+            <a:xfrm rot="5400000">
+              <a:off x="7888124" y="1658082"/>
+              <a:ext cx="1178473" cy="740391"/>
+            </a:xfrm>
+            <a:prstGeom prst="bentArrow">
+              <a:avLst>
+                <a:gd name="adj1" fmla="val 20466"/>
+                <a:gd name="adj2" fmla="val 25000"/>
+                <a:gd name="adj3" fmla="val 25000"/>
+                <a:gd name="adj4" fmla="val 20946"/>
+              </a:avLst>
+            </a:prstGeom>
+            <a:solidFill>
+              <a:schemeClr val="bg1">
+                <a:lumMod val="95000"/>
+              </a:schemeClr>
+            </a:solidFill>
+            <a:ln>
               <a:solidFill>
                 <a:schemeClr val="tx1"/>
               </a:solidFill>
-            </a:endParaRPr>
-          </a:p>
-        </p:txBody>
-      </p:sp>
+            </a:ln>
+          </p:spPr>
+          <p:style>
+            <a:lnRef idx="2">
+              <a:schemeClr val="accent1">
+                <a:shade val="50000"/>
+              </a:schemeClr>
+            </a:lnRef>
+            <a:fillRef idx="1">
+              <a:schemeClr val="accent1"/>
+            </a:fillRef>
+            <a:effectRef idx="0">
+              <a:schemeClr val="accent1"/>
+            </a:effectRef>
+            <a:fontRef idx="minor">
+              <a:schemeClr val="lt1"/>
+            </a:fontRef>
+          </p:style>
+          <p:txBody>
+            <a:bodyPr rtlCol="0" anchor="ctr"/>
+            <a:lstStyle/>
+            <a:p>
+              <a:pPr algn="ctr"/>
+              <a:endParaRPr lang="en-US">
+                <a:solidFill>
+                  <a:schemeClr val="tx1"/>
+                </a:solidFill>
+              </a:endParaRPr>
+            </a:p>
+          </p:txBody>
+        </p:sp>
+      </p:grpSp>
+    </p:spTree>
+    <p:extLst>
+      <p:ext uri="{BB962C8B-B14F-4D97-AF65-F5344CB8AC3E}">
+        <p14:creationId xmlns:p14="http://schemas.microsoft.com/office/powerpoint/2010/main" val="1182699747"/>
+      </p:ext>
+    </p:extLst>
+  </p:cSld>
+  <p:clrMapOvr>
+    <a:masterClrMapping/>
+  </p:clrMapOvr>
+</p:sld>
+</file>
+
+<file path=ppt/slides/slide5.xml><?xml version="1.0" encoding="utf-8"?>
+<p:sld xmlns:a="http://schemas.openxmlformats.org/drawingml/2006/main" xmlns:r="http://schemas.openxmlformats.org/officeDocument/2006/relationships" xmlns:p="http://schemas.openxmlformats.org/presentationml/2006/main">
+  <p:cSld>
+    <p:spTree>
+      <p:nvGrpSpPr>
+        <p:cNvPr id="1" name=""/>
+        <p:cNvGrpSpPr/>
+        <p:nvPr/>
+      </p:nvGrpSpPr>
+      <p:grpSpPr>
+        <a:xfrm>
+          <a:off x="0" y="0"/>
+          <a:ext cx="0" cy="0"/>
+          <a:chOff x="0" y="0"/>
+          <a:chExt cx="0" cy="0"/>
+        </a:xfrm>
+      </p:grpSpPr>
       <p:sp>
         <p:nvSpPr>
-          <p:cNvPr id="44" name="Arrow: Right 43">
+          <p:cNvPr id="13" name="TextBox 12">
             <a:extLst>
               <a:ext uri="{FF2B5EF4-FFF2-40B4-BE49-F238E27FC236}">
-                <a16:creationId xmlns:a16="http://schemas.microsoft.com/office/drawing/2014/main" id="{6B78F4C5-ACE7-4947-950E-710492A32AC8}"/>
-              </a:ext>
-            </a:extLst>
-          </p:cNvPr>
-          <p:cNvSpPr/>
-          <p:nvPr/>
-        </p:nvSpPr>
-        <p:spPr>
-          <a:xfrm>
-            <a:off x="1224308" y="3131362"/>
-            <a:ext cx="457105" cy="251011"/>
-          </a:xfrm>
-          <a:prstGeom prst="rightArrow">
-            <a:avLst/>
-          </a:prstGeom>
-          <a:solidFill>
-            <a:schemeClr val="tx2">
-              <a:lumMod val="20000"/>
-              <a:lumOff val="80000"/>
-            </a:schemeClr>
-          </a:solidFill>
-          <a:ln>
-            <a:solidFill>
-              <a:schemeClr val="tx1">
-                <a:lumMod val="95000"/>
-                <a:lumOff val="5000"/>
-              </a:schemeClr>
-            </a:solidFill>
-          </a:ln>
-        </p:spPr>
-        <p:style>
-          <a:lnRef idx="2">
-            <a:schemeClr val="accent1">
-              <a:shade val="50000"/>
-            </a:schemeClr>
-          </a:lnRef>
-          <a:fillRef idx="1">
-            <a:schemeClr val="accent1"/>
-          </a:fillRef>
-          <a:effectRef idx="0">
-            <a:schemeClr val="accent1"/>
-          </a:effectRef>
-          <a:fontRef idx="minor">
-            <a:schemeClr val="lt1"/>
-          </a:fontRef>
-        </p:style>
-        <p:txBody>
-          <a:bodyPr rtlCol="0" anchor="ctr"/>
-          <a:lstStyle/>
-          <a:p>
-            <a:pPr algn="ctr"/>
-            <a:endParaRPr lang="en-US">
-              <a:solidFill>
-                <a:schemeClr val="tx1"/>
-              </a:solidFill>
-            </a:endParaRPr>
-          </a:p>
-        </p:txBody>
-      </p:sp>
-      <p:sp>
-        <p:nvSpPr>
-          <p:cNvPr id="52" name="Flowchart: Manual Operation 51">
-            <a:extLst>
-              <a:ext uri="{FF2B5EF4-FFF2-40B4-BE49-F238E27FC236}">
-                <a16:creationId xmlns:a16="http://schemas.microsoft.com/office/drawing/2014/main" id="{965B9FEB-59FC-49BE-B1F0-EDF370845507}"/>
-              </a:ext>
-            </a:extLst>
-          </p:cNvPr>
-          <p:cNvSpPr/>
-          <p:nvPr/>
-        </p:nvSpPr>
-        <p:spPr>
-          <a:xfrm rot="16200000">
-            <a:off x="2999544" y="2960418"/>
-            <a:ext cx="911557" cy="519400"/>
-          </a:xfrm>
-          <a:prstGeom prst="flowChartManualOperation">
-            <a:avLst/>
-          </a:prstGeom>
-          <a:solidFill>
-            <a:schemeClr val="tx2">
-              <a:lumMod val="20000"/>
-              <a:lumOff val="80000"/>
-            </a:schemeClr>
-          </a:solidFill>
-          <a:ln>
-            <a:solidFill>
-              <a:schemeClr val="tx1">
-                <a:lumMod val="95000"/>
-                <a:lumOff val="5000"/>
-              </a:schemeClr>
-            </a:solidFill>
-          </a:ln>
-        </p:spPr>
-        <p:style>
-          <a:lnRef idx="2">
-            <a:schemeClr val="accent1">
-              <a:shade val="50000"/>
-            </a:schemeClr>
-          </a:lnRef>
-          <a:fillRef idx="1">
-            <a:schemeClr val="accent1"/>
-          </a:fillRef>
-          <a:effectRef idx="0">
-            <a:schemeClr val="accent1"/>
-          </a:effectRef>
-          <a:fontRef idx="minor">
-            <a:schemeClr val="lt1"/>
-          </a:fontRef>
-        </p:style>
-        <p:txBody>
-          <a:bodyPr vert="vert" rtlCol="0" anchor="ctr"/>
-          <a:lstStyle/>
-          <a:p>
-            <a:pPr algn="ctr"/>
-            <a:r>
-              <a:rPr lang="en-US" dirty="0">
-                <a:solidFill>
-                  <a:schemeClr val="tx1"/>
-                </a:solidFill>
-              </a:rPr>
-              <a:t>A-H</a:t>
-            </a:r>
-          </a:p>
-        </p:txBody>
-      </p:sp>
-      <p:sp>
-        <p:nvSpPr>
-          <p:cNvPr id="53" name="Rectangle: Rounded Corners 52">
-            <a:extLst>
-              <a:ext uri="{FF2B5EF4-FFF2-40B4-BE49-F238E27FC236}">
-                <a16:creationId xmlns:a16="http://schemas.microsoft.com/office/drawing/2014/main" id="{418788E4-1CF2-4FFE-AEF8-4021F682379F}"/>
-              </a:ext>
-            </a:extLst>
-          </p:cNvPr>
-          <p:cNvSpPr/>
-          <p:nvPr/>
-        </p:nvSpPr>
-        <p:spPr>
-          <a:xfrm>
-            <a:off x="5820219" y="1620922"/>
-            <a:ext cx="923461" cy="702108"/>
-          </a:xfrm>
-          <a:prstGeom prst="roundRect">
-            <a:avLst/>
-          </a:prstGeom>
-          <a:solidFill>
-            <a:schemeClr val="tx2">
-              <a:lumMod val="20000"/>
-              <a:lumOff val="80000"/>
-            </a:schemeClr>
-          </a:solidFill>
-          <a:ln>
-            <a:solidFill>
-              <a:schemeClr val="tx1">
-                <a:lumMod val="95000"/>
-                <a:lumOff val="5000"/>
-              </a:schemeClr>
-            </a:solidFill>
-          </a:ln>
-        </p:spPr>
-        <p:style>
-          <a:lnRef idx="2">
-            <a:schemeClr val="accent1">
-              <a:shade val="50000"/>
-            </a:schemeClr>
-          </a:lnRef>
-          <a:fillRef idx="1">
-            <a:schemeClr val="accent1"/>
-          </a:fillRef>
-          <a:effectRef idx="0">
-            <a:schemeClr val="accent1"/>
-          </a:effectRef>
-          <a:fontRef idx="minor">
-            <a:schemeClr val="lt1"/>
-          </a:fontRef>
-        </p:style>
-        <p:txBody>
-          <a:bodyPr rtlCol="0" anchor="ctr"/>
-          <a:lstStyle/>
-          <a:p>
-            <a:pPr algn="ctr"/>
-            <a:r>
-              <a:rPr lang="en-US" sz="1400" dirty="0">
-                <a:solidFill>
-                  <a:schemeClr val="tx1"/>
-                </a:solidFill>
-              </a:rPr>
-              <a:t>Data trigger counter</a:t>
-            </a:r>
-          </a:p>
-        </p:txBody>
-      </p:sp>
-      <p:sp>
-        <p:nvSpPr>
-          <p:cNvPr id="54" name="Arrow: Right 53">
-            <a:extLst>
-              <a:ext uri="{FF2B5EF4-FFF2-40B4-BE49-F238E27FC236}">
-                <a16:creationId xmlns:a16="http://schemas.microsoft.com/office/drawing/2014/main" id="{729CB8F5-4BB5-4CF5-8843-1652FFFDADA7}"/>
-              </a:ext>
-            </a:extLst>
-          </p:cNvPr>
-          <p:cNvSpPr/>
-          <p:nvPr/>
-        </p:nvSpPr>
-        <p:spPr>
-          <a:xfrm>
-            <a:off x="2543107" y="3131362"/>
-            <a:ext cx="589765" cy="214261"/>
-          </a:xfrm>
-          <a:prstGeom prst="rightArrow">
-            <a:avLst/>
-          </a:prstGeom>
-          <a:solidFill>
-            <a:schemeClr val="tx2">
-              <a:lumMod val="20000"/>
-              <a:lumOff val="80000"/>
-            </a:schemeClr>
-          </a:solidFill>
-          <a:ln>
-            <a:solidFill>
-              <a:schemeClr val="tx1">
-                <a:lumMod val="95000"/>
-                <a:lumOff val="5000"/>
-              </a:schemeClr>
-            </a:solidFill>
-          </a:ln>
-        </p:spPr>
-        <p:style>
-          <a:lnRef idx="2">
-            <a:schemeClr val="accent1">
-              <a:shade val="50000"/>
-            </a:schemeClr>
-          </a:lnRef>
-          <a:fillRef idx="1">
-            <a:schemeClr val="accent1"/>
-          </a:fillRef>
-          <a:effectRef idx="0">
-            <a:schemeClr val="accent1"/>
-          </a:effectRef>
-          <a:fontRef idx="minor">
-            <a:schemeClr val="lt1"/>
-          </a:fontRef>
-        </p:style>
-        <p:txBody>
-          <a:bodyPr rtlCol="0" anchor="ctr"/>
-          <a:lstStyle/>
-          <a:p>
-            <a:pPr algn="ctr"/>
-            <a:endParaRPr lang="en-US">
-              <a:solidFill>
-                <a:schemeClr val="tx1"/>
-              </a:solidFill>
-            </a:endParaRPr>
-          </a:p>
-        </p:txBody>
-      </p:sp>
-      <p:sp>
-        <p:nvSpPr>
-          <p:cNvPr id="61" name="Rectangle: Rounded Corners 60">
-            <a:extLst>
-              <a:ext uri="{FF2B5EF4-FFF2-40B4-BE49-F238E27FC236}">
-                <a16:creationId xmlns:a16="http://schemas.microsoft.com/office/drawing/2014/main" id="{7A019E4B-B4ED-49CB-9A65-D1CEEDA9D6C8}"/>
-              </a:ext>
-            </a:extLst>
-          </p:cNvPr>
-          <p:cNvSpPr/>
-          <p:nvPr/>
-        </p:nvSpPr>
-        <p:spPr>
-          <a:xfrm>
-            <a:off x="4238260" y="2838803"/>
-            <a:ext cx="1112905" cy="724646"/>
-          </a:xfrm>
-          <a:prstGeom prst="roundRect">
-            <a:avLst/>
-          </a:prstGeom>
-          <a:solidFill>
-            <a:schemeClr val="tx2">
-              <a:lumMod val="20000"/>
-              <a:lumOff val="80000"/>
-            </a:schemeClr>
-          </a:solidFill>
-          <a:ln>
-            <a:solidFill>
-              <a:schemeClr val="tx1">
-                <a:lumMod val="95000"/>
-                <a:lumOff val="5000"/>
-              </a:schemeClr>
-            </a:solidFill>
-          </a:ln>
-        </p:spPr>
-        <p:style>
-          <a:lnRef idx="2">
-            <a:schemeClr val="accent1">
-              <a:shade val="50000"/>
-            </a:schemeClr>
-          </a:lnRef>
-          <a:fillRef idx="1">
-            <a:schemeClr val="accent1"/>
-          </a:fillRef>
-          <a:effectRef idx="0">
-            <a:schemeClr val="accent1"/>
-          </a:effectRef>
-          <a:fontRef idx="minor">
-            <a:schemeClr val="lt1"/>
-          </a:fontRef>
-        </p:style>
-        <p:txBody>
-          <a:bodyPr rtlCol="0" anchor="ctr"/>
-          <a:lstStyle/>
-          <a:p>
-            <a:pPr algn="ctr"/>
-            <a:r>
-              <a:rPr lang="en-US" sz="1600" dirty="0">
-                <a:solidFill>
-                  <a:schemeClr val="tx1"/>
-                </a:solidFill>
-              </a:rPr>
-              <a:t>32-b Counters</a:t>
-            </a:r>
-          </a:p>
-        </p:txBody>
-      </p:sp>
-      <p:sp>
-        <p:nvSpPr>
-          <p:cNvPr id="58" name="TextBox 57">
-            <a:extLst>
-              <a:ext uri="{FF2B5EF4-FFF2-40B4-BE49-F238E27FC236}">
-                <a16:creationId xmlns:a16="http://schemas.microsoft.com/office/drawing/2014/main" id="{DDBF8E48-75C4-4455-AB7B-DF051C4883EA}"/>
+                <a16:creationId xmlns:a16="http://schemas.microsoft.com/office/drawing/2014/main" id="{A7D5D250-19D5-4108-9F8B-F28F82AD97F9}"/>
               </a:ext>
             </a:extLst>
           </p:cNvPr>
@@ -25197,1009 +26287,4450 @@
         </p:nvSpPr>
         <p:spPr>
           <a:xfrm>
-            <a:off x="5192974" y="3634592"/>
-            <a:ext cx="401071" cy="369332"/>
+            <a:off x="5699305" y="6033180"/>
+            <a:ext cx="1120579" cy="503372"/>
           </a:xfrm>
           <a:prstGeom prst="rect">
             <a:avLst/>
           </a:prstGeom>
-          <a:solidFill>
-            <a:schemeClr val="bg1"/>
-          </a:solidFill>
-          <a:ln>
-            <a:noFill/>
-          </a:ln>
+          <a:noFill/>
         </p:spPr>
         <p:txBody>
-          <a:bodyPr wrap="none" rtlCol="0">
+          <a:bodyPr wrap="square" rtlCol="0">
             <a:spAutoFit/>
           </a:bodyPr>
           <a:lstStyle/>
           <a:p>
             <a:r>
-              <a:rPr lang="en-US" dirty="0"/>
-              <a:t>x8</a:t>
+              <a:rPr lang="en-US" sz="2600" dirty="0"/>
+              <a:t>… … …</a:t>
             </a:r>
           </a:p>
         </p:txBody>
       </p:sp>
-      <p:sp>
-        <p:nvSpPr>
-          <p:cNvPr id="63" name="Arrow: Right 62">
+      <mc:AlternateContent xmlns:mc="http://schemas.openxmlformats.org/markup-compatibility/2006">
+        <mc:Choice xmlns:a14="http://schemas.microsoft.com/office/drawing/2010/main" Requires="a14">
+          <p:sp>
+            <p:nvSpPr>
+              <p:cNvPr id="35" name="TextBox 34">
+                <a:extLst>
+                  <a:ext uri="{FF2B5EF4-FFF2-40B4-BE49-F238E27FC236}">
+                    <a16:creationId xmlns:a16="http://schemas.microsoft.com/office/drawing/2014/main" id="{24D07B4D-D4EA-4401-B205-256DE80D1689}"/>
+                  </a:ext>
+                </a:extLst>
+              </p:cNvPr>
+              <p:cNvSpPr txBox="1"/>
+              <p:nvPr/>
+            </p:nvSpPr>
+            <p:spPr>
+              <a:xfrm>
+                <a:off x="7689447" y="5889146"/>
+                <a:ext cx="3594860" cy="492440"/>
+              </a:xfrm>
+              <a:prstGeom prst="rect">
+                <a:avLst/>
+              </a:prstGeom>
+              <a:noFill/>
+            </p:spPr>
+            <p:txBody>
+              <a:bodyPr wrap="square" rtlCol="0">
+                <a:spAutoFit/>
+              </a:bodyPr>
+              <a:lstStyle/>
+              <a:p>
+                <a14:m>
+                  <m:oMath xmlns:m="http://schemas.openxmlformats.org/officeDocument/2006/math">
+                    <m:r>
+                      <a:rPr lang="en-US" sz="2600" b="0" i="1" smtClean="0">
+                        <a:latin typeface="Cambria Math" panose="02040503050406030204" pitchFamily="18" charset="0"/>
+                      </a:rPr>
+                      <m:t>0</m:t>
+                    </m:r>
+                    <m:sSub>
+                      <m:sSubPr>
+                        <m:ctrlPr>
+                          <a:rPr lang="en-US" sz="2600" i="1" smtClean="0">
+                            <a:latin typeface="Cambria Math" panose="02040503050406030204" pitchFamily="18" charset="0"/>
+                          </a:rPr>
+                        </m:ctrlPr>
+                      </m:sSubPr>
+                      <m:e>
+                        <m:r>
+                          <a:rPr lang="en-US" sz="2600" b="0" i="1" smtClean="0">
+                            <a:latin typeface="Cambria Math" panose="02040503050406030204" pitchFamily="18" charset="0"/>
+                          </a:rPr>
+                          <m:t> </m:t>
+                        </m:r>
+                        <m:r>
+                          <a:rPr lang="en-US" sz="2600" b="0" i="1" smtClean="0">
+                            <a:latin typeface="Cambria Math" panose="02040503050406030204" pitchFamily="18" charset="0"/>
+                          </a:rPr>
+                          <m:t>𝐻</m:t>
+                        </m:r>
+                      </m:e>
+                      <m:sub>
+                        <m:r>
+                          <a:rPr lang="en-US" sz="2600" b="0" i="1" smtClean="0">
+                            <a:latin typeface="Cambria Math" panose="02040503050406030204" pitchFamily="18" charset="0"/>
+                          </a:rPr>
+                          <m:t>0</m:t>
+                        </m:r>
+                      </m:sub>
+                    </m:sSub>
+                    <m:r>
+                      <a:rPr lang="en-US" sz="2600" b="0" i="1" smtClean="0">
+                        <a:latin typeface="Cambria Math" panose="02040503050406030204" pitchFamily="18" charset="0"/>
+                      </a:rPr>
+                      <m:t> </m:t>
+                    </m:r>
+                    <m:sSub>
+                      <m:sSubPr>
+                        <m:ctrlPr>
+                          <a:rPr lang="en-US" sz="2600" i="1" smtClean="0">
+                            <a:latin typeface="Cambria Math" panose="02040503050406030204" pitchFamily="18" charset="0"/>
+                          </a:rPr>
+                        </m:ctrlPr>
+                      </m:sSubPr>
+                      <m:e>
+                        <m:r>
+                          <a:rPr lang="en-US" sz="2600" b="0" i="1" smtClean="0">
+                            <a:latin typeface="Cambria Math" panose="02040503050406030204" pitchFamily="18" charset="0"/>
+                          </a:rPr>
+                          <m:t>𝐻</m:t>
+                        </m:r>
+                      </m:e>
+                      <m:sub>
+                        <m:r>
+                          <a:rPr lang="en-US" sz="2600" b="0" i="1" smtClean="0">
+                            <a:latin typeface="Cambria Math" panose="02040503050406030204" pitchFamily="18" charset="0"/>
+                          </a:rPr>
+                          <m:t>1</m:t>
+                        </m:r>
+                      </m:sub>
+                    </m:sSub>
+                    <m:sSub>
+                      <m:sSubPr>
+                        <m:ctrlPr>
+                          <a:rPr lang="en-US" sz="2600" i="1">
+                            <a:latin typeface="Cambria Math" panose="02040503050406030204" pitchFamily="18" charset="0"/>
+                          </a:rPr>
+                        </m:ctrlPr>
+                      </m:sSubPr>
+                      <m:e>
+                        <m:r>
+                          <a:rPr lang="en-US" sz="2600" b="0" i="1" smtClean="0">
+                            <a:latin typeface="Cambria Math" panose="02040503050406030204" pitchFamily="18" charset="0"/>
+                          </a:rPr>
+                          <m:t>𝐻</m:t>
+                        </m:r>
+                      </m:e>
+                      <m:sub>
+                        <m:r>
+                          <a:rPr lang="en-US" sz="2600" b="0" i="1" smtClean="0">
+                            <a:latin typeface="Cambria Math" panose="02040503050406030204" pitchFamily="18" charset="0"/>
+                          </a:rPr>
+                          <m:t>2</m:t>
+                        </m:r>
+                      </m:sub>
+                    </m:sSub>
+                    <m:sSub>
+                      <m:sSubPr>
+                        <m:ctrlPr>
+                          <a:rPr lang="en-US" sz="2600" i="1">
+                            <a:latin typeface="Cambria Math" panose="02040503050406030204" pitchFamily="18" charset="0"/>
+                          </a:rPr>
+                        </m:ctrlPr>
+                      </m:sSubPr>
+                      <m:e>
+                        <m:r>
+                          <a:rPr lang="en-US" sz="2600" b="0" i="1" smtClean="0">
+                            <a:latin typeface="Cambria Math" panose="02040503050406030204" pitchFamily="18" charset="0"/>
+                          </a:rPr>
+                          <m:t>𝐻</m:t>
+                        </m:r>
+                      </m:e>
+                      <m:sub>
+                        <m:r>
+                          <a:rPr lang="en-US" sz="2600" b="0" i="1" smtClean="0">
+                            <a:latin typeface="Cambria Math" panose="02040503050406030204" pitchFamily="18" charset="0"/>
+                          </a:rPr>
+                          <m:t>3</m:t>
+                        </m:r>
+                      </m:sub>
+                    </m:sSub>
+                  </m:oMath>
+                </a14:m>
+                <a:r>
+                  <a:rPr lang="en-US" sz="2600" dirty="0"/>
+                  <a:t>…</a:t>
+                </a:r>
+                <a14:m>
+                  <m:oMath xmlns:m="http://schemas.openxmlformats.org/officeDocument/2006/math">
+                    <m:sSub>
+                      <m:sSubPr>
+                        <m:ctrlPr>
+                          <a:rPr lang="en-US" sz="2600" i="1">
+                            <a:latin typeface="Cambria Math" panose="02040503050406030204" pitchFamily="18" charset="0"/>
+                          </a:rPr>
+                        </m:ctrlPr>
+                      </m:sSubPr>
+                      <m:e>
+                        <m:r>
+                          <a:rPr lang="en-US" sz="2600" b="0" i="1" smtClean="0">
+                            <a:latin typeface="Cambria Math" panose="02040503050406030204" pitchFamily="18" charset="0"/>
+                          </a:rPr>
+                          <m:t>𝐻</m:t>
+                        </m:r>
+                      </m:e>
+                      <m:sub>
+                        <m:r>
+                          <a:rPr lang="en-US" sz="2600" b="0" i="1" smtClean="0">
+                            <a:latin typeface="Cambria Math" panose="02040503050406030204" pitchFamily="18" charset="0"/>
+                          </a:rPr>
+                          <m:t>31</m:t>
+                        </m:r>
+                      </m:sub>
+                    </m:sSub>
+                    <m:r>
+                      <a:rPr lang="en-US" sz="2600" b="0" i="1" smtClean="0">
+                        <a:latin typeface="Cambria Math" panose="02040503050406030204" pitchFamily="18" charset="0"/>
+                      </a:rPr>
+                      <m:t> 0 1 0</m:t>
+                    </m:r>
+                  </m:oMath>
+                </a14:m>
+                <a:endParaRPr lang="en-US" sz="2600" dirty="0"/>
+              </a:p>
+            </p:txBody>
+          </p:sp>
+        </mc:Choice>
+        <mc:Fallback>
+          <p:sp>
+            <p:nvSpPr>
+              <p:cNvPr id="35" name="TextBox 34">
+                <a:extLst>
+                  <a:ext uri="{FF2B5EF4-FFF2-40B4-BE49-F238E27FC236}">
+                    <a16:creationId xmlns:a16="http://schemas.microsoft.com/office/drawing/2014/main" id="{24D07B4D-D4EA-4401-B205-256DE80D1689}"/>
+                  </a:ext>
+                </a:extLst>
+              </p:cNvPr>
+              <p:cNvSpPr txBox="1">
+                <a:spLocks noRot="1" noChangeAspect="1" noMove="1" noResize="1" noEditPoints="1" noAdjustHandles="1" noChangeArrowheads="1" noChangeShapeType="1" noTextEdit="1"/>
+              </p:cNvSpPr>
+              <p:nvPr/>
+            </p:nvSpPr>
+            <p:spPr>
+              <a:xfrm>
+                <a:off x="7689447" y="5889146"/>
+                <a:ext cx="3594860" cy="492440"/>
+              </a:xfrm>
+              <a:prstGeom prst="rect">
+                <a:avLst/>
+              </a:prstGeom>
+              <a:blipFill>
+                <a:blip r:embed="rId2"/>
+                <a:stretch>
+                  <a:fillRect t="-9877" b="-32099"/>
+                </a:stretch>
+              </a:blipFill>
+            </p:spPr>
+            <p:txBody>
+              <a:bodyPr/>
+              <a:lstStyle/>
+              <a:p>
+                <a:r>
+                  <a:rPr lang="en-US">
+                    <a:noFill/>
+                  </a:rPr>
+                  <a:t> </a:t>
+                </a:r>
+              </a:p>
+            </p:txBody>
+          </p:sp>
+        </mc:Fallback>
+      </mc:AlternateContent>
+      <p:grpSp>
+        <p:nvGrpSpPr>
+          <p:cNvPr id="74" name="Group 73">
             <a:extLst>
               <a:ext uri="{FF2B5EF4-FFF2-40B4-BE49-F238E27FC236}">
-                <a16:creationId xmlns:a16="http://schemas.microsoft.com/office/drawing/2014/main" id="{558E8D25-CAB2-4526-B6A0-8EBB1579A17F}"/>
+                <a16:creationId xmlns:a16="http://schemas.microsoft.com/office/drawing/2014/main" id="{C4B3C11C-EEB3-4226-937B-6FC6D6F6A839}"/>
               </a:ext>
             </a:extLst>
           </p:cNvPr>
-          <p:cNvSpPr/>
+          <p:cNvGrpSpPr/>
           <p:nvPr/>
-        </p:nvSpPr>
-        <p:spPr>
+        </p:nvGrpSpPr>
+        <p:grpSpPr>
           <a:xfrm>
-            <a:off x="3733863" y="3103577"/>
-            <a:ext cx="491058" cy="233079"/>
+            <a:off x="-161609" y="1640542"/>
+            <a:ext cx="12401091" cy="2187415"/>
+            <a:chOff x="-161609" y="1640542"/>
+            <a:chExt cx="12401091" cy="2187415"/>
           </a:xfrm>
-          <a:prstGeom prst="rightArrow">
-            <a:avLst/>
-          </a:prstGeom>
-          <a:solidFill>
-            <a:schemeClr val="tx2">
-              <a:lumMod val="20000"/>
-              <a:lumOff val="80000"/>
-            </a:schemeClr>
-          </a:solidFill>
-          <a:ln>
+        </p:grpSpPr>
+        <p:sp>
+          <p:nvSpPr>
+            <p:cNvPr id="2" name="Rectangle 1">
+              <a:extLst>
+                <a:ext uri="{FF2B5EF4-FFF2-40B4-BE49-F238E27FC236}">
+                  <a16:creationId xmlns:a16="http://schemas.microsoft.com/office/drawing/2014/main" id="{782C9759-D68B-4EC8-9F5D-D465D5B2FE8B}"/>
+                </a:ext>
+              </a:extLst>
+            </p:cNvPr>
+            <p:cNvSpPr/>
+            <p:nvPr/>
+          </p:nvSpPr>
+          <p:spPr>
+            <a:xfrm>
+              <a:off x="0" y="1640542"/>
+              <a:ext cx="12192000" cy="1434351"/>
+            </a:xfrm>
+            <a:prstGeom prst="rect">
+              <a:avLst/>
+            </a:prstGeom>
+            <a:noFill/>
+          </p:spPr>
+          <p:style>
+            <a:lnRef idx="2">
+              <a:schemeClr val="accent1">
+                <a:shade val="50000"/>
+              </a:schemeClr>
+            </a:lnRef>
+            <a:fillRef idx="1">
+              <a:schemeClr val="accent1"/>
+            </a:fillRef>
+            <a:effectRef idx="0">
+              <a:schemeClr val="accent1"/>
+            </a:effectRef>
+            <a:fontRef idx="minor">
+              <a:schemeClr val="lt1"/>
+            </a:fontRef>
+          </p:style>
+          <p:txBody>
+            <a:bodyPr rtlCol="0" anchor="ctr"/>
+            <a:lstStyle/>
+            <a:p>
+              <a:pPr algn="ctr"/>
+              <a:endParaRPr lang="en-US"/>
+            </a:p>
+          </p:txBody>
+        </p:sp>
+        <p:cxnSp>
+          <p:nvCxnSpPr>
+            <p:cNvPr id="5" name="Straight Connector 4">
+              <a:extLst>
+                <a:ext uri="{FF2B5EF4-FFF2-40B4-BE49-F238E27FC236}">
+                  <a16:creationId xmlns:a16="http://schemas.microsoft.com/office/drawing/2014/main" id="{3F5B3867-46D2-40BB-AECA-F351060B5B6E}"/>
+                </a:ext>
+              </a:extLst>
+            </p:cNvPr>
+            <p:cNvCxnSpPr>
+              <a:stCxn id="2" idx="1"/>
+              <a:endCxn id="2" idx="3"/>
+            </p:cNvCxnSpPr>
+            <p:nvPr/>
+          </p:nvCxnSpPr>
+          <p:spPr>
+            <a:xfrm>
+              <a:off x="0" y="2357718"/>
+              <a:ext cx="12192000" cy="0"/>
+            </a:xfrm>
+            <a:prstGeom prst="line">
+              <a:avLst/>
+            </a:prstGeom>
+          </p:spPr>
+          <p:style>
+            <a:lnRef idx="1">
+              <a:schemeClr val="accent1"/>
+            </a:lnRef>
+            <a:fillRef idx="0">
+              <a:schemeClr val="accent1"/>
+            </a:fillRef>
+            <a:effectRef idx="0">
+              <a:schemeClr val="accent1"/>
+            </a:effectRef>
+            <a:fontRef idx="minor">
+              <a:schemeClr val="tx1"/>
+            </a:fontRef>
+          </p:style>
+        </p:cxnSp>
+        <mc:AlternateContent xmlns:mc="http://schemas.openxmlformats.org/markup-compatibility/2006">
+          <mc:Choice xmlns:a14="http://schemas.microsoft.com/office/drawing/2010/main" Requires="a14">
+            <p:sp>
+              <p:nvSpPr>
+                <p:cNvPr id="7" name="TextBox 6">
+                  <a:extLst>
+                    <a:ext uri="{FF2B5EF4-FFF2-40B4-BE49-F238E27FC236}">
+                      <a16:creationId xmlns:a16="http://schemas.microsoft.com/office/drawing/2014/main" id="{2D041559-9609-4CC1-9F10-9A6421B29BED}"/>
+                    </a:ext>
+                  </a:extLst>
+                </p:cNvPr>
+                <p:cNvSpPr txBox="1"/>
+                <p:nvPr/>
+              </p:nvSpPr>
+              <p:spPr>
+                <a:xfrm>
+                  <a:off x="-20067" y="2565963"/>
+                  <a:ext cx="2155316" cy="400110"/>
+                </a:xfrm>
+                <a:prstGeom prst="rect">
+                  <a:avLst/>
+                </a:prstGeom>
+                <a:noFill/>
+              </p:spPr>
+              <p:txBody>
+                <a:bodyPr wrap="square" rtlCol="0">
+                  <a:spAutoFit/>
+                </a:bodyPr>
+                <a:lstStyle/>
+                <a:p>
+                  <a:r>
+                    <a:rPr lang="en-US" sz="2000" b="0" dirty="0"/>
+                    <a:t>1</a:t>
+                  </a:r>
+                  <a14:m>
+                    <m:oMath xmlns:m="http://schemas.openxmlformats.org/officeDocument/2006/math">
+                      <m:r>
+                        <a:rPr lang="en-US" sz="2000" b="0" i="1" smtClean="0">
+                          <a:latin typeface="Cambria Math" panose="02040503050406030204" pitchFamily="18" charset="0"/>
+                        </a:rPr>
+                        <m:t>0</m:t>
+                      </m:r>
+                      <m:sSub>
+                        <m:sSubPr>
+                          <m:ctrlPr>
+                            <a:rPr lang="en-US" sz="2000" i="1" smtClean="0">
+                              <a:latin typeface="Cambria Math" panose="02040503050406030204" pitchFamily="18" charset="0"/>
+                            </a:rPr>
+                          </m:ctrlPr>
+                        </m:sSubPr>
+                        <m:e>
+                          <m:r>
+                            <a:rPr lang="en-US" sz="2000" b="0" i="1" smtClean="0">
+                              <a:latin typeface="Cambria Math" panose="02040503050406030204" pitchFamily="18" charset="0"/>
+                            </a:rPr>
+                            <m:t>𝐴</m:t>
+                          </m:r>
+                        </m:e>
+                        <m:sub>
+                          <m:r>
+                            <a:rPr lang="en-US" sz="2000" b="0" i="1" smtClean="0">
+                              <a:latin typeface="Cambria Math" panose="02040503050406030204" pitchFamily="18" charset="0"/>
+                            </a:rPr>
+                            <m:t>0</m:t>
+                          </m:r>
+                        </m:sub>
+                      </m:sSub>
+                      <m:sSub>
+                        <m:sSubPr>
+                          <m:ctrlPr>
+                            <a:rPr lang="en-US" sz="2000" i="1">
+                              <a:latin typeface="Cambria Math" panose="02040503050406030204" pitchFamily="18" charset="0"/>
+                            </a:rPr>
+                          </m:ctrlPr>
+                        </m:sSubPr>
+                        <m:e>
+                          <m:r>
+                            <a:rPr lang="en-US" sz="2000" i="1">
+                              <a:latin typeface="Cambria Math" panose="02040503050406030204" pitchFamily="18" charset="0"/>
+                            </a:rPr>
+                            <m:t>𝐴</m:t>
+                          </m:r>
+                        </m:e>
+                        <m:sub>
+                          <m:r>
+                            <a:rPr lang="en-US" sz="2000" b="0" i="1" smtClean="0">
+                              <a:latin typeface="Cambria Math" panose="02040503050406030204" pitchFamily="18" charset="0"/>
+                            </a:rPr>
+                            <m:t>1</m:t>
+                          </m:r>
+                        </m:sub>
+                      </m:sSub>
+                      <m:sSub>
+                        <m:sSubPr>
+                          <m:ctrlPr>
+                            <a:rPr lang="en-US" sz="2000" i="1">
+                              <a:latin typeface="Cambria Math" panose="02040503050406030204" pitchFamily="18" charset="0"/>
+                            </a:rPr>
+                          </m:ctrlPr>
+                        </m:sSubPr>
+                        <m:e>
+                          <m:r>
+                            <a:rPr lang="en-US" sz="2000" i="1">
+                              <a:latin typeface="Cambria Math" panose="02040503050406030204" pitchFamily="18" charset="0"/>
+                            </a:rPr>
+                            <m:t>𝐴</m:t>
+                          </m:r>
+                        </m:e>
+                        <m:sub>
+                          <m:r>
+                            <a:rPr lang="en-US" sz="2000" b="0" i="1" smtClean="0">
+                              <a:latin typeface="Cambria Math" panose="02040503050406030204" pitchFamily="18" charset="0"/>
+                            </a:rPr>
+                            <m:t>2</m:t>
+                          </m:r>
+                        </m:sub>
+                      </m:sSub>
+                    </m:oMath>
+                  </a14:m>
+                  <a:r>
+                    <a:rPr lang="en-US" sz="2000" dirty="0"/>
+                    <a:t> … </a:t>
+                  </a:r>
+                  <a14:m>
+                    <m:oMath xmlns:m="http://schemas.openxmlformats.org/officeDocument/2006/math">
+                      <m:sSub>
+                        <m:sSubPr>
+                          <m:ctrlPr>
+                            <a:rPr lang="en-US" sz="2000" i="1">
+                              <a:latin typeface="Cambria Math" panose="02040503050406030204" pitchFamily="18" charset="0"/>
+                            </a:rPr>
+                          </m:ctrlPr>
+                        </m:sSubPr>
+                        <m:e>
+                          <m:r>
+                            <a:rPr lang="en-US" sz="2000" i="1">
+                              <a:latin typeface="Cambria Math" panose="02040503050406030204" pitchFamily="18" charset="0"/>
+                            </a:rPr>
+                            <m:t>𝐴</m:t>
+                          </m:r>
+                        </m:e>
+                        <m:sub>
+                          <m:r>
+                            <a:rPr lang="en-US" sz="2000" b="0" i="1" smtClean="0">
+                              <a:latin typeface="Cambria Math" panose="02040503050406030204" pitchFamily="18" charset="0"/>
+                            </a:rPr>
+                            <m:t>6</m:t>
+                          </m:r>
+                        </m:sub>
+                      </m:sSub>
+                      <m:r>
+                        <a:rPr lang="en-US" sz="2000" b="0" i="1" smtClean="0">
+                          <a:latin typeface="Cambria Math" panose="02040503050406030204" pitchFamily="18" charset="0"/>
+                        </a:rPr>
+                        <m:t>01</m:t>
+                      </m:r>
+                    </m:oMath>
+                  </a14:m>
+                  <a:endParaRPr lang="en-US" sz="2000" dirty="0"/>
+                </a:p>
+              </p:txBody>
+            </p:sp>
+          </mc:Choice>
+          <mc:Fallback>
+            <p:sp>
+              <p:nvSpPr>
+                <p:cNvPr id="7" name="TextBox 6">
+                  <a:extLst>
+                    <a:ext uri="{FF2B5EF4-FFF2-40B4-BE49-F238E27FC236}">
+                      <a16:creationId xmlns:a16="http://schemas.microsoft.com/office/drawing/2014/main" id="{2D041559-9609-4CC1-9F10-9A6421B29BED}"/>
+                    </a:ext>
+                  </a:extLst>
+                </p:cNvPr>
+                <p:cNvSpPr txBox="1">
+                  <a:spLocks noRot="1" noChangeAspect="1" noMove="1" noResize="1" noEditPoints="1" noAdjustHandles="1" noChangeArrowheads="1" noChangeShapeType="1" noTextEdit="1"/>
+                </p:cNvSpPr>
+                <p:nvPr/>
+              </p:nvSpPr>
+              <p:spPr>
+                <a:xfrm>
+                  <a:off x="-20067" y="2565963"/>
+                  <a:ext cx="2155316" cy="400110"/>
+                </a:xfrm>
+                <a:prstGeom prst="rect">
+                  <a:avLst/>
+                </a:prstGeom>
+                <a:blipFill>
+                  <a:blip r:embed="rId3"/>
+                  <a:stretch>
+                    <a:fillRect l="-3116" t="-9091" b="-25758"/>
+                  </a:stretch>
+                </a:blipFill>
+              </p:spPr>
+              <p:txBody>
+                <a:bodyPr/>
+                <a:lstStyle/>
+                <a:p>
+                  <a:r>
+                    <a:rPr lang="en-US">
+                      <a:noFill/>
+                    </a:rPr>
+                    <a:t> </a:t>
+                  </a:r>
+                </a:p>
+              </p:txBody>
+            </p:sp>
+          </mc:Fallback>
+        </mc:AlternateContent>
+        <p:sp>
+          <p:nvSpPr>
+            <p:cNvPr id="17" name="TextBox 16">
+              <a:extLst>
+                <a:ext uri="{FF2B5EF4-FFF2-40B4-BE49-F238E27FC236}">
+                  <a16:creationId xmlns:a16="http://schemas.microsoft.com/office/drawing/2014/main" id="{9F00B87C-1E8F-4CEA-8960-4B61D26D7F11}"/>
+                </a:ext>
+              </a:extLst>
+            </p:cNvPr>
+            <p:cNvSpPr txBox="1"/>
+            <p:nvPr/>
+          </p:nvSpPr>
+          <p:spPr>
+            <a:xfrm>
+              <a:off x="-47482" y="3279611"/>
+              <a:ext cx="1891553" cy="307777"/>
+            </a:xfrm>
+            <a:prstGeom prst="rect">
+              <a:avLst/>
+            </a:prstGeom>
+            <a:noFill/>
+          </p:spPr>
+          <p:txBody>
+            <a:bodyPr wrap="square" rtlCol="0">
+              <a:spAutoFit/>
+            </a:bodyPr>
+            <a:lstStyle/>
+            <a:p>
+              <a:r>
+                <a:rPr lang="en-US" sz="1400" dirty="0"/>
+                <a:t>Throw Away bit</a:t>
+              </a:r>
+            </a:p>
+          </p:txBody>
+        </p:sp>
+        <p:sp>
+          <p:nvSpPr>
+            <p:cNvPr id="18" name="Rectangle 17">
+              <a:extLst>
+                <a:ext uri="{FF2B5EF4-FFF2-40B4-BE49-F238E27FC236}">
+                  <a16:creationId xmlns:a16="http://schemas.microsoft.com/office/drawing/2014/main" id="{61921ECF-0285-4A9E-8046-9C0AFC4E3E57}"/>
+                </a:ext>
+              </a:extLst>
+            </p:cNvPr>
+            <p:cNvSpPr/>
+            <p:nvPr/>
+          </p:nvSpPr>
+          <p:spPr>
+            <a:xfrm>
+              <a:off x="0" y="3081229"/>
+              <a:ext cx="12192000" cy="746728"/>
+            </a:xfrm>
+            <a:prstGeom prst="rect">
+              <a:avLst/>
+            </a:prstGeom>
+            <a:noFill/>
+          </p:spPr>
+          <p:style>
+            <a:lnRef idx="2">
+              <a:schemeClr val="accent1">
+                <a:shade val="50000"/>
+              </a:schemeClr>
+            </a:lnRef>
+            <a:fillRef idx="1">
+              <a:schemeClr val="accent1"/>
+            </a:fillRef>
+            <a:effectRef idx="0">
+              <a:schemeClr val="accent1"/>
+            </a:effectRef>
+            <a:fontRef idx="minor">
+              <a:schemeClr val="lt1"/>
+            </a:fontRef>
+          </p:style>
+          <p:txBody>
+            <a:bodyPr rtlCol="0" anchor="ctr"/>
+            <a:lstStyle/>
+            <a:p>
+              <a:pPr algn="ctr"/>
+              <a:endParaRPr lang="en-US"/>
+            </a:p>
+          </p:txBody>
+        </p:sp>
+        <p:sp>
+          <p:nvSpPr>
+            <p:cNvPr id="19" name="Arrow: Up 18">
+              <a:extLst>
+                <a:ext uri="{FF2B5EF4-FFF2-40B4-BE49-F238E27FC236}">
+                  <a16:creationId xmlns:a16="http://schemas.microsoft.com/office/drawing/2014/main" id="{0535010D-0ECB-4340-B233-6F0E2A5E9C4A}"/>
+                </a:ext>
+              </a:extLst>
+            </p:cNvPr>
+            <p:cNvSpPr/>
+            <p:nvPr/>
+          </p:nvSpPr>
+          <p:spPr>
+            <a:xfrm>
+              <a:off x="86989" y="2902221"/>
+              <a:ext cx="89651" cy="413250"/>
+            </a:xfrm>
+            <a:prstGeom prst="upArrow">
+              <a:avLst/>
+            </a:prstGeom>
+          </p:spPr>
+          <p:style>
+            <a:lnRef idx="2">
+              <a:schemeClr val="accent1">
+                <a:shade val="50000"/>
+              </a:schemeClr>
+            </a:lnRef>
+            <a:fillRef idx="1">
+              <a:schemeClr val="accent1"/>
+            </a:fillRef>
+            <a:effectRef idx="0">
+              <a:schemeClr val="accent1"/>
+            </a:effectRef>
+            <a:fontRef idx="minor">
+              <a:schemeClr val="lt1"/>
+            </a:fontRef>
+          </p:style>
+          <p:txBody>
+            <a:bodyPr rtlCol="0" anchor="ctr"/>
+            <a:lstStyle/>
+            <a:p>
+              <a:pPr algn="ctr"/>
+              <a:endParaRPr lang="en-US"/>
+            </a:p>
+          </p:txBody>
+        </p:sp>
+        <p:sp>
+          <p:nvSpPr>
+            <p:cNvPr id="22" name="TextBox 21">
+              <a:extLst>
+                <a:ext uri="{FF2B5EF4-FFF2-40B4-BE49-F238E27FC236}">
+                  <a16:creationId xmlns:a16="http://schemas.microsoft.com/office/drawing/2014/main" id="{F1029810-F0FB-45E9-BF44-0F55505B1BAE}"/>
+                </a:ext>
+              </a:extLst>
+            </p:cNvPr>
+            <p:cNvSpPr txBox="1"/>
+            <p:nvPr/>
+          </p:nvSpPr>
+          <p:spPr>
+            <a:xfrm>
+              <a:off x="1234056" y="3292762"/>
+              <a:ext cx="1483658" cy="307777"/>
+            </a:xfrm>
+            <a:prstGeom prst="rect">
+              <a:avLst/>
+            </a:prstGeom>
+            <a:noFill/>
+          </p:spPr>
+          <p:txBody>
+            <a:bodyPr wrap="square" rtlCol="0">
+              <a:spAutoFit/>
+            </a:bodyPr>
+            <a:lstStyle/>
+            <a:p>
+              <a:r>
+                <a:rPr lang="en-US" sz="1400" dirty="0"/>
+                <a:t>Termination bit</a:t>
+              </a:r>
+            </a:p>
+          </p:txBody>
+        </p:sp>
+        <p:sp>
+          <p:nvSpPr>
+            <p:cNvPr id="23" name="Arrow: Up 22">
+              <a:extLst>
+                <a:ext uri="{FF2B5EF4-FFF2-40B4-BE49-F238E27FC236}">
+                  <a16:creationId xmlns:a16="http://schemas.microsoft.com/office/drawing/2014/main" id="{B25FB914-C3FF-49EF-B1F6-DBCA73D50765}"/>
+                </a:ext>
+              </a:extLst>
+            </p:cNvPr>
+            <p:cNvSpPr/>
+            <p:nvPr/>
+          </p:nvSpPr>
+          <p:spPr>
+            <a:xfrm>
+              <a:off x="1897951" y="2892572"/>
+              <a:ext cx="89651" cy="413250"/>
+            </a:xfrm>
+            <a:prstGeom prst="upArrow">
+              <a:avLst/>
+            </a:prstGeom>
+          </p:spPr>
+          <p:style>
+            <a:lnRef idx="2">
+              <a:schemeClr val="accent1">
+                <a:shade val="50000"/>
+              </a:schemeClr>
+            </a:lnRef>
+            <a:fillRef idx="1">
+              <a:schemeClr val="accent1"/>
+            </a:fillRef>
+            <a:effectRef idx="0">
+              <a:schemeClr val="accent1"/>
+            </a:effectRef>
+            <a:fontRef idx="minor">
+              <a:schemeClr val="lt1"/>
+            </a:fontRef>
+          </p:style>
+          <p:txBody>
+            <a:bodyPr rtlCol="0" anchor="ctr"/>
+            <a:lstStyle/>
+            <a:p>
+              <a:pPr algn="ctr"/>
+              <a:endParaRPr lang="en-US"/>
+            </a:p>
+          </p:txBody>
+        </p:sp>
+        <p:sp>
+          <p:nvSpPr>
+            <p:cNvPr id="26" name="Arrow: Up 25">
+              <a:extLst>
+                <a:ext uri="{FF2B5EF4-FFF2-40B4-BE49-F238E27FC236}">
+                  <a16:creationId xmlns:a16="http://schemas.microsoft.com/office/drawing/2014/main" id="{2C339FBB-54FE-4470-8ECC-33BB04F865AA}"/>
+                </a:ext>
+              </a:extLst>
+            </p:cNvPr>
+            <p:cNvSpPr/>
+            <p:nvPr/>
+          </p:nvSpPr>
+          <p:spPr>
+            <a:xfrm rot="10800000">
+              <a:off x="2101527" y="2365517"/>
+              <a:ext cx="107577" cy="236566"/>
+            </a:xfrm>
+            <a:prstGeom prst="upArrow">
+              <a:avLst/>
+            </a:prstGeom>
+          </p:spPr>
+          <p:style>
+            <a:lnRef idx="2">
+              <a:schemeClr val="accent1">
+                <a:shade val="50000"/>
+              </a:schemeClr>
+            </a:lnRef>
+            <a:fillRef idx="1">
+              <a:schemeClr val="accent1"/>
+            </a:fillRef>
+            <a:effectRef idx="0">
+              <a:schemeClr val="accent1"/>
+            </a:effectRef>
+            <a:fontRef idx="minor">
+              <a:schemeClr val="lt1"/>
+            </a:fontRef>
+          </p:style>
+          <p:txBody>
+            <a:bodyPr rtlCol="0" anchor="ctr"/>
+            <a:lstStyle/>
+            <a:p>
+              <a:pPr algn="ctr"/>
+              <a:endParaRPr lang="en-US"/>
+            </a:p>
+          </p:txBody>
+        </p:sp>
+        <p:sp>
+          <p:nvSpPr>
+            <p:cNvPr id="31" name="TextBox 30">
+              <a:extLst>
+                <a:ext uri="{FF2B5EF4-FFF2-40B4-BE49-F238E27FC236}">
+                  <a16:creationId xmlns:a16="http://schemas.microsoft.com/office/drawing/2014/main" id="{D537B902-CA78-4533-87D6-A63D0A06C458}"/>
+                </a:ext>
+              </a:extLst>
+            </p:cNvPr>
+            <p:cNvSpPr txBox="1"/>
+            <p:nvPr/>
+          </p:nvSpPr>
+          <p:spPr>
+            <a:xfrm>
+              <a:off x="2787735" y="3298460"/>
+              <a:ext cx="1398602" cy="307777"/>
+            </a:xfrm>
+            <a:prstGeom prst="rect">
+              <a:avLst/>
+            </a:prstGeom>
+            <a:noFill/>
+          </p:spPr>
+          <p:txBody>
+            <a:bodyPr wrap="square" rtlCol="0">
+              <a:spAutoFit/>
+            </a:bodyPr>
+            <a:lstStyle/>
+            <a:p>
+              <a:pPr algn="ctr"/>
+              <a:r>
+                <a:rPr lang="en-US" sz="1400" dirty="0"/>
+                <a:t>Termination bit</a:t>
+              </a:r>
+            </a:p>
+          </p:txBody>
+        </p:sp>
+        <p:sp>
+          <p:nvSpPr>
+            <p:cNvPr id="32" name="Arrow: Up 31">
+              <a:extLst>
+                <a:ext uri="{FF2B5EF4-FFF2-40B4-BE49-F238E27FC236}">
+                  <a16:creationId xmlns:a16="http://schemas.microsoft.com/office/drawing/2014/main" id="{1F7CAFE3-B614-46DD-948C-C210C674A19B}"/>
+                </a:ext>
+              </a:extLst>
+            </p:cNvPr>
+            <p:cNvSpPr/>
+            <p:nvPr/>
+          </p:nvSpPr>
+          <p:spPr>
+            <a:xfrm>
+              <a:off x="3456078" y="2916081"/>
+              <a:ext cx="89651" cy="413250"/>
+            </a:xfrm>
+            <a:prstGeom prst="upArrow">
+              <a:avLst/>
+            </a:prstGeom>
+          </p:spPr>
+          <p:style>
+            <a:lnRef idx="2">
+              <a:schemeClr val="accent1">
+                <a:shade val="50000"/>
+              </a:schemeClr>
+            </a:lnRef>
+            <a:fillRef idx="1">
+              <a:schemeClr val="accent1"/>
+            </a:fillRef>
+            <a:effectRef idx="0">
+              <a:schemeClr val="accent1"/>
+            </a:effectRef>
+            <a:fontRef idx="minor">
+              <a:schemeClr val="lt1"/>
+            </a:fontRef>
+          </p:style>
+          <p:txBody>
+            <a:bodyPr rtlCol="0" anchor="ctr"/>
+            <a:lstStyle/>
+            <a:p>
+              <a:pPr algn="ctr"/>
+              <a:endParaRPr lang="en-US"/>
+            </a:p>
+          </p:txBody>
+        </p:sp>
+        <p:sp>
+          <p:nvSpPr>
+            <p:cNvPr id="38" name="Arrow: Up 37">
+              <a:extLst>
+                <a:ext uri="{FF2B5EF4-FFF2-40B4-BE49-F238E27FC236}">
+                  <a16:creationId xmlns:a16="http://schemas.microsoft.com/office/drawing/2014/main" id="{FE08713D-5802-46EC-BC29-309863B3376C}"/>
+                </a:ext>
+              </a:extLst>
+            </p:cNvPr>
+            <p:cNvSpPr/>
+            <p:nvPr/>
+          </p:nvSpPr>
+          <p:spPr>
+            <a:xfrm rot="10800000">
+              <a:off x="5538326" y="2176200"/>
+              <a:ext cx="89651" cy="413250"/>
+            </a:xfrm>
+            <a:prstGeom prst="upArrow">
+              <a:avLst/>
+            </a:prstGeom>
+          </p:spPr>
+          <p:style>
+            <a:lnRef idx="2">
+              <a:schemeClr val="accent1">
+                <a:shade val="50000"/>
+              </a:schemeClr>
+            </a:lnRef>
+            <a:fillRef idx="1">
+              <a:schemeClr val="accent1"/>
+            </a:fillRef>
+            <a:effectRef idx="0">
+              <a:schemeClr val="accent1"/>
+            </a:effectRef>
+            <a:fontRef idx="minor">
+              <a:schemeClr val="lt1"/>
+            </a:fontRef>
+          </p:style>
+          <p:txBody>
+            <a:bodyPr rtlCol="0" anchor="ctr"/>
+            <a:lstStyle/>
+            <a:p>
+              <a:pPr algn="ctr"/>
+              <a:endParaRPr lang="en-US"/>
+            </a:p>
+          </p:txBody>
+        </p:sp>
+        <p:sp>
+          <p:nvSpPr>
+            <p:cNvPr id="39" name="TextBox 38">
+              <a:extLst>
+                <a:ext uri="{FF2B5EF4-FFF2-40B4-BE49-F238E27FC236}">
+                  <a16:creationId xmlns:a16="http://schemas.microsoft.com/office/drawing/2014/main" id="{3917C643-C176-4224-B2A1-7E8FCD40AEAC}"/>
+                </a:ext>
+              </a:extLst>
+            </p:cNvPr>
+            <p:cNvSpPr txBox="1"/>
+            <p:nvPr/>
+          </p:nvSpPr>
+          <p:spPr>
+            <a:xfrm>
+              <a:off x="7093201" y="3261456"/>
+              <a:ext cx="1297647" cy="307777"/>
+            </a:xfrm>
+            <a:prstGeom prst="rect">
+              <a:avLst/>
+            </a:prstGeom>
+            <a:noFill/>
+          </p:spPr>
+          <p:txBody>
+            <a:bodyPr wrap="square" rtlCol="0">
+              <a:spAutoFit/>
+            </a:bodyPr>
+            <a:lstStyle/>
+            <a:p>
+              <a:r>
+                <a:rPr lang="en-US" sz="1400" dirty="0"/>
+                <a:t>Termination bit</a:t>
+              </a:r>
+            </a:p>
+          </p:txBody>
+        </p:sp>
+        <p:sp>
+          <p:nvSpPr>
+            <p:cNvPr id="40" name="Arrow: Up 39">
+              <a:extLst>
+                <a:ext uri="{FF2B5EF4-FFF2-40B4-BE49-F238E27FC236}">
+                  <a16:creationId xmlns:a16="http://schemas.microsoft.com/office/drawing/2014/main" id="{A7058B21-E750-46CB-8C5F-EDAFCE15224F}"/>
+                </a:ext>
+              </a:extLst>
+            </p:cNvPr>
+            <p:cNvSpPr/>
+            <p:nvPr/>
+          </p:nvSpPr>
+          <p:spPr>
+            <a:xfrm>
+              <a:off x="7315599" y="2882826"/>
+              <a:ext cx="89651" cy="413250"/>
+            </a:xfrm>
+            <a:prstGeom prst="upArrow">
+              <a:avLst/>
+            </a:prstGeom>
+          </p:spPr>
+          <p:style>
+            <a:lnRef idx="2">
+              <a:schemeClr val="accent1">
+                <a:shade val="50000"/>
+              </a:schemeClr>
+            </a:lnRef>
+            <a:fillRef idx="1">
+              <a:schemeClr val="accent1"/>
+            </a:fillRef>
+            <a:effectRef idx="0">
+              <a:schemeClr val="accent1"/>
+            </a:effectRef>
+            <a:fontRef idx="minor">
+              <a:schemeClr val="lt1"/>
+            </a:fontRef>
+          </p:style>
+          <p:txBody>
+            <a:bodyPr rtlCol="0" anchor="ctr"/>
+            <a:lstStyle/>
+            <a:p>
+              <a:pPr algn="ctr"/>
+              <a:endParaRPr lang="en-US"/>
+            </a:p>
+          </p:txBody>
+        </p:sp>
+        <p:sp>
+          <p:nvSpPr>
+            <p:cNvPr id="42" name="Arrow: Up 41">
+              <a:extLst>
+                <a:ext uri="{FF2B5EF4-FFF2-40B4-BE49-F238E27FC236}">
+                  <a16:creationId xmlns:a16="http://schemas.microsoft.com/office/drawing/2014/main" id="{C0EC068C-54A1-4EC7-88B4-C8C533637A05}"/>
+                </a:ext>
+              </a:extLst>
+            </p:cNvPr>
+            <p:cNvSpPr/>
+            <p:nvPr/>
+          </p:nvSpPr>
+          <p:spPr>
+            <a:xfrm rot="10800000">
+              <a:off x="9934779" y="2191571"/>
+              <a:ext cx="89651" cy="413250"/>
+            </a:xfrm>
+            <a:prstGeom prst="upArrow">
+              <a:avLst/>
+            </a:prstGeom>
+          </p:spPr>
+          <p:style>
+            <a:lnRef idx="2">
+              <a:schemeClr val="accent1">
+                <a:shade val="50000"/>
+              </a:schemeClr>
+            </a:lnRef>
+            <a:fillRef idx="1">
+              <a:schemeClr val="accent1"/>
+            </a:fillRef>
+            <a:effectRef idx="0">
+              <a:schemeClr val="accent1"/>
+            </a:effectRef>
+            <a:fontRef idx="minor">
+              <a:schemeClr val="lt1"/>
+            </a:fontRef>
+          </p:style>
+          <p:txBody>
+            <a:bodyPr rtlCol="0" anchor="ctr"/>
+            <a:lstStyle/>
+            <a:p>
+              <a:pPr algn="ctr"/>
+              <a:endParaRPr lang="en-US"/>
+            </a:p>
+          </p:txBody>
+        </p:sp>
+        <mc:AlternateContent xmlns:mc="http://schemas.openxmlformats.org/markup-compatibility/2006">
+          <mc:Choice xmlns:a14="http://schemas.microsoft.com/office/drawing/2010/main" Requires="a14">
+            <p:sp>
+              <p:nvSpPr>
+                <p:cNvPr id="43" name="TextBox 42">
+                  <a:extLst>
+                    <a:ext uri="{FF2B5EF4-FFF2-40B4-BE49-F238E27FC236}">
+                      <a16:creationId xmlns:a16="http://schemas.microsoft.com/office/drawing/2014/main" id="{E569E169-5EE9-4F84-BB31-431943D7D1E2}"/>
+                    </a:ext>
+                  </a:extLst>
+                </p:cNvPr>
+                <p:cNvSpPr txBox="1"/>
+                <p:nvPr/>
+              </p:nvSpPr>
+              <p:spPr>
+                <a:xfrm>
+                  <a:off x="1994569" y="2563067"/>
+                  <a:ext cx="2005604" cy="400110"/>
+                </a:xfrm>
+                <a:prstGeom prst="rect">
+                  <a:avLst/>
+                </a:prstGeom>
+                <a:noFill/>
+              </p:spPr>
+              <p:txBody>
+                <a:bodyPr wrap="square" rtlCol="0">
+                  <a:spAutoFit/>
+                </a:bodyPr>
+                <a:lstStyle/>
+                <a:p>
+                  <a:pPr/>
+                  <a14:m>
+                    <m:oMathPara xmlns:m="http://schemas.openxmlformats.org/officeDocument/2006/math">
+                      <m:oMathParaPr>
+                        <m:jc m:val="left"/>
+                      </m:oMathParaPr>
+                      <m:oMath xmlns:m="http://schemas.openxmlformats.org/officeDocument/2006/math">
+                        <m:r>
+                          <a:rPr lang="en-US" sz="2000" b="0" i="1" smtClean="0">
+                            <a:latin typeface="Cambria Math" panose="02040503050406030204" pitchFamily="18" charset="0"/>
+                          </a:rPr>
+                          <m:t>0</m:t>
+                        </m:r>
+                        <m:sSub>
+                          <m:sSubPr>
+                            <m:ctrlPr>
+                              <a:rPr lang="en-US" sz="2000" i="1" smtClean="0">
+                                <a:latin typeface="Cambria Math" panose="02040503050406030204" pitchFamily="18" charset="0"/>
+                              </a:rPr>
+                            </m:ctrlPr>
+                          </m:sSubPr>
+                          <m:e>
+                            <m:r>
+                              <a:rPr lang="en-US" sz="2000" b="0" i="1" smtClean="0">
+                                <a:latin typeface="Cambria Math" panose="02040503050406030204" pitchFamily="18" charset="0"/>
+                              </a:rPr>
+                              <m:t>𝐴</m:t>
+                            </m:r>
+                          </m:e>
+                          <m:sub>
+                            <m:r>
+                              <a:rPr lang="en-US" sz="2000" b="0" i="1" smtClean="0">
+                                <a:latin typeface="Cambria Math" panose="02040503050406030204" pitchFamily="18" charset="0"/>
+                              </a:rPr>
+                              <m:t>7</m:t>
+                            </m:r>
+                          </m:sub>
+                        </m:sSub>
+                        <m:sSub>
+                          <m:sSubPr>
+                            <m:ctrlPr>
+                              <a:rPr lang="en-US" sz="2000" i="1">
+                                <a:latin typeface="Cambria Math" panose="02040503050406030204" pitchFamily="18" charset="0"/>
+                              </a:rPr>
+                            </m:ctrlPr>
+                          </m:sSubPr>
+                          <m:e>
+                            <m:r>
+                              <a:rPr lang="en-US" sz="2000" i="1">
+                                <a:latin typeface="Cambria Math" panose="02040503050406030204" pitchFamily="18" charset="0"/>
+                              </a:rPr>
+                              <m:t>𝐴</m:t>
+                            </m:r>
+                          </m:e>
+                          <m:sub>
+                            <m:r>
+                              <a:rPr lang="en-US" sz="2000" b="0" i="1" smtClean="0">
+                                <a:latin typeface="Cambria Math" panose="02040503050406030204" pitchFamily="18" charset="0"/>
+                              </a:rPr>
+                              <m:t>8</m:t>
+                            </m:r>
+                          </m:sub>
+                        </m:sSub>
+                        <m:r>
+                          <a:rPr lang="en-US" sz="2000" b="0" i="0" smtClean="0">
+                            <a:latin typeface="Cambria Math" panose="02040503050406030204" pitchFamily="18" charset="0"/>
+                          </a:rPr>
+                          <m:t>…</m:t>
+                        </m:r>
+                        <m:sSub>
+                          <m:sSubPr>
+                            <m:ctrlPr>
+                              <a:rPr lang="en-US" sz="2000" i="1">
+                                <a:latin typeface="Cambria Math" panose="02040503050406030204" pitchFamily="18" charset="0"/>
+                              </a:rPr>
+                            </m:ctrlPr>
+                          </m:sSubPr>
+                          <m:e>
+                            <m:r>
+                              <a:rPr lang="en-US" sz="2000" i="1">
+                                <a:latin typeface="Cambria Math" panose="02040503050406030204" pitchFamily="18" charset="0"/>
+                              </a:rPr>
+                              <m:t>𝐴</m:t>
+                            </m:r>
+                          </m:e>
+                          <m:sub>
+                            <m:r>
+                              <a:rPr lang="en-US" sz="2000" b="0" i="1" smtClean="0">
+                                <a:latin typeface="Cambria Math" panose="02040503050406030204" pitchFamily="18" charset="0"/>
+                              </a:rPr>
+                              <m:t>13</m:t>
+                            </m:r>
+                          </m:sub>
+                        </m:sSub>
+                        <m:r>
+                          <a:rPr lang="en-US" sz="2000" b="0" i="1" smtClean="0">
+                            <a:latin typeface="Cambria Math" panose="02040503050406030204" pitchFamily="18" charset="0"/>
+                          </a:rPr>
+                          <m:t>01</m:t>
+                        </m:r>
+                      </m:oMath>
+                    </m:oMathPara>
+                  </a14:m>
+                  <a:endParaRPr lang="en-US" sz="2000" dirty="0"/>
+                </a:p>
+              </p:txBody>
+            </p:sp>
+          </mc:Choice>
+          <mc:Fallback>
+            <p:sp>
+              <p:nvSpPr>
+                <p:cNvPr id="43" name="TextBox 42">
+                  <a:extLst>
+                    <a:ext uri="{FF2B5EF4-FFF2-40B4-BE49-F238E27FC236}">
+                      <a16:creationId xmlns:a16="http://schemas.microsoft.com/office/drawing/2014/main" id="{E569E169-5EE9-4F84-BB31-431943D7D1E2}"/>
+                    </a:ext>
+                  </a:extLst>
+                </p:cNvPr>
+                <p:cNvSpPr txBox="1">
+                  <a:spLocks noRot="1" noChangeAspect="1" noMove="1" noResize="1" noEditPoints="1" noAdjustHandles="1" noChangeArrowheads="1" noChangeShapeType="1" noTextEdit="1"/>
+                </p:cNvSpPr>
+                <p:nvPr/>
+              </p:nvSpPr>
+              <p:spPr>
+                <a:xfrm>
+                  <a:off x="1994569" y="2563067"/>
+                  <a:ext cx="2005604" cy="400110"/>
+                </a:xfrm>
+                <a:prstGeom prst="rect">
+                  <a:avLst/>
+                </a:prstGeom>
+                <a:blipFill>
+                  <a:blip r:embed="rId4"/>
+                  <a:stretch>
+                    <a:fillRect/>
+                  </a:stretch>
+                </a:blipFill>
+              </p:spPr>
+              <p:txBody>
+                <a:bodyPr/>
+                <a:lstStyle/>
+                <a:p>
+                  <a:r>
+                    <a:rPr lang="en-US">
+                      <a:noFill/>
+                    </a:rPr>
+                    <a:t> </a:t>
+                  </a:r>
+                </a:p>
+              </p:txBody>
+            </p:sp>
+          </mc:Fallback>
+        </mc:AlternateContent>
+        <mc:AlternateContent xmlns:mc="http://schemas.openxmlformats.org/markup-compatibility/2006">
+          <mc:Choice xmlns:a14="http://schemas.microsoft.com/office/drawing/2010/main" Requires="a14">
+            <p:sp>
+              <p:nvSpPr>
+                <p:cNvPr id="45" name="TextBox 44">
+                  <a:extLst>
+                    <a:ext uri="{FF2B5EF4-FFF2-40B4-BE49-F238E27FC236}">
+                      <a16:creationId xmlns:a16="http://schemas.microsoft.com/office/drawing/2014/main" id="{FFF3DD36-81D3-4A07-9299-A1A41A0213AB}"/>
+                    </a:ext>
+                  </a:extLst>
+                </p:cNvPr>
+                <p:cNvSpPr txBox="1"/>
+                <p:nvPr/>
+              </p:nvSpPr>
+              <p:spPr>
+                <a:xfrm>
+                  <a:off x="3702888" y="2555430"/>
+                  <a:ext cx="2058787" cy="400110"/>
+                </a:xfrm>
+                <a:prstGeom prst="rect">
+                  <a:avLst/>
+                </a:prstGeom>
+                <a:noFill/>
+              </p:spPr>
+              <p:txBody>
+                <a:bodyPr wrap="square" rtlCol="0">
+                  <a:spAutoFit/>
+                </a:bodyPr>
+                <a:lstStyle/>
+                <a:p>
+                  <a14:m>
+                    <m:oMath xmlns:m="http://schemas.openxmlformats.org/officeDocument/2006/math">
+                      <m:r>
+                        <a:rPr lang="en-US" sz="2000" b="0" i="1" smtClean="0">
+                          <a:latin typeface="Cambria Math" panose="02040503050406030204" pitchFamily="18" charset="0"/>
+                        </a:rPr>
+                        <m:t>0</m:t>
+                      </m:r>
+                      <m:sSub>
+                        <m:sSubPr>
+                          <m:ctrlPr>
+                            <a:rPr lang="en-US" sz="2000" i="1" smtClean="0">
+                              <a:latin typeface="Cambria Math" panose="02040503050406030204" pitchFamily="18" charset="0"/>
+                            </a:rPr>
+                          </m:ctrlPr>
+                        </m:sSubPr>
+                        <m:e>
+                          <m:r>
+                            <a:rPr lang="en-US" sz="2000" b="0" i="1" smtClean="0">
+                              <a:latin typeface="Cambria Math" panose="02040503050406030204" pitchFamily="18" charset="0"/>
+                            </a:rPr>
+                            <m:t>𝐴</m:t>
+                          </m:r>
+                        </m:e>
+                        <m:sub>
+                          <m:r>
+                            <a:rPr lang="en-US" sz="2000" b="0" i="1" smtClean="0">
+                              <a:latin typeface="Cambria Math" panose="02040503050406030204" pitchFamily="18" charset="0"/>
+                            </a:rPr>
+                            <m:t>14</m:t>
+                          </m:r>
+                        </m:sub>
+                      </m:sSub>
+                      <m:sSub>
+                        <m:sSubPr>
+                          <m:ctrlPr>
+                            <a:rPr lang="en-US" sz="2000" i="1">
+                              <a:latin typeface="Cambria Math" panose="02040503050406030204" pitchFamily="18" charset="0"/>
+                            </a:rPr>
+                          </m:ctrlPr>
+                        </m:sSubPr>
+                        <m:e>
+                          <m:r>
+                            <a:rPr lang="en-US" sz="2000" i="1">
+                              <a:latin typeface="Cambria Math" panose="02040503050406030204" pitchFamily="18" charset="0"/>
+                            </a:rPr>
+                            <m:t>𝐴</m:t>
+                          </m:r>
+                        </m:e>
+                        <m:sub>
+                          <m:r>
+                            <a:rPr lang="en-US" sz="2000" b="0" i="1" smtClean="0">
+                              <a:latin typeface="Cambria Math" panose="02040503050406030204" pitchFamily="18" charset="0"/>
+                            </a:rPr>
+                            <m:t>16</m:t>
+                          </m:r>
+                        </m:sub>
+                      </m:sSub>
+                    </m:oMath>
+                  </a14:m>
+                  <a:r>
+                    <a:rPr lang="en-US" sz="2000" dirty="0"/>
+                    <a:t> </a:t>
+                  </a:r>
+                  <a14:m>
+                    <m:oMath xmlns:m="http://schemas.openxmlformats.org/officeDocument/2006/math">
+                      <m:r>
+                        <a:rPr lang="en-US" sz="2000" b="0" i="0" smtClean="0">
+                          <a:latin typeface="Cambria Math" panose="02040503050406030204" pitchFamily="18" charset="0"/>
+                        </a:rPr>
+                        <m:t>…</m:t>
+                      </m:r>
+                      <m:sSub>
+                        <m:sSubPr>
+                          <m:ctrlPr>
+                            <a:rPr lang="en-US" sz="2000" i="1">
+                              <a:latin typeface="Cambria Math" panose="02040503050406030204" pitchFamily="18" charset="0"/>
+                            </a:rPr>
+                          </m:ctrlPr>
+                        </m:sSubPr>
+                        <m:e>
+                          <m:r>
+                            <a:rPr lang="en-US" sz="2000" i="1">
+                              <a:latin typeface="Cambria Math" panose="02040503050406030204" pitchFamily="18" charset="0"/>
+                            </a:rPr>
+                            <m:t>𝐴</m:t>
+                          </m:r>
+                        </m:e>
+                        <m:sub>
+                          <m:r>
+                            <a:rPr lang="en-US" sz="2000" b="0" i="1" smtClean="0">
+                              <a:latin typeface="Cambria Math" panose="02040503050406030204" pitchFamily="18" charset="0"/>
+                            </a:rPr>
+                            <m:t>20</m:t>
+                          </m:r>
+                        </m:sub>
+                      </m:sSub>
+                      <m:r>
+                        <a:rPr lang="en-US" sz="2000" b="0" i="1" smtClean="0">
+                          <a:latin typeface="Cambria Math" panose="02040503050406030204" pitchFamily="18" charset="0"/>
+                        </a:rPr>
+                        <m:t>01</m:t>
+                      </m:r>
+                    </m:oMath>
+                  </a14:m>
+                  <a:endParaRPr lang="en-US" sz="2000" dirty="0"/>
+                </a:p>
+              </p:txBody>
+            </p:sp>
+          </mc:Choice>
+          <mc:Fallback>
+            <p:sp>
+              <p:nvSpPr>
+                <p:cNvPr id="45" name="TextBox 44">
+                  <a:extLst>
+                    <a:ext uri="{FF2B5EF4-FFF2-40B4-BE49-F238E27FC236}">
+                      <a16:creationId xmlns:a16="http://schemas.microsoft.com/office/drawing/2014/main" id="{FFF3DD36-81D3-4A07-9299-A1A41A0213AB}"/>
+                    </a:ext>
+                  </a:extLst>
+                </p:cNvPr>
+                <p:cNvSpPr txBox="1">
+                  <a:spLocks noRot="1" noChangeAspect="1" noMove="1" noResize="1" noEditPoints="1" noAdjustHandles="1" noChangeArrowheads="1" noChangeShapeType="1" noTextEdit="1"/>
+                </p:cNvSpPr>
+                <p:nvPr/>
+              </p:nvSpPr>
+              <p:spPr>
+                <a:xfrm>
+                  <a:off x="3702888" y="2555430"/>
+                  <a:ext cx="2058787" cy="400110"/>
+                </a:xfrm>
+                <a:prstGeom prst="rect">
+                  <a:avLst/>
+                </a:prstGeom>
+                <a:blipFill>
+                  <a:blip r:embed="rId5"/>
+                  <a:stretch>
+                    <a:fillRect/>
+                  </a:stretch>
+                </a:blipFill>
+              </p:spPr>
+              <p:txBody>
+                <a:bodyPr/>
+                <a:lstStyle/>
+                <a:p>
+                  <a:r>
+                    <a:rPr lang="en-US">
+                      <a:noFill/>
+                    </a:rPr>
+                    <a:t> </a:t>
+                  </a:r>
+                </a:p>
+              </p:txBody>
+            </p:sp>
+          </mc:Fallback>
+        </mc:AlternateContent>
+        <mc:AlternateContent xmlns:mc="http://schemas.openxmlformats.org/markup-compatibility/2006">
+          <mc:Choice xmlns:a14="http://schemas.microsoft.com/office/drawing/2010/main" Requires="a14">
+            <p:sp>
+              <p:nvSpPr>
+                <p:cNvPr id="46" name="TextBox 45">
+                  <a:extLst>
+                    <a:ext uri="{FF2B5EF4-FFF2-40B4-BE49-F238E27FC236}">
+                      <a16:creationId xmlns:a16="http://schemas.microsoft.com/office/drawing/2014/main" id="{BF2F04AF-741B-4D13-9650-A843121F2C0C}"/>
+                    </a:ext>
+                  </a:extLst>
+                </p:cNvPr>
+                <p:cNvSpPr txBox="1"/>
+                <p:nvPr/>
+              </p:nvSpPr>
+              <p:spPr>
+                <a:xfrm>
+                  <a:off x="5618928" y="2555430"/>
+                  <a:ext cx="1938942" cy="400110"/>
+                </a:xfrm>
+                <a:prstGeom prst="rect">
+                  <a:avLst/>
+                </a:prstGeom>
+                <a:noFill/>
+              </p:spPr>
+              <p:txBody>
+                <a:bodyPr wrap="square" rtlCol="0">
+                  <a:spAutoFit/>
+                </a:bodyPr>
+                <a:lstStyle/>
+                <a:p>
+                  <a14:m>
+                    <m:oMathPara xmlns:m="http://schemas.openxmlformats.org/officeDocument/2006/math">
+                      <m:oMathParaPr>
+                        <m:jc m:val="centerGroup"/>
+                      </m:oMathParaPr>
+                      <m:oMath xmlns:m="http://schemas.openxmlformats.org/officeDocument/2006/math">
+                        <m:r>
+                          <a:rPr lang="en-US" sz="2000" b="0" i="1" smtClean="0">
+                            <a:latin typeface="Cambria Math" panose="02040503050406030204" pitchFamily="18" charset="0"/>
+                          </a:rPr>
+                          <m:t>0</m:t>
+                        </m:r>
+                        <m:sSub>
+                          <m:sSubPr>
+                            <m:ctrlPr>
+                              <a:rPr lang="en-US" sz="2000" i="1" smtClean="0">
+                                <a:latin typeface="Cambria Math" panose="02040503050406030204" pitchFamily="18" charset="0"/>
+                              </a:rPr>
+                            </m:ctrlPr>
+                          </m:sSubPr>
+                          <m:e>
+                            <m:r>
+                              <a:rPr lang="en-US" sz="2000" b="0" i="1" smtClean="0">
+                                <a:latin typeface="Cambria Math" panose="02040503050406030204" pitchFamily="18" charset="0"/>
+                              </a:rPr>
+                              <m:t>𝐴</m:t>
+                            </m:r>
+                          </m:e>
+                          <m:sub>
+                            <m:r>
+                              <a:rPr lang="en-US" sz="2000" b="0" i="1" smtClean="0">
+                                <a:latin typeface="Cambria Math" panose="02040503050406030204" pitchFamily="18" charset="0"/>
+                              </a:rPr>
+                              <m:t>21</m:t>
+                            </m:r>
+                          </m:sub>
+                        </m:sSub>
+                        <m:sSub>
+                          <m:sSubPr>
+                            <m:ctrlPr>
+                              <a:rPr lang="en-US" sz="2000" i="1">
+                                <a:latin typeface="Cambria Math" panose="02040503050406030204" pitchFamily="18" charset="0"/>
+                              </a:rPr>
+                            </m:ctrlPr>
+                          </m:sSubPr>
+                          <m:e>
+                            <m:r>
+                              <a:rPr lang="en-US" sz="2000" i="1">
+                                <a:latin typeface="Cambria Math" panose="02040503050406030204" pitchFamily="18" charset="0"/>
+                              </a:rPr>
+                              <m:t>𝐴</m:t>
+                            </m:r>
+                          </m:e>
+                          <m:sub>
+                            <m:r>
+                              <a:rPr lang="en-US" sz="2000" b="0" i="1" smtClean="0">
+                                <a:latin typeface="Cambria Math" panose="02040503050406030204" pitchFamily="18" charset="0"/>
+                              </a:rPr>
+                              <m:t>22</m:t>
+                            </m:r>
+                          </m:sub>
+                        </m:sSub>
+                        <m:r>
+                          <a:rPr lang="en-US" sz="2000" b="0" i="0" smtClean="0">
+                            <a:latin typeface="Cambria Math" panose="02040503050406030204" pitchFamily="18" charset="0"/>
+                          </a:rPr>
+                          <m:t>…</m:t>
+                        </m:r>
+                        <m:sSub>
+                          <m:sSubPr>
+                            <m:ctrlPr>
+                              <a:rPr lang="en-US" sz="2000" i="1">
+                                <a:latin typeface="Cambria Math" panose="02040503050406030204" pitchFamily="18" charset="0"/>
+                              </a:rPr>
+                            </m:ctrlPr>
+                          </m:sSubPr>
+                          <m:e>
+                            <m:r>
+                              <a:rPr lang="en-US" sz="2000" i="1">
+                                <a:latin typeface="Cambria Math" panose="02040503050406030204" pitchFamily="18" charset="0"/>
+                              </a:rPr>
+                              <m:t>𝐴</m:t>
+                            </m:r>
+                          </m:e>
+                          <m:sub>
+                            <m:r>
+                              <a:rPr lang="en-US" sz="2000" b="0" i="1" smtClean="0">
+                                <a:latin typeface="Cambria Math" panose="02040503050406030204" pitchFamily="18" charset="0"/>
+                              </a:rPr>
+                              <m:t>27</m:t>
+                            </m:r>
+                          </m:sub>
+                        </m:sSub>
+                        <m:r>
+                          <a:rPr lang="en-US" sz="2000" b="0" i="1" smtClean="0">
+                            <a:latin typeface="Cambria Math" panose="02040503050406030204" pitchFamily="18" charset="0"/>
+                          </a:rPr>
+                          <m:t>01</m:t>
+                        </m:r>
+                      </m:oMath>
+                    </m:oMathPara>
+                  </a14:m>
+                  <a:endParaRPr lang="en-US" sz="2000" dirty="0"/>
+                </a:p>
+              </p:txBody>
+            </p:sp>
+          </mc:Choice>
+          <mc:Fallback>
+            <p:sp>
+              <p:nvSpPr>
+                <p:cNvPr id="46" name="TextBox 45">
+                  <a:extLst>
+                    <a:ext uri="{FF2B5EF4-FFF2-40B4-BE49-F238E27FC236}">
+                      <a16:creationId xmlns:a16="http://schemas.microsoft.com/office/drawing/2014/main" id="{BF2F04AF-741B-4D13-9650-A843121F2C0C}"/>
+                    </a:ext>
+                  </a:extLst>
+                </p:cNvPr>
+                <p:cNvSpPr txBox="1">
+                  <a:spLocks noRot="1" noChangeAspect="1" noMove="1" noResize="1" noEditPoints="1" noAdjustHandles="1" noChangeArrowheads="1" noChangeShapeType="1" noTextEdit="1"/>
+                </p:cNvSpPr>
+                <p:nvPr/>
+              </p:nvSpPr>
+              <p:spPr>
+                <a:xfrm>
+                  <a:off x="5618928" y="2555430"/>
+                  <a:ext cx="1938942" cy="400110"/>
+                </a:xfrm>
+                <a:prstGeom prst="rect">
+                  <a:avLst/>
+                </a:prstGeom>
+                <a:blipFill>
+                  <a:blip r:embed="rId6"/>
+                  <a:stretch>
+                    <a:fillRect r="-5346"/>
+                  </a:stretch>
+                </a:blipFill>
+              </p:spPr>
+              <p:txBody>
+                <a:bodyPr/>
+                <a:lstStyle/>
+                <a:p>
+                  <a:r>
+                    <a:rPr lang="en-US">
+                      <a:noFill/>
+                    </a:rPr>
+                    <a:t> </a:t>
+                  </a:r>
+                </a:p>
+              </p:txBody>
+            </p:sp>
+          </mc:Fallback>
+        </mc:AlternateContent>
+        <mc:AlternateContent xmlns:mc="http://schemas.openxmlformats.org/markup-compatibility/2006">
+          <mc:Choice xmlns:a14="http://schemas.microsoft.com/office/drawing/2010/main" Requires="a14">
+            <p:sp>
+              <p:nvSpPr>
+                <p:cNvPr id="47" name="TextBox 46">
+                  <a:extLst>
+                    <a:ext uri="{FF2B5EF4-FFF2-40B4-BE49-F238E27FC236}">
+                      <a16:creationId xmlns:a16="http://schemas.microsoft.com/office/drawing/2014/main" id="{0C8F2225-0DB1-40DF-9067-36C9FE7A9A49}"/>
+                    </a:ext>
+                  </a:extLst>
+                </p:cNvPr>
+                <p:cNvSpPr txBox="1"/>
+                <p:nvPr/>
+              </p:nvSpPr>
+              <p:spPr>
+                <a:xfrm>
+                  <a:off x="7514939" y="2555430"/>
+                  <a:ext cx="4070302" cy="400110"/>
+                </a:xfrm>
+                <a:prstGeom prst="rect">
+                  <a:avLst/>
+                </a:prstGeom>
+                <a:noFill/>
+              </p:spPr>
+              <p:txBody>
+                <a:bodyPr wrap="square" rtlCol="0">
+                  <a:spAutoFit/>
+                </a:bodyPr>
+                <a:lstStyle/>
+                <a:p>
+                  <a:pPr/>
+                  <a14:m>
+                    <m:oMathPara xmlns:m="http://schemas.openxmlformats.org/officeDocument/2006/math">
+                      <m:oMathParaPr>
+                        <m:jc m:val="left"/>
+                      </m:oMathParaPr>
+                      <m:oMath xmlns:m="http://schemas.openxmlformats.org/officeDocument/2006/math">
+                        <m:r>
+                          <a:rPr lang="en-US" sz="2000" b="0" i="1" smtClean="0">
+                            <a:latin typeface="Cambria Math" panose="02040503050406030204" pitchFamily="18" charset="0"/>
+                          </a:rPr>
+                          <m:t>0</m:t>
+                        </m:r>
+                        <m:sSub>
+                          <m:sSubPr>
+                            <m:ctrlPr>
+                              <a:rPr lang="en-US" sz="2000" i="1" smtClean="0">
+                                <a:latin typeface="Cambria Math" panose="02040503050406030204" pitchFamily="18" charset="0"/>
+                              </a:rPr>
+                            </m:ctrlPr>
+                          </m:sSubPr>
+                          <m:e>
+                            <m:r>
+                              <a:rPr lang="en-US" sz="2000" b="0" i="1" smtClean="0">
+                                <a:latin typeface="Cambria Math" panose="02040503050406030204" pitchFamily="18" charset="0"/>
+                              </a:rPr>
+                              <m:t>𝐴</m:t>
+                            </m:r>
+                          </m:e>
+                          <m:sub>
+                            <m:r>
+                              <a:rPr lang="en-US" sz="2000" b="0" i="1" smtClean="0">
+                                <a:latin typeface="Cambria Math" panose="02040503050406030204" pitchFamily="18" charset="0"/>
+                              </a:rPr>
+                              <m:t>28</m:t>
+                            </m:r>
+                          </m:sub>
+                        </m:sSub>
+                        <m:sSub>
+                          <m:sSubPr>
+                            <m:ctrlPr>
+                              <a:rPr lang="en-US" sz="2000" i="1">
+                                <a:latin typeface="Cambria Math" panose="02040503050406030204" pitchFamily="18" charset="0"/>
+                              </a:rPr>
+                            </m:ctrlPr>
+                          </m:sSubPr>
+                          <m:e>
+                            <m:r>
+                              <a:rPr lang="en-US" sz="2000" i="1">
+                                <a:latin typeface="Cambria Math" panose="02040503050406030204" pitchFamily="18" charset="0"/>
+                              </a:rPr>
+                              <m:t>𝐴</m:t>
+                            </m:r>
+                          </m:e>
+                          <m:sub>
+                            <m:r>
+                              <a:rPr lang="en-US" sz="2000" b="0" i="1" smtClean="0">
+                                <a:latin typeface="Cambria Math" panose="02040503050406030204" pitchFamily="18" charset="0"/>
+                              </a:rPr>
+                              <m:t>29</m:t>
+                            </m:r>
+                          </m:sub>
+                        </m:sSub>
+                        <m:sSub>
+                          <m:sSubPr>
+                            <m:ctrlPr>
+                              <a:rPr lang="en-US" sz="2000" i="1">
+                                <a:latin typeface="Cambria Math" panose="02040503050406030204" pitchFamily="18" charset="0"/>
+                              </a:rPr>
+                            </m:ctrlPr>
+                          </m:sSubPr>
+                          <m:e>
+                            <m:r>
+                              <a:rPr lang="en-US" sz="2000" i="1">
+                                <a:latin typeface="Cambria Math" panose="02040503050406030204" pitchFamily="18" charset="0"/>
+                              </a:rPr>
+                              <m:t>𝐴</m:t>
+                            </m:r>
+                          </m:e>
+                          <m:sub>
+                            <m:r>
+                              <a:rPr lang="en-US" sz="2000" b="0" i="1" smtClean="0">
+                                <a:latin typeface="Cambria Math" panose="02040503050406030204" pitchFamily="18" charset="0"/>
+                              </a:rPr>
+                              <m:t>30</m:t>
+                            </m:r>
+                          </m:sub>
+                        </m:sSub>
+                        <m:sSub>
+                          <m:sSubPr>
+                            <m:ctrlPr>
+                              <a:rPr lang="en-US" sz="2000" i="1">
+                                <a:latin typeface="Cambria Math" panose="02040503050406030204" pitchFamily="18" charset="0"/>
+                              </a:rPr>
+                            </m:ctrlPr>
+                          </m:sSubPr>
+                          <m:e>
+                            <m:r>
+                              <a:rPr lang="en-US" sz="2000" i="1">
+                                <a:latin typeface="Cambria Math" panose="02040503050406030204" pitchFamily="18" charset="0"/>
+                              </a:rPr>
+                              <m:t>𝐴</m:t>
+                            </m:r>
+                          </m:e>
+                          <m:sub>
+                            <m:r>
+                              <a:rPr lang="en-US" sz="2000" b="0" i="1" smtClean="0">
+                                <a:latin typeface="Cambria Math" panose="02040503050406030204" pitchFamily="18" charset="0"/>
+                              </a:rPr>
+                              <m:t>31</m:t>
+                            </m:r>
+                          </m:sub>
+                        </m:sSub>
+                        <m:r>
+                          <a:rPr lang="en-US" sz="2000" b="0" i="0" smtClean="0">
+                            <a:latin typeface="Cambria Math" panose="02040503050406030204" pitchFamily="18" charset="0"/>
+                          </a:rPr>
+                          <m:t>0</m:t>
+                        </m:r>
+                        <m:r>
+                          <a:rPr lang="en-US" sz="2000" b="0" i="1" smtClean="0">
+                            <a:latin typeface="Cambria Math" panose="02040503050406030204" pitchFamily="18" charset="0"/>
+                          </a:rPr>
+                          <m:t>00 01</m:t>
+                        </m:r>
+                        <m:r>
+                          <a:rPr lang="en-US" sz="2000" b="0" i="1" smtClean="0">
+                            <a:latin typeface="Cambria Math" panose="02040503050406030204" pitchFamily="18" charset="0"/>
+                          </a:rPr>
+                          <m:t>𝐵𝐶𝐷𝐸𝐹𝐺𝐻</m:t>
+                        </m:r>
+                        <m:r>
+                          <a:rPr lang="en-US" sz="2000" b="0" i="1" smtClean="0">
+                            <a:latin typeface="Cambria Math" panose="02040503050406030204" pitchFamily="18" charset="0"/>
+                          </a:rPr>
+                          <m:t>01111…</m:t>
+                        </m:r>
+                      </m:oMath>
+                    </m:oMathPara>
+                  </a14:m>
+                  <a:endParaRPr lang="en-US" sz="2000" dirty="0"/>
+                </a:p>
+              </p:txBody>
+            </p:sp>
+          </mc:Choice>
+          <mc:Fallback>
+            <p:sp>
+              <p:nvSpPr>
+                <p:cNvPr id="47" name="TextBox 46">
+                  <a:extLst>
+                    <a:ext uri="{FF2B5EF4-FFF2-40B4-BE49-F238E27FC236}">
+                      <a16:creationId xmlns:a16="http://schemas.microsoft.com/office/drawing/2014/main" id="{0C8F2225-0DB1-40DF-9067-36C9FE7A9A49}"/>
+                    </a:ext>
+                  </a:extLst>
+                </p:cNvPr>
+                <p:cNvSpPr txBox="1">
+                  <a:spLocks noRot="1" noChangeAspect="1" noMove="1" noResize="1" noEditPoints="1" noAdjustHandles="1" noChangeArrowheads="1" noChangeShapeType="1" noTextEdit="1"/>
+                </p:cNvSpPr>
+                <p:nvPr/>
+              </p:nvSpPr>
+              <p:spPr>
+                <a:xfrm>
+                  <a:off x="7514939" y="2555430"/>
+                  <a:ext cx="4070302" cy="400110"/>
+                </a:xfrm>
+                <a:prstGeom prst="rect">
+                  <a:avLst/>
+                </a:prstGeom>
+                <a:blipFill>
+                  <a:blip r:embed="rId7"/>
+                  <a:stretch>
+                    <a:fillRect r="-14393"/>
+                  </a:stretch>
+                </a:blipFill>
+              </p:spPr>
+              <p:txBody>
+                <a:bodyPr/>
+                <a:lstStyle/>
+                <a:p>
+                  <a:r>
+                    <a:rPr lang="en-US">
+                      <a:noFill/>
+                    </a:rPr>
+                    <a:t> </a:t>
+                  </a:r>
+                </a:p>
+              </p:txBody>
+            </p:sp>
+          </mc:Fallback>
+        </mc:AlternateContent>
+        <mc:AlternateContent xmlns:mc="http://schemas.openxmlformats.org/markup-compatibility/2006">
+          <mc:Choice xmlns:a14="http://schemas.microsoft.com/office/drawing/2010/main" Requires="a14">
+            <p:sp>
+              <p:nvSpPr>
+                <p:cNvPr id="49" name="TextBox 48">
+                  <a:extLst>
+                    <a:ext uri="{FF2B5EF4-FFF2-40B4-BE49-F238E27FC236}">
+                      <a16:creationId xmlns:a16="http://schemas.microsoft.com/office/drawing/2014/main" id="{3DA2C6E8-CCC5-47A6-9E1D-60F3E85BB102}"/>
+                    </a:ext>
+                  </a:extLst>
+                </p:cNvPr>
+                <p:cNvSpPr txBox="1"/>
+                <p:nvPr/>
+              </p:nvSpPr>
+              <p:spPr>
+                <a:xfrm>
+                  <a:off x="-161609" y="2162046"/>
+                  <a:ext cx="1327489" cy="215444"/>
+                </a:xfrm>
+                <a:prstGeom prst="rect">
+                  <a:avLst/>
+                </a:prstGeom>
+                <a:noFill/>
+              </p:spPr>
+              <p:txBody>
+                <a:bodyPr wrap="square" lIns="0" tIns="0" rIns="0" bIns="0" rtlCol="0">
+                  <a:spAutoFit/>
+                </a:bodyPr>
+                <a:lstStyle/>
+                <a:p>
+                  <a14:m>
+                    <m:oMathPara xmlns:m="http://schemas.openxmlformats.org/officeDocument/2006/math">
+                      <m:oMathParaPr>
+                        <m:jc m:val="centerGroup"/>
+                      </m:oMathParaPr>
+                      <m:oMath xmlns:m="http://schemas.openxmlformats.org/officeDocument/2006/math">
+                        <m:sSup>
+                          <m:sSupPr>
+                            <m:ctrlPr>
+                              <a:rPr lang="en-US" sz="1400" i="1" smtClean="0">
+                                <a:latin typeface="Cambria Math" panose="02040503050406030204" pitchFamily="18" charset="0"/>
+                              </a:rPr>
+                            </m:ctrlPr>
+                          </m:sSupPr>
+                          <m:e>
+                            <m:r>
+                              <a:rPr lang="en-US" sz="1400" b="0" i="1" smtClean="0">
+                                <a:latin typeface="Cambria Math" panose="02040503050406030204" pitchFamily="18" charset="0"/>
+                              </a:rPr>
+                              <m:t>1</m:t>
+                            </m:r>
+                          </m:e>
+                          <m:sup>
+                            <m:r>
+                              <a:rPr lang="en-US" sz="1400" b="0" i="1" smtClean="0">
+                                <a:latin typeface="Cambria Math" panose="02040503050406030204" pitchFamily="18" charset="0"/>
+                              </a:rPr>
+                              <m:t>𝑠𝑡</m:t>
+                            </m:r>
+                          </m:sup>
+                        </m:sSup>
+                        <m:r>
+                          <a:rPr lang="en-US" sz="1400" b="0" i="1" smtClean="0">
+                            <a:latin typeface="Cambria Math" panose="02040503050406030204" pitchFamily="18" charset="0"/>
+                          </a:rPr>
+                          <m:t>𝑠𝑡𝑎𝑟𝑡</m:t>
+                        </m:r>
+                        <m:r>
+                          <a:rPr lang="en-US" sz="1400" b="0" i="1" smtClean="0">
+                            <a:latin typeface="Cambria Math" panose="02040503050406030204" pitchFamily="18" charset="0"/>
+                          </a:rPr>
+                          <m:t> </m:t>
+                        </m:r>
+                        <m:r>
+                          <a:rPr lang="en-US" sz="1400" b="0" i="1" smtClean="0">
+                            <a:latin typeface="Cambria Math" panose="02040503050406030204" pitchFamily="18" charset="0"/>
+                          </a:rPr>
+                          <m:t>𝑏𝑖𝑡</m:t>
+                        </m:r>
+                      </m:oMath>
+                    </m:oMathPara>
+                  </a14:m>
+                  <a:endParaRPr lang="en-US" dirty="0"/>
+                </a:p>
+              </p:txBody>
+            </p:sp>
+          </mc:Choice>
+          <mc:Fallback>
+            <p:sp>
+              <p:nvSpPr>
+                <p:cNvPr id="49" name="TextBox 48">
+                  <a:extLst>
+                    <a:ext uri="{FF2B5EF4-FFF2-40B4-BE49-F238E27FC236}">
+                      <a16:creationId xmlns:a16="http://schemas.microsoft.com/office/drawing/2014/main" id="{3DA2C6E8-CCC5-47A6-9E1D-60F3E85BB102}"/>
+                    </a:ext>
+                  </a:extLst>
+                </p:cNvPr>
+                <p:cNvSpPr txBox="1">
+                  <a:spLocks noRot="1" noChangeAspect="1" noMove="1" noResize="1" noEditPoints="1" noAdjustHandles="1" noChangeArrowheads="1" noChangeShapeType="1" noTextEdit="1"/>
+                </p:cNvSpPr>
+                <p:nvPr/>
+              </p:nvSpPr>
+              <p:spPr>
+                <a:xfrm>
+                  <a:off x="-161609" y="2162046"/>
+                  <a:ext cx="1327489" cy="215444"/>
+                </a:xfrm>
+                <a:prstGeom prst="rect">
+                  <a:avLst/>
+                </a:prstGeom>
+                <a:blipFill>
+                  <a:blip r:embed="rId8"/>
+                  <a:stretch>
+                    <a:fillRect t="-2857" b="-5714"/>
+                  </a:stretch>
+                </a:blipFill>
+              </p:spPr>
+              <p:txBody>
+                <a:bodyPr/>
+                <a:lstStyle/>
+                <a:p>
+                  <a:r>
+                    <a:rPr lang="en-US">
+                      <a:noFill/>
+                    </a:rPr>
+                    <a:t> </a:t>
+                  </a:r>
+                </a:p>
+              </p:txBody>
+            </p:sp>
+          </mc:Fallback>
+        </mc:AlternateContent>
+        <mc:AlternateContent xmlns:mc="http://schemas.openxmlformats.org/markup-compatibility/2006">
+          <mc:Choice xmlns:a14="http://schemas.microsoft.com/office/drawing/2010/main" Requires="a14">
+            <p:sp>
+              <p:nvSpPr>
+                <p:cNvPr id="50" name="TextBox 49">
+                  <a:extLst>
+                    <a:ext uri="{FF2B5EF4-FFF2-40B4-BE49-F238E27FC236}">
+                      <a16:creationId xmlns:a16="http://schemas.microsoft.com/office/drawing/2014/main" id="{2226FC7D-B68E-419A-98B6-7ED1857F05A3}"/>
+                    </a:ext>
+                  </a:extLst>
+                </p:cNvPr>
+                <p:cNvSpPr txBox="1"/>
+                <p:nvPr/>
+              </p:nvSpPr>
+              <p:spPr>
+                <a:xfrm>
+                  <a:off x="2090166" y="2159408"/>
+                  <a:ext cx="812658" cy="219227"/>
+                </a:xfrm>
+                <a:prstGeom prst="rect">
+                  <a:avLst/>
+                </a:prstGeom>
+                <a:noFill/>
+              </p:spPr>
+              <p:txBody>
+                <a:bodyPr wrap="none" lIns="0" tIns="0" rIns="0" bIns="0" rtlCol="0">
+                  <a:spAutoFit/>
+                </a:bodyPr>
+                <a:lstStyle/>
+                <a:p>
+                  <a14:m>
+                    <m:oMath xmlns:m="http://schemas.openxmlformats.org/officeDocument/2006/math">
+                      <m:sSup>
+                        <m:sSupPr>
+                          <m:ctrlPr>
+                            <a:rPr lang="en-US" sz="1400" i="1" smtClean="0">
+                              <a:latin typeface="Cambria Math" panose="02040503050406030204" pitchFamily="18" charset="0"/>
+                            </a:rPr>
+                          </m:ctrlPr>
+                        </m:sSupPr>
+                        <m:e>
+                          <m:r>
+                            <a:rPr lang="en-US" sz="1400" b="0" i="1" smtClean="0">
+                              <a:latin typeface="Cambria Math" panose="02040503050406030204" pitchFamily="18" charset="0"/>
+                            </a:rPr>
+                            <m:t>2</m:t>
+                          </m:r>
+                        </m:e>
+                        <m:sup>
+                          <m:r>
+                            <a:rPr lang="en-US" sz="1400" b="0" i="1" smtClean="0">
+                              <a:latin typeface="Cambria Math" panose="02040503050406030204" pitchFamily="18" charset="0"/>
+                            </a:rPr>
+                            <m:t>𝑛𝑑</m:t>
+                          </m:r>
+                        </m:sup>
+                      </m:sSup>
+                      <m:r>
+                        <a:rPr lang="en-US" sz="1400" b="0" i="1" smtClean="0">
+                          <a:latin typeface="Cambria Math" panose="02040503050406030204" pitchFamily="18" charset="0"/>
+                        </a:rPr>
+                        <m:t> </m:t>
+                      </m:r>
+                      <m:r>
+                        <a:rPr lang="en-US" sz="1400" b="0" i="1" smtClean="0">
+                          <a:latin typeface="Cambria Math" panose="02040503050406030204" pitchFamily="18" charset="0"/>
+                        </a:rPr>
+                        <m:t>𝑠𝑡𝑎𝑟𝑡</m:t>
+                      </m:r>
+                      <m:r>
+                        <a:rPr lang="en-US" sz="1400" b="0" i="1" smtClean="0">
+                          <a:latin typeface="Cambria Math" panose="02040503050406030204" pitchFamily="18" charset="0"/>
+                        </a:rPr>
+                        <m:t> </m:t>
+                      </m:r>
+                    </m:oMath>
+                  </a14:m>
+                  <a:r>
+                    <a:rPr lang="en-US" sz="1400" dirty="0"/>
+                    <a:t> </a:t>
+                  </a:r>
+                  <a:endParaRPr lang="en-US" dirty="0"/>
+                </a:p>
+              </p:txBody>
+            </p:sp>
+          </mc:Choice>
+          <mc:Fallback>
+            <p:sp>
+              <p:nvSpPr>
+                <p:cNvPr id="50" name="TextBox 49">
+                  <a:extLst>
+                    <a:ext uri="{FF2B5EF4-FFF2-40B4-BE49-F238E27FC236}">
+                      <a16:creationId xmlns:a16="http://schemas.microsoft.com/office/drawing/2014/main" id="{2226FC7D-B68E-419A-98B6-7ED1857F05A3}"/>
+                    </a:ext>
+                  </a:extLst>
+                </p:cNvPr>
+                <p:cNvSpPr txBox="1">
+                  <a:spLocks noRot="1" noChangeAspect="1" noMove="1" noResize="1" noEditPoints="1" noAdjustHandles="1" noChangeArrowheads="1" noChangeShapeType="1" noTextEdit="1"/>
+                </p:cNvSpPr>
+                <p:nvPr/>
+              </p:nvSpPr>
+              <p:spPr>
+                <a:xfrm>
+                  <a:off x="2090166" y="2159408"/>
+                  <a:ext cx="812658" cy="219227"/>
+                </a:xfrm>
+                <a:prstGeom prst="rect">
+                  <a:avLst/>
+                </a:prstGeom>
+                <a:blipFill>
+                  <a:blip r:embed="rId9"/>
+                  <a:stretch>
+                    <a:fillRect l="-7519" t="-2778" b="-5556"/>
+                  </a:stretch>
+                </a:blipFill>
+              </p:spPr>
+              <p:txBody>
+                <a:bodyPr/>
+                <a:lstStyle/>
+                <a:p>
+                  <a:r>
+                    <a:rPr lang="en-US">
+                      <a:noFill/>
+                    </a:rPr>
+                    <a:t> </a:t>
+                  </a:r>
+                </a:p>
+              </p:txBody>
+            </p:sp>
+          </mc:Fallback>
+        </mc:AlternateContent>
+        <mc:AlternateContent xmlns:mc="http://schemas.openxmlformats.org/markup-compatibility/2006">
+          <mc:Choice xmlns:a14="http://schemas.microsoft.com/office/drawing/2010/main" Requires="a14">
+            <p:sp>
+              <p:nvSpPr>
+                <p:cNvPr id="51" name="TextBox 50">
+                  <a:extLst>
+                    <a:ext uri="{FF2B5EF4-FFF2-40B4-BE49-F238E27FC236}">
+                      <a16:creationId xmlns:a16="http://schemas.microsoft.com/office/drawing/2014/main" id="{3B0E07F3-F43A-44F9-BE04-7FFB8AD34C62}"/>
+                    </a:ext>
+                  </a:extLst>
+                </p:cNvPr>
+                <p:cNvSpPr txBox="1"/>
+                <p:nvPr/>
+              </p:nvSpPr>
+              <p:spPr>
+                <a:xfrm>
+                  <a:off x="3800078" y="2137672"/>
+                  <a:ext cx="756554" cy="219227"/>
+                </a:xfrm>
+                <a:prstGeom prst="rect">
+                  <a:avLst/>
+                </a:prstGeom>
+                <a:noFill/>
+              </p:spPr>
+              <p:txBody>
+                <a:bodyPr wrap="none" lIns="0" tIns="0" rIns="0" bIns="0" rtlCol="0">
+                  <a:spAutoFit/>
+                </a:bodyPr>
+                <a:lstStyle/>
+                <a:p>
+                  <a14:m>
+                    <m:oMathPara xmlns:m="http://schemas.openxmlformats.org/officeDocument/2006/math">
+                      <m:oMathParaPr>
+                        <m:jc m:val="centerGroup"/>
+                      </m:oMathParaPr>
+                      <m:oMath xmlns:m="http://schemas.openxmlformats.org/officeDocument/2006/math">
+                        <m:sSup>
+                          <m:sSupPr>
+                            <m:ctrlPr>
+                              <a:rPr lang="en-US" sz="1400" i="1" smtClean="0">
+                                <a:latin typeface="Cambria Math" panose="02040503050406030204" pitchFamily="18" charset="0"/>
+                              </a:rPr>
+                            </m:ctrlPr>
+                          </m:sSupPr>
+                          <m:e>
+                            <m:r>
+                              <a:rPr lang="en-US" sz="1400" b="0" i="1" smtClean="0">
+                                <a:latin typeface="Cambria Math" panose="02040503050406030204" pitchFamily="18" charset="0"/>
+                              </a:rPr>
+                              <m:t>3</m:t>
+                            </m:r>
+                          </m:e>
+                          <m:sup>
+                            <m:r>
+                              <a:rPr lang="en-US" sz="1400" b="0" i="1" smtClean="0">
+                                <a:latin typeface="Cambria Math" panose="02040503050406030204" pitchFamily="18" charset="0"/>
+                              </a:rPr>
+                              <m:t>𝑟𝑑</m:t>
+                            </m:r>
+                          </m:sup>
+                        </m:sSup>
+                        <m:r>
+                          <a:rPr lang="en-US" sz="1400" b="0" i="1" smtClean="0">
+                            <a:latin typeface="Cambria Math" panose="02040503050406030204" pitchFamily="18" charset="0"/>
+                          </a:rPr>
+                          <m:t> </m:t>
+                        </m:r>
+                        <m:r>
+                          <a:rPr lang="en-US" sz="1400" b="0" i="1" smtClean="0">
+                            <a:latin typeface="Cambria Math" panose="02040503050406030204" pitchFamily="18" charset="0"/>
+                          </a:rPr>
+                          <m:t>𝑠𝑡𝑎𝑟𝑡</m:t>
+                        </m:r>
+                      </m:oMath>
+                    </m:oMathPara>
+                  </a14:m>
+                  <a:endParaRPr lang="en-US" dirty="0"/>
+                </a:p>
+              </p:txBody>
+            </p:sp>
+          </mc:Choice>
+          <mc:Fallback>
+            <p:sp>
+              <p:nvSpPr>
+                <p:cNvPr id="51" name="TextBox 50">
+                  <a:extLst>
+                    <a:ext uri="{FF2B5EF4-FFF2-40B4-BE49-F238E27FC236}">
+                      <a16:creationId xmlns:a16="http://schemas.microsoft.com/office/drawing/2014/main" id="{3B0E07F3-F43A-44F9-BE04-7FFB8AD34C62}"/>
+                    </a:ext>
+                  </a:extLst>
+                </p:cNvPr>
+                <p:cNvSpPr txBox="1">
+                  <a:spLocks noRot="1" noChangeAspect="1" noMove="1" noResize="1" noEditPoints="1" noAdjustHandles="1" noChangeArrowheads="1" noChangeShapeType="1" noTextEdit="1"/>
+                </p:cNvSpPr>
+                <p:nvPr/>
+              </p:nvSpPr>
+              <p:spPr>
+                <a:xfrm>
+                  <a:off x="3800078" y="2137672"/>
+                  <a:ext cx="756554" cy="219227"/>
+                </a:xfrm>
+                <a:prstGeom prst="rect">
+                  <a:avLst/>
+                </a:prstGeom>
+                <a:blipFill>
+                  <a:blip r:embed="rId10"/>
+                  <a:stretch>
+                    <a:fillRect l="-4839" t="-2778" r="-3226" b="-5556"/>
+                  </a:stretch>
+                </a:blipFill>
+              </p:spPr>
+              <p:txBody>
+                <a:bodyPr/>
+                <a:lstStyle/>
+                <a:p>
+                  <a:r>
+                    <a:rPr lang="en-US">
+                      <a:noFill/>
+                    </a:rPr>
+                    <a:t> </a:t>
+                  </a:r>
+                </a:p>
+              </p:txBody>
+            </p:sp>
+          </mc:Fallback>
+        </mc:AlternateContent>
+        <mc:AlternateContent xmlns:mc="http://schemas.openxmlformats.org/markup-compatibility/2006">
+          <mc:Choice xmlns:a14="http://schemas.microsoft.com/office/drawing/2010/main" Requires="a14">
+            <p:sp>
+              <p:nvSpPr>
+                <p:cNvPr id="52" name="TextBox 51">
+                  <a:extLst>
+                    <a:ext uri="{FF2B5EF4-FFF2-40B4-BE49-F238E27FC236}">
+                      <a16:creationId xmlns:a16="http://schemas.microsoft.com/office/drawing/2014/main" id="{A6042A89-802D-42E0-88F8-B3E8C4BD0C66}"/>
+                    </a:ext>
+                  </a:extLst>
+                </p:cNvPr>
+                <p:cNvSpPr txBox="1"/>
+                <p:nvPr/>
+              </p:nvSpPr>
+              <p:spPr>
+                <a:xfrm>
+                  <a:off x="5726418" y="2162586"/>
+                  <a:ext cx="742896" cy="219227"/>
+                </a:xfrm>
+                <a:prstGeom prst="rect">
+                  <a:avLst/>
+                </a:prstGeom>
+                <a:noFill/>
+              </p:spPr>
+              <p:txBody>
+                <a:bodyPr wrap="none" lIns="0" tIns="0" rIns="0" bIns="0" rtlCol="0">
+                  <a:spAutoFit/>
+                </a:bodyPr>
+                <a:lstStyle/>
+                <a:p>
+                  <a14:m>
+                    <m:oMathPara xmlns:m="http://schemas.openxmlformats.org/officeDocument/2006/math">
+                      <m:oMathParaPr>
+                        <m:jc m:val="centerGroup"/>
+                      </m:oMathParaPr>
+                      <m:oMath xmlns:m="http://schemas.openxmlformats.org/officeDocument/2006/math">
+                        <m:sSup>
+                          <m:sSupPr>
+                            <m:ctrlPr>
+                              <a:rPr lang="en-US" sz="1400" i="1" smtClean="0">
+                                <a:latin typeface="Cambria Math" panose="02040503050406030204" pitchFamily="18" charset="0"/>
+                              </a:rPr>
+                            </m:ctrlPr>
+                          </m:sSupPr>
+                          <m:e>
+                            <m:r>
+                              <a:rPr lang="en-US" sz="1400" b="0" i="1" smtClean="0">
+                                <a:latin typeface="Cambria Math" panose="02040503050406030204" pitchFamily="18" charset="0"/>
+                              </a:rPr>
+                              <m:t>4</m:t>
+                            </m:r>
+                          </m:e>
+                          <m:sup>
+                            <m:r>
+                              <a:rPr lang="en-US" sz="1400" b="0" i="1" smtClean="0">
+                                <a:latin typeface="Cambria Math" panose="02040503050406030204" pitchFamily="18" charset="0"/>
+                              </a:rPr>
+                              <m:t>𝑡h</m:t>
+                            </m:r>
+                          </m:sup>
+                        </m:sSup>
+                        <m:r>
+                          <a:rPr lang="en-US" sz="1400" b="0" i="1" smtClean="0">
+                            <a:latin typeface="Cambria Math" panose="02040503050406030204" pitchFamily="18" charset="0"/>
+                          </a:rPr>
+                          <m:t> </m:t>
+                        </m:r>
+                        <m:r>
+                          <a:rPr lang="en-US" sz="1400" b="0" i="1" smtClean="0">
+                            <a:latin typeface="Cambria Math" panose="02040503050406030204" pitchFamily="18" charset="0"/>
+                          </a:rPr>
+                          <m:t>𝑠𝑡𝑎𝑟𝑡</m:t>
+                        </m:r>
+                      </m:oMath>
+                    </m:oMathPara>
+                  </a14:m>
+                  <a:endParaRPr lang="en-US" dirty="0"/>
+                </a:p>
+              </p:txBody>
+            </p:sp>
+          </mc:Choice>
+          <mc:Fallback>
+            <p:sp>
+              <p:nvSpPr>
+                <p:cNvPr id="52" name="TextBox 51">
+                  <a:extLst>
+                    <a:ext uri="{FF2B5EF4-FFF2-40B4-BE49-F238E27FC236}">
+                      <a16:creationId xmlns:a16="http://schemas.microsoft.com/office/drawing/2014/main" id="{A6042A89-802D-42E0-88F8-B3E8C4BD0C66}"/>
+                    </a:ext>
+                  </a:extLst>
+                </p:cNvPr>
+                <p:cNvSpPr txBox="1">
+                  <a:spLocks noRot="1" noChangeAspect="1" noMove="1" noResize="1" noEditPoints="1" noAdjustHandles="1" noChangeArrowheads="1" noChangeShapeType="1" noTextEdit="1"/>
+                </p:cNvSpPr>
+                <p:nvPr/>
+              </p:nvSpPr>
+              <p:spPr>
+                <a:xfrm>
+                  <a:off x="5726418" y="2162586"/>
+                  <a:ext cx="742896" cy="219227"/>
+                </a:xfrm>
+                <a:prstGeom prst="rect">
+                  <a:avLst/>
+                </a:prstGeom>
+                <a:blipFill>
+                  <a:blip r:embed="rId11"/>
+                  <a:stretch>
+                    <a:fillRect l="-4918" t="-2778" r="-3279" b="-5556"/>
+                  </a:stretch>
+                </a:blipFill>
+              </p:spPr>
+              <p:txBody>
+                <a:bodyPr/>
+                <a:lstStyle/>
+                <a:p>
+                  <a:r>
+                    <a:rPr lang="en-US">
+                      <a:noFill/>
+                    </a:rPr>
+                    <a:t> </a:t>
+                  </a:r>
+                </a:p>
+              </p:txBody>
+            </p:sp>
+          </mc:Fallback>
+        </mc:AlternateContent>
+        <mc:AlternateContent xmlns:mc="http://schemas.openxmlformats.org/markup-compatibility/2006">
+          <mc:Choice xmlns:a14="http://schemas.microsoft.com/office/drawing/2010/main" Requires="a14">
+            <p:sp>
+              <p:nvSpPr>
+                <p:cNvPr id="53" name="TextBox 52">
+                  <a:extLst>
+                    <a:ext uri="{FF2B5EF4-FFF2-40B4-BE49-F238E27FC236}">
+                      <a16:creationId xmlns:a16="http://schemas.microsoft.com/office/drawing/2014/main" id="{300FAF65-8BD0-4465-885A-5E75BF09B4A7}"/>
+                    </a:ext>
+                  </a:extLst>
+                </p:cNvPr>
+                <p:cNvSpPr txBox="1"/>
+                <p:nvPr/>
+              </p:nvSpPr>
+              <p:spPr>
+                <a:xfrm>
+                  <a:off x="7580208" y="2164903"/>
+                  <a:ext cx="742896" cy="219227"/>
+                </a:xfrm>
+                <a:prstGeom prst="rect">
+                  <a:avLst/>
+                </a:prstGeom>
+                <a:noFill/>
+              </p:spPr>
+              <p:txBody>
+                <a:bodyPr wrap="none" lIns="0" tIns="0" rIns="0" bIns="0" rtlCol="0">
+                  <a:spAutoFit/>
+                </a:bodyPr>
+                <a:lstStyle/>
+                <a:p>
+                  <a14:m>
+                    <m:oMathPara xmlns:m="http://schemas.openxmlformats.org/officeDocument/2006/math">
+                      <m:oMathParaPr>
+                        <m:jc m:val="centerGroup"/>
+                      </m:oMathParaPr>
+                      <m:oMath xmlns:m="http://schemas.openxmlformats.org/officeDocument/2006/math">
+                        <m:sSup>
+                          <m:sSupPr>
+                            <m:ctrlPr>
+                              <a:rPr lang="en-US" sz="1400" i="1" smtClean="0">
+                                <a:latin typeface="Cambria Math" panose="02040503050406030204" pitchFamily="18" charset="0"/>
+                              </a:rPr>
+                            </m:ctrlPr>
+                          </m:sSupPr>
+                          <m:e>
+                            <m:r>
+                              <a:rPr lang="en-US" sz="1400" b="0" i="1" smtClean="0">
+                                <a:latin typeface="Cambria Math" panose="02040503050406030204" pitchFamily="18" charset="0"/>
+                              </a:rPr>
+                              <m:t>5</m:t>
+                            </m:r>
+                          </m:e>
+                          <m:sup>
+                            <m:r>
+                              <a:rPr lang="en-US" sz="1400" b="0" i="1" smtClean="0">
+                                <a:latin typeface="Cambria Math" panose="02040503050406030204" pitchFamily="18" charset="0"/>
+                              </a:rPr>
+                              <m:t>𝑡h</m:t>
+                            </m:r>
+                          </m:sup>
+                        </m:sSup>
+                        <m:r>
+                          <a:rPr lang="en-US" sz="1400" b="0" i="1" smtClean="0">
+                            <a:latin typeface="Cambria Math" panose="02040503050406030204" pitchFamily="18" charset="0"/>
+                          </a:rPr>
+                          <m:t> </m:t>
+                        </m:r>
+                        <m:r>
+                          <a:rPr lang="en-US" sz="1400" b="0" i="1" smtClean="0">
+                            <a:latin typeface="Cambria Math" panose="02040503050406030204" pitchFamily="18" charset="0"/>
+                          </a:rPr>
+                          <m:t>𝑠𝑡𝑎𝑟𝑡</m:t>
+                        </m:r>
+                      </m:oMath>
+                    </m:oMathPara>
+                  </a14:m>
+                  <a:endParaRPr lang="en-US" dirty="0"/>
+                </a:p>
+              </p:txBody>
+            </p:sp>
+          </mc:Choice>
+          <mc:Fallback>
+            <p:sp>
+              <p:nvSpPr>
+                <p:cNvPr id="53" name="TextBox 52">
+                  <a:extLst>
+                    <a:ext uri="{FF2B5EF4-FFF2-40B4-BE49-F238E27FC236}">
+                      <a16:creationId xmlns:a16="http://schemas.microsoft.com/office/drawing/2014/main" id="{300FAF65-8BD0-4465-885A-5E75BF09B4A7}"/>
+                    </a:ext>
+                  </a:extLst>
+                </p:cNvPr>
+                <p:cNvSpPr txBox="1">
+                  <a:spLocks noRot="1" noChangeAspect="1" noMove="1" noResize="1" noEditPoints="1" noAdjustHandles="1" noChangeArrowheads="1" noChangeShapeType="1" noTextEdit="1"/>
+                </p:cNvSpPr>
+                <p:nvPr/>
+              </p:nvSpPr>
+              <p:spPr>
+                <a:xfrm>
+                  <a:off x="7580208" y="2164903"/>
+                  <a:ext cx="742896" cy="219227"/>
+                </a:xfrm>
+                <a:prstGeom prst="rect">
+                  <a:avLst/>
+                </a:prstGeom>
+                <a:blipFill>
+                  <a:blip r:embed="rId12"/>
+                  <a:stretch>
+                    <a:fillRect l="-4918" t="-2778" r="-3279" b="-8333"/>
+                  </a:stretch>
+                </a:blipFill>
+              </p:spPr>
+              <p:txBody>
+                <a:bodyPr/>
+                <a:lstStyle/>
+                <a:p>
+                  <a:r>
+                    <a:rPr lang="en-US">
+                      <a:noFill/>
+                    </a:rPr>
+                    <a:t> </a:t>
+                  </a:r>
+                </a:p>
+              </p:txBody>
+            </p:sp>
+          </mc:Fallback>
+        </mc:AlternateContent>
+        <mc:AlternateContent xmlns:mc="http://schemas.openxmlformats.org/markup-compatibility/2006">
+          <mc:Choice xmlns:a14="http://schemas.microsoft.com/office/drawing/2010/main" Requires="a14">
+            <p:sp>
+              <p:nvSpPr>
+                <p:cNvPr id="54" name="TextBox 53">
+                  <a:extLst>
+                    <a:ext uri="{FF2B5EF4-FFF2-40B4-BE49-F238E27FC236}">
+                      <a16:creationId xmlns:a16="http://schemas.microsoft.com/office/drawing/2014/main" id="{53B50696-CD90-4FDF-BCFB-DACFCE8E1B43}"/>
+                    </a:ext>
+                  </a:extLst>
+                </p:cNvPr>
+                <p:cNvSpPr txBox="1"/>
+                <p:nvPr/>
+              </p:nvSpPr>
+              <p:spPr>
+                <a:xfrm>
+                  <a:off x="1398152" y="1949459"/>
+                  <a:ext cx="643007" cy="215444"/>
+                </a:xfrm>
+                <a:prstGeom prst="rect">
+                  <a:avLst/>
+                </a:prstGeom>
+                <a:noFill/>
+              </p:spPr>
+              <p:txBody>
+                <a:bodyPr wrap="square" lIns="0" tIns="0" rIns="0" bIns="0" rtlCol="0">
+                  <a:spAutoFit/>
+                </a:bodyPr>
+                <a:lstStyle/>
+                <a:p>
+                  <a14:m>
+                    <m:oMathPara xmlns:m="http://schemas.openxmlformats.org/officeDocument/2006/math">
+                      <m:oMathParaPr>
+                        <m:jc m:val="centerGroup"/>
+                      </m:oMathParaPr>
+                      <m:oMath xmlns:m="http://schemas.openxmlformats.org/officeDocument/2006/math">
+                        <m:sSup>
+                          <m:sSupPr>
+                            <m:ctrlPr>
+                              <a:rPr lang="en-US" sz="1400" i="1" smtClean="0">
+                                <a:latin typeface="Cambria Math" panose="02040503050406030204" pitchFamily="18" charset="0"/>
+                              </a:rPr>
+                            </m:ctrlPr>
+                          </m:sSupPr>
+                          <m:e>
+                            <m:r>
+                              <a:rPr lang="en-US" sz="1400" b="0" i="1" smtClean="0">
+                                <a:latin typeface="Cambria Math" panose="02040503050406030204" pitchFamily="18" charset="0"/>
+                              </a:rPr>
+                              <m:t>1</m:t>
+                            </m:r>
+                          </m:e>
+                          <m:sup>
+                            <m:r>
+                              <a:rPr lang="en-US" sz="1400" b="0" i="1" smtClean="0">
+                                <a:latin typeface="Cambria Math" panose="02040503050406030204" pitchFamily="18" charset="0"/>
+                              </a:rPr>
+                              <m:t>𝑠𝑡</m:t>
+                            </m:r>
+                          </m:sup>
+                        </m:sSup>
+                        <m:r>
+                          <a:rPr lang="en-US" sz="1400" b="0" i="1" smtClean="0">
+                            <a:latin typeface="Cambria Math" panose="02040503050406030204" pitchFamily="18" charset="0"/>
+                          </a:rPr>
+                          <m:t> </m:t>
+                        </m:r>
+                        <m:r>
+                          <a:rPr lang="en-US" sz="1400" b="0" i="1" smtClean="0">
+                            <a:latin typeface="Cambria Math" panose="02040503050406030204" pitchFamily="18" charset="0"/>
+                          </a:rPr>
+                          <m:t>𝑠𝑡𝑜𝑝</m:t>
+                        </m:r>
+                      </m:oMath>
+                    </m:oMathPara>
+                  </a14:m>
+                  <a:endParaRPr lang="en-US" dirty="0"/>
+                </a:p>
+              </p:txBody>
+            </p:sp>
+          </mc:Choice>
+          <mc:Fallback>
+            <p:sp>
+              <p:nvSpPr>
+                <p:cNvPr id="54" name="TextBox 53">
+                  <a:extLst>
+                    <a:ext uri="{FF2B5EF4-FFF2-40B4-BE49-F238E27FC236}">
+                      <a16:creationId xmlns:a16="http://schemas.microsoft.com/office/drawing/2014/main" id="{53B50696-CD90-4FDF-BCFB-DACFCE8E1B43}"/>
+                    </a:ext>
+                  </a:extLst>
+                </p:cNvPr>
+                <p:cNvSpPr txBox="1">
+                  <a:spLocks noRot="1" noChangeAspect="1" noMove="1" noResize="1" noEditPoints="1" noAdjustHandles="1" noChangeArrowheads="1" noChangeShapeType="1" noTextEdit="1"/>
+                </p:cNvSpPr>
+                <p:nvPr/>
+              </p:nvSpPr>
+              <p:spPr>
+                <a:xfrm>
+                  <a:off x="1398152" y="1949459"/>
+                  <a:ext cx="643007" cy="215444"/>
+                </a:xfrm>
+                <a:prstGeom prst="rect">
+                  <a:avLst/>
+                </a:prstGeom>
+                <a:blipFill>
+                  <a:blip r:embed="rId13"/>
+                  <a:stretch>
+                    <a:fillRect l="-7547" t="-2857" r="-8491" b="-28571"/>
+                  </a:stretch>
+                </a:blipFill>
+              </p:spPr>
+              <p:txBody>
+                <a:bodyPr/>
+                <a:lstStyle/>
+                <a:p>
+                  <a:r>
+                    <a:rPr lang="en-US">
+                      <a:noFill/>
+                    </a:rPr>
+                    <a:t> </a:t>
+                  </a:r>
+                </a:p>
+              </p:txBody>
+            </p:sp>
+          </mc:Fallback>
+        </mc:AlternateContent>
+        <mc:AlternateContent xmlns:mc="http://schemas.openxmlformats.org/markup-compatibility/2006">
+          <mc:Choice xmlns:a14="http://schemas.microsoft.com/office/drawing/2010/main" Requires="a14">
+            <p:sp>
+              <p:nvSpPr>
+                <p:cNvPr id="55" name="TextBox 54">
+                  <a:extLst>
+                    <a:ext uri="{FF2B5EF4-FFF2-40B4-BE49-F238E27FC236}">
+                      <a16:creationId xmlns:a16="http://schemas.microsoft.com/office/drawing/2014/main" id="{03CC7AEF-9E98-4EDC-A400-6527EF6308D5}"/>
+                    </a:ext>
+                  </a:extLst>
+                </p:cNvPr>
+                <p:cNvSpPr txBox="1"/>
+                <p:nvPr/>
+              </p:nvSpPr>
+              <p:spPr>
+                <a:xfrm>
+                  <a:off x="3210723" y="1895016"/>
+                  <a:ext cx="751168" cy="219227"/>
+                </a:xfrm>
+                <a:prstGeom prst="rect">
+                  <a:avLst/>
+                </a:prstGeom>
+                <a:noFill/>
+              </p:spPr>
+              <p:txBody>
+                <a:bodyPr wrap="none" lIns="0" tIns="0" rIns="0" bIns="0" rtlCol="0">
+                  <a:spAutoFit/>
+                </a:bodyPr>
+                <a:lstStyle/>
+                <a:p>
+                  <a14:m>
+                    <m:oMath xmlns:m="http://schemas.openxmlformats.org/officeDocument/2006/math">
+                      <m:sSup>
+                        <m:sSupPr>
+                          <m:ctrlPr>
+                            <a:rPr lang="en-US" sz="1400" i="1" smtClean="0">
+                              <a:latin typeface="Cambria Math" panose="02040503050406030204" pitchFamily="18" charset="0"/>
+                            </a:rPr>
+                          </m:ctrlPr>
+                        </m:sSupPr>
+                        <m:e>
+                          <m:r>
+                            <a:rPr lang="en-US" sz="1400" b="0" i="1" smtClean="0">
+                              <a:latin typeface="Cambria Math" panose="02040503050406030204" pitchFamily="18" charset="0"/>
+                            </a:rPr>
+                            <m:t>2</m:t>
+                          </m:r>
+                        </m:e>
+                        <m:sup>
+                          <m:r>
+                            <a:rPr lang="en-US" sz="1400" b="0" i="1" smtClean="0">
+                              <a:latin typeface="Cambria Math" panose="02040503050406030204" pitchFamily="18" charset="0"/>
+                            </a:rPr>
+                            <m:t>𝑛𝑑</m:t>
+                          </m:r>
+                        </m:sup>
+                      </m:sSup>
+                      <m:r>
+                        <a:rPr lang="en-US" sz="1400" b="0" i="1" smtClean="0">
+                          <a:latin typeface="Cambria Math" panose="02040503050406030204" pitchFamily="18" charset="0"/>
+                        </a:rPr>
+                        <m:t> </m:t>
+                      </m:r>
+                      <m:r>
+                        <a:rPr lang="en-US" sz="1400" b="0" i="1" smtClean="0">
+                          <a:latin typeface="Cambria Math" panose="02040503050406030204" pitchFamily="18" charset="0"/>
+                        </a:rPr>
+                        <m:t>𝑠𝑡𝑜𝑝</m:t>
+                      </m:r>
+                      <m:r>
+                        <a:rPr lang="en-US" sz="1400" b="0" i="1" smtClean="0">
+                          <a:latin typeface="Cambria Math" panose="02040503050406030204" pitchFamily="18" charset="0"/>
+                        </a:rPr>
+                        <m:t> </m:t>
+                      </m:r>
+                    </m:oMath>
+                  </a14:m>
+                  <a:r>
+                    <a:rPr lang="en-US" sz="1400" dirty="0"/>
+                    <a:t> </a:t>
+                  </a:r>
+                  <a:endParaRPr lang="en-US" dirty="0"/>
+                </a:p>
+              </p:txBody>
+            </p:sp>
+          </mc:Choice>
+          <mc:Fallback>
+            <p:sp>
+              <p:nvSpPr>
+                <p:cNvPr id="55" name="TextBox 54">
+                  <a:extLst>
+                    <a:ext uri="{FF2B5EF4-FFF2-40B4-BE49-F238E27FC236}">
+                      <a16:creationId xmlns:a16="http://schemas.microsoft.com/office/drawing/2014/main" id="{03CC7AEF-9E98-4EDC-A400-6527EF6308D5}"/>
+                    </a:ext>
+                  </a:extLst>
+                </p:cNvPr>
+                <p:cNvSpPr txBox="1">
+                  <a:spLocks noRot="1" noChangeAspect="1" noMove="1" noResize="1" noEditPoints="1" noAdjustHandles="1" noChangeArrowheads="1" noChangeShapeType="1" noTextEdit="1"/>
+                </p:cNvSpPr>
+                <p:nvPr/>
+              </p:nvSpPr>
+              <p:spPr>
+                <a:xfrm>
+                  <a:off x="3210723" y="1895016"/>
+                  <a:ext cx="751168" cy="219227"/>
+                </a:xfrm>
+                <a:prstGeom prst="rect">
+                  <a:avLst/>
+                </a:prstGeom>
+                <a:blipFill>
+                  <a:blip r:embed="rId14"/>
+                  <a:stretch>
+                    <a:fillRect l="-8130" t="-2778" b="-27778"/>
+                  </a:stretch>
+                </a:blipFill>
+              </p:spPr>
+              <p:txBody>
+                <a:bodyPr/>
+                <a:lstStyle/>
+                <a:p>
+                  <a:r>
+                    <a:rPr lang="en-US">
+                      <a:noFill/>
+                    </a:rPr>
+                    <a:t> </a:t>
+                  </a:r>
+                </a:p>
+              </p:txBody>
+            </p:sp>
+          </mc:Fallback>
+        </mc:AlternateContent>
+        <p:sp>
+          <p:nvSpPr>
+            <p:cNvPr id="56" name="Arrow: Up 55">
+              <a:extLst>
+                <a:ext uri="{FF2B5EF4-FFF2-40B4-BE49-F238E27FC236}">
+                  <a16:creationId xmlns:a16="http://schemas.microsoft.com/office/drawing/2014/main" id="{38EAF9F6-5277-426F-9E71-5D6AB67F3611}"/>
+                </a:ext>
+              </a:extLst>
+            </p:cNvPr>
+            <p:cNvSpPr/>
+            <p:nvPr/>
+          </p:nvSpPr>
+          <p:spPr>
+            <a:xfrm rot="10800000">
+              <a:off x="3807046" y="2356899"/>
+              <a:ext cx="107577" cy="236566"/>
+            </a:xfrm>
+            <a:prstGeom prst="upArrow">
+              <a:avLst/>
+            </a:prstGeom>
+          </p:spPr>
+          <p:style>
+            <a:lnRef idx="2">
+              <a:schemeClr val="accent1">
+                <a:shade val="50000"/>
+              </a:schemeClr>
+            </a:lnRef>
+            <a:fillRef idx="1">
+              <a:schemeClr val="accent1"/>
+            </a:fillRef>
+            <a:effectRef idx="0">
+              <a:schemeClr val="accent1"/>
+            </a:effectRef>
+            <a:fontRef idx="minor">
+              <a:schemeClr val="lt1"/>
+            </a:fontRef>
+          </p:style>
+          <p:txBody>
+            <a:bodyPr rtlCol="0" anchor="ctr"/>
+            <a:lstStyle/>
+            <a:p>
+              <a:pPr algn="ctr"/>
+              <a:endParaRPr lang="en-US"/>
+            </a:p>
+          </p:txBody>
+        </p:sp>
+        <p:sp>
+          <p:nvSpPr>
+            <p:cNvPr id="57" name="Arrow: Up 56">
+              <a:extLst>
+                <a:ext uri="{FF2B5EF4-FFF2-40B4-BE49-F238E27FC236}">
+                  <a16:creationId xmlns:a16="http://schemas.microsoft.com/office/drawing/2014/main" id="{528CAF2D-086B-4708-B1F1-C3F1EF96EE58}"/>
+                </a:ext>
+              </a:extLst>
+            </p:cNvPr>
+            <p:cNvSpPr/>
+            <p:nvPr/>
+          </p:nvSpPr>
+          <p:spPr>
+            <a:xfrm rot="10800000">
+              <a:off x="205750" y="2370464"/>
+              <a:ext cx="107577" cy="236566"/>
+            </a:xfrm>
+            <a:prstGeom prst="upArrow">
+              <a:avLst/>
+            </a:prstGeom>
+          </p:spPr>
+          <p:style>
+            <a:lnRef idx="2">
+              <a:schemeClr val="accent1">
+                <a:shade val="50000"/>
+              </a:schemeClr>
+            </a:lnRef>
+            <a:fillRef idx="1">
+              <a:schemeClr val="accent1"/>
+            </a:fillRef>
+            <a:effectRef idx="0">
+              <a:schemeClr val="accent1"/>
+            </a:effectRef>
+            <a:fontRef idx="minor">
+              <a:schemeClr val="lt1"/>
+            </a:fontRef>
+          </p:style>
+          <p:txBody>
+            <a:bodyPr rtlCol="0" anchor="ctr"/>
+            <a:lstStyle/>
+            <a:p>
+              <a:pPr algn="ctr"/>
+              <a:endParaRPr lang="en-US"/>
+            </a:p>
+          </p:txBody>
+        </p:sp>
+        <p:sp>
+          <p:nvSpPr>
+            <p:cNvPr id="58" name="TextBox 57">
+              <a:extLst>
+                <a:ext uri="{FF2B5EF4-FFF2-40B4-BE49-F238E27FC236}">
+                  <a16:creationId xmlns:a16="http://schemas.microsoft.com/office/drawing/2014/main" id="{C851D765-CA05-4A62-BE2B-72F5B7522E28}"/>
+                </a:ext>
+              </a:extLst>
+            </p:cNvPr>
+            <p:cNvSpPr txBox="1"/>
+            <p:nvPr/>
+          </p:nvSpPr>
+          <p:spPr>
+            <a:xfrm>
+              <a:off x="4717891" y="3275111"/>
+              <a:ext cx="1398602" cy="307777"/>
+            </a:xfrm>
+            <a:prstGeom prst="rect">
+              <a:avLst/>
+            </a:prstGeom>
+            <a:noFill/>
+          </p:spPr>
+          <p:txBody>
+            <a:bodyPr wrap="square" rtlCol="0">
+              <a:spAutoFit/>
+            </a:bodyPr>
+            <a:lstStyle/>
+            <a:p>
+              <a:pPr algn="ctr"/>
+              <a:r>
+                <a:rPr lang="en-US" sz="1400" dirty="0"/>
+                <a:t>Termination bit</a:t>
+              </a:r>
+            </a:p>
+          </p:txBody>
+        </p:sp>
+        <p:sp>
+          <p:nvSpPr>
+            <p:cNvPr id="59" name="Arrow: Up 58">
+              <a:extLst>
+                <a:ext uri="{FF2B5EF4-FFF2-40B4-BE49-F238E27FC236}">
+                  <a16:creationId xmlns:a16="http://schemas.microsoft.com/office/drawing/2014/main" id="{2C9E96A4-4E6B-4B44-B82A-49A47FB414F1}"/>
+                </a:ext>
+              </a:extLst>
+            </p:cNvPr>
+            <p:cNvSpPr/>
+            <p:nvPr/>
+          </p:nvSpPr>
+          <p:spPr>
+            <a:xfrm>
+              <a:off x="5404164" y="2901697"/>
+              <a:ext cx="89651" cy="413250"/>
+            </a:xfrm>
+            <a:prstGeom prst="upArrow">
+              <a:avLst/>
+            </a:prstGeom>
+          </p:spPr>
+          <p:style>
+            <a:lnRef idx="2">
+              <a:schemeClr val="accent1">
+                <a:shade val="50000"/>
+              </a:schemeClr>
+            </a:lnRef>
+            <a:fillRef idx="1">
+              <a:schemeClr val="accent1"/>
+            </a:fillRef>
+            <a:effectRef idx="0">
+              <a:schemeClr val="accent1"/>
+            </a:effectRef>
+            <a:fontRef idx="minor">
+              <a:schemeClr val="lt1"/>
+            </a:fontRef>
+          </p:style>
+          <p:txBody>
+            <a:bodyPr rtlCol="0" anchor="ctr"/>
+            <a:lstStyle/>
+            <a:p>
+              <a:pPr algn="ctr"/>
+              <a:endParaRPr lang="en-US"/>
+            </a:p>
+          </p:txBody>
+        </p:sp>
+        <p:sp>
+          <p:nvSpPr>
+            <p:cNvPr id="60" name="Arrow: Up 59">
+              <a:extLst>
+                <a:ext uri="{FF2B5EF4-FFF2-40B4-BE49-F238E27FC236}">
+                  <a16:creationId xmlns:a16="http://schemas.microsoft.com/office/drawing/2014/main" id="{ABEDF047-0FCE-4F58-A542-3CC8C8E2AAFC}"/>
+                </a:ext>
+              </a:extLst>
+            </p:cNvPr>
+            <p:cNvSpPr/>
+            <p:nvPr/>
+          </p:nvSpPr>
+          <p:spPr>
+            <a:xfrm rot="10800000">
+              <a:off x="5724189" y="2357880"/>
+              <a:ext cx="107577" cy="236566"/>
+            </a:xfrm>
+            <a:prstGeom prst="upArrow">
+              <a:avLst/>
+            </a:prstGeom>
+          </p:spPr>
+          <p:style>
+            <a:lnRef idx="2">
+              <a:schemeClr val="accent1">
+                <a:shade val="50000"/>
+              </a:schemeClr>
+            </a:lnRef>
+            <a:fillRef idx="1">
+              <a:schemeClr val="accent1"/>
+            </a:fillRef>
+            <a:effectRef idx="0">
+              <a:schemeClr val="accent1"/>
+            </a:effectRef>
+            <a:fontRef idx="minor">
+              <a:schemeClr val="lt1"/>
+            </a:fontRef>
+          </p:style>
+          <p:txBody>
+            <a:bodyPr rtlCol="0" anchor="ctr"/>
+            <a:lstStyle/>
+            <a:p>
+              <a:pPr algn="ctr"/>
+              <a:endParaRPr lang="en-US"/>
+            </a:p>
+          </p:txBody>
+        </p:sp>
+        <mc:AlternateContent xmlns:mc="http://schemas.openxmlformats.org/markup-compatibility/2006">
+          <mc:Choice xmlns:a14="http://schemas.microsoft.com/office/drawing/2010/main" Requires="a14">
+            <p:sp>
+              <p:nvSpPr>
+                <p:cNvPr id="61" name="TextBox 60">
+                  <a:extLst>
+                    <a:ext uri="{FF2B5EF4-FFF2-40B4-BE49-F238E27FC236}">
+                      <a16:creationId xmlns:a16="http://schemas.microsoft.com/office/drawing/2014/main" id="{E0241829-FD16-4755-96A1-ADFC99870C9B}"/>
+                    </a:ext>
+                  </a:extLst>
+                </p:cNvPr>
+                <p:cNvSpPr txBox="1"/>
+                <p:nvPr/>
+              </p:nvSpPr>
+              <p:spPr>
+                <a:xfrm>
+                  <a:off x="5230457" y="1939248"/>
+                  <a:ext cx="695062" cy="219227"/>
+                </a:xfrm>
+                <a:prstGeom prst="rect">
+                  <a:avLst/>
+                </a:prstGeom>
+                <a:noFill/>
+              </p:spPr>
+              <p:txBody>
+                <a:bodyPr wrap="none" lIns="0" tIns="0" rIns="0" bIns="0" rtlCol="0">
+                  <a:spAutoFit/>
+                </a:bodyPr>
+                <a:lstStyle/>
+                <a:p>
+                  <a14:m>
+                    <m:oMathPara xmlns:m="http://schemas.openxmlformats.org/officeDocument/2006/math">
+                      <m:oMathParaPr>
+                        <m:jc m:val="centerGroup"/>
+                      </m:oMathParaPr>
+                      <m:oMath xmlns:m="http://schemas.openxmlformats.org/officeDocument/2006/math">
+                        <m:sSup>
+                          <m:sSupPr>
+                            <m:ctrlPr>
+                              <a:rPr lang="en-US" sz="1400" i="1" smtClean="0">
+                                <a:latin typeface="Cambria Math" panose="02040503050406030204" pitchFamily="18" charset="0"/>
+                              </a:rPr>
+                            </m:ctrlPr>
+                          </m:sSupPr>
+                          <m:e>
+                            <m:r>
+                              <a:rPr lang="en-US" sz="1400" b="0" i="1" smtClean="0">
+                                <a:latin typeface="Cambria Math" panose="02040503050406030204" pitchFamily="18" charset="0"/>
+                              </a:rPr>
+                              <m:t>3</m:t>
+                            </m:r>
+                          </m:e>
+                          <m:sup>
+                            <m:r>
+                              <a:rPr lang="en-US" sz="1400" b="0" i="1" smtClean="0">
+                                <a:latin typeface="Cambria Math" panose="02040503050406030204" pitchFamily="18" charset="0"/>
+                              </a:rPr>
+                              <m:t>𝑟𝑑</m:t>
+                            </m:r>
+                          </m:sup>
+                        </m:sSup>
+                        <m:r>
+                          <a:rPr lang="en-US" sz="1400" b="0" i="1" smtClean="0">
+                            <a:latin typeface="Cambria Math" panose="02040503050406030204" pitchFamily="18" charset="0"/>
+                          </a:rPr>
+                          <m:t> </m:t>
+                        </m:r>
+                        <m:r>
+                          <a:rPr lang="en-US" sz="1400" b="0" i="1" smtClean="0">
+                            <a:latin typeface="Cambria Math" panose="02040503050406030204" pitchFamily="18" charset="0"/>
+                          </a:rPr>
+                          <m:t>𝑠𝑡𝑜𝑝</m:t>
+                        </m:r>
+                      </m:oMath>
+                    </m:oMathPara>
+                  </a14:m>
+                  <a:endParaRPr lang="en-US" dirty="0"/>
+                </a:p>
+              </p:txBody>
+            </p:sp>
+          </mc:Choice>
+          <mc:Fallback>
+            <p:sp>
+              <p:nvSpPr>
+                <p:cNvPr id="61" name="TextBox 60">
+                  <a:extLst>
+                    <a:ext uri="{FF2B5EF4-FFF2-40B4-BE49-F238E27FC236}">
+                      <a16:creationId xmlns:a16="http://schemas.microsoft.com/office/drawing/2014/main" id="{E0241829-FD16-4755-96A1-ADFC99870C9B}"/>
+                    </a:ext>
+                  </a:extLst>
+                </p:cNvPr>
+                <p:cNvSpPr txBox="1">
+                  <a:spLocks noRot="1" noChangeAspect="1" noMove="1" noResize="1" noEditPoints="1" noAdjustHandles="1" noChangeArrowheads="1" noChangeShapeType="1" noTextEdit="1"/>
+                </p:cNvSpPr>
+                <p:nvPr/>
+              </p:nvSpPr>
+              <p:spPr>
+                <a:xfrm>
+                  <a:off x="5230457" y="1939248"/>
+                  <a:ext cx="695062" cy="219227"/>
+                </a:xfrm>
+                <a:prstGeom prst="rect">
+                  <a:avLst/>
+                </a:prstGeom>
+                <a:blipFill>
+                  <a:blip r:embed="rId15"/>
+                  <a:stretch>
+                    <a:fillRect l="-5263" t="-2778" r="-7018" b="-30556"/>
+                  </a:stretch>
+                </a:blipFill>
+              </p:spPr>
+              <p:txBody>
+                <a:bodyPr/>
+                <a:lstStyle/>
+                <a:p>
+                  <a:r>
+                    <a:rPr lang="en-US">
+                      <a:noFill/>
+                    </a:rPr>
+                    <a:t> </a:t>
+                  </a:r>
+                </a:p>
+              </p:txBody>
+            </p:sp>
+          </mc:Fallback>
+        </mc:AlternateContent>
+        <mc:AlternateContent xmlns:mc="http://schemas.openxmlformats.org/markup-compatibility/2006">
+          <mc:Choice xmlns:a14="http://schemas.microsoft.com/office/drawing/2010/main" Requires="a14">
+            <p:sp>
+              <p:nvSpPr>
+                <p:cNvPr id="62" name="TextBox 61">
+                  <a:extLst>
+                    <a:ext uri="{FF2B5EF4-FFF2-40B4-BE49-F238E27FC236}">
+                      <a16:creationId xmlns:a16="http://schemas.microsoft.com/office/drawing/2014/main" id="{DB7DE08E-D48C-4A57-B68C-160AED47354E}"/>
+                    </a:ext>
+                  </a:extLst>
+                </p:cNvPr>
+                <p:cNvSpPr txBox="1"/>
+                <p:nvPr/>
+              </p:nvSpPr>
+              <p:spPr>
+                <a:xfrm>
+                  <a:off x="7071777" y="1930094"/>
+                  <a:ext cx="681405" cy="219227"/>
+                </a:xfrm>
+                <a:prstGeom prst="rect">
+                  <a:avLst/>
+                </a:prstGeom>
+                <a:noFill/>
+              </p:spPr>
+              <p:txBody>
+                <a:bodyPr wrap="none" lIns="0" tIns="0" rIns="0" bIns="0" rtlCol="0">
+                  <a:spAutoFit/>
+                </a:bodyPr>
+                <a:lstStyle/>
+                <a:p>
+                  <a14:m>
+                    <m:oMathPara xmlns:m="http://schemas.openxmlformats.org/officeDocument/2006/math">
+                      <m:oMathParaPr>
+                        <m:jc m:val="centerGroup"/>
+                      </m:oMathParaPr>
+                      <m:oMath xmlns:m="http://schemas.openxmlformats.org/officeDocument/2006/math">
+                        <m:sSup>
+                          <m:sSupPr>
+                            <m:ctrlPr>
+                              <a:rPr lang="en-US" sz="1400" i="1" smtClean="0">
+                                <a:latin typeface="Cambria Math" panose="02040503050406030204" pitchFamily="18" charset="0"/>
+                              </a:rPr>
+                            </m:ctrlPr>
+                          </m:sSupPr>
+                          <m:e>
+                            <m:r>
+                              <a:rPr lang="en-US" sz="1400" b="0" i="1" smtClean="0">
+                                <a:latin typeface="Cambria Math" panose="02040503050406030204" pitchFamily="18" charset="0"/>
+                              </a:rPr>
+                              <m:t>4</m:t>
+                            </m:r>
+                          </m:e>
+                          <m:sup>
+                            <m:r>
+                              <a:rPr lang="en-US" sz="1400" b="0" i="1" smtClean="0">
+                                <a:latin typeface="Cambria Math" panose="02040503050406030204" pitchFamily="18" charset="0"/>
+                              </a:rPr>
+                              <m:t>𝑡h</m:t>
+                            </m:r>
+                          </m:sup>
+                        </m:sSup>
+                        <m:r>
+                          <a:rPr lang="en-US" sz="1400" b="0" i="1" smtClean="0">
+                            <a:latin typeface="Cambria Math" panose="02040503050406030204" pitchFamily="18" charset="0"/>
+                          </a:rPr>
+                          <m:t> </m:t>
+                        </m:r>
+                        <m:r>
+                          <a:rPr lang="en-US" sz="1400" b="0" i="1" smtClean="0">
+                            <a:latin typeface="Cambria Math" panose="02040503050406030204" pitchFamily="18" charset="0"/>
+                          </a:rPr>
+                          <m:t>𝑠𝑡𝑜𝑝</m:t>
+                        </m:r>
+                      </m:oMath>
+                    </m:oMathPara>
+                  </a14:m>
+                  <a:endParaRPr lang="en-US" dirty="0"/>
+                </a:p>
+              </p:txBody>
+            </p:sp>
+          </mc:Choice>
+          <mc:Fallback>
+            <p:sp>
+              <p:nvSpPr>
+                <p:cNvPr id="62" name="TextBox 61">
+                  <a:extLst>
+                    <a:ext uri="{FF2B5EF4-FFF2-40B4-BE49-F238E27FC236}">
+                      <a16:creationId xmlns:a16="http://schemas.microsoft.com/office/drawing/2014/main" id="{DB7DE08E-D48C-4A57-B68C-160AED47354E}"/>
+                    </a:ext>
+                  </a:extLst>
+                </p:cNvPr>
+                <p:cNvSpPr txBox="1">
+                  <a:spLocks noRot="1" noChangeAspect="1" noMove="1" noResize="1" noEditPoints="1" noAdjustHandles="1" noChangeArrowheads="1" noChangeShapeType="1" noTextEdit="1"/>
+                </p:cNvSpPr>
+                <p:nvPr/>
+              </p:nvSpPr>
+              <p:spPr>
+                <a:xfrm>
+                  <a:off x="7071777" y="1930094"/>
+                  <a:ext cx="681405" cy="219227"/>
+                </a:xfrm>
+                <a:prstGeom prst="rect">
+                  <a:avLst/>
+                </a:prstGeom>
+                <a:blipFill>
+                  <a:blip r:embed="rId16"/>
+                  <a:stretch>
+                    <a:fillRect l="-5357" t="-2778" r="-7143" b="-27778"/>
+                  </a:stretch>
+                </a:blipFill>
+              </p:spPr>
+              <p:txBody>
+                <a:bodyPr/>
+                <a:lstStyle/>
+                <a:p>
+                  <a:r>
+                    <a:rPr lang="en-US">
+                      <a:noFill/>
+                    </a:rPr>
+                    <a:t> </a:t>
+                  </a:r>
+                </a:p>
+              </p:txBody>
+            </p:sp>
+          </mc:Fallback>
+        </mc:AlternateContent>
+        <p:sp>
+          <p:nvSpPr>
+            <p:cNvPr id="63" name="Arrow: Up 62">
+              <a:extLst>
+                <a:ext uri="{FF2B5EF4-FFF2-40B4-BE49-F238E27FC236}">
+                  <a16:creationId xmlns:a16="http://schemas.microsoft.com/office/drawing/2014/main" id="{796A3A0D-9FB8-4E8A-80C9-FD4DBF156F5D}"/>
+                </a:ext>
+              </a:extLst>
+            </p:cNvPr>
+            <p:cNvSpPr/>
+            <p:nvPr/>
+          </p:nvSpPr>
+          <p:spPr>
+            <a:xfrm rot="10800000">
+              <a:off x="7606997" y="2357660"/>
+              <a:ext cx="107577" cy="236566"/>
+            </a:xfrm>
+            <a:prstGeom prst="upArrow">
+              <a:avLst/>
+            </a:prstGeom>
+          </p:spPr>
+          <p:style>
+            <a:lnRef idx="2">
+              <a:schemeClr val="accent1">
+                <a:shade val="50000"/>
+              </a:schemeClr>
+            </a:lnRef>
+            <a:fillRef idx="1">
+              <a:schemeClr val="accent1"/>
+            </a:fillRef>
+            <a:effectRef idx="0">
+              <a:schemeClr val="accent1"/>
+            </a:effectRef>
+            <a:fontRef idx="minor">
+              <a:schemeClr val="lt1"/>
+            </a:fontRef>
+          </p:style>
+          <p:txBody>
+            <a:bodyPr rtlCol="0" anchor="ctr"/>
+            <a:lstStyle/>
+            <a:p>
+              <a:pPr algn="ctr"/>
+              <a:endParaRPr lang="en-US"/>
+            </a:p>
+          </p:txBody>
+        </p:sp>
+        <p:sp>
+          <p:nvSpPr>
+            <p:cNvPr id="64" name="Arrow: Up 63">
+              <a:extLst>
+                <a:ext uri="{FF2B5EF4-FFF2-40B4-BE49-F238E27FC236}">
+                  <a16:creationId xmlns:a16="http://schemas.microsoft.com/office/drawing/2014/main" id="{C51BFF16-50BF-4D09-B617-EECFC680C80D}"/>
+                </a:ext>
+              </a:extLst>
+            </p:cNvPr>
+            <p:cNvSpPr/>
+            <p:nvPr/>
+          </p:nvSpPr>
+          <p:spPr>
+            <a:xfrm rot="10800000">
+              <a:off x="7446290" y="2137672"/>
+              <a:ext cx="86435" cy="478165"/>
+            </a:xfrm>
+            <a:prstGeom prst="upArrow">
+              <a:avLst/>
+            </a:prstGeom>
+          </p:spPr>
+          <p:style>
+            <a:lnRef idx="2">
+              <a:schemeClr val="accent1">
+                <a:shade val="50000"/>
+              </a:schemeClr>
+            </a:lnRef>
+            <a:fillRef idx="1">
+              <a:schemeClr val="accent1"/>
+            </a:fillRef>
+            <a:effectRef idx="0">
+              <a:schemeClr val="accent1"/>
+            </a:effectRef>
+            <a:fontRef idx="minor">
+              <a:schemeClr val="lt1"/>
+            </a:fontRef>
+          </p:style>
+          <p:txBody>
+            <a:bodyPr rtlCol="0" anchor="ctr"/>
+            <a:lstStyle/>
+            <a:p>
+              <a:pPr algn="ctr"/>
+              <a:endParaRPr lang="en-US"/>
+            </a:p>
+          </p:txBody>
+        </p:sp>
+        <p:sp>
+          <p:nvSpPr>
+            <p:cNvPr id="67" name="Arrow: Up 66">
+              <a:extLst>
+                <a:ext uri="{FF2B5EF4-FFF2-40B4-BE49-F238E27FC236}">
+                  <a16:creationId xmlns:a16="http://schemas.microsoft.com/office/drawing/2014/main" id="{1388DCEB-8609-4469-97A6-6684788AFBD1}"/>
+                </a:ext>
+              </a:extLst>
+            </p:cNvPr>
+            <p:cNvSpPr/>
+            <p:nvPr/>
+          </p:nvSpPr>
+          <p:spPr>
+            <a:xfrm rot="10800000">
+              <a:off x="1768540" y="2153329"/>
+              <a:ext cx="89651" cy="482114"/>
+            </a:xfrm>
+            <a:prstGeom prst="upArrow">
+              <a:avLst/>
+            </a:prstGeom>
+          </p:spPr>
+          <p:style>
+            <a:lnRef idx="2">
+              <a:schemeClr val="accent1">
+                <a:shade val="50000"/>
+              </a:schemeClr>
+            </a:lnRef>
+            <a:fillRef idx="1">
+              <a:schemeClr val="accent1"/>
+            </a:fillRef>
+            <a:effectRef idx="0">
+              <a:schemeClr val="accent1"/>
+            </a:effectRef>
+            <a:fontRef idx="minor">
+              <a:schemeClr val="lt1"/>
+            </a:fontRef>
+          </p:style>
+          <p:txBody>
+            <a:bodyPr rtlCol="0" anchor="ctr"/>
+            <a:lstStyle/>
+            <a:p>
+              <a:pPr algn="ctr"/>
+              <a:endParaRPr lang="en-US"/>
+            </a:p>
+          </p:txBody>
+        </p:sp>
+        <p:sp>
+          <p:nvSpPr>
+            <p:cNvPr id="68" name="TextBox 67">
+              <a:extLst>
+                <a:ext uri="{FF2B5EF4-FFF2-40B4-BE49-F238E27FC236}">
+                  <a16:creationId xmlns:a16="http://schemas.microsoft.com/office/drawing/2014/main" id="{50A63BF1-1E03-4294-8723-D9D7EC326DDA}"/>
+                </a:ext>
+              </a:extLst>
+            </p:cNvPr>
+            <p:cNvSpPr txBox="1"/>
+            <p:nvPr/>
+          </p:nvSpPr>
+          <p:spPr>
+            <a:xfrm>
+              <a:off x="9140984" y="3289084"/>
+              <a:ext cx="1297647" cy="307777"/>
+            </a:xfrm>
+            <a:prstGeom prst="rect">
+              <a:avLst/>
+            </a:prstGeom>
+            <a:noFill/>
+          </p:spPr>
+          <p:txBody>
+            <a:bodyPr wrap="square" rtlCol="0">
+              <a:spAutoFit/>
+            </a:bodyPr>
+            <a:lstStyle/>
+            <a:p>
+              <a:r>
+                <a:rPr lang="en-US" sz="1400" dirty="0"/>
+                <a:t>Termination bit</a:t>
+              </a:r>
+            </a:p>
+          </p:txBody>
+        </p:sp>
+        <p:sp>
+          <p:nvSpPr>
+            <p:cNvPr id="69" name="Arrow: Up 68">
+              <a:extLst>
+                <a:ext uri="{FF2B5EF4-FFF2-40B4-BE49-F238E27FC236}">
+                  <a16:creationId xmlns:a16="http://schemas.microsoft.com/office/drawing/2014/main" id="{A1A332AB-FBD4-43C9-BBA1-DB2C50B77C7B}"/>
+                </a:ext>
+              </a:extLst>
+            </p:cNvPr>
+            <p:cNvSpPr/>
+            <p:nvPr/>
+          </p:nvSpPr>
+          <p:spPr>
+            <a:xfrm>
+              <a:off x="9789808" y="2875834"/>
+              <a:ext cx="89651" cy="413250"/>
+            </a:xfrm>
+            <a:prstGeom prst="upArrow">
+              <a:avLst/>
+            </a:prstGeom>
+          </p:spPr>
+          <p:style>
+            <a:lnRef idx="2">
+              <a:schemeClr val="accent1">
+                <a:shade val="50000"/>
+              </a:schemeClr>
+            </a:lnRef>
+            <a:fillRef idx="1">
+              <a:schemeClr val="accent1"/>
+            </a:fillRef>
+            <a:effectRef idx="0">
+              <a:schemeClr val="accent1"/>
+            </a:effectRef>
+            <a:fontRef idx="minor">
+              <a:schemeClr val="lt1"/>
+            </a:fontRef>
+          </p:style>
+          <p:txBody>
+            <a:bodyPr rtlCol="0" anchor="ctr"/>
+            <a:lstStyle/>
+            <a:p>
+              <a:pPr algn="ctr"/>
+              <a:endParaRPr lang="en-US"/>
+            </a:p>
+          </p:txBody>
+        </p:sp>
+        <p:sp>
+          <p:nvSpPr>
+            <p:cNvPr id="70" name="TextBox 69">
+              <a:extLst>
+                <a:ext uri="{FF2B5EF4-FFF2-40B4-BE49-F238E27FC236}">
+                  <a16:creationId xmlns:a16="http://schemas.microsoft.com/office/drawing/2014/main" id="{E6C6228E-FE9A-42D8-8473-1A20413E1AE7}"/>
+                </a:ext>
+              </a:extLst>
+            </p:cNvPr>
+            <p:cNvSpPr txBox="1"/>
+            <p:nvPr/>
+          </p:nvSpPr>
+          <p:spPr>
+            <a:xfrm>
+              <a:off x="10811377" y="3283290"/>
+              <a:ext cx="1428105" cy="307777"/>
+            </a:xfrm>
+            <a:prstGeom prst="rect">
+              <a:avLst/>
+            </a:prstGeom>
+            <a:noFill/>
+          </p:spPr>
+          <p:txBody>
+            <a:bodyPr wrap="square" rtlCol="0">
+              <a:spAutoFit/>
+            </a:bodyPr>
+            <a:lstStyle/>
+            <a:p>
+              <a:pPr algn="ctr"/>
+              <a:r>
+                <a:rPr lang="en-US" sz="1400" dirty="0"/>
+                <a:t>Termination byte</a:t>
+              </a:r>
+            </a:p>
+          </p:txBody>
+        </p:sp>
+        <p:sp>
+          <p:nvSpPr>
+            <p:cNvPr id="71" name="Arrow: Up 70">
+              <a:extLst>
+                <a:ext uri="{FF2B5EF4-FFF2-40B4-BE49-F238E27FC236}">
+                  <a16:creationId xmlns:a16="http://schemas.microsoft.com/office/drawing/2014/main" id="{7A543977-0C61-4C1D-A877-A74775F8066D}"/>
+                </a:ext>
+              </a:extLst>
+            </p:cNvPr>
+            <p:cNvSpPr/>
+            <p:nvPr/>
+          </p:nvSpPr>
+          <p:spPr>
+            <a:xfrm>
+              <a:off x="11543072" y="2892245"/>
+              <a:ext cx="89651" cy="413250"/>
+            </a:xfrm>
+            <a:prstGeom prst="upArrow">
+              <a:avLst/>
+            </a:prstGeom>
+          </p:spPr>
+          <p:style>
+            <a:lnRef idx="2">
+              <a:schemeClr val="accent1">
+                <a:shade val="50000"/>
+              </a:schemeClr>
+            </a:lnRef>
+            <a:fillRef idx="1">
+              <a:schemeClr val="accent1"/>
+            </a:fillRef>
+            <a:effectRef idx="0">
+              <a:schemeClr val="accent1"/>
+            </a:effectRef>
+            <a:fontRef idx="minor">
+              <a:schemeClr val="lt1"/>
+            </a:fontRef>
+          </p:style>
+          <p:txBody>
+            <a:bodyPr rtlCol="0" anchor="ctr"/>
+            <a:lstStyle/>
+            <a:p>
+              <a:pPr algn="ctr"/>
+              <a:endParaRPr lang="en-US"/>
+            </a:p>
+          </p:txBody>
+        </p:sp>
+        <mc:AlternateContent xmlns:mc="http://schemas.openxmlformats.org/markup-compatibility/2006">
+          <mc:Choice xmlns:a14="http://schemas.microsoft.com/office/drawing/2010/main" Requires="a14">
+            <p:sp>
+              <p:nvSpPr>
+                <p:cNvPr id="72" name="TextBox 71">
+                  <a:extLst>
+                    <a:ext uri="{FF2B5EF4-FFF2-40B4-BE49-F238E27FC236}">
+                      <a16:creationId xmlns:a16="http://schemas.microsoft.com/office/drawing/2014/main" id="{DC909EF0-A7DA-4067-9647-D1B025765BE3}"/>
+                    </a:ext>
+                  </a:extLst>
+                </p:cNvPr>
+                <p:cNvSpPr txBox="1"/>
+                <p:nvPr/>
+              </p:nvSpPr>
+              <p:spPr>
+                <a:xfrm>
+                  <a:off x="9652982" y="1933808"/>
+                  <a:ext cx="681405" cy="219227"/>
+                </a:xfrm>
+                <a:prstGeom prst="rect">
+                  <a:avLst/>
+                </a:prstGeom>
+                <a:noFill/>
+              </p:spPr>
+              <p:txBody>
+                <a:bodyPr wrap="none" lIns="0" tIns="0" rIns="0" bIns="0" rtlCol="0">
+                  <a:spAutoFit/>
+                </a:bodyPr>
+                <a:lstStyle/>
+                <a:p>
+                  <a14:m>
+                    <m:oMathPara xmlns:m="http://schemas.openxmlformats.org/officeDocument/2006/math">
+                      <m:oMathParaPr>
+                        <m:jc m:val="centerGroup"/>
+                      </m:oMathParaPr>
+                      <m:oMath xmlns:m="http://schemas.openxmlformats.org/officeDocument/2006/math">
+                        <m:sSup>
+                          <m:sSupPr>
+                            <m:ctrlPr>
+                              <a:rPr lang="en-US" sz="1400" i="1" smtClean="0">
+                                <a:latin typeface="Cambria Math" panose="02040503050406030204" pitchFamily="18" charset="0"/>
+                              </a:rPr>
+                            </m:ctrlPr>
+                          </m:sSupPr>
+                          <m:e>
+                            <m:r>
+                              <a:rPr lang="en-US" sz="1400" b="0" i="1" smtClean="0">
+                                <a:latin typeface="Cambria Math" panose="02040503050406030204" pitchFamily="18" charset="0"/>
+                              </a:rPr>
+                              <m:t>5</m:t>
+                            </m:r>
+                          </m:e>
+                          <m:sup>
+                            <m:r>
+                              <a:rPr lang="en-US" sz="1400" b="0" i="1" smtClean="0">
+                                <a:latin typeface="Cambria Math" panose="02040503050406030204" pitchFamily="18" charset="0"/>
+                              </a:rPr>
+                              <m:t>𝑡h</m:t>
+                            </m:r>
+                          </m:sup>
+                        </m:sSup>
+                        <m:r>
+                          <a:rPr lang="en-US" sz="1400" b="0" i="1" smtClean="0">
+                            <a:latin typeface="Cambria Math" panose="02040503050406030204" pitchFamily="18" charset="0"/>
+                          </a:rPr>
+                          <m:t> </m:t>
+                        </m:r>
+                        <m:r>
+                          <a:rPr lang="en-US" sz="1400" b="0" i="1" smtClean="0">
+                            <a:latin typeface="Cambria Math" panose="02040503050406030204" pitchFamily="18" charset="0"/>
+                          </a:rPr>
+                          <m:t>𝑠𝑡𝑜𝑝</m:t>
+                        </m:r>
+                      </m:oMath>
+                    </m:oMathPara>
+                  </a14:m>
+                  <a:endParaRPr lang="en-US" dirty="0"/>
+                </a:p>
+              </p:txBody>
+            </p:sp>
+          </mc:Choice>
+          <mc:Fallback>
+            <p:sp>
+              <p:nvSpPr>
+                <p:cNvPr id="72" name="TextBox 71">
+                  <a:extLst>
+                    <a:ext uri="{FF2B5EF4-FFF2-40B4-BE49-F238E27FC236}">
+                      <a16:creationId xmlns:a16="http://schemas.microsoft.com/office/drawing/2014/main" id="{DC909EF0-A7DA-4067-9647-D1B025765BE3}"/>
+                    </a:ext>
+                  </a:extLst>
+                </p:cNvPr>
+                <p:cNvSpPr txBox="1">
+                  <a:spLocks noRot="1" noChangeAspect="1" noMove="1" noResize="1" noEditPoints="1" noAdjustHandles="1" noChangeArrowheads="1" noChangeShapeType="1" noTextEdit="1"/>
+                </p:cNvSpPr>
+                <p:nvPr/>
+              </p:nvSpPr>
+              <p:spPr>
+                <a:xfrm>
+                  <a:off x="9652982" y="1933808"/>
+                  <a:ext cx="681405" cy="219227"/>
+                </a:xfrm>
+                <a:prstGeom prst="rect">
+                  <a:avLst/>
+                </a:prstGeom>
+                <a:blipFill>
+                  <a:blip r:embed="rId17"/>
+                  <a:stretch>
+                    <a:fillRect l="-5357" t="-2778" r="-7143" b="-30556"/>
+                  </a:stretch>
+                </a:blipFill>
+              </p:spPr>
+              <p:txBody>
+                <a:bodyPr/>
+                <a:lstStyle/>
+                <a:p>
+                  <a:r>
+                    <a:rPr lang="en-US">
+                      <a:noFill/>
+                    </a:rPr>
+                    <a:t> </a:t>
+                  </a:r>
+                </a:p>
+              </p:txBody>
+            </p:sp>
+          </mc:Fallback>
+        </mc:AlternateContent>
+        <p:sp>
+          <p:nvSpPr>
+            <p:cNvPr id="73" name="Arrow: Up 72">
+              <a:extLst>
+                <a:ext uri="{FF2B5EF4-FFF2-40B4-BE49-F238E27FC236}">
+                  <a16:creationId xmlns:a16="http://schemas.microsoft.com/office/drawing/2014/main" id="{B55317F6-ADC7-4BDB-B6EF-26A2546732EA}"/>
+                </a:ext>
+              </a:extLst>
+            </p:cNvPr>
+            <p:cNvSpPr/>
+            <p:nvPr/>
+          </p:nvSpPr>
+          <p:spPr>
+            <a:xfrm rot="10800000">
+              <a:off x="3614383" y="2124460"/>
+              <a:ext cx="89651" cy="482114"/>
+            </a:xfrm>
+            <a:prstGeom prst="upArrow">
+              <a:avLst/>
+            </a:prstGeom>
+          </p:spPr>
+          <p:style>
+            <a:lnRef idx="2">
+              <a:schemeClr val="accent1">
+                <a:shade val="50000"/>
+              </a:schemeClr>
+            </a:lnRef>
+            <a:fillRef idx="1">
+              <a:schemeClr val="accent1"/>
+            </a:fillRef>
+            <a:effectRef idx="0">
+              <a:schemeClr val="accent1"/>
+            </a:effectRef>
+            <a:fontRef idx="minor">
+              <a:schemeClr val="lt1"/>
+            </a:fontRef>
+          </p:style>
+          <p:txBody>
+            <a:bodyPr rtlCol="0" anchor="ctr"/>
+            <a:lstStyle/>
+            <a:p>
+              <a:pPr algn="ctr"/>
+              <a:endParaRPr lang="en-US"/>
+            </a:p>
+          </p:txBody>
+        </p:sp>
+      </p:grpSp>
+      <p:grpSp>
+        <p:nvGrpSpPr>
+          <p:cNvPr id="85" name="Group 84">
+            <a:extLst>
+              <a:ext uri="{FF2B5EF4-FFF2-40B4-BE49-F238E27FC236}">
+                <a16:creationId xmlns:a16="http://schemas.microsoft.com/office/drawing/2014/main" id="{37C6F22E-D5B5-46F7-8D7A-4DB706BFB0F1}"/>
+              </a:ext>
+            </a:extLst>
+          </p:cNvPr>
+          <p:cNvGrpSpPr/>
+          <p:nvPr/>
+        </p:nvGrpSpPr>
+        <p:grpSpPr>
+          <a:xfrm>
+            <a:off x="4308343" y="4441330"/>
+            <a:ext cx="3298654" cy="1176266"/>
+            <a:chOff x="4308343" y="4441330"/>
+            <a:chExt cx="3298654" cy="1176266"/>
+          </a:xfrm>
+        </p:grpSpPr>
+        <mc:AlternateContent xmlns:mc="http://schemas.openxmlformats.org/markup-compatibility/2006">
+          <mc:Choice xmlns:a14="http://schemas.microsoft.com/office/drawing/2010/main" Requires="a14">
+            <p:sp>
+              <p:nvSpPr>
+                <p:cNvPr id="27" name="TextBox 26">
+                  <a:extLst>
+                    <a:ext uri="{FF2B5EF4-FFF2-40B4-BE49-F238E27FC236}">
+                      <a16:creationId xmlns:a16="http://schemas.microsoft.com/office/drawing/2014/main" id="{4E07FE89-F812-4249-B167-A6D9327A1B6D}"/>
+                    </a:ext>
+                  </a:extLst>
+                </p:cNvPr>
+                <p:cNvSpPr txBox="1"/>
+                <p:nvPr/>
+              </p:nvSpPr>
+              <p:spPr>
+                <a:xfrm>
+                  <a:off x="4430294" y="4441330"/>
+                  <a:ext cx="2216064" cy="492443"/>
+                </a:xfrm>
+                <a:prstGeom prst="rect">
+                  <a:avLst/>
+                </a:prstGeom>
+                <a:noFill/>
+              </p:spPr>
+              <p:txBody>
+                <a:bodyPr wrap="square" rtlCol="0">
+                  <a:spAutoFit/>
+                </a:bodyPr>
+                <a:lstStyle/>
+                <a:p>
+                  <a:r>
+                    <a:rPr lang="en-US" sz="2600" b="0" dirty="0"/>
+                    <a:t>{</a:t>
+                  </a:r>
+                  <a14:m>
+                    <m:oMath xmlns:m="http://schemas.openxmlformats.org/officeDocument/2006/math">
+                      <m:r>
+                        <a:rPr lang="en-US" sz="2600" b="0" i="1" smtClean="0">
+                          <a:latin typeface="Cambria Math" panose="02040503050406030204" pitchFamily="18" charset="0"/>
+                        </a:rPr>
+                        <m:t>0_7′</m:t>
+                      </m:r>
+                      <m:r>
+                        <a:rPr lang="en-US" sz="2600" b="0" i="1" smtClean="0">
+                          <a:latin typeface="Cambria Math" panose="02040503050406030204" pitchFamily="18" charset="0"/>
+                        </a:rPr>
+                        <m:t>𝑏𝑖𝑡𝑠</m:t>
+                      </m:r>
+                      <m:r>
+                        <a:rPr lang="en-US" sz="2600" b="0" i="1" smtClean="0">
+                          <a:latin typeface="Cambria Math" panose="02040503050406030204" pitchFamily="18" charset="0"/>
+                        </a:rPr>
+                        <m:t>_0_1}</m:t>
+                      </m:r>
+                    </m:oMath>
+                  </a14:m>
+                  <a:endParaRPr lang="en-US" sz="2600" dirty="0"/>
+                </a:p>
+              </p:txBody>
+            </p:sp>
+          </mc:Choice>
+          <mc:Fallback>
+            <p:sp>
+              <p:nvSpPr>
+                <p:cNvPr id="27" name="TextBox 26">
+                  <a:extLst>
+                    <a:ext uri="{FF2B5EF4-FFF2-40B4-BE49-F238E27FC236}">
+                      <a16:creationId xmlns:a16="http://schemas.microsoft.com/office/drawing/2014/main" id="{4E07FE89-F812-4249-B167-A6D9327A1B6D}"/>
+                    </a:ext>
+                  </a:extLst>
+                </p:cNvPr>
+                <p:cNvSpPr txBox="1">
+                  <a:spLocks noRot="1" noChangeAspect="1" noMove="1" noResize="1" noEditPoints="1" noAdjustHandles="1" noChangeArrowheads="1" noChangeShapeType="1" noTextEdit="1"/>
+                </p:cNvSpPr>
+                <p:nvPr/>
+              </p:nvSpPr>
+              <p:spPr>
+                <a:xfrm>
+                  <a:off x="4430294" y="4441330"/>
+                  <a:ext cx="2216064" cy="492443"/>
+                </a:xfrm>
+                <a:prstGeom prst="rect">
+                  <a:avLst/>
+                </a:prstGeom>
+                <a:blipFill>
+                  <a:blip r:embed="rId18"/>
+                  <a:stretch>
+                    <a:fillRect l="-4959" t="-11250" b="-32500"/>
+                  </a:stretch>
+                </a:blipFill>
+              </p:spPr>
+              <p:txBody>
+                <a:bodyPr/>
+                <a:lstStyle/>
+                <a:p>
+                  <a:r>
+                    <a:rPr lang="en-US">
+                      <a:noFill/>
+                    </a:rPr>
+                    <a:t> </a:t>
+                  </a:r>
+                </a:p>
+              </p:txBody>
+            </p:sp>
+          </mc:Fallback>
+        </mc:AlternateContent>
+        <mc:AlternateContent xmlns:mc="http://schemas.openxmlformats.org/markup-compatibility/2006">
+          <mc:Choice xmlns:a14="http://schemas.microsoft.com/office/drawing/2010/main" Requires="a14">
+            <p:sp>
+              <p:nvSpPr>
+                <p:cNvPr id="76" name="TextBox 75">
+                  <a:extLst>
+                    <a:ext uri="{FF2B5EF4-FFF2-40B4-BE49-F238E27FC236}">
+                      <a16:creationId xmlns:a16="http://schemas.microsoft.com/office/drawing/2014/main" id="{9947674C-5564-4DDA-9EF1-44F39CB6F6F9}"/>
+                    </a:ext>
+                  </a:extLst>
+                </p:cNvPr>
+                <p:cNvSpPr txBox="1"/>
+                <p:nvPr/>
+              </p:nvSpPr>
+              <p:spPr>
+                <a:xfrm>
+                  <a:off x="4308343" y="5340597"/>
+                  <a:ext cx="600357" cy="276999"/>
+                </a:xfrm>
+                <a:prstGeom prst="rect">
+                  <a:avLst/>
+                </a:prstGeom>
+                <a:noFill/>
+              </p:spPr>
+              <p:txBody>
+                <a:bodyPr wrap="none" lIns="0" tIns="0" rIns="0" bIns="0" rtlCol="0">
+                  <a:spAutoFit/>
+                </a:bodyPr>
+                <a:lstStyle/>
+                <a:p>
+                  <a14:m>
+                    <m:oMathPara xmlns:m="http://schemas.openxmlformats.org/officeDocument/2006/math">
+                      <m:oMathParaPr>
+                        <m:jc m:val="centerGroup"/>
+                      </m:oMathParaPr>
+                      <m:oMath xmlns:m="http://schemas.openxmlformats.org/officeDocument/2006/math">
+                        <m:r>
+                          <a:rPr lang="en-US" i="1" smtClean="0">
+                            <a:latin typeface="Cambria Math" panose="02040503050406030204" pitchFamily="18" charset="0"/>
+                          </a:rPr>
+                          <m:t>𝑆</m:t>
+                        </m:r>
+                        <m:r>
+                          <a:rPr lang="en-US" b="0" i="1" smtClean="0">
+                            <a:latin typeface="Cambria Math" panose="02040503050406030204" pitchFamily="18" charset="0"/>
+                          </a:rPr>
+                          <m:t>𝑡𝑎𝑟𝑡</m:t>
+                        </m:r>
+                      </m:oMath>
+                    </m:oMathPara>
+                  </a14:m>
+                  <a:endParaRPr lang="en-US" sz="2400" dirty="0"/>
+                </a:p>
+              </p:txBody>
+            </p:sp>
+          </mc:Choice>
+          <mc:Fallback>
+            <p:sp>
+              <p:nvSpPr>
+                <p:cNvPr id="76" name="TextBox 75">
+                  <a:extLst>
+                    <a:ext uri="{FF2B5EF4-FFF2-40B4-BE49-F238E27FC236}">
+                      <a16:creationId xmlns:a16="http://schemas.microsoft.com/office/drawing/2014/main" id="{9947674C-5564-4DDA-9EF1-44F39CB6F6F9}"/>
+                    </a:ext>
+                  </a:extLst>
+                </p:cNvPr>
+                <p:cNvSpPr txBox="1">
+                  <a:spLocks noRot="1" noChangeAspect="1" noMove="1" noResize="1" noEditPoints="1" noAdjustHandles="1" noChangeArrowheads="1" noChangeShapeType="1" noTextEdit="1"/>
+                </p:cNvSpPr>
+                <p:nvPr/>
+              </p:nvSpPr>
+              <p:spPr>
+                <a:xfrm>
+                  <a:off x="4308343" y="5340597"/>
+                  <a:ext cx="600357" cy="276999"/>
+                </a:xfrm>
+                <a:prstGeom prst="rect">
+                  <a:avLst/>
+                </a:prstGeom>
+                <a:blipFill>
+                  <a:blip r:embed="rId19"/>
+                  <a:stretch>
+                    <a:fillRect l="-9184" r="-8163" b="-6522"/>
+                  </a:stretch>
+                </a:blipFill>
+              </p:spPr>
+              <p:txBody>
+                <a:bodyPr/>
+                <a:lstStyle/>
+                <a:p>
+                  <a:r>
+                    <a:rPr lang="en-US">
+                      <a:noFill/>
+                    </a:rPr>
+                    <a:t> </a:t>
+                  </a:r>
+                </a:p>
+              </p:txBody>
+            </p:sp>
+          </mc:Fallback>
+        </mc:AlternateContent>
+        <mc:AlternateContent xmlns:mc="http://schemas.openxmlformats.org/markup-compatibility/2006">
+          <mc:Choice xmlns:a14="http://schemas.microsoft.com/office/drawing/2010/main" Requires="a14">
+            <p:sp>
+              <p:nvSpPr>
+                <p:cNvPr id="77" name="TextBox 76">
+                  <a:extLst>
+                    <a:ext uri="{FF2B5EF4-FFF2-40B4-BE49-F238E27FC236}">
+                      <a16:creationId xmlns:a16="http://schemas.microsoft.com/office/drawing/2014/main" id="{D6C56F47-43EA-4113-94C1-657883D7A74C}"/>
+                    </a:ext>
+                  </a:extLst>
+                </p:cNvPr>
+                <p:cNvSpPr txBox="1"/>
+                <p:nvPr/>
+              </p:nvSpPr>
+              <p:spPr>
+                <a:xfrm>
+                  <a:off x="5665223" y="5340597"/>
+                  <a:ext cx="520592" cy="276999"/>
+                </a:xfrm>
+                <a:prstGeom prst="rect">
+                  <a:avLst/>
+                </a:prstGeom>
+                <a:noFill/>
+              </p:spPr>
+              <p:txBody>
+                <a:bodyPr wrap="none" lIns="0" tIns="0" rIns="0" bIns="0" rtlCol="0">
+                  <a:spAutoFit/>
+                </a:bodyPr>
+                <a:lstStyle/>
+                <a:p>
+                  <a:pPr/>
+                  <a14:m>
+                    <m:oMathPara xmlns:m="http://schemas.openxmlformats.org/officeDocument/2006/math">
+                      <m:oMathParaPr>
+                        <m:jc m:val="centerGroup"/>
+                      </m:oMathParaPr>
+                      <m:oMath xmlns:m="http://schemas.openxmlformats.org/officeDocument/2006/math">
+                        <m:r>
+                          <a:rPr lang="en-US" i="1">
+                            <a:latin typeface="Cambria Math" panose="02040503050406030204" pitchFamily="18" charset="0"/>
+                          </a:rPr>
+                          <m:t>𝑆𝑡𝑜𝑝</m:t>
+                        </m:r>
+                      </m:oMath>
+                    </m:oMathPara>
+                  </a14:m>
+                  <a:endParaRPr lang="en-US" sz="2400" dirty="0"/>
+                </a:p>
+              </p:txBody>
+            </p:sp>
+          </mc:Choice>
+          <mc:Fallback>
+            <p:sp>
+              <p:nvSpPr>
+                <p:cNvPr id="77" name="TextBox 76">
+                  <a:extLst>
+                    <a:ext uri="{FF2B5EF4-FFF2-40B4-BE49-F238E27FC236}">
+                      <a16:creationId xmlns:a16="http://schemas.microsoft.com/office/drawing/2014/main" id="{D6C56F47-43EA-4113-94C1-657883D7A74C}"/>
+                    </a:ext>
+                  </a:extLst>
+                </p:cNvPr>
+                <p:cNvSpPr txBox="1">
+                  <a:spLocks noRot="1" noChangeAspect="1" noMove="1" noResize="1" noEditPoints="1" noAdjustHandles="1" noChangeArrowheads="1" noChangeShapeType="1" noTextEdit="1"/>
+                </p:cNvSpPr>
+                <p:nvPr/>
+              </p:nvSpPr>
+              <p:spPr>
+                <a:xfrm>
+                  <a:off x="5665223" y="5340597"/>
+                  <a:ext cx="520592" cy="276999"/>
+                </a:xfrm>
+                <a:prstGeom prst="rect">
+                  <a:avLst/>
+                </a:prstGeom>
+                <a:blipFill>
+                  <a:blip r:embed="rId20"/>
+                  <a:stretch>
+                    <a:fillRect l="-13953" r="-15116" b="-32609"/>
+                  </a:stretch>
+                </a:blipFill>
+              </p:spPr>
+              <p:txBody>
+                <a:bodyPr/>
+                <a:lstStyle/>
+                <a:p>
+                  <a:r>
+                    <a:rPr lang="en-US">
+                      <a:noFill/>
+                    </a:rPr>
+                    <a:t> </a:t>
+                  </a:r>
+                </a:p>
+              </p:txBody>
+            </p:sp>
+          </mc:Fallback>
+        </mc:AlternateContent>
+        <mc:AlternateContent xmlns:mc="http://schemas.openxmlformats.org/markup-compatibility/2006">
+          <mc:Choice xmlns:a14="http://schemas.microsoft.com/office/drawing/2010/main" Requires="a14">
+            <p:sp>
+              <p:nvSpPr>
+                <p:cNvPr id="78" name="TextBox 77">
+                  <a:extLst>
+                    <a:ext uri="{FF2B5EF4-FFF2-40B4-BE49-F238E27FC236}">
+                      <a16:creationId xmlns:a16="http://schemas.microsoft.com/office/drawing/2014/main" id="{B91ED6E9-05D1-4982-9DCF-8D5C59DAF3D4}"/>
+                    </a:ext>
+                  </a:extLst>
+                </p:cNvPr>
+                <p:cNvSpPr txBox="1"/>
+                <p:nvPr/>
+              </p:nvSpPr>
+              <p:spPr>
+                <a:xfrm>
+                  <a:off x="6238866" y="5329727"/>
+                  <a:ext cx="1368131" cy="276999"/>
+                </a:xfrm>
+                <a:prstGeom prst="rect">
+                  <a:avLst/>
+                </a:prstGeom>
+                <a:noFill/>
+              </p:spPr>
+              <p:txBody>
+                <a:bodyPr wrap="none" lIns="0" tIns="0" rIns="0" bIns="0" rtlCol="0">
+                  <a:spAutoFit/>
+                </a:bodyPr>
+                <a:lstStyle/>
+                <a:p>
+                  <a:pPr/>
+                  <a14:m>
+                    <m:oMathPara xmlns:m="http://schemas.openxmlformats.org/officeDocument/2006/math">
+                      <m:oMathParaPr>
+                        <m:jc m:val="centerGroup"/>
+                      </m:oMathParaPr>
+                      <m:oMath xmlns:m="http://schemas.openxmlformats.org/officeDocument/2006/math">
+                        <m:r>
+                          <a:rPr lang="en-US" b="0" i="1" smtClean="0">
+                            <a:latin typeface="Cambria Math" panose="02040503050406030204" pitchFamily="18" charset="0"/>
+                          </a:rPr>
+                          <m:t>𝑇𝑒𝑟𝑚𝑖𝑛𝑎𝑡𝑖𝑜𝑛</m:t>
+                        </m:r>
+                      </m:oMath>
+                    </m:oMathPara>
+                  </a14:m>
+                  <a:endParaRPr lang="en-US" sz="2400" dirty="0"/>
+                </a:p>
+              </p:txBody>
+            </p:sp>
+          </mc:Choice>
+          <mc:Fallback>
+            <p:sp>
+              <p:nvSpPr>
+                <p:cNvPr id="78" name="TextBox 77">
+                  <a:extLst>
+                    <a:ext uri="{FF2B5EF4-FFF2-40B4-BE49-F238E27FC236}">
+                      <a16:creationId xmlns:a16="http://schemas.microsoft.com/office/drawing/2014/main" id="{B91ED6E9-05D1-4982-9DCF-8D5C59DAF3D4}"/>
+                    </a:ext>
+                  </a:extLst>
+                </p:cNvPr>
+                <p:cNvSpPr txBox="1">
+                  <a:spLocks noRot="1" noChangeAspect="1" noMove="1" noResize="1" noEditPoints="1" noAdjustHandles="1" noChangeArrowheads="1" noChangeShapeType="1" noTextEdit="1"/>
+                </p:cNvSpPr>
+                <p:nvPr/>
+              </p:nvSpPr>
+              <p:spPr>
+                <a:xfrm>
+                  <a:off x="6238866" y="5329727"/>
+                  <a:ext cx="1368131" cy="276999"/>
+                </a:xfrm>
+                <a:prstGeom prst="rect">
+                  <a:avLst/>
+                </a:prstGeom>
+                <a:blipFill>
+                  <a:blip r:embed="rId21"/>
+                  <a:stretch>
+                    <a:fillRect l="-4000" r="-3556" b="-6522"/>
+                  </a:stretch>
+                </a:blipFill>
+              </p:spPr>
+              <p:txBody>
+                <a:bodyPr/>
+                <a:lstStyle/>
+                <a:p>
+                  <a:r>
+                    <a:rPr lang="en-US">
+                      <a:noFill/>
+                    </a:rPr>
+                    <a:t> </a:t>
+                  </a:r>
+                </a:p>
+              </p:txBody>
+            </p:sp>
+          </mc:Fallback>
+        </mc:AlternateContent>
+        <mc:AlternateContent xmlns:mc="http://schemas.openxmlformats.org/markup-compatibility/2006">
+          <mc:Choice xmlns:a14="http://schemas.microsoft.com/office/drawing/2010/main" Requires="a14">
+            <p:sp>
+              <p:nvSpPr>
+                <p:cNvPr id="79" name="TextBox 78">
+                  <a:extLst>
+                    <a:ext uri="{FF2B5EF4-FFF2-40B4-BE49-F238E27FC236}">
+                      <a16:creationId xmlns:a16="http://schemas.microsoft.com/office/drawing/2014/main" id="{1C60AB06-78DB-4750-9BBA-B672F6D884C4}"/>
+                    </a:ext>
+                  </a:extLst>
+                </p:cNvPr>
+                <p:cNvSpPr txBox="1"/>
+                <p:nvPr/>
+              </p:nvSpPr>
+              <p:spPr>
+                <a:xfrm>
+                  <a:off x="4971632" y="5329727"/>
+                  <a:ext cx="566694" cy="276999"/>
+                </a:xfrm>
+                <a:prstGeom prst="rect">
+                  <a:avLst/>
+                </a:prstGeom>
+                <a:noFill/>
+              </p:spPr>
+              <p:txBody>
+                <a:bodyPr wrap="none" lIns="0" tIns="0" rIns="0" bIns="0" rtlCol="0">
+                  <a:spAutoFit/>
+                </a:bodyPr>
+                <a:lstStyle/>
+                <a:p>
+                  <a:pPr/>
+                  <a14:m>
+                    <m:oMathPara xmlns:m="http://schemas.openxmlformats.org/officeDocument/2006/math">
+                      <m:oMathParaPr>
+                        <m:jc m:val="centerGroup"/>
+                      </m:oMathParaPr>
+                      <m:oMath xmlns:m="http://schemas.openxmlformats.org/officeDocument/2006/math">
+                        <m:r>
+                          <a:rPr lang="en-US" b="0" i="1" smtClean="0">
+                            <a:latin typeface="Cambria Math" panose="02040503050406030204" pitchFamily="18" charset="0"/>
+                          </a:rPr>
+                          <m:t>𝐷𝑎𝑡𝑎</m:t>
+                        </m:r>
+                      </m:oMath>
+                    </m:oMathPara>
+                  </a14:m>
+                  <a:endParaRPr lang="en-US" sz="2400" dirty="0"/>
+                </a:p>
+              </p:txBody>
+            </p:sp>
+          </mc:Choice>
+          <mc:Fallback>
+            <p:sp>
+              <p:nvSpPr>
+                <p:cNvPr id="79" name="TextBox 78">
+                  <a:extLst>
+                    <a:ext uri="{FF2B5EF4-FFF2-40B4-BE49-F238E27FC236}">
+                      <a16:creationId xmlns:a16="http://schemas.microsoft.com/office/drawing/2014/main" id="{1C60AB06-78DB-4750-9BBA-B672F6D884C4}"/>
+                    </a:ext>
+                  </a:extLst>
+                </p:cNvPr>
+                <p:cNvSpPr txBox="1">
+                  <a:spLocks noRot="1" noChangeAspect="1" noMove="1" noResize="1" noEditPoints="1" noAdjustHandles="1" noChangeArrowheads="1" noChangeShapeType="1" noTextEdit="1"/>
+                </p:cNvSpPr>
+                <p:nvPr/>
+              </p:nvSpPr>
+              <p:spPr>
+                <a:xfrm>
+                  <a:off x="4971632" y="5329727"/>
+                  <a:ext cx="566694" cy="276999"/>
+                </a:xfrm>
+                <a:prstGeom prst="rect">
+                  <a:avLst/>
+                </a:prstGeom>
+                <a:blipFill>
+                  <a:blip r:embed="rId22"/>
+                  <a:stretch>
+                    <a:fillRect l="-9677" r="-8602" b="-6522"/>
+                  </a:stretch>
+                </a:blipFill>
+              </p:spPr>
+              <p:txBody>
+                <a:bodyPr/>
+                <a:lstStyle/>
+                <a:p>
+                  <a:r>
+                    <a:rPr lang="en-US">
+                      <a:noFill/>
+                    </a:rPr>
+                    <a:t> </a:t>
+                  </a:r>
+                </a:p>
+              </p:txBody>
+            </p:sp>
+          </mc:Fallback>
+        </mc:AlternateContent>
+        <p:sp>
+          <p:nvSpPr>
+            <p:cNvPr id="81" name="Arrow: Up 80">
+              <a:extLst>
+                <a:ext uri="{FF2B5EF4-FFF2-40B4-BE49-F238E27FC236}">
+                  <a16:creationId xmlns:a16="http://schemas.microsoft.com/office/drawing/2014/main" id="{CEC63465-1BC0-4FDC-B788-23BCEEB5346A}"/>
+                </a:ext>
+              </a:extLst>
+            </p:cNvPr>
+            <p:cNvSpPr/>
+            <p:nvPr/>
+          </p:nvSpPr>
+          <p:spPr>
+            <a:xfrm>
+              <a:off x="6259594" y="4885343"/>
+              <a:ext cx="154216" cy="409676"/>
+            </a:xfrm>
+            <a:prstGeom prst="upArrow">
+              <a:avLst/>
+            </a:prstGeom>
             <a:solidFill>
-              <a:schemeClr val="tx1">
+              <a:schemeClr val="bg1">
                 <a:lumMod val="95000"/>
-                <a:lumOff val="5000"/>
               </a:schemeClr>
             </a:solidFill>
-          </a:ln>
-        </p:spPr>
-        <p:style>
-          <a:lnRef idx="2">
-            <a:schemeClr val="accent1">
-              <a:shade val="50000"/>
-            </a:schemeClr>
-          </a:lnRef>
-          <a:fillRef idx="1">
-            <a:schemeClr val="accent1"/>
-          </a:fillRef>
-          <a:effectRef idx="0">
-            <a:schemeClr val="accent1"/>
-          </a:effectRef>
-          <a:fontRef idx="minor">
-            <a:schemeClr val="lt1"/>
-          </a:fontRef>
-        </p:style>
-        <p:txBody>
-          <a:bodyPr rtlCol="0" anchor="ctr"/>
-          <a:lstStyle/>
-          <a:p>
-            <a:pPr algn="ctr"/>
-            <a:endParaRPr lang="en-US">
+            <a:ln>
               <a:solidFill>
                 <a:schemeClr val="tx1"/>
               </a:solidFill>
-            </a:endParaRPr>
-          </a:p>
-        </p:txBody>
-      </p:sp>
-      <p:sp>
-        <p:nvSpPr>
-          <p:cNvPr id="64" name="Arrow: Right 63">
-            <a:extLst>
-              <a:ext uri="{FF2B5EF4-FFF2-40B4-BE49-F238E27FC236}">
-                <a16:creationId xmlns:a16="http://schemas.microsoft.com/office/drawing/2014/main" id="{84D63868-A2F6-430B-A2BB-98B87B1811F9}"/>
-              </a:ext>
-            </a:extLst>
-          </p:cNvPr>
-          <p:cNvSpPr/>
-          <p:nvPr/>
-        </p:nvSpPr>
-        <p:spPr>
-          <a:xfrm rot="5400000">
-            <a:off x="4527719" y="2450141"/>
-            <a:ext cx="457105" cy="251011"/>
-          </a:xfrm>
-          <a:prstGeom prst="rightArrow">
-            <a:avLst/>
-          </a:prstGeom>
-          <a:solidFill>
-            <a:schemeClr val="tx2">
-              <a:lumMod val="20000"/>
-              <a:lumOff val="80000"/>
-            </a:schemeClr>
-          </a:solidFill>
-          <a:ln>
+            </a:ln>
+          </p:spPr>
+          <p:style>
+            <a:lnRef idx="2">
+              <a:schemeClr val="accent1">
+                <a:shade val="50000"/>
+              </a:schemeClr>
+            </a:lnRef>
+            <a:fillRef idx="1">
+              <a:schemeClr val="accent1"/>
+            </a:fillRef>
+            <a:effectRef idx="0">
+              <a:schemeClr val="accent1"/>
+            </a:effectRef>
+            <a:fontRef idx="minor">
+              <a:schemeClr val="lt1"/>
+            </a:fontRef>
+          </p:style>
+          <p:txBody>
+            <a:bodyPr rtlCol="0" anchor="ctr"/>
+            <a:lstStyle/>
+            <a:p>
+              <a:pPr algn="ctr"/>
+              <a:endParaRPr lang="en-US"/>
+            </a:p>
+          </p:txBody>
+        </p:sp>
+        <p:sp>
+          <p:nvSpPr>
+            <p:cNvPr id="82" name="Arrow: Up 81">
+              <a:extLst>
+                <a:ext uri="{FF2B5EF4-FFF2-40B4-BE49-F238E27FC236}">
+                  <a16:creationId xmlns:a16="http://schemas.microsoft.com/office/drawing/2014/main" id="{31009989-5FC6-4B3E-BCDF-A10B85D1D435}"/>
+                </a:ext>
+              </a:extLst>
+            </p:cNvPr>
+            <p:cNvSpPr/>
+            <p:nvPr/>
+          </p:nvSpPr>
+          <p:spPr>
+            <a:xfrm>
+              <a:off x="5890099" y="4881998"/>
+              <a:ext cx="154216" cy="409676"/>
+            </a:xfrm>
+            <a:prstGeom prst="upArrow">
+              <a:avLst/>
+            </a:prstGeom>
             <a:solidFill>
-              <a:schemeClr val="tx1">
+              <a:schemeClr val="bg1">
                 <a:lumMod val="95000"/>
-                <a:lumOff val="5000"/>
               </a:schemeClr>
             </a:solidFill>
-          </a:ln>
-        </p:spPr>
-        <p:style>
-          <a:lnRef idx="2">
-            <a:schemeClr val="accent1">
-              <a:shade val="50000"/>
-            </a:schemeClr>
-          </a:lnRef>
-          <a:fillRef idx="1">
-            <a:schemeClr val="accent1"/>
-          </a:fillRef>
-          <a:effectRef idx="0">
-            <a:schemeClr val="accent1"/>
-          </a:effectRef>
-          <a:fontRef idx="minor">
-            <a:schemeClr val="lt1"/>
-          </a:fontRef>
-        </p:style>
-        <p:txBody>
-          <a:bodyPr rtlCol="0" anchor="ctr"/>
-          <a:lstStyle/>
-          <a:p>
-            <a:pPr algn="ctr"/>
-            <a:endParaRPr lang="en-US">
+            <a:ln>
               <a:solidFill>
                 <a:schemeClr val="tx1"/>
               </a:solidFill>
-            </a:endParaRPr>
-          </a:p>
-        </p:txBody>
-      </p:sp>
-      <p:sp>
-        <p:nvSpPr>
-          <p:cNvPr id="65" name="Arrow: Right 64">
-            <a:extLst>
-              <a:ext uri="{FF2B5EF4-FFF2-40B4-BE49-F238E27FC236}">
-                <a16:creationId xmlns:a16="http://schemas.microsoft.com/office/drawing/2014/main" id="{DE00079A-D286-4A7F-91C1-865CD8753874}"/>
-              </a:ext>
-            </a:extLst>
-          </p:cNvPr>
-          <p:cNvSpPr/>
-          <p:nvPr/>
-        </p:nvSpPr>
-        <p:spPr>
-          <a:xfrm>
-            <a:off x="5344474" y="1828921"/>
-            <a:ext cx="457105" cy="251011"/>
-          </a:xfrm>
-          <a:prstGeom prst="rightArrow">
-            <a:avLst/>
-          </a:prstGeom>
-          <a:solidFill>
-            <a:schemeClr val="tx2">
-              <a:lumMod val="20000"/>
-              <a:lumOff val="80000"/>
-            </a:schemeClr>
-          </a:solidFill>
-          <a:ln>
+            </a:ln>
+          </p:spPr>
+          <p:style>
+            <a:lnRef idx="2">
+              <a:schemeClr val="accent1">
+                <a:shade val="50000"/>
+              </a:schemeClr>
+            </a:lnRef>
+            <a:fillRef idx="1">
+              <a:schemeClr val="accent1"/>
+            </a:fillRef>
+            <a:effectRef idx="0">
+              <a:schemeClr val="accent1"/>
+            </a:effectRef>
+            <a:fontRef idx="minor">
+              <a:schemeClr val="lt1"/>
+            </a:fontRef>
+          </p:style>
+          <p:txBody>
+            <a:bodyPr rtlCol="0" anchor="ctr"/>
+            <a:lstStyle/>
+            <a:p>
+              <a:pPr algn="ctr"/>
+              <a:endParaRPr lang="en-US"/>
+            </a:p>
+          </p:txBody>
+        </p:sp>
+        <p:sp>
+          <p:nvSpPr>
+            <p:cNvPr id="83" name="Arrow: Up 82">
+              <a:extLst>
+                <a:ext uri="{FF2B5EF4-FFF2-40B4-BE49-F238E27FC236}">
+                  <a16:creationId xmlns:a16="http://schemas.microsoft.com/office/drawing/2014/main" id="{73BE3133-BCC1-4617-8D1B-5FDA204E3E08}"/>
+                </a:ext>
+              </a:extLst>
+            </p:cNvPr>
+            <p:cNvSpPr/>
+            <p:nvPr/>
+          </p:nvSpPr>
+          <p:spPr>
+            <a:xfrm>
+              <a:off x="5177871" y="4885812"/>
+              <a:ext cx="154216" cy="409676"/>
+            </a:xfrm>
+            <a:prstGeom prst="upArrow">
+              <a:avLst/>
+            </a:prstGeom>
             <a:solidFill>
-              <a:schemeClr val="tx1">
+              <a:schemeClr val="bg1">
                 <a:lumMod val="95000"/>
-                <a:lumOff val="5000"/>
               </a:schemeClr>
             </a:solidFill>
-          </a:ln>
-        </p:spPr>
-        <p:style>
-          <a:lnRef idx="2">
-            <a:schemeClr val="accent1">
-              <a:shade val="50000"/>
-            </a:schemeClr>
-          </a:lnRef>
-          <a:fillRef idx="1">
-            <a:schemeClr val="accent1"/>
-          </a:fillRef>
-          <a:effectRef idx="0">
-            <a:schemeClr val="accent1"/>
-          </a:effectRef>
-          <a:fontRef idx="minor">
-            <a:schemeClr val="lt1"/>
-          </a:fontRef>
-        </p:style>
-        <p:txBody>
-          <a:bodyPr rtlCol="0" anchor="ctr"/>
-          <a:lstStyle/>
-          <a:p>
-            <a:pPr algn="ctr"/>
-            <a:endParaRPr lang="en-US">
+            <a:ln>
               <a:solidFill>
                 <a:schemeClr val="tx1"/>
               </a:solidFill>
-            </a:endParaRPr>
-          </a:p>
-        </p:txBody>
-      </p:sp>
-      <p:sp>
-        <p:nvSpPr>
-          <p:cNvPr id="66" name="Arrow: Right 65">
-            <a:extLst>
-              <a:ext uri="{FF2B5EF4-FFF2-40B4-BE49-F238E27FC236}">
-                <a16:creationId xmlns:a16="http://schemas.microsoft.com/office/drawing/2014/main" id="{F4E8CB52-81E0-4F40-AEB8-9BBB0A5466FA}"/>
-              </a:ext>
-            </a:extLst>
-          </p:cNvPr>
-          <p:cNvSpPr/>
-          <p:nvPr/>
-        </p:nvSpPr>
-        <p:spPr>
-          <a:xfrm>
-            <a:off x="5486951" y="3029952"/>
-            <a:ext cx="519401" cy="315672"/>
-          </a:xfrm>
-          <a:prstGeom prst="rightArrow">
-            <a:avLst/>
-          </a:prstGeom>
-          <a:solidFill>
-            <a:schemeClr val="tx2">
-              <a:lumMod val="20000"/>
-              <a:lumOff val="80000"/>
-            </a:schemeClr>
-          </a:solidFill>
-          <a:ln>
+            </a:ln>
+          </p:spPr>
+          <p:style>
+            <a:lnRef idx="2">
+              <a:schemeClr val="accent1">
+                <a:shade val="50000"/>
+              </a:schemeClr>
+            </a:lnRef>
+            <a:fillRef idx="1">
+              <a:schemeClr val="accent1"/>
+            </a:fillRef>
+            <a:effectRef idx="0">
+              <a:schemeClr val="accent1"/>
+            </a:effectRef>
+            <a:fontRef idx="minor">
+              <a:schemeClr val="lt1"/>
+            </a:fontRef>
+          </p:style>
+          <p:txBody>
+            <a:bodyPr rtlCol="0" anchor="ctr"/>
+            <a:lstStyle/>
+            <a:p>
+              <a:pPr algn="ctr"/>
+              <a:endParaRPr lang="en-US"/>
+            </a:p>
+          </p:txBody>
+        </p:sp>
+        <p:sp>
+          <p:nvSpPr>
+            <p:cNvPr id="84" name="Arrow: Up 83">
+              <a:extLst>
+                <a:ext uri="{FF2B5EF4-FFF2-40B4-BE49-F238E27FC236}">
+                  <a16:creationId xmlns:a16="http://schemas.microsoft.com/office/drawing/2014/main" id="{EB537323-60AB-4399-9A59-12FB03ACC758}"/>
+                </a:ext>
+              </a:extLst>
+            </p:cNvPr>
+            <p:cNvSpPr/>
+            <p:nvPr/>
+          </p:nvSpPr>
+          <p:spPr>
+            <a:xfrm>
+              <a:off x="4602723" y="4885812"/>
+              <a:ext cx="154216" cy="409676"/>
+            </a:xfrm>
+            <a:prstGeom prst="upArrow">
+              <a:avLst/>
+            </a:prstGeom>
             <a:solidFill>
-              <a:schemeClr val="tx1">
+              <a:schemeClr val="bg1">
                 <a:lumMod val="95000"/>
-                <a:lumOff val="5000"/>
               </a:schemeClr>
             </a:solidFill>
-          </a:ln>
-        </p:spPr>
-        <p:style>
-          <a:lnRef idx="2">
-            <a:schemeClr val="accent1">
-              <a:shade val="50000"/>
-            </a:schemeClr>
-          </a:lnRef>
-          <a:fillRef idx="1">
-            <a:schemeClr val="accent1"/>
-          </a:fillRef>
-          <a:effectRef idx="0">
-            <a:schemeClr val="accent1"/>
-          </a:effectRef>
-          <a:fontRef idx="minor">
-            <a:schemeClr val="lt1"/>
-          </a:fontRef>
-        </p:style>
-        <p:txBody>
-          <a:bodyPr rtlCol="0" anchor="ctr"/>
-          <a:lstStyle/>
-          <a:p>
-            <a:pPr algn="ctr"/>
-            <a:endParaRPr lang="en-US">
+            <a:ln>
               <a:solidFill>
                 <a:schemeClr val="tx1"/>
               </a:solidFill>
-            </a:endParaRPr>
-          </a:p>
-        </p:txBody>
-      </p:sp>
-      <p:sp>
-        <p:nvSpPr>
-          <p:cNvPr id="67" name="Flowchart: Manual Operation 66">
-            <a:extLst>
-              <a:ext uri="{FF2B5EF4-FFF2-40B4-BE49-F238E27FC236}">
-                <a16:creationId xmlns:a16="http://schemas.microsoft.com/office/drawing/2014/main" id="{844CBEFD-BFBE-4200-BEA9-9A40265C2CAE}"/>
-              </a:ext>
-            </a:extLst>
-          </p:cNvPr>
-          <p:cNvSpPr/>
-          <p:nvPr/>
-        </p:nvSpPr>
-        <p:spPr>
-          <a:xfrm rot="16200000">
-            <a:off x="5788287" y="2949949"/>
-            <a:ext cx="911557" cy="519400"/>
-          </a:xfrm>
-          <a:prstGeom prst="flowChartManualOperation">
-            <a:avLst/>
-          </a:prstGeom>
-          <a:solidFill>
-            <a:schemeClr val="tx2">
-              <a:lumMod val="20000"/>
-              <a:lumOff val="80000"/>
-            </a:schemeClr>
-          </a:solidFill>
-          <a:ln>
-            <a:solidFill>
-              <a:schemeClr val="tx1">
-                <a:lumMod val="95000"/>
-                <a:lumOff val="5000"/>
+            </a:ln>
+          </p:spPr>
+          <p:style>
+            <a:lnRef idx="2">
+              <a:schemeClr val="accent1">
+                <a:shade val="50000"/>
               </a:schemeClr>
-            </a:solidFill>
-          </a:ln>
-        </p:spPr>
-        <p:style>
-          <a:lnRef idx="2">
-            <a:schemeClr val="accent1">
-              <a:shade val="50000"/>
-            </a:schemeClr>
-          </a:lnRef>
-          <a:fillRef idx="1">
-            <a:schemeClr val="accent1"/>
-          </a:fillRef>
-          <a:effectRef idx="0">
-            <a:schemeClr val="accent1"/>
-          </a:effectRef>
-          <a:fontRef idx="minor">
-            <a:schemeClr val="lt1"/>
-          </a:fontRef>
-        </p:style>
-        <p:txBody>
-          <a:bodyPr vert="vert" rtlCol="0" anchor="ctr"/>
-          <a:lstStyle/>
-          <a:p>
-            <a:pPr algn="ctr"/>
-            <a:r>
-              <a:rPr lang="en-US" dirty="0">
-                <a:solidFill>
-                  <a:schemeClr val="tx1"/>
-                </a:solidFill>
-              </a:rPr>
-              <a:t>A-H Out</a:t>
-            </a:r>
-          </a:p>
-        </p:txBody>
-      </p:sp>
-      <p:sp>
-        <p:nvSpPr>
-          <p:cNvPr id="68" name="Rectangle: Rounded Corners 67">
-            <a:extLst>
-              <a:ext uri="{FF2B5EF4-FFF2-40B4-BE49-F238E27FC236}">
-                <a16:creationId xmlns:a16="http://schemas.microsoft.com/office/drawing/2014/main" id="{248C039C-F597-4163-88CE-75CAF405BB5F}"/>
-              </a:ext>
-            </a:extLst>
-          </p:cNvPr>
-          <p:cNvSpPr/>
-          <p:nvPr/>
-        </p:nvSpPr>
-        <p:spPr>
-          <a:xfrm>
-            <a:off x="7190796" y="2743392"/>
-            <a:ext cx="849980" cy="911558"/>
-          </a:xfrm>
-          <a:prstGeom prst="roundRect">
-            <a:avLst/>
-          </a:prstGeom>
-          <a:solidFill>
-            <a:schemeClr val="tx2">
-              <a:lumMod val="20000"/>
-              <a:lumOff val="80000"/>
-            </a:schemeClr>
-          </a:solidFill>
-          <a:ln>
-            <a:solidFill>
-              <a:schemeClr val="tx1">
-                <a:lumMod val="95000"/>
-                <a:lumOff val="5000"/>
-              </a:schemeClr>
-            </a:solidFill>
-          </a:ln>
-        </p:spPr>
-        <p:style>
-          <a:lnRef idx="2">
-            <a:schemeClr val="accent1">
-              <a:shade val="50000"/>
-            </a:schemeClr>
-          </a:lnRef>
-          <a:fillRef idx="1">
-            <a:schemeClr val="accent1"/>
-          </a:fillRef>
-          <a:effectRef idx="0">
-            <a:schemeClr val="accent1"/>
-          </a:effectRef>
-          <a:fontRef idx="minor">
-            <a:schemeClr val="lt1"/>
-          </a:fontRef>
-        </p:style>
-        <p:txBody>
-          <a:bodyPr rtlCol="0" anchor="ctr"/>
-          <a:lstStyle/>
-          <a:p>
-            <a:pPr algn="ctr"/>
-            <a:r>
-              <a:rPr lang="en-US" sz="1400" dirty="0">
-                <a:solidFill>
-                  <a:schemeClr val="tx1"/>
-                </a:solidFill>
-              </a:rPr>
-              <a:t>Data Out</a:t>
-            </a:r>
-            <a:br>
-              <a:rPr lang="en-US" sz="1400" dirty="0">
-                <a:solidFill>
-                  <a:schemeClr val="tx1"/>
-                </a:solidFill>
-              </a:rPr>
-            </a:br>
-            <a:r>
-              <a:rPr lang="en-US" sz="1400" dirty="0">
-                <a:solidFill>
-                  <a:schemeClr val="tx1"/>
-                </a:solidFill>
-              </a:rPr>
-              <a:t>A - H</a:t>
-            </a:r>
-          </a:p>
-        </p:txBody>
-      </p:sp>
-      <p:sp>
-        <p:nvSpPr>
-          <p:cNvPr id="69" name="Arrow: Bent-Up 68">
-            <a:extLst>
-              <a:ext uri="{FF2B5EF4-FFF2-40B4-BE49-F238E27FC236}">
-                <a16:creationId xmlns:a16="http://schemas.microsoft.com/office/drawing/2014/main" id="{048A2D75-297F-4648-8CDE-81F80BAB270A}"/>
-              </a:ext>
-            </a:extLst>
-          </p:cNvPr>
-          <p:cNvSpPr/>
-          <p:nvPr/>
-        </p:nvSpPr>
-        <p:spPr>
-          <a:xfrm flipV="1">
-            <a:off x="6845189" y="1976721"/>
-            <a:ext cx="849981" cy="524526"/>
-          </a:xfrm>
-          <a:prstGeom prst="bentUpArrow">
-            <a:avLst>
-              <a:gd name="adj1" fmla="val 20017"/>
-              <a:gd name="adj2" fmla="val 22459"/>
-              <a:gd name="adj3" fmla="val 25932"/>
-            </a:avLst>
-          </a:prstGeom>
-          <a:solidFill>
-            <a:schemeClr val="tx2">
-              <a:lumMod val="20000"/>
-              <a:lumOff val="80000"/>
-            </a:schemeClr>
-          </a:solidFill>
-          <a:ln>
-            <a:solidFill>
-              <a:schemeClr val="tx1">
-                <a:lumMod val="95000"/>
-                <a:lumOff val="5000"/>
-              </a:schemeClr>
-            </a:solidFill>
-          </a:ln>
-        </p:spPr>
-        <p:style>
-          <a:lnRef idx="2">
-            <a:schemeClr val="accent1">
-              <a:shade val="50000"/>
-            </a:schemeClr>
-          </a:lnRef>
-          <a:fillRef idx="1">
-            <a:schemeClr val="accent1"/>
-          </a:fillRef>
-          <a:effectRef idx="0">
-            <a:schemeClr val="accent1"/>
-          </a:effectRef>
-          <a:fontRef idx="minor">
-            <a:schemeClr val="lt1"/>
-          </a:fontRef>
-        </p:style>
-        <p:txBody>
-          <a:bodyPr rtlCol="0" anchor="ctr"/>
-          <a:lstStyle/>
-          <a:p>
-            <a:pPr algn="ctr"/>
-            <a:endParaRPr lang="en-US">
-              <a:solidFill>
-                <a:schemeClr val="tx1"/>
-              </a:solidFill>
-            </a:endParaRPr>
-          </a:p>
-        </p:txBody>
-      </p:sp>
-      <p:sp>
-        <p:nvSpPr>
-          <p:cNvPr id="72" name="Arrow: Right 71">
-            <a:extLst>
-              <a:ext uri="{FF2B5EF4-FFF2-40B4-BE49-F238E27FC236}">
-                <a16:creationId xmlns:a16="http://schemas.microsoft.com/office/drawing/2014/main" id="{B32E8E6D-E74D-4B7F-9AC9-9FF522FE22AC}"/>
-              </a:ext>
-            </a:extLst>
-          </p:cNvPr>
-          <p:cNvSpPr/>
-          <p:nvPr/>
-        </p:nvSpPr>
-        <p:spPr>
-          <a:xfrm>
-            <a:off x="6513438" y="3131362"/>
-            <a:ext cx="591387" cy="214261"/>
-          </a:xfrm>
-          <a:prstGeom prst="rightArrow">
-            <a:avLst/>
-          </a:prstGeom>
-          <a:solidFill>
-            <a:schemeClr val="tx2">
-              <a:lumMod val="20000"/>
-              <a:lumOff val="80000"/>
-            </a:schemeClr>
-          </a:solidFill>
-          <a:ln>
-            <a:solidFill>
-              <a:schemeClr val="tx1">
-                <a:lumMod val="95000"/>
-                <a:lumOff val="5000"/>
-              </a:schemeClr>
-            </a:solidFill>
-          </a:ln>
-        </p:spPr>
-        <p:style>
-          <a:lnRef idx="2">
-            <a:schemeClr val="accent1">
-              <a:shade val="50000"/>
-            </a:schemeClr>
-          </a:lnRef>
-          <a:fillRef idx="1">
-            <a:schemeClr val="accent1"/>
-          </a:fillRef>
-          <a:effectRef idx="0">
-            <a:schemeClr val="accent1"/>
-          </a:effectRef>
-          <a:fontRef idx="minor">
-            <a:schemeClr val="lt1"/>
-          </a:fontRef>
-        </p:style>
-        <p:txBody>
-          <a:bodyPr rtlCol="0" anchor="ctr"/>
-          <a:lstStyle/>
-          <a:p>
-            <a:pPr algn="ctr"/>
-            <a:endParaRPr lang="en-US">
-              <a:solidFill>
-                <a:schemeClr val="tx1"/>
-              </a:solidFill>
-            </a:endParaRPr>
-          </a:p>
-        </p:txBody>
-      </p:sp>
-      <p:sp>
-        <p:nvSpPr>
-          <p:cNvPr id="73" name="Rectangle: Rounded Corners 72">
-            <a:extLst>
-              <a:ext uri="{FF2B5EF4-FFF2-40B4-BE49-F238E27FC236}">
-                <a16:creationId xmlns:a16="http://schemas.microsoft.com/office/drawing/2014/main" id="{C08B3572-B3D7-4859-8359-65C49884891B}"/>
-              </a:ext>
-            </a:extLst>
-          </p:cNvPr>
-          <p:cNvSpPr/>
-          <p:nvPr/>
-        </p:nvSpPr>
-        <p:spPr>
-          <a:xfrm>
-            <a:off x="8683458" y="2770667"/>
-            <a:ext cx="849980" cy="911558"/>
-          </a:xfrm>
-          <a:prstGeom prst="roundRect">
-            <a:avLst/>
-          </a:prstGeom>
-          <a:solidFill>
-            <a:schemeClr val="tx2">
-              <a:lumMod val="20000"/>
-              <a:lumOff val="80000"/>
-            </a:schemeClr>
-          </a:solidFill>
-          <a:ln>
-            <a:solidFill>
-              <a:schemeClr val="tx1">
-                <a:lumMod val="95000"/>
-                <a:lumOff val="5000"/>
-              </a:schemeClr>
-            </a:solidFill>
-          </a:ln>
-        </p:spPr>
-        <p:style>
-          <a:lnRef idx="2">
-            <a:schemeClr val="accent1">
-              <a:shade val="50000"/>
-            </a:schemeClr>
-          </a:lnRef>
-          <a:fillRef idx="1">
-            <a:schemeClr val="accent1"/>
-          </a:fillRef>
-          <a:effectRef idx="0">
-            <a:schemeClr val="accent1"/>
-          </a:effectRef>
-          <a:fontRef idx="minor">
-            <a:schemeClr val="lt1"/>
-          </a:fontRef>
-        </p:style>
-        <p:txBody>
-          <a:bodyPr rtlCol="0" anchor="ctr"/>
-          <a:lstStyle/>
-          <a:p>
-            <a:pPr algn="ctr"/>
-            <a:r>
-              <a:rPr lang="en-US" sz="1400" dirty="0">
-                <a:solidFill>
-                  <a:schemeClr val="tx1"/>
-                </a:solidFill>
-              </a:rPr>
-              <a:t>UART TX</a:t>
-            </a:r>
-          </a:p>
-        </p:txBody>
-      </p:sp>
-      <p:sp>
-        <p:nvSpPr>
-          <p:cNvPr id="74" name="Arrow: Right 73">
-            <a:extLst>
-              <a:ext uri="{FF2B5EF4-FFF2-40B4-BE49-F238E27FC236}">
-                <a16:creationId xmlns:a16="http://schemas.microsoft.com/office/drawing/2014/main" id="{2DB82B68-7DFA-4DF6-8C0F-515A5181C069}"/>
-              </a:ext>
-            </a:extLst>
-          </p:cNvPr>
-          <p:cNvSpPr/>
-          <p:nvPr/>
-        </p:nvSpPr>
-        <p:spPr>
-          <a:xfrm>
-            <a:off x="8068836" y="3133149"/>
-            <a:ext cx="591387" cy="214261"/>
-          </a:xfrm>
-          <a:prstGeom prst="rightArrow">
-            <a:avLst/>
-          </a:prstGeom>
-          <a:solidFill>
-            <a:schemeClr val="tx2">
-              <a:lumMod val="20000"/>
-              <a:lumOff val="80000"/>
-            </a:schemeClr>
-          </a:solidFill>
-          <a:ln>
-            <a:solidFill>
-              <a:schemeClr val="tx1">
-                <a:lumMod val="95000"/>
-                <a:lumOff val="5000"/>
-              </a:schemeClr>
-            </a:solidFill>
-          </a:ln>
-        </p:spPr>
-        <p:style>
-          <a:lnRef idx="2">
-            <a:schemeClr val="accent1">
-              <a:shade val="50000"/>
-            </a:schemeClr>
-          </a:lnRef>
-          <a:fillRef idx="1">
-            <a:schemeClr val="accent1"/>
-          </a:fillRef>
-          <a:effectRef idx="0">
-            <a:schemeClr val="accent1"/>
-          </a:effectRef>
-          <a:fontRef idx="minor">
-            <a:schemeClr val="lt1"/>
-          </a:fontRef>
-        </p:style>
-        <p:txBody>
-          <a:bodyPr rtlCol="0" anchor="ctr"/>
-          <a:lstStyle/>
-          <a:p>
-            <a:pPr algn="ctr"/>
-            <a:endParaRPr lang="en-US">
-              <a:solidFill>
-                <a:schemeClr val="tx1"/>
-              </a:solidFill>
-            </a:endParaRPr>
-          </a:p>
-        </p:txBody>
-      </p:sp>
-      <p:sp>
-        <p:nvSpPr>
-          <p:cNvPr id="75" name="Rectangle: Rounded Corners 74">
-            <a:extLst>
-              <a:ext uri="{FF2B5EF4-FFF2-40B4-BE49-F238E27FC236}">
-                <a16:creationId xmlns:a16="http://schemas.microsoft.com/office/drawing/2014/main" id="{9BA504DB-3D9C-4F0E-940B-B6239297B2D9}"/>
-              </a:ext>
-            </a:extLst>
-          </p:cNvPr>
-          <p:cNvSpPr/>
-          <p:nvPr/>
-        </p:nvSpPr>
-        <p:spPr>
-          <a:xfrm>
-            <a:off x="10705199" y="2764339"/>
-            <a:ext cx="849980" cy="911558"/>
-          </a:xfrm>
-          <a:prstGeom prst="roundRect">
-            <a:avLst/>
-          </a:prstGeom>
-          <a:solidFill>
-            <a:schemeClr val="tx2">
-              <a:lumMod val="20000"/>
-              <a:lumOff val="80000"/>
-            </a:schemeClr>
-          </a:solidFill>
-          <a:ln>
-            <a:solidFill>
-              <a:schemeClr val="tx1">
-                <a:lumMod val="95000"/>
-                <a:lumOff val="5000"/>
-              </a:schemeClr>
-            </a:solidFill>
-          </a:ln>
-        </p:spPr>
-        <p:style>
-          <a:lnRef idx="2">
-            <a:schemeClr val="accent1">
-              <a:shade val="50000"/>
-            </a:schemeClr>
-          </a:lnRef>
-          <a:fillRef idx="1">
-            <a:schemeClr val="accent1"/>
-          </a:fillRef>
-          <a:effectRef idx="0">
-            <a:schemeClr val="accent1"/>
-          </a:effectRef>
-          <a:fontRef idx="minor">
-            <a:schemeClr val="lt1"/>
-          </a:fontRef>
-        </p:style>
-        <p:txBody>
-          <a:bodyPr rtlCol="0" anchor="ctr"/>
-          <a:lstStyle/>
-          <a:p>
-            <a:pPr algn="ctr"/>
-            <a:r>
-              <a:rPr lang="en-US" sz="1400" dirty="0">
-                <a:solidFill>
-                  <a:schemeClr val="tx1"/>
-                </a:solidFill>
-              </a:rPr>
-              <a:t>PC</a:t>
-            </a:r>
-          </a:p>
-        </p:txBody>
-      </p:sp>
-      <p:sp>
-        <p:nvSpPr>
-          <p:cNvPr id="76" name="Arrow: Right 75">
-            <a:extLst>
-              <a:ext uri="{FF2B5EF4-FFF2-40B4-BE49-F238E27FC236}">
-                <a16:creationId xmlns:a16="http://schemas.microsoft.com/office/drawing/2014/main" id="{CA82AAAC-D484-43B8-BA03-01DFAD1B56B4}"/>
-              </a:ext>
-            </a:extLst>
-          </p:cNvPr>
-          <p:cNvSpPr/>
-          <p:nvPr/>
-        </p:nvSpPr>
-        <p:spPr>
-          <a:xfrm>
-            <a:off x="9574510" y="3151973"/>
-            <a:ext cx="591387" cy="214261"/>
-          </a:xfrm>
-          <a:prstGeom prst="rightArrow">
-            <a:avLst/>
-          </a:prstGeom>
-          <a:solidFill>
-            <a:schemeClr val="tx2">
-              <a:lumMod val="20000"/>
-              <a:lumOff val="80000"/>
-            </a:schemeClr>
-          </a:solidFill>
-          <a:ln>
-            <a:solidFill>
-              <a:schemeClr val="tx1">
-                <a:lumMod val="95000"/>
-                <a:lumOff val="5000"/>
-              </a:schemeClr>
-            </a:solidFill>
-          </a:ln>
-        </p:spPr>
-        <p:style>
-          <a:lnRef idx="2">
-            <a:schemeClr val="accent1">
-              <a:shade val="50000"/>
-            </a:schemeClr>
-          </a:lnRef>
-          <a:fillRef idx="1">
-            <a:schemeClr val="accent1"/>
-          </a:fillRef>
-          <a:effectRef idx="0">
-            <a:schemeClr val="accent1"/>
-          </a:effectRef>
-          <a:fontRef idx="minor">
-            <a:schemeClr val="lt1"/>
-          </a:fontRef>
-        </p:style>
-        <p:txBody>
-          <a:bodyPr rtlCol="0" anchor="ctr"/>
-          <a:lstStyle/>
-          <a:p>
-            <a:pPr algn="ctr"/>
-            <a:endParaRPr lang="en-US">
-              <a:solidFill>
-                <a:schemeClr val="tx1"/>
-              </a:solidFill>
-            </a:endParaRPr>
-          </a:p>
-        </p:txBody>
-      </p:sp>
-      <p:sp>
-        <p:nvSpPr>
-          <p:cNvPr id="83" name="Rectangle: Rounded Corners 82">
-            <a:extLst>
-              <a:ext uri="{FF2B5EF4-FFF2-40B4-BE49-F238E27FC236}">
-                <a16:creationId xmlns:a16="http://schemas.microsoft.com/office/drawing/2014/main" id="{6D4FE0F0-3310-4332-8D5D-4244806715EA}"/>
-              </a:ext>
-            </a:extLst>
-          </p:cNvPr>
-          <p:cNvSpPr/>
-          <p:nvPr/>
-        </p:nvSpPr>
-        <p:spPr>
-          <a:xfrm>
-            <a:off x="4302545" y="2883237"/>
-            <a:ext cx="1112905" cy="724646"/>
-          </a:xfrm>
-          <a:prstGeom prst="roundRect">
-            <a:avLst/>
-          </a:prstGeom>
-          <a:solidFill>
-            <a:schemeClr val="tx2">
-              <a:lumMod val="20000"/>
-              <a:lumOff val="80000"/>
-            </a:schemeClr>
-          </a:solidFill>
-          <a:ln>
-            <a:solidFill>
-              <a:schemeClr val="tx1">
-                <a:lumMod val="95000"/>
-                <a:lumOff val="5000"/>
-              </a:schemeClr>
-            </a:solidFill>
-          </a:ln>
-        </p:spPr>
-        <p:style>
-          <a:lnRef idx="2">
-            <a:schemeClr val="accent1">
-              <a:shade val="50000"/>
-            </a:schemeClr>
-          </a:lnRef>
-          <a:fillRef idx="1">
-            <a:schemeClr val="accent1"/>
-          </a:fillRef>
-          <a:effectRef idx="0">
-            <a:schemeClr val="accent1"/>
-          </a:effectRef>
-          <a:fontRef idx="minor">
-            <a:schemeClr val="lt1"/>
-          </a:fontRef>
-        </p:style>
-        <p:txBody>
-          <a:bodyPr rtlCol="0" anchor="ctr"/>
-          <a:lstStyle/>
-          <a:p>
-            <a:pPr algn="ctr"/>
-            <a:r>
-              <a:rPr lang="en-US" sz="1600" dirty="0">
-                <a:solidFill>
-                  <a:schemeClr val="tx1"/>
-                </a:solidFill>
-              </a:rPr>
-              <a:t>32-b Counters</a:t>
-            </a:r>
-          </a:p>
-        </p:txBody>
-      </p:sp>
-      <p:sp>
-        <p:nvSpPr>
-          <p:cNvPr id="84" name="Rectangle: Rounded Corners 83">
-            <a:extLst>
-              <a:ext uri="{FF2B5EF4-FFF2-40B4-BE49-F238E27FC236}">
-                <a16:creationId xmlns:a16="http://schemas.microsoft.com/office/drawing/2014/main" id="{2D1D9383-D26B-440E-A1FE-9EC99BC5709A}"/>
-              </a:ext>
-            </a:extLst>
-          </p:cNvPr>
-          <p:cNvSpPr/>
-          <p:nvPr/>
-        </p:nvSpPr>
-        <p:spPr>
-          <a:xfrm>
-            <a:off x="4382664" y="2927671"/>
-            <a:ext cx="1112905" cy="724646"/>
-          </a:xfrm>
-          <a:prstGeom prst="roundRect">
-            <a:avLst/>
-          </a:prstGeom>
-          <a:solidFill>
-            <a:schemeClr val="tx2">
-              <a:lumMod val="20000"/>
-              <a:lumOff val="80000"/>
-            </a:schemeClr>
-          </a:solidFill>
-          <a:ln>
-            <a:solidFill>
-              <a:schemeClr val="tx1">
-                <a:lumMod val="95000"/>
-                <a:lumOff val="5000"/>
-              </a:schemeClr>
-            </a:solidFill>
-          </a:ln>
-        </p:spPr>
-        <p:style>
-          <a:lnRef idx="2">
-            <a:schemeClr val="accent1">
-              <a:shade val="50000"/>
-            </a:schemeClr>
-          </a:lnRef>
-          <a:fillRef idx="1">
-            <a:schemeClr val="accent1"/>
-          </a:fillRef>
-          <a:effectRef idx="0">
-            <a:schemeClr val="accent1"/>
-          </a:effectRef>
-          <a:fontRef idx="minor">
-            <a:schemeClr val="lt1"/>
-          </a:fontRef>
-        </p:style>
-        <p:txBody>
-          <a:bodyPr rtlCol="0" anchor="ctr"/>
-          <a:lstStyle/>
-          <a:p>
-            <a:pPr algn="ctr"/>
-            <a:r>
-              <a:rPr lang="en-US" sz="1600" dirty="0">
-                <a:solidFill>
-                  <a:schemeClr val="tx1"/>
-                </a:solidFill>
-              </a:rPr>
-              <a:t>32-b Counters</a:t>
-            </a:r>
-          </a:p>
-        </p:txBody>
-      </p:sp>
-      <p:sp>
-        <p:nvSpPr>
-          <p:cNvPr id="85" name="TextBox 84">
-            <a:extLst>
-              <a:ext uri="{FF2B5EF4-FFF2-40B4-BE49-F238E27FC236}">
-                <a16:creationId xmlns:a16="http://schemas.microsoft.com/office/drawing/2014/main" id="{FF2CA7E9-66E2-4B24-BA80-94D611A59062}"/>
-              </a:ext>
-            </a:extLst>
-          </p:cNvPr>
-          <p:cNvSpPr txBox="1"/>
-          <p:nvPr/>
-        </p:nvSpPr>
-        <p:spPr>
-          <a:xfrm>
-            <a:off x="930069" y="3624243"/>
-            <a:ext cx="401071" cy="369332"/>
-          </a:xfrm>
-          <a:prstGeom prst="rect">
-            <a:avLst/>
-          </a:prstGeom>
-          <a:solidFill>
-            <a:schemeClr val="bg1"/>
-          </a:solidFill>
-          <a:ln>
-            <a:noFill/>
-          </a:ln>
-        </p:spPr>
-        <p:txBody>
-          <a:bodyPr wrap="none" rtlCol="0">
-            <a:spAutoFit/>
-          </a:bodyPr>
-          <a:lstStyle/>
-          <a:p>
-            <a:r>
-              <a:rPr lang="en-US" dirty="0"/>
-              <a:t>x8</a:t>
-            </a:r>
-          </a:p>
-        </p:txBody>
-      </p:sp>
+            </a:lnRef>
+            <a:fillRef idx="1">
+              <a:schemeClr val="accent1"/>
+            </a:fillRef>
+            <a:effectRef idx="0">
+              <a:schemeClr val="accent1"/>
+            </a:effectRef>
+            <a:fontRef idx="minor">
+              <a:schemeClr val="lt1"/>
+            </a:fontRef>
+          </p:style>
+          <p:txBody>
+            <a:bodyPr rtlCol="0" anchor="ctr"/>
+            <a:lstStyle/>
+            <a:p>
+              <a:pPr algn="ctr"/>
+              <a:endParaRPr lang="en-US"/>
+            </a:p>
+          </p:txBody>
+        </p:sp>
+      </p:grpSp>
     </p:spTree>
     <p:extLst>
       <p:ext uri="{BB962C8B-B14F-4D97-AF65-F5344CB8AC3E}">
-        <p14:creationId xmlns:p14="http://schemas.microsoft.com/office/powerpoint/2010/main" val="1182699747"/>
+        <p14:creationId xmlns:p14="http://schemas.microsoft.com/office/powerpoint/2010/main" val="2600004975"/>
       </p:ext>
     </p:extLst>
   </p:cSld>

--- a/diagramas.pptx
+++ b/diagramas.pptx
@@ -10,6 +10,7 @@
     <p:sldId id="258" r:id="rId4"/>
     <p:sldId id="259" r:id="rId5"/>
     <p:sldId id="260" r:id="rId6"/>
+    <p:sldId id="261" r:id="rId7"/>
   </p:sldIdLst>
   <p:sldSz cx="12192000" cy="6858000"/>
   <p:notesSz cx="6858000" cy="9144000"/>
@@ -275,7 +276,7 @@
           <a:p>
             <a:fld id="{01F862B5-5039-4432-9E1B-8160DCC90A15}" type="datetimeFigureOut">
               <a:rPr lang="en-US" smtClean="0"/>
-              <a:t>10/20/2019</a:t>
+              <a:t>10/27/2019</a:t>
             </a:fld>
             <a:endParaRPr lang="en-US"/>
           </a:p>
@@ -473,7 +474,7 @@
           <a:p>
             <a:fld id="{01F862B5-5039-4432-9E1B-8160DCC90A15}" type="datetimeFigureOut">
               <a:rPr lang="en-US" smtClean="0"/>
-              <a:t>10/20/2019</a:t>
+              <a:t>10/27/2019</a:t>
             </a:fld>
             <a:endParaRPr lang="en-US"/>
           </a:p>
@@ -681,7 +682,7 @@
           <a:p>
             <a:fld id="{01F862B5-5039-4432-9E1B-8160DCC90A15}" type="datetimeFigureOut">
               <a:rPr lang="en-US" smtClean="0"/>
-              <a:t>10/20/2019</a:t>
+              <a:t>10/27/2019</a:t>
             </a:fld>
             <a:endParaRPr lang="en-US"/>
           </a:p>
@@ -879,7 +880,7 @@
           <a:p>
             <a:fld id="{01F862B5-5039-4432-9E1B-8160DCC90A15}" type="datetimeFigureOut">
               <a:rPr lang="en-US" smtClean="0"/>
-              <a:t>10/20/2019</a:t>
+              <a:t>10/27/2019</a:t>
             </a:fld>
             <a:endParaRPr lang="en-US"/>
           </a:p>
@@ -1154,7 +1155,7 @@
           <a:p>
             <a:fld id="{01F862B5-5039-4432-9E1B-8160DCC90A15}" type="datetimeFigureOut">
               <a:rPr lang="en-US" smtClean="0"/>
-              <a:t>10/20/2019</a:t>
+              <a:t>10/27/2019</a:t>
             </a:fld>
             <a:endParaRPr lang="en-US"/>
           </a:p>
@@ -1419,7 +1420,7 @@
           <a:p>
             <a:fld id="{01F862B5-5039-4432-9E1B-8160DCC90A15}" type="datetimeFigureOut">
               <a:rPr lang="en-US" smtClean="0"/>
-              <a:t>10/20/2019</a:t>
+              <a:t>10/27/2019</a:t>
             </a:fld>
             <a:endParaRPr lang="en-US"/>
           </a:p>
@@ -1831,7 +1832,7 @@
           <a:p>
             <a:fld id="{01F862B5-5039-4432-9E1B-8160DCC90A15}" type="datetimeFigureOut">
               <a:rPr lang="en-US" smtClean="0"/>
-              <a:t>10/20/2019</a:t>
+              <a:t>10/27/2019</a:t>
             </a:fld>
             <a:endParaRPr lang="en-US"/>
           </a:p>
@@ -1972,7 +1973,7 @@
           <a:p>
             <a:fld id="{01F862B5-5039-4432-9E1B-8160DCC90A15}" type="datetimeFigureOut">
               <a:rPr lang="en-US" smtClean="0"/>
-              <a:t>10/20/2019</a:t>
+              <a:t>10/27/2019</a:t>
             </a:fld>
             <a:endParaRPr lang="en-US"/>
           </a:p>
@@ -2085,7 +2086,7 @@
           <a:p>
             <a:fld id="{01F862B5-5039-4432-9E1B-8160DCC90A15}" type="datetimeFigureOut">
               <a:rPr lang="en-US" smtClean="0"/>
-              <a:t>10/20/2019</a:t>
+              <a:t>10/27/2019</a:t>
             </a:fld>
             <a:endParaRPr lang="en-US"/>
           </a:p>
@@ -2396,7 +2397,7 @@
           <a:p>
             <a:fld id="{01F862B5-5039-4432-9E1B-8160DCC90A15}" type="datetimeFigureOut">
               <a:rPr lang="en-US" smtClean="0"/>
-              <a:t>10/20/2019</a:t>
+              <a:t>10/27/2019</a:t>
             </a:fld>
             <a:endParaRPr lang="en-US"/>
           </a:p>
@@ -2684,7 +2685,7 @@
           <a:p>
             <a:fld id="{01F862B5-5039-4432-9E1B-8160DCC90A15}" type="datetimeFigureOut">
               <a:rPr lang="en-US" smtClean="0"/>
-              <a:t>10/20/2019</a:t>
+              <a:t>10/27/2019</a:t>
             </a:fld>
             <a:endParaRPr lang="en-US"/>
           </a:p>
@@ -2925,7 +2926,7 @@
           <a:p>
             <a:fld id="{01F862B5-5039-4432-9E1B-8160DCC90A15}" type="datetimeFigureOut">
               <a:rPr lang="en-US" smtClean="0"/>
-              <a:t>10/20/2019</a:t>
+              <a:t>10/27/2019</a:t>
             </a:fld>
             <a:endParaRPr lang="en-US"/>
           </a:p>
@@ -26308,8 +26309,8 @@
           </a:p>
         </p:txBody>
       </p:sp>
-      <mc:AlternateContent xmlns:mc="http://schemas.openxmlformats.org/markup-compatibility/2006">
-        <mc:Choice xmlns:a14="http://schemas.microsoft.com/office/drawing/2010/main" Requires="a14">
+      <mc:AlternateContent xmlns:mc="http://schemas.openxmlformats.org/markup-compatibility/2006" xmlns:a14="http://schemas.microsoft.com/office/drawing/2010/main">
+        <mc:Choice Requires="a14">
           <p:sp>
             <p:nvSpPr>
               <p:cNvPr id="35" name="TextBox 34">
@@ -26504,7 +26505,7 @@
             </p:txBody>
           </p:sp>
         </mc:Choice>
-        <mc:Fallback>
+        <mc:Fallback xmlns="">
           <p:sp>
             <p:nvSpPr>
               <p:cNvPr id="35" name="TextBox 34">
@@ -26655,8 +26656,8 @@
             </a:fontRef>
           </p:style>
         </p:cxnSp>
-        <mc:AlternateContent xmlns:mc="http://schemas.openxmlformats.org/markup-compatibility/2006">
-          <mc:Choice xmlns:a14="http://schemas.microsoft.com/office/drawing/2010/main" Requires="a14">
+        <mc:AlternateContent xmlns:mc="http://schemas.openxmlformats.org/markup-compatibility/2006" xmlns:a14="http://schemas.microsoft.com/office/drawing/2010/main">
+          <mc:Choice Requires="a14">
             <p:sp>
               <p:nvSpPr>
                 <p:cNvPr id="7" name="TextBox 6">
@@ -26818,7 +26819,7 @@
               </p:txBody>
             </p:sp>
           </mc:Choice>
-          <mc:Fallback>
+          <mc:Fallback xmlns="">
             <p:sp>
               <p:nvSpPr>
                 <p:cNvPr id="7" name="TextBox 6">
@@ -27373,8 +27374,8 @@
             </a:p>
           </p:txBody>
         </p:sp>
-        <mc:AlternateContent xmlns:mc="http://schemas.openxmlformats.org/markup-compatibility/2006">
-          <mc:Choice xmlns:a14="http://schemas.microsoft.com/office/drawing/2010/main" Requires="a14">
+        <mc:AlternateContent xmlns:mc="http://schemas.openxmlformats.org/markup-compatibility/2006" xmlns:a14="http://schemas.microsoft.com/office/drawing/2010/main">
+          <mc:Choice Requires="a14">
             <p:sp>
               <p:nvSpPr>
                 <p:cNvPr id="43" name="TextBox 42">
@@ -27511,7 +27512,7 @@
               </p:txBody>
             </p:sp>
           </mc:Choice>
-          <mc:Fallback>
+          <mc:Fallback xmlns="">
             <p:sp>
               <p:nvSpPr>
                 <p:cNvPr id="43" name="TextBox 42">
@@ -27556,8 +27557,8 @@
             </p:sp>
           </mc:Fallback>
         </mc:AlternateContent>
-        <mc:AlternateContent xmlns:mc="http://schemas.openxmlformats.org/markup-compatibility/2006">
-          <mc:Choice xmlns:a14="http://schemas.microsoft.com/office/drawing/2010/main" Requires="a14">
+        <mc:AlternateContent xmlns:mc="http://schemas.openxmlformats.org/markup-compatibility/2006" xmlns:a14="http://schemas.microsoft.com/office/drawing/2010/main">
+          <mc:Choice Requires="a14">
             <p:sp>
               <p:nvSpPr>
                 <p:cNvPr id="45" name="TextBox 44">
@@ -27696,7 +27697,7 @@
               </p:txBody>
             </p:sp>
           </mc:Choice>
-          <mc:Fallback>
+          <mc:Fallback xmlns="">
             <p:sp>
               <p:nvSpPr>
                 <p:cNvPr id="45" name="TextBox 44">
@@ -27741,8 +27742,8 @@
             </p:sp>
           </mc:Fallback>
         </mc:AlternateContent>
-        <mc:AlternateContent xmlns:mc="http://schemas.openxmlformats.org/markup-compatibility/2006">
-          <mc:Choice xmlns:a14="http://schemas.microsoft.com/office/drawing/2010/main" Requires="a14">
+        <mc:AlternateContent xmlns:mc="http://schemas.openxmlformats.org/markup-compatibility/2006" xmlns:a14="http://schemas.microsoft.com/office/drawing/2010/main">
+          <mc:Choice Requires="a14">
             <p:sp>
               <p:nvSpPr>
                 <p:cNvPr id="46" name="TextBox 45">
@@ -27771,6 +27772,7 @@
                 </a:bodyPr>
                 <a:lstStyle/>
                 <a:p>
+                  <a:pPr/>
                   <a14:m>
                     <m:oMathPara xmlns:m="http://schemas.openxmlformats.org/officeDocument/2006/math">
                       <m:oMathParaPr>
@@ -27878,7 +27880,7 @@
               </p:txBody>
             </p:sp>
           </mc:Choice>
-          <mc:Fallback>
+          <mc:Fallback xmlns="">
             <p:sp>
               <p:nvSpPr>
                 <p:cNvPr id="46" name="TextBox 45">
@@ -27923,8 +27925,8 @@
             </p:sp>
           </mc:Fallback>
         </mc:AlternateContent>
-        <mc:AlternateContent xmlns:mc="http://schemas.openxmlformats.org/markup-compatibility/2006">
-          <mc:Choice xmlns:a14="http://schemas.microsoft.com/office/drawing/2010/main" Requires="a14">
+        <mc:AlternateContent xmlns:mc="http://schemas.openxmlformats.org/markup-compatibility/2006" xmlns:a14="http://schemas.microsoft.com/office/drawing/2010/main">
+          <mc:Choice Requires="a14">
             <p:sp>
               <p:nvSpPr>
                 <p:cNvPr id="47" name="TextBox 46">
@@ -28098,7 +28100,7 @@
               </p:txBody>
             </p:sp>
           </mc:Choice>
-          <mc:Fallback>
+          <mc:Fallback xmlns="">
             <p:sp>
               <p:nvSpPr>
                 <p:cNvPr id="47" name="TextBox 46">
@@ -28143,8 +28145,8 @@
             </p:sp>
           </mc:Fallback>
         </mc:AlternateContent>
-        <mc:AlternateContent xmlns:mc="http://schemas.openxmlformats.org/markup-compatibility/2006">
-          <mc:Choice xmlns:a14="http://schemas.microsoft.com/office/drawing/2010/main" Requires="a14">
+        <mc:AlternateContent xmlns:mc="http://schemas.openxmlformats.org/markup-compatibility/2006" xmlns:a14="http://schemas.microsoft.com/office/drawing/2010/main">
+          <mc:Choice Requires="a14">
             <p:sp>
               <p:nvSpPr>
                 <p:cNvPr id="49" name="TextBox 48">
@@ -28173,6 +28175,7 @@
                 </a:bodyPr>
                 <a:lstStyle/>
                 <a:p>
+                  <a:pPr/>
                   <a14:m>
                     <m:oMathPara xmlns:m="http://schemas.openxmlformats.org/officeDocument/2006/math">
                       <m:oMathParaPr>
@@ -28230,7 +28233,7 @@
               </p:txBody>
             </p:sp>
           </mc:Choice>
-          <mc:Fallback>
+          <mc:Fallback xmlns="">
             <p:sp>
               <p:nvSpPr>
                 <p:cNvPr id="49" name="TextBox 48">
@@ -28275,8 +28278,8 @@
             </p:sp>
           </mc:Fallback>
         </mc:AlternateContent>
-        <mc:AlternateContent xmlns:mc="http://schemas.openxmlformats.org/markup-compatibility/2006">
-          <mc:Choice xmlns:a14="http://schemas.microsoft.com/office/drawing/2010/main" Requires="a14">
+        <mc:AlternateContent xmlns:mc="http://schemas.openxmlformats.org/markup-compatibility/2006" xmlns:a14="http://schemas.microsoft.com/office/drawing/2010/main">
+          <mc:Choice Requires="a14">
             <p:sp>
               <p:nvSpPr>
                 <p:cNvPr id="50" name="TextBox 49">
@@ -28361,7 +28364,7 @@
               </p:txBody>
             </p:sp>
           </mc:Choice>
-          <mc:Fallback>
+          <mc:Fallback xmlns="">
             <p:sp>
               <p:nvSpPr>
                 <p:cNvPr id="50" name="TextBox 49">
@@ -28406,8 +28409,8 @@
             </p:sp>
           </mc:Fallback>
         </mc:AlternateContent>
-        <mc:AlternateContent xmlns:mc="http://schemas.openxmlformats.org/markup-compatibility/2006">
-          <mc:Choice xmlns:a14="http://schemas.microsoft.com/office/drawing/2010/main" Requires="a14">
+        <mc:AlternateContent xmlns:mc="http://schemas.openxmlformats.org/markup-compatibility/2006" xmlns:a14="http://schemas.microsoft.com/office/drawing/2010/main">
+          <mc:Choice Requires="a14">
             <p:sp>
               <p:nvSpPr>
                 <p:cNvPr id="51" name="TextBox 50">
@@ -28436,6 +28439,7 @@
                 </a:bodyPr>
                 <a:lstStyle/>
                 <a:p>
+                  <a:pPr/>
                   <a14:m>
                     <m:oMathPara xmlns:m="http://schemas.openxmlformats.org/officeDocument/2006/math">
                       <m:oMathParaPr>
@@ -28487,7 +28491,7 @@
               </p:txBody>
             </p:sp>
           </mc:Choice>
-          <mc:Fallback>
+          <mc:Fallback xmlns="">
             <p:sp>
               <p:nvSpPr>
                 <p:cNvPr id="51" name="TextBox 50">
@@ -28532,8 +28536,8 @@
             </p:sp>
           </mc:Fallback>
         </mc:AlternateContent>
-        <mc:AlternateContent xmlns:mc="http://schemas.openxmlformats.org/markup-compatibility/2006">
-          <mc:Choice xmlns:a14="http://schemas.microsoft.com/office/drawing/2010/main" Requires="a14">
+        <mc:AlternateContent xmlns:mc="http://schemas.openxmlformats.org/markup-compatibility/2006" xmlns:a14="http://schemas.microsoft.com/office/drawing/2010/main">
+          <mc:Choice Requires="a14">
             <p:sp>
               <p:nvSpPr>
                 <p:cNvPr id="52" name="TextBox 51">
@@ -28562,6 +28566,7 @@
                 </a:bodyPr>
                 <a:lstStyle/>
                 <a:p>
+                  <a:pPr/>
                   <a14:m>
                     <m:oMathPara xmlns:m="http://schemas.openxmlformats.org/officeDocument/2006/math">
                       <m:oMathParaPr>
@@ -28613,7 +28618,7 @@
               </p:txBody>
             </p:sp>
           </mc:Choice>
-          <mc:Fallback>
+          <mc:Fallback xmlns="">
             <p:sp>
               <p:nvSpPr>
                 <p:cNvPr id="52" name="TextBox 51">
@@ -28658,8 +28663,8 @@
             </p:sp>
           </mc:Fallback>
         </mc:AlternateContent>
-        <mc:AlternateContent xmlns:mc="http://schemas.openxmlformats.org/markup-compatibility/2006">
-          <mc:Choice xmlns:a14="http://schemas.microsoft.com/office/drawing/2010/main" Requires="a14">
+        <mc:AlternateContent xmlns:mc="http://schemas.openxmlformats.org/markup-compatibility/2006" xmlns:a14="http://schemas.microsoft.com/office/drawing/2010/main">
+          <mc:Choice Requires="a14">
             <p:sp>
               <p:nvSpPr>
                 <p:cNvPr id="53" name="TextBox 52">
@@ -28688,6 +28693,7 @@
                 </a:bodyPr>
                 <a:lstStyle/>
                 <a:p>
+                  <a:pPr/>
                   <a14:m>
                     <m:oMathPara xmlns:m="http://schemas.openxmlformats.org/officeDocument/2006/math">
                       <m:oMathParaPr>
@@ -28739,7 +28745,7 @@
               </p:txBody>
             </p:sp>
           </mc:Choice>
-          <mc:Fallback>
+          <mc:Fallback xmlns="">
             <p:sp>
               <p:nvSpPr>
                 <p:cNvPr id="53" name="TextBox 52">
@@ -28784,8 +28790,8 @@
             </p:sp>
           </mc:Fallback>
         </mc:AlternateContent>
-        <mc:AlternateContent xmlns:mc="http://schemas.openxmlformats.org/markup-compatibility/2006">
-          <mc:Choice xmlns:a14="http://schemas.microsoft.com/office/drawing/2010/main" Requires="a14">
+        <mc:AlternateContent xmlns:mc="http://schemas.openxmlformats.org/markup-compatibility/2006" xmlns:a14="http://schemas.microsoft.com/office/drawing/2010/main">
+          <mc:Choice Requires="a14">
             <p:sp>
               <p:nvSpPr>
                 <p:cNvPr id="54" name="TextBox 53">
@@ -28814,6 +28820,7 @@
                 </a:bodyPr>
                 <a:lstStyle/>
                 <a:p>
+                  <a:pPr/>
                   <a14:m>
                     <m:oMathPara xmlns:m="http://schemas.openxmlformats.org/officeDocument/2006/math">
                       <m:oMathParaPr>
@@ -28865,7 +28872,7 @@
               </p:txBody>
             </p:sp>
           </mc:Choice>
-          <mc:Fallback>
+          <mc:Fallback xmlns="">
             <p:sp>
               <p:nvSpPr>
                 <p:cNvPr id="54" name="TextBox 53">
@@ -28910,8 +28917,8 @@
             </p:sp>
           </mc:Fallback>
         </mc:AlternateContent>
-        <mc:AlternateContent xmlns:mc="http://schemas.openxmlformats.org/markup-compatibility/2006">
-          <mc:Choice xmlns:a14="http://schemas.microsoft.com/office/drawing/2010/main" Requires="a14">
+        <mc:AlternateContent xmlns:mc="http://schemas.openxmlformats.org/markup-compatibility/2006" xmlns:a14="http://schemas.microsoft.com/office/drawing/2010/main">
+          <mc:Choice Requires="a14">
             <p:sp>
               <p:nvSpPr>
                 <p:cNvPr id="55" name="TextBox 54">
@@ -28996,7 +29003,7 @@
               </p:txBody>
             </p:sp>
           </mc:Choice>
-          <mc:Fallback>
+          <mc:Fallback xmlns="">
             <p:sp>
               <p:nvSpPr>
                 <p:cNvPr id="55" name="TextBox 54">
@@ -29261,8 +29268,8 @@
             </a:p>
           </p:txBody>
         </p:sp>
-        <mc:AlternateContent xmlns:mc="http://schemas.openxmlformats.org/markup-compatibility/2006">
-          <mc:Choice xmlns:a14="http://schemas.microsoft.com/office/drawing/2010/main" Requires="a14">
+        <mc:AlternateContent xmlns:mc="http://schemas.openxmlformats.org/markup-compatibility/2006" xmlns:a14="http://schemas.microsoft.com/office/drawing/2010/main">
+          <mc:Choice Requires="a14">
             <p:sp>
               <p:nvSpPr>
                 <p:cNvPr id="61" name="TextBox 60">
@@ -29291,6 +29298,7 @@
                 </a:bodyPr>
                 <a:lstStyle/>
                 <a:p>
+                  <a:pPr/>
                   <a14:m>
                     <m:oMathPara xmlns:m="http://schemas.openxmlformats.org/officeDocument/2006/math">
                       <m:oMathParaPr>
@@ -29342,7 +29350,7 @@
               </p:txBody>
             </p:sp>
           </mc:Choice>
-          <mc:Fallback>
+          <mc:Fallback xmlns="">
             <p:sp>
               <p:nvSpPr>
                 <p:cNvPr id="61" name="TextBox 60">
@@ -29387,8 +29395,8 @@
             </p:sp>
           </mc:Fallback>
         </mc:AlternateContent>
-        <mc:AlternateContent xmlns:mc="http://schemas.openxmlformats.org/markup-compatibility/2006">
-          <mc:Choice xmlns:a14="http://schemas.microsoft.com/office/drawing/2010/main" Requires="a14">
+        <mc:AlternateContent xmlns:mc="http://schemas.openxmlformats.org/markup-compatibility/2006" xmlns:a14="http://schemas.microsoft.com/office/drawing/2010/main">
+          <mc:Choice Requires="a14">
             <p:sp>
               <p:nvSpPr>
                 <p:cNvPr id="62" name="TextBox 61">
@@ -29417,6 +29425,7 @@
                 </a:bodyPr>
                 <a:lstStyle/>
                 <a:p>
+                  <a:pPr/>
                   <a14:m>
                     <m:oMathPara xmlns:m="http://schemas.openxmlformats.org/officeDocument/2006/math">
                       <m:oMathParaPr>
@@ -29468,7 +29477,7 @@
               </p:txBody>
             </p:sp>
           </mc:Choice>
-          <mc:Fallback>
+          <mc:Fallback xmlns="">
             <p:sp>
               <p:nvSpPr>
                 <p:cNvPr id="62" name="TextBox 61">
@@ -29814,8 +29823,8 @@
             </a:p>
           </p:txBody>
         </p:sp>
-        <mc:AlternateContent xmlns:mc="http://schemas.openxmlformats.org/markup-compatibility/2006">
-          <mc:Choice xmlns:a14="http://schemas.microsoft.com/office/drawing/2010/main" Requires="a14">
+        <mc:AlternateContent xmlns:mc="http://schemas.openxmlformats.org/markup-compatibility/2006" xmlns:a14="http://schemas.microsoft.com/office/drawing/2010/main">
+          <mc:Choice Requires="a14">
             <p:sp>
               <p:nvSpPr>
                 <p:cNvPr id="72" name="TextBox 71">
@@ -29844,6 +29853,7 @@
                 </a:bodyPr>
                 <a:lstStyle/>
                 <a:p>
+                  <a:pPr/>
                   <a14:m>
                     <m:oMathPara xmlns:m="http://schemas.openxmlformats.org/officeDocument/2006/math">
                       <m:oMathParaPr>
@@ -29895,7 +29905,7 @@
               </p:txBody>
             </p:sp>
           </mc:Choice>
-          <mc:Fallback>
+          <mc:Fallback xmlns="">
             <p:sp>
               <p:nvSpPr>
                 <p:cNvPr id="72" name="TextBox 71">
@@ -30007,8 +30017,8 @@
             <a:chExt cx="3298654" cy="1176266"/>
           </a:xfrm>
         </p:grpSpPr>
-        <mc:AlternateContent xmlns:mc="http://schemas.openxmlformats.org/markup-compatibility/2006">
-          <mc:Choice xmlns:a14="http://schemas.microsoft.com/office/drawing/2010/main" Requires="a14">
+        <mc:AlternateContent xmlns:mc="http://schemas.openxmlformats.org/markup-compatibility/2006" xmlns:a14="http://schemas.microsoft.com/office/drawing/2010/main">
+          <mc:Choice Requires="a14">
             <p:sp>
               <p:nvSpPr>
                 <p:cNvPr id="27" name="TextBox 26">
@@ -30068,7 +30078,7 @@
               </p:txBody>
             </p:sp>
           </mc:Choice>
-          <mc:Fallback>
+          <mc:Fallback xmlns="">
             <p:sp>
               <p:nvSpPr>
                 <p:cNvPr id="27" name="TextBox 26">
@@ -30113,8 +30123,8 @@
             </p:sp>
           </mc:Fallback>
         </mc:AlternateContent>
-        <mc:AlternateContent xmlns:mc="http://schemas.openxmlformats.org/markup-compatibility/2006">
-          <mc:Choice xmlns:a14="http://schemas.microsoft.com/office/drawing/2010/main" Requires="a14">
+        <mc:AlternateContent xmlns:mc="http://schemas.openxmlformats.org/markup-compatibility/2006" xmlns:a14="http://schemas.microsoft.com/office/drawing/2010/main">
+          <mc:Choice Requires="a14">
             <p:sp>
               <p:nvSpPr>
                 <p:cNvPr id="76" name="TextBox 75">
@@ -30143,6 +30153,7 @@
                 </a:bodyPr>
                 <a:lstStyle/>
                 <a:p>
+                  <a:pPr/>
                   <a14:m>
                     <m:oMathPara xmlns:m="http://schemas.openxmlformats.org/officeDocument/2006/math">
                       <m:oMathParaPr>
@@ -30169,7 +30180,7 @@
               </p:txBody>
             </p:sp>
           </mc:Choice>
-          <mc:Fallback>
+          <mc:Fallback xmlns="">
             <p:sp>
               <p:nvSpPr>
                 <p:cNvPr id="76" name="TextBox 75">
@@ -30214,8 +30225,8 @@
             </p:sp>
           </mc:Fallback>
         </mc:AlternateContent>
-        <mc:AlternateContent xmlns:mc="http://schemas.openxmlformats.org/markup-compatibility/2006">
-          <mc:Choice xmlns:a14="http://schemas.microsoft.com/office/drawing/2010/main" Requires="a14">
+        <mc:AlternateContent xmlns:mc="http://schemas.openxmlformats.org/markup-compatibility/2006" xmlns:a14="http://schemas.microsoft.com/office/drawing/2010/main">
+          <mc:Choice Requires="a14">
             <p:sp>
               <p:nvSpPr>
                 <p:cNvPr id="77" name="TextBox 76">
@@ -30265,7 +30276,7 @@
               </p:txBody>
             </p:sp>
           </mc:Choice>
-          <mc:Fallback>
+          <mc:Fallback xmlns="">
             <p:sp>
               <p:nvSpPr>
                 <p:cNvPr id="77" name="TextBox 76">
@@ -30310,8 +30321,8 @@
             </p:sp>
           </mc:Fallback>
         </mc:AlternateContent>
-        <mc:AlternateContent xmlns:mc="http://schemas.openxmlformats.org/markup-compatibility/2006">
-          <mc:Choice xmlns:a14="http://schemas.microsoft.com/office/drawing/2010/main" Requires="a14">
+        <mc:AlternateContent xmlns:mc="http://schemas.openxmlformats.org/markup-compatibility/2006" xmlns:a14="http://schemas.microsoft.com/office/drawing/2010/main">
+          <mc:Choice Requires="a14">
             <p:sp>
               <p:nvSpPr>
                 <p:cNvPr id="78" name="TextBox 77">
@@ -30361,7 +30372,7 @@
               </p:txBody>
             </p:sp>
           </mc:Choice>
-          <mc:Fallback>
+          <mc:Fallback xmlns="">
             <p:sp>
               <p:nvSpPr>
                 <p:cNvPr id="78" name="TextBox 77">
@@ -30406,8 +30417,8 @@
             </p:sp>
           </mc:Fallback>
         </mc:AlternateContent>
-        <mc:AlternateContent xmlns:mc="http://schemas.openxmlformats.org/markup-compatibility/2006">
-          <mc:Choice xmlns:a14="http://schemas.microsoft.com/office/drawing/2010/main" Requires="a14">
+        <mc:AlternateContent xmlns:mc="http://schemas.openxmlformats.org/markup-compatibility/2006" xmlns:a14="http://schemas.microsoft.com/office/drawing/2010/main">
+          <mc:Choice Requires="a14">
             <p:sp>
               <p:nvSpPr>
                 <p:cNvPr id="79" name="TextBox 78">
@@ -30457,7 +30468,7 @@
               </p:txBody>
             </p:sp>
           </mc:Choice>
-          <mc:Fallback>
+          <mc:Fallback xmlns="">
             <p:sp>
               <p:nvSpPr>
                 <p:cNvPr id="79" name="TextBox 78">
@@ -30731,6 +30742,857 @@
     <p:extLst>
       <p:ext uri="{BB962C8B-B14F-4D97-AF65-F5344CB8AC3E}">
         <p14:creationId xmlns:p14="http://schemas.microsoft.com/office/powerpoint/2010/main" val="2600004975"/>
+      </p:ext>
+    </p:extLst>
+  </p:cSld>
+  <p:clrMapOvr>
+    <a:masterClrMapping/>
+  </p:clrMapOvr>
+</p:sld>
+</file>
+
+<file path=ppt/slides/slide6.xml><?xml version="1.0" encoding="utf-8"?>
+<p:sld xmlns:a="http://schemas.openxmlformats.org/drawingml/2006/main" xmlns:r="http://schemas.openxmlformats.org/officeDocument/2006/relationships" xmlns:p="http://schemas.openxmlformats.org/presentationml/2006/main">
+  <p:cSld>
+    <p:spTree>
+      <p:nvGrpSpPr>
+        <p:cNvPr id="1" name=""/>
+        <p:cNvGrpSpPr/>
+        <p:nvPr/>
+      </p:nvGrpSpPr>
+      <p:grpSpPr>
+        <a:xfrm>
+          <a:off x="0" y="0"/>
+          <a:ext cx="0" cy="0"/>
+          <a:chOff x="0" y="0"/>
+          <a:chExt cx="0" cy="0"/>
+        </a:xfrm>
+      </p:grpSpPr>
+      <p:pic>
+        <p:nvPicPr>
+          <p:cNvPr id="5" name="Graphic 4" descr="Processor">
+            <a:extLst>
+              <a:ext uri="{FF2B5EF4-FFF2-40B4-BE49-F238E27FC236}">
+                <a16:creationId xmlns:a16="http://schemas.microsoft.com/office/drawing/2014/main" id="{ED3103E4-4128-42A8-A4A6-1D4042132792}"/>
+              </a:ext>
+            </a:extLst>
+          </p:cNvPr>
+          <p:cNvPicPr>
+            <a:picLocks noChangeAspect="1"/>
+          </p:cNvPicPr>
+          <p:nvPr/>
+        </p:nvPicPr>
+        <p:blipFill>
+          <a:blip r:embed="rId2">
+            <a:extLst>
+              <a:ext uri="{28A0092B-C50C-407E-A947-70E740481C1C}">
+                <a14:useLocalDpi xmlns:a14="http://schemas.microsoft.com/office/drawing/2010/main" val="0"/>
+              </a:ext>
+              <a:ext uri="{96DAC541-7B7A-43D3-8B79-37D633B846F1}">
+                <asvg:svgBlip xmlns:asvg="http://schemas.microsoft.com/office/drawing/2016/SVG/main" r:embed="rId3"/>
+              </a:ext>
+            </a:extLst>
+          </a:blip>
+          <a:stretch>
+            <a:fillRect/>
+          </a:stretch>
+        </p:blipFill>
+        <p:spPr>
+          <a:xfrm>
+            <a:off x="5002104" y="2179703"/>
+            <a:ext cx="1387813" cy="1387813"/>
+          </a:xfrm>
+          <a:prstGeom prst="rect">
+            <a:avLst/>
+          </a:prstGeom>
+        </p:spPr>
+      </p:pic>
+      <p:pic>
+        <p:nvPicPr>
+          <p:cNvPr id="7" name="Graphic 6" descr="Computer">
+            <a:extLst>
+              <a:ext uri="{FF2B5EF4-FFF2-40B4-BE49-F238E27FC236}">
+                <a16:creationId xmlns:a16="http://schemas.microsoft.com/office/drawing/2014/main" id="{00E2F1F5-C58D-4622-BDA8-CBEE2D439B2A}"/>
+              </a:ext>
+            </a:extLst>
+          </p:cNvPr>
+          <p:cNvPicPr>
+            <a:picLocks noChangeAspect="1"/>
+          </p:cNvPicPr>
+          <p:nvPr/>
+        </p:nvPicPr>
+        <p:blipFill>
+          <a:blip r:embed="rId4">
+            <a:extLst>
+              <a:ext uri="{28A0092B-C50C-407E-A947-70E740481C1C}">
+                <a14:useLocalDpi xmlns:a14="http://schemas.microsoft.com/office/drawing/2010/main" val="0"/>
+              </a:ext>
+              <a:ext uri="{96DAC541-7B7A-43D3-8B79-37D633B846F1}">
+                <asvg:svgBlip xmlns:asvg="http://schemas.microsoft.com/office/drawing/2016/SVG/main" r:embed="rId5"/>
+              </a:ext>
+            </a:extLst>
+          </a:blip>
+          <a:stretch>
+            <a:fillRect/>
+          </a:stretch>
+        </p:blipFill>
+        <p:spPr>
+          <a:xfrm>
+            <a:off x="7567245" y="1984691"/>
+            <a:ext cx="1678799" cy="1678799"/>
+          </a:xfrm>
+          <a:prstGeom prst="rect">
+            <a:avLst/>
+          </a:prstGeom>
+        </p:spPr>
+      </p:pic>
+      <p:sp>
+        <p:nvSpPr>
+          <p:cNvPr id="10" name="TextBox 9">
+            <a:extLst>
+              <a:ext uri="{FF2B5EF4-FFF2-40B4-BE49-F238E27FC236}">
+                <a16:creationId xmlns:a16="http://schemas.microsoft.com/office/drawing/2014/main" id="{2ADC7543-202E-479D-9899-8367CB482451}"/>
+              </a:ext>
+            </a:extLst>
+          </p:cNvPr>
+          <p:cNvSpPr txBox="1"/>
+          <p:nvPr/>
+        </p:nvSpPr>
+        <p:spPr>
+          <a:xfrm>
+            <a:off x="3786238" y="3343835"/>
+            <a:ext cx="835998" cy="276999"/>
+          </a:xfrm>
+          <a:prstGeom prst="rect">
+            <a:avLst/>
+          </a:prstGeom>
+          <a:noFill/>
+        </p:spPr>
+        <p:txBody>
+          <a:bodyPr wrap="none" rtlCol="0">
+            <a:spAutoFit/>
+          </a:bodyPr>
+          <a:lstStyle/>
+          <a:p>
+            <a:r>
+              <a:rPr lang="en-US" sz="1200" dirty="0" err="1"/>
+              <a:t>Pulsos</a:t>
+            </a:r>
+            <a:r>
+              <a:rPr lang="en-US" sz="1200" dirty="0"/>
+              <a:t> TTL</a:t>
+            </a:r>
+          </a:p>
+        </p:txBody>
+      </p:sp>
+      <p:sp>
+        <p:nvSpPr>
+          <p:cNvPr id="13" name="TextBox 12">
+            <a:extLst>
+              <a:ext uri="{FF2B5EF4-FFF2-40B4-BE49-F238E27FC236}">
+                <a16:creationId xmlns:a16="http://schemas.microsoft.com/office/drawing/2014/main" id="{A5E753B8-553C-48E1-B9BA-6865B2F4752A}"/>
+              </a:ext>
+            </a:extLst>
+          </p:cNvPr>
+          <p:cNvSpPr txBox="1"/>
+          <p:nvPr/>
+        </p:nvSpPr>
+        <p:spPr>
+          <a:xfrm>
+            <a:off x="5038671" y="3478824"/>
+            <a:ext cx="1350050" cy="369332"/>
+          </a:xfrm>
+          <a:prstGeom prst="rect">
+            <a:avLst/>
+          </a:prstGeom>
+          <a:noFill/>
+        </p:spPr>
+        <p:txBody>
+          <a:bodyPr wrap="none" rtlCol="0">
+            <a:spAutoFit/>
+          </a:bodyPr>
+          <a:lstStyle/>
+          <a:p>
+            <a:r>
+              <a:rPr lang="en-US" dirty="0"/>
+              <a:t>FPGA (MCU)</a:t>
+            </a:r>
+          </a:p>
+        </p:txBody>
+      </p:sp>
+      <p:sp>
+        <p:nvSpPr>
+          <p:cNvPr id="14" name="TextBox 13">
+            <a:extLst>
+              <a:ext uri="{FF2B5EF4-FFF2-40B4-BE49-F238E27FC236}">
+                <a16:creationId xmlns:a16="http://schemas.microsoft.com/office/drawing/2014/main" id="{A898558A-1904-4974-802C-7C18625D00E6}"/>
+              </a:ext>
+            </a:extLst>
+          </p:cNvPr>
+          <p:cNvSpPr txBox="1"/>
+          <p:nvPr/>
+        </p:nvSpPr>
+        <p:spPr>
+          <a:xfrm>
+            <a:off x="6535723" y="2824090"/>
+            <a:ext cx="884521" cy="470306"/>
+          </a:xfrm>
+          <a:prstGeom prst="rect">
+            <a:avLst/>
+          </a:prstGeom>
+          <a:noFill/>
+        </p:spPr>
+        <p:txBody>
+          <a:bodyPr wrap="square" rtlCol="0">
+            <a:spAutoFit/>
+          </a:bodyPr>
+          <a:lstStyle/>
+          <a:p>
+            <a:r>
+              <a:rPr lang="en-US" sz="1200" dirty="0" err="1"/>
+              <a:t>Conversor</a:t>
+            </a:r>
+            <a:r>
+              <a:rPr lang="en-US" sz="1200" dirty="0"/>
+              <a:t> RS232-USB</a:t>
+            </a:r>
+          </a:p>
+        </p:txBody>
+      </p:sp>
+      <p:sp>
+        <p:nvSpPr>
+          <p:cNvPr id="15" name="TextBox 14">
+            <a:extLst>
+              <a:ext uri="{FF2B5EF4-FFF2-40B4-BE49-F238E27FC236}">
+                <a16:creationId xmlns:a16="http://schemas.microsoft.com/office/drawing/2014/main" id="{65320C81-05F3-46B6-BA6D-009D9BA07622}"/>
+              </a:ext>
+            </a:extLst>
+          </p:cNvPr>
+          <p:cNvSpPr txBox="1"/>
+          <p:nvPr/>
+        </p:nvSpPr>
+        <p:spPr>
+          <a:xfrm>
+            <a:off x="1498330" y="1787571"/>
+            <a:ext cx="2741648" cy="369332"/>
+          </a:xfrm>
+          <a:prstGeom prst="rect">
+            <a:avLst/>
+          </a:prstGeom>
+          <a:noFill/>
+        </p:spPr>
+        <p:txBody>
+          <a:bodyPr wrap="none" rtlCol="0">
+            <a:spAutoFit/>
+          </a:bodyPr>
+          <a:lstStyle/>
+          <a:p>
+            <a:r>
+              <a:rPr lang="pt-BR" dirty="0"/>
+              <a:t>Câmara</a:t>
+            </a:r>
+            <a:r>
+              <a:rPr lang="en-US" dirty="0"/>
+              <a:t> </a:t>
+            </a:r>
+            <a:r>
+              <a:rPr lang="en-US" dirty="0" err="1"/>
+              <a:t>escura</a:t>
+            </a:r>
+            <a:r>
+              <a:rPr lang="en-US" dirty="0"/>
+              <a:t> com 7 PMTs</a:t>
+            </a:r>
+          </a:p>
+        </p:txBody>
+      </p:sp>
+      <p:pic>
+        <p:nvPicPr>
+          <p:cNvPr id="16" name="Picture 15">
+            <a:extLst>
+              <a:ext uri="{FF2B5EF4-FFF2-40B4-BE49-F238E27FC236}">
+                <a16:creationId xmlns:a16="http://schemas.microsoft.com/office/drawing/2014/main" id="{8DCBF24C-920A-4ED2-8CD4-840CE038438E}"/>
+              </a:ext>
+            </a:extLst>
+          </p:cNvPr>
+          <p:cNvPicPr>
+            <a:picLocks noChangeAspect="1"/>
+          </p:cNvPicPr>
+          <p:nvPr/>
+        </p:nvPicPr>
+        <p:blipFill>
+          <a:blip r:embed="rId6"/>
+          <a:stretch>
+            <a:fillRect/>
+          </a:stretch>
+        </p:blipFill>
+        <p:spPr>
+          <a:xfrm>
+            <a:off x="2029505" y="2095556"/>
+            <a:ext cx="1685925" cy="1752600"/>
+          </a:xfrm>
+          <a:prstGeom prst="rect">
+            <a:avLst/>
+          </a:prstGeom>
+        </p:spPr>
+      </p:pic>
+      <p:sp>
+        <p:nvSpPr>
+          <p:cNvPr id="17" name="Rectangle 16">
+            <a:extLst>
+              <a:ext uri="{FF2B5EF4-FFF2-40B4-BE49-F238E27FC236}">
+                <a16:creationId xmlns:a16="http://schemas.microsoft.com/office/drawing/2014/main" id="{4EF813F8-5E06-4C78-87C9-C710A824CD8B}"/>
+              </a:ext>
+            </a:extLst>
+          </p:cNvPr>
+          <p:cNvSpPr/>
+          <p:nvPr/>
+        </p:nvSpPr>
+        <p:spPr>
+          <a:xfrm>
+            <a:off x="2320696" y="4156141"/>
+            <a:ext cx="1209786" cy="391232"/>
+          </a:xfrm>
+          <a:prstGeom prst="rect">
+            <a:avLst/>
+          </a:prstGeom>
+          <a:solidFill>
+            <a:schemeClr val="bg1"/>
+          </a:solidFill>
+        </p:spPr>
+        <p:style>
+          <a:lnRef idx="2">
+            <a:schemeClr val="accent1">
+              <a:shade val="50000"/>
+            </a:schemeClr>
+          </a:lnRef>
+          <a:fillRef idx="1">
+            <a:schemeClr val="accent1"/>
+          </a:fillRef>
+          <a:effectRef idx="0">
+            <a:schemeClr val="accent1"/>
+          </a:effectRef>
+          <a:fontRef idx="minor">
+            <a:schemeClr val="lt1"/>
+          </a:fontRef>
+        </p:style>
+        <p:txBody>
+          <a:bodyPr rtlCol="0" anchor="ctr"/>
+          <a:lstStyle/>
+          <a:p>
+            <a:pPr algn="ctr"/>
+            <a:r>
+              <a:rPr lang="en-US" sz="1400" dirty="0">
+                <a:solidFill>
+                  <a:schemeClr val="tx1"/>
+                </a:solidFill>
+              </a:rPr>
+              <a:t>Fonte de </a:t>
+            </a:r>
+            <a:r>
+              <a:rPr lang="en-US" sz="1400" dirty="0" err="1">
+                <a:solidFill>
+                  <a:schemeClr val="tx1"/>
+                </a:solidFill>
+              </a:rPr>
+              <a:t>Alimentação</a:t>
+            </a:r>
+            <a:endParaRPr lang="en-US" sz="1400" dirty="0">
+              <a:solidFill>
+                <a:schemeClr val="tx1"/>
+              </a:solidFill>
+            </a:endParaRPr>
+          </a:p>
+        </p:txBody>
+      </p:sp>
+      <p:cxnSp>
+        <p:nvCxnSpPr>
+          <p:cNvPr id="19" name="Straight Arrow Connector 18">
+            <a:extLst>
+              <a:ext uri="{FF2B5EF4-FFF2-40B4-BE49-F238E27FC236}">
+                <a16:creationId xmlns:a16="http://schemas.microsoft.com/office/drawing/2014/main" id="{D5A7AA97-5D61-4F06-A805-90F15C75A8DE}"/>
+              </a:ext>
+            </a:extLst>
+          </p:cNvPr>
+          <p:cNvCxnSpPr>
+            <a:cxnSpLocks/>
+            <a:stCxn id="17" idx="0"/>
+          </p:cNvCxnSpPr>
+          <p:nvPr/>
+        </p:nvCxnSpPr>
+        <p:spPr>
+          <a:xfrm flipV="1">
+            <a:off x="2925589" y="3663490"/>
+            <a:ext cx="0" cy="492651"/>
+          </a:xfrm>
+          <a:prstGeom prst="straightConnector1">
+            <a:avLst/>
+          </a:prstGeom>
+          <a:ln w="19050">
+            <a:tailEnd type="triangle"/>
+          </a:ln>
+        </p:spPr>
+        <p:style>
+          <a:lnRef idx="2">
+            <a:schemeClr val="dk1"/>
+          </a:lnRef>
+          <a:fillRef idx="0">
+            <a:schemeClr val="dk1"/>
+          </a:fillRef>
+          <a:effectRef idx="1">
+            <a:schemeClr val="dk1"/>
+          </a:effectRef>
+          <a:fontRef idx="minor">
+            <a:schemeClr val="tx1"/>
+          </a:fontRef>
+        </p:style>
+      </p:cxnSp>
+      <p:sp>
+        <p:nvSpPr>
+          <p:cNvPr id="24" name="Rectangle 23">
+            <a:extLst>
+              <a:ext uri="{FF2B5EF4-FFF2-40B4-BE49-F238E27FC236}">
+                <a16:creationId xmlns:a16="http://schemas.microsoft.com/office/drawing/2014/main" id="{241089C2-6152-4430-8FA1-824C650B7013}"/>
+              </a:ext>
+            </a:extLst>
+          </p:cNvPr>
+          <p:cNvSpPr/>
+          <p:nvPr/>
+        </p:nvSpPr>
+        <p:spPr>
+          <a:xfrm>
+            <a:off x="925115" y="3351411"/>
+            <a:ext cx="876807" cy="492652"/>
+          </a:xfrm>
+          <a:prstGeom prst="rect">
+            <a:avLst/>
+          </a:prstGeom>
+          <a:solidFill>
+            <a:schemeClr val="bg1"/>
+          </a:solidFill>
+        </p:spPr>
+        <p:style>
+          <a:lnRef idx="2">
+            <a:schemeClr val="accent1">
+              <a:shade val="50000"/>
+            </a:schemeClr>
+          </a:lnRef>
+          <a:fillRef idx="1">
+            <a:schemeClr val="accent1"/>
+          </a:fillRef>
+          <a:effectRef idx="0">
+            <a:schemeClr val="accent1"/>
+          </a:effectRef>
+          <a:fontRef idx="minor">
+            <a:schemeClr val="lt1"/>
+          </a:fontRef>
+        </p:style>
+        <p:txBody>
+          <a:bodyPr rtlCol="0" anchor="ctr"/>
+          <a:lstStyle/>
+          <a:p>
+            <a:pPr algn="ctr"/>
+            <a:r>
+              <a:rPr lang="en-US" sz="1400" dirty="0" err="1">
+                <a:solidFill>
+                  <a:schemeClr val="tx1"/>
+                </a:solidFill>
+              </a:rPr>
+              <a:t>Amostra</a:t>
+            </a:r>
+            <a:endParaRPr lang="en-US" dirty="0">
+              <a:solidFill>
+                <a:schemeClr val="tx1"/>
+              </a:solidFill>
+            </a:endParaRPr>
+          </a:p>
+        </p:txBody>
+      </p:sp>
+      <p:cxnSp>
+        <p:nvCxnSpPr>
+          <p:cNvPr id="26" name="Straight Arrow Connector 25">
+            <a:extLst>
+              <a:ext uri="{FF2B5EF4-FFF2-40B4-BE49-F238E27FC236}">
+                <a16:creationId xmlns:a16="http://schemas.microsoft.com/office/drawing/2014/main" id="{24559616-A5BF-43CD-A653-16E81B157FCC}"/>
+              </a:ext>
+            </a:extLst>
+          </p:cNvPr>
+          <p:cNvCxnSpPr/>
+          <p:nvPr/>
+        </p:nvCxnSpPr>
+        <p:spPr>
+          <a:xfrm>
+            <a:off x="3715430" y="2734235"/>
+            <a:ext cx="1286674" cy="0"/>
+          </a:xfrm>
+          <a:prstGeom prst="straightConnector1">
+            <a:avLst/>
+          </a:prstGeom>
+          <a:ln>
+            <a:solidFill>
+              <a:schemeClr val="tx1"/>
+            </a:solidFill>
+            <a:tailEnd type="triangle"/>
+          </a:ln>
+        </p:spPr>
+        <p:style>
+          <a:lnRef idx="1">
+            <a:schemeClr val="accent1"/>
+          </a:lnRef>
+          <a:fillRef idx="0">
+            <a:schemeClr val="accent1"/>
+          </a:fillRef>
+          <a:effectRef idx="0">
+            <a:schemeClr val="accent1"/>
+          </a:effectRef>
+          <a:fontRef idx="minor">
+            <a:schemeClr val="tx1"/>
+          </a:fontRef>
+        </p:style>
+      </p:cxnSp>
+      <p:cxnSp>
+        <p:nvCxnSpPr>
+          <p:cNvPr id="27" name="Straight Arrow Connector 26">
+            <a:extLst>
+              <a:ext uri="{FF2B5EF4-FFF2-40B4-BE49-F238E27FC236}">
+                <a16:creationId xmlns:a16="http://schemas.microsoft.com/office/drawing/2014/main" id="{EB1AA4EF-5E2F-4EA9-99F5-2F72EAF2FB8B}"/>
+              </a:ext>
+            </a:extLst>
+          </p:cNvPr>
+          <p:cNvCxnSpPr/>
+          <p:nvPr/>
+        </p:nvCxnSpPr>
+        <p:spPr>
+          <a:xfrm>
+            <a:off x="3715430" y="2882573"/>
+            <a:ext cx="1286674" cy="0"/>
+          </a:xfrm>
+          <a:prstGeom prst="straightConnector1">
+            <a:avLst/>
+          </a:prstGeom>
+          <a:ln>
+            <a:solidFill>
+              <a:schemeClr val="tx1"/>
+            </a:solidFill>
+            <a:tailEnd type="triangle"/>
+          </a:ln>
+        </p:spPr>
+        <p:style>
+          <a:lnRef idx="1">
+            <a:schemeClr val="accent1"/>
+          </a:lnRef>
+          <a:fillRef idx="0">
+            <a:schemeClr val="accent1"/>
+          </a:fillRef>
+          <a:effectRef idx="0">
+            <a:schemeClr val="accent1"/>
+          </a:effectRef>
+          <a:fontRef idx="minor">
+            <a:schemeClr val="tx1"/>
+          </a:fontRef>
+        </p:style>
+      </p:cxnSp>
+      <p:cxnSp>
+        <p:nvCxnSpPr>
+          <p:cNvPr id="28" name="Straight Arrow Connector 27">
+            <a:extLst>
+              <a:ext uri="{FF2B5EF4-FFF2-40B4-BE49-F238E27FC236}">
+                <a16:creationId xmlns:a16="http://schemas.microsoft.com/office/drawing/2014/main" id="{B2A09EB4-61F2-4965-AAB9-C4D1723C5900}"/>
+              </a:ext>
+            </a:extLst>
+          </p:cNvPr>
+          <p:cNvCxnSpPr/>
+          <p:nvPr/>
+        </p:nvCxnSpPr>
+        <p:spPr>
+          <a:xfrm>
+            <a:off x="3715430" y="3047999"/>
+            <a:ext cx="1286674" cy="0"/>
+          </a:xfrm>
+          <a:prstGeom prst="straightConnector1">
+            <a:avLst/>
+          </a:prstGeom>
+          <a:ln>
+            <a:solidFill>
+              <a:schemeClr val="tx1"/>
+            </a:solidFill>
+            <a:tailEnd type="triangle"/>
+          </a:ln>
+        </p:spPr>
+        <p:style>
+          <a:lnRef idx="1">
+            <a:schemeClr val="accent1"/>
+          </a:lnRef>
+          <a:fillRef idx="0">
+            <a:schemeClr val="accent1"/>
+          </a:fillRef>
+          <a:effectRef idx="0">
+            <a:schemeClr val="accent1"/>
+          </a:effectRef>
+          <a:fontRef idx="minor">
+            <a:schemeClr val="tx1"/>
+          </a:fontRef>
+        </p:style>
+      </p:cxnSp>
+      <p:cxnSp>
+        <p:nvCxnSpPr>
+          <p:cNvPr id="29" name="Straight Arrow Connector 28">
+            <a:extLst>
+              <a:ext uri="{FF2B5EF4-FFF2-40B4-BE49-F238E27FC236}">
+                <a16:creationId xmlns:a16="http://schemas.microsoft.com/office/drawing/2014/main" id="{B5301480-1BF5-4F92-84C9-299E3BD5C21F}"/>
+              </a:ext>
+            </a:extLst>
+          </p:cNvPr>
+          <p:cNvCxnSpPr/>
+          <p:nvPr/>
+        </p:nvCxnSpPr>
+        <p:spPr>
+          <a:xfrm>
+            <a:off x="3715428" y="3191436"/>
+            <a:ext cx="1286674" cy="0"/>
+          </a:xfrm>
+          <a:prstGeom prst="straightConnector1">
+            <a:avLst/>
+          </a:prstGeom>
+          <a:ln>
+            <a:solidFill>
+              <a:schemeClr val="tx1"/>
+            </a:solidFill>
+            <a:tailEnd type="triangle"/>
+          </a:ln>
+        </p:spPr>
+        <p:style>
+          <a:lnRef idx="1">
+            <a:schemeClr val="accent1"/>
+          </a:lnRef>
+          <a:fillRef idx="0">
+            <a:schemeClr val="accent1"/>
+          </a:fillRef>
+          <a:effectRef idx="0">
+            <a:schemeClr val="accent1"/>
+          </a:effectRef>
+          <a:fontRef idx="minor">
+            <a:schemeClr val="tx1"/>
+          </a:fontRef>
+        </p:style>
+      </p:cxnSp>
+      <p:cxnSp>
+        <p:nvCxnSpPr>
+          <p:cNvPr id="30" name="Straight Arrow Connector 29">
+            <a:extLst>
+              <a:ext uri="{FF2B5EF4-FFF2-40B4-BE49-F238E27FC236}">
+                <a16:creationId xmlns:a16="http://schemas.microsoft.com/office/drawing/2014/main" id="{A125D8ED-139A-4740-80A4-347087BDF979}"/>
+              </a:ext>
+            </a:extLst>
+          </p:cNvPr>
+          <p:cNvCxnSpPr/>
+          <p:nvPr/>
+        </p:nvCxnSpPr>
+        <p:spPr>
+          <a:xfrm>
+            <a:off x="3715428" y="3351411"/>
+            <a:ext cx="1286674" cy="0"/>
+          </a:xfrm>
+          <a:prstGeom prst="straightConnector1">
+            <a:avLst/>
+          </a:prstGeom>
+          <a:ln>
+            <a:solidFill>
+              <a:schemeClr val="tx1"/>
+            </a:solidFill>
+            <a:tailEnd type="triangle"/>
+          </a:ln>
+        </p:spPr>
+        <p:style>
+          <a:lnRef idx="1">
+            <a:schemeClr val="accent1"/>
+          </a:lnRef>
+          <a:fillRef idx="0">
+            <a:schemeClr val="accent1"/>
+          </a:fillRef>
+          <a:effectRef idx="0">
+            <a:schemeClr val="accent1"/>
+          </a:effectRef>
+          <a:fontRef idx="minor">
+            <a:schemeClr val="tx1"/>
+          </a:fontRef>
+        </p:style>
+      </p:cxnSp>
+      <p:cxnSp>
+        <p:nvCxnSpPr>
+          <p:cNvPr id="31" name="Straight Arrow Connector 30">
+            <a:extLst>
+              <a:ext uri="{FF2B5EF4-FFF2-40B4-BE49-F238E27FC236}">
+                <a16:creationId xmlns:a16="http://schemas.microsoft.com/office/drawing/2014/main" id="{BB764E8C-5C75-4B83-A99D-85443DF19094}"/>
+              </a:ext>
+            </a:extLst>
+          </p:cNvPr>
+          <p:cNvCxnSpPr/>
+          <p:nvPr/>
+        </p:nvCxnSpPr>
+        <p:spPr>
+          <a:xfrm>
+            <a:off x="3715428" y="2581836"/>
+            <a:ext cx="1286674" cy="0"/>
+          </a:xfrm>
+          <a:prstGeom prst="straightConnector1">
+            <a:avLst/>
+          </a:prstGeom>
+          <a:ln>
+            <a:solidFill>
+              <a:schemeClr val="tx1"/>
+            </a:solidFill>
+            <a:tailEnd type="triangle"/>
+          </a:ln>
+        </p:spPr>
+        <p:style>
+          <a:lnRef idx="1">
+            <a:schemeClr val="accent1"/>
+          </a:lnRef>
+          <a:fillRef idx="0">
+            <a:schemeClr val="accent1"/>
+          </a:fillRef>
+          <a:effectRef idx="0">
+            <a:schemeClr val="accent1"/>
+          </a:effectRef>
+          <a:fontRef idx="minor">
+            <a:schemeClr val="tx1"/>
+          </a:fontRef>
+        </p:style>
+      </p:cxnSp>
+      <p:cxnSp>
+        <p:nvCxnSpPr>
+          <p:cNvPr id="32" name="Straight Arrow Connector 31">
+            <a:extLst>
+              <a:ext uri="{FF2B5EF4-FFF2-40B4-BE49-F238E27FC236}">
+                <a16:creationId xmlns:a16="http://schemas.microsoft.com/office/drawing/2014/main" id="{D5A8B4E2-F5A2-4453-8563-6993440EA8E8}"/>
+              </a:ext>
+            </a:extLst>
+          </p:cNvPr>
+          <p:cNvCxnSpPr/>
+          <p:nvPr/>
+        </p:nvCxnSpPr>
+        <p:spPr>
+          <a:xfrm>
+            <a:off x="6280571" y="2824090"/>
+            <a:ext cx="1286674" cy="0"/>
+          </a:xfrm>
+          <a:prstGeom prst="straightConnector1">
+            <a:avLst/>
+          </a:prstGeom>
+          <a:ln>
+            <a:solidFill>
+              <a:schemeClr val="tx1"/>
+            </a:solidFill>
+            <a:tailEnd type="triangle"/>
+          </a:ln>
+        </p:spPr>
+        <p:style>
+          <a:lnRef idx="1">
+            <a:schemeClr val="accent1"/>
+          </a:lnRef>
+          <a:fillRef idx="0">
+            <a:schemeClr val="accent1"/>
+          </a:fillRef>
+          <a:effectRef idx="0">
+            <a:schemeClr val="accent1"/>
+          </a:effectRef>
+          <a:fontRef idx="minor">
+            <a:schemeClr val="tx1"/>
+          </a:fontRef>
+        </p:style>
+      </p:cxnSp>
+      <p:cxnSp>
+        <p:nvCxnSpPr>
+          <p:cNvPr id="33" name="Straight Arrow Connector 32">
+            <a:extLst>
+              <a:ext uri="{FF2B5EF4-FFF2-40B4-BE49-F238E27FC236}">
+                <a16:creationId xmlns:a16="http://schemas.microsoft.com/office/drawing/2014/main" id="{6C6276CD-3702-4135-88DD-60BAB16D5390}"/>
+              </a:ext>
+            </a:extLst>
+          </p:cNvPr>
+          <p:cNvCxnSpPr>
+            <a:cxnSpLocks/>
+            <a:stCxn id="24" idx="0"/>
+          </p:cNvCxnSpPr>
+          <p:nvPr/>
+        </p:nvCxnSpPr>
+        <p:spPr>
+          <a:xfrm flipV="1">
+            <a:off x="1363519" y="3182861"/>
+            <a:ext cx="943848" cy="168550"/>
+          </a:xfrm>
+          <a:prstGeom prst="straightConnector1">
+            <a:avLst/>
+          </a:prstGeom>
+          <a:ln>
+            <a:solidFill>
+              <a:schemeClr val="tx1"/>
+            </a:solidFill>
+            <a:tailEnd type="triangle"/>
+          </a:ln>
+        </p:spPr>
+        <p:style>
+          <a:lnRef idx="1">
+            <a:schemeClr val="accent1"/>
+          </a:lnRef>
+          <a:fillRef idx="0">
+            <a:schemeClr val="accent1"/>
+          </a:fillRef>
+          <a:effectRef idx="0">
+            <a:schemeClr val="accent1"/>
+          </a:effectRef>
+          <a:fontRef idx="minor">
+            <a:schemeClr val="tx1"/>
+          </a:fontRef>
+        </p:style>
+      </p:cxnSp>
+      <p:cxnSp>
+        <p:nvCxnSpPr>
+          <p:cNvPr id="35" name="Straight Arrow Connector 34">
+            <a:extLst>
+              <a:ext uri="{FF2B5EF4-FFF2-40B4-BE49-F238E27FC236}">
+                <a16:creationId xmlns:a16="http://schemas.microsoft.com/office/drawing/2014/main" id="{058AE6BC-9B0D-496A-AB1B-873B52B9C9A7}"/>
+              </a:ext>
+            </a:extLst>
+          </p:cNvPr>
+          <p:cNvCxnSpPr/>
+          <p:nvPr/>
+        </p:nvCxnSpPr>
+        <p:spPr>
+          <a:xfrm>
+            <a:off x="3715428" y="2438401"/>
+            <a:ext cx="1286674" cy="0"/>
+          </a:xfrm>
+          <a:prstGeom prst="straightConnector1">
+            <a:avLst/>
+          </a:prstGeom>
+          <a:ln>
+            <a:solidFill>
+              <a:schemeClr val="tx1"/>
+            </a:solidFill>
+            <a:tailEnd type="triangle"/>
+          </a:ln>
+        </p:spPr>
+        <p:style>
+          <a:lnRef idx="1">
+            <a:schemeClr val="accent1"/>
+          </a:lnRef>
+          <a:fillRef idx="0">
+            <a:schemeClr val="accent1"/>
+          </a:fillRef>
+          <a:effectRef idx="0">
+            <a:schemeClr val="accent1"/>
+          </a:effectRef>
+          <a:fontRef idx="minor">
+            <a:schemeClr val="tx1"/>
+          </a:fontRef>
+        </p:style>
+      </p:cxnSp>
+    </p:spTree>
+    <p:extLst>
+      <p:ext uri="{BB962C8B-B14F-4D97-AF65-F5344CB8AC3E}">
+        <p14:creationId xmlns:p14="http://schemas.microsoft.com/office/powerpoint/2010/main" val="1406605499"/>
       </p:ext>
     </p:extLst>
   </p:cSld>
